--- a/user-engagement/fpp-presentation.pptx
+++ b/user-engagement/fpp-presentation.pptx
@@ -7,6 +7,8 @@
   <p:sldIdLst>
     <p:sldId id="256" r:id="rId2"/>
     <p:sldId id="257" r:id="rId3"/>
+    <p:sldId id="258" r:id="rId4"/>
+    <p:sldId id="259" r:id="rId5"/>
   </p:sldIdLst>
   <p:sldSz cx="12192000" cy="6858000"/>
   <p:notesSz cx="6858000" cy="9144000"/>
@@ -262,7 +264,7 @@
           <a:p>
             <a:fld id="{CAAB38E9-6A6F-4A20-AE79-6273898C48E9}" type="datetimeFigureOut">
               <a:rPr lang="en-GB" smtClean="0"/>
-              <a:t>24/06/2021</a:t>
+              <a:t>25/06/2021</a:t>
             </a:fld>
             <a:endParaRPr lang="en-GB"/>
           </a:p>
@@ -462,7 +464,7 @@
           <a:p>
             <a:fld id="{CAAB38E9-6A6F-4A20-AE79-6273898C48E9}" type="datetimeFigureOut">
               <a:rPr lang="en-GB" smtClean="0"/>
-              <a:t>24/06/2021</a:t>
+              <a:t>25/06/2021</a:t>
             </a:fld>
             <a:endParaRPr lang="en-GB"/>
           </a:p>
@@ -672,7 +674,7 @@
           <a:p>
             <a:fld id="{CAAB38E9-6A6F-4A20-AE79-6273898C48E9}" type="datetimeFigureOut">
               <a:rPr lang="en-GB" smtClean="0"/>
-              <a:t>24/06/2021</a:t>
+              <a:t>25/06/2021</a:t>
             </a:fld>
             <a:endParaRPr lang="en-GB"/>
           </a:p>
@@ -872,7 +874,7 @@
           <a:p>
             <a:fld id="{CAAB38E9-6A6F-4A20-AE79-6273898C48E9}" type="datetimeFigureOut">
               <a:rPr lang="en-GB" smtClean="0"/>
-              <a:t>24/06/2021</a:t>
+              <a:t>25/06/2021</a:t>
             </a:fld>
             <a:endParaRPr lang="en-GB"/>
           </a:p>
@@ -1148,7 +1150,7 @@
           <a:p>
             <a:fld id="{CAAB38E9-6A6F-4A20-AE79-6273898C48E9}" type="datetimeFigureOut">
               <a:rPr lang="en-GB" smtClean="0"/>
-              <a:t>24/06/2021</a:t>
+              <a:t>25/06/2021</a:t>
             </a:fld>
             <a:endParaRPr lang="en-GB"/>
           </a:p>
@@ -1416,7 +1418,7 @@
           <a:p>
             <a:fld id="{CAAB38E9-6A6F-4A20-AE79-6273898C48E9}" type="datetimeFigureOut">
               <a:rPr lang="en-GB" smtClean="0"/>
-              <a:t>24/06/2021</a:t>
+              <a:t>25/06/2021</a:t>
             </a:fld>
             <a:endParaRPr lang="en-GB"/>
           </a:p>
@@ -1831,7 +1833,7 @@
           <a:p>
             <a:fld id="{CAAB38E9-6A6F-4A20-AE79-6273898C48E9}" type="datetimeFigureOut">
               <a:rPr lang="en-GB" smtClean="0"/>
-              <a:t>24/06/2021</a:t>
+              <a:t>25/06/2021</a:t>
             </a:fld>
             <a:endParaRPr lang="en-GB"/>
           </a:p>
@@ -1973,7 +1975,7 @@
           <a:p>
             <a:fld id="{CAAB38E9-6A6F-4A20-AE79-6273898C48E9}" type="datetimeFigureOut">
               <a:rPr lang="en-GB" smtClean="0"/>
-              <a:t>24/06/2021</a:t>
+              <a:t>25/06/2021</a:t>
             </a:fld>
             <a:endParaRPr lang="en-GB"/>
           </a:p>
@@ -2086,7 +2088,7 @@
           <a:p>
             <a:fld id="{CAAB38E9-6A6F-4A20-AE79-6273898C48E9}" type="datetimeFigureOut">
               <a:rPr lang="en-GB" smtClean="0"/>
-              <a:t>24/06/2021</a:t>
+              <a:t>25/06/2021</a:t>
             </a:fld>
             <a:endParaRPr lang="en-GB"/>
           </a:p>
@@ -2399,7 +2401,7 @@
           <a:p>
             <a:fld id="{CAAB38E9-6A6F-4A20-AE79-6273898C48E9}" type="datetimeFigureOut">
               <a:rPr lang="en-GB" smtClean="0"/>
-              <a:t>24/06/2021</a:t>
+              <a:t>25/06/2021</a:t>
             </a:fld>
             <a:endParaRPr lang="en-GB"/>
           </a:p>
@@ -2688,7 +2690,7 @@
           <a:p>
             <a:fld id="{CAAB38E9-6A6F-4A20-AE79-6273898C48E9}" type="datetimeFigureOut">
               <a:rPr lang="en-GB" smtClean="0"/>
-              <a:t>24/06/2021</a:t>
+              <a:t>25/06/2021</a:t>
             </a:fld>
             <a:endParaRPr lang="en-GB"/>
           </a:p>
@@ -2931,7 +2933,7 @@
           <a:p>
             <a:fld id="{CAAB38E9-6A6F-4A20-AE79-6273898C48E9}" type="datetimeFigureOut">
               <a:rPr lang="en-GB" smtClean="0"/>
-              <a:t>24/06/2021</a:t>
+              <a:t>25/06/2021</a:t>
             </a:fld>
             <a:endParaRPr lang="en-GB"/>
           </a:p>
@@ -3363,7 +3365,7 @@
         <p:spPr>
           <a:xfrm>
             <a:off x="625503" y="594360"/>
-            <a:ext cx="10925092" cy="6463308"/>
+            <a:ext cx="10925092" cy="4247317"/>
           </a:xfrm>
           <a:prstGeom prst="rect">
             <a:avLst/>
@@ -3487,86 +3489,6 @@
             <a:r>
               <a:rPr lang="en-GB" dirty="0"/>
               <a:t>Show some of the output: mentions over time (1yr) from dash, show histogram of each topic, split mentions by party, most regular mention-er (name &amp; pic?), </a:t>
-            </a:r>
-          </a:p>
-          <a:p>
-            <a:pPr marL="285750" indent="-285750">
-              <a:buFontTx/>
-              <a:buChar char="-"/>
-            </a:pPr>
-            <a:r>
-              <a:rPr lang="en-GB" dirty="0"/>
-              <a:t>Next steps for project</a:t>
-            </a:r>
-          </a:p>
-          <a:p>
-            <a:pPr marL="742950" lvl="1" indent="-285750">
-              <a:buFontTx/>
-              <a:buChar char="-"/>
-            </a:pPr>
-            <a:r>
-              <a:rPr lang="en-GB" dirty="0"/>
-              <a:t>Live data</a:t>
-            </a:r>
-          </a:p>
-          <a:p>
-            <a:pPr marL="285750" indent="-285750">
-              <a:buFontTx/>
-              <a:buChar char="-"/>
-            </a:pPr>
-            <a:r>
-              <a:rPr lang="en-GB" dirty="0"/>
-              <a:t>Next steps overall:</a:t>
-            </a:r>
-          </a:p>
-          <a:p>
-            <a:pPr marL="742950" lvl="1" indent="-285750">
-              <a:buFontTx/>
-              <a:buChar char="-"/>
-            </a:pPr>
-            <a:r>
-              <a:rPr lang="en-GB" dirty="0"/>
-              <a:t>What else we could do with DS skills – give examples</a:t>
-            </a:r>
-          </a:p>
-          <a:p>
-            <a:pPr marL="742950" lvl="1" indent="-285750">
-              <a:buFontTx/>
-              <a:buChar char="-"/>
-            </a:pPr>
-            <a:r>
-              <a:rPr lang="en-GB" dirty="0"/>
-              <a:t>X-data gov possibilities for my Hansard work </a:t>
-            </a:r>
-          </a:p>
-          <a:p>
-            <a:pPr marL="1200150" lvl="2" indent="-285750">
-              <a:buFontTx/>
-              <a:buChar char="-"/>
-            </a:pPr>
-            <a:r>
-              <a:rPr lang="en-GB" dirty="0"/>
-              <a:t>Other departments may want to copy?</a:t>
-            </a:r>
-          </a:p>
-          <a:p>
-            <a:pPr marL="1200150" lvl="2" indent="-285750">
-              <a:buFontTx/>
-              <a:buChar char="-"/>
-            </a:pPr>
-            <a:r>
-              <a:rPr lang="en-GB" dirty="0"/>
-              <a:t>Go to Hansard directly – something they could build in to their site?</a:t>
-            </a:r>
-          </a:p>
-          <a:p>
-            <a:pPr marL="742950" lvl="1" indent="-285750">
-              <a:buFontTx/>
-              <a:buChar char="-"/>
-            </a:pPr>
-            <a:r>
-              <a:rPr lang="en-GB" dirty="0"/>
-              <a:t>Michael Hodge &gt; OSR interest in identifying mentions of statistics </a:t>
             </a:r>
           </a:p>
         </p:txBody>
@@ -3877,6 +3799,298 @@
     <p:extLst>
       <p:ext uri="{BB962C8B-B14F-4D97-AF65-F5344CB8AC3E}">
         <p14:creationId xmlns:p14="http://schemas.microsoft.com/office/powerpoint/2010/main" val="3536756216"/>
+      </p:ext>
+    </p:extLst>
+  </p:cSld>
+  <p:clrMapOvr>
+    <a:masterClrMapping/>
+  </p:clrMapOvr>
+</p:sld>
+</file>
+
+<file path=ppt/slides/slide3.xml><?xml version="1.0" encoding="utf-8"?>
+<p:sld xmlns:a="http://schemas.openxmlformats.org/drawingml/2006/main" xmlns:r="http://schemas.openxmlformats.org/officeDocument/2006/relationships" xmlns:p="http://schemas.openxmlformats.org/presentationml/2006/main">
+  <p:cSld>
+    <p:spTree>
+      <p:nvGrpSpPr>
+        <p:cNvPr id="1" name=""/>
+        <p:cNvGrpSpPr/>
+        <p:nvPr/>
+      </p:nvGrpSpPr>
+      <p:grpSpPr>
+        <a:xfrm>
+          <a:off x="0" y="0"/>
+          <a:ext cx="0" cy="0"/>
+          <a:chOff x="0" y="0"/>
+          <a:chExt cx="0" cy="0"/>
+        </a:xfrm>
+      </p:grpSpPr>
+      <p:sp>
+        <p:nvSpPr>
+          <p:cNvPr id="2" name="Title 1">
+            <a:extLst>
+              <a:ext uri="{FF2B5EF4-FFF2-40B4-BE49-F238E27FC236}">
+                <a16:creationId xmlns:a16="http://schemas.microsoft.com/office/drawing/2014/main" id="{B0F100FA-59D9-4F0B-B6B3-04F29CA19C49}"/>
+              </a:ext>
+            </a:extLst>
+          </p:cNvPr>
+          <p:cNvSpPr>
+            <a:spLocks noGrp="1"/>
+          </p:cNvSpPr>
+          <p:nvPr>
+            <p:ph type="title"/>
+          </p:nvPr>
+        </p:nvSpPr>
+        <p:spPr/>
+        <p:txBody>
+          <a:bodyPr/>
+          <a:lstStyle/>
+          <a:p>
+            <a:endParaRPr lang="en-GB"/>
+          </a:p>
+        </p:txBody>
+      </p:sp>
+      <p:sp>
+        <p:nvSpPr>
+          <p:cNvPr id="3" name="Content Placeholder 2">
+            <a:extLst>
+              <a:ext uri="{FF2B5EF4-FFF2-40B4-BE49-F238E27FC236}">
+                <a16:creationId xmlns:a16="http://schemas.microsoft.com/office/drawing/2014/main" id="{8EB09008-9B19-4E05-A946-426DA3DD2573}"/>
+              </a:ext>
+            </a:extLst>
+          </p:cNvPr>
+          <p:cNvSpPr>
+            <a:spLocks noGrp="1"/>
+          </p:cNvSpPr>
+          <p:nvPr>
+            <p:ph idx="1"/>
+          </p:nvPr>
+        </p:nvSpPr>
+        <p:spPr/>
+        <p:txBody>
+          <a:bodyPr/>
+          <a:lstStyle/>
+          <a:p>
+            <a:r>
+              <a:rPr lang="en-GB" dirty="0"/>
+              <a:t>Add some joke about wizards for Rhys!</a:t>
+            </a:r>
+          </a:p>
+        </p:txBody>
+      </p:sp>
+    </p:spTree>
+    <p:extLst>
+      <p:ext uri="{BB962C8B-B14F-4D97-AF65-F5344CB8AC3E}">
+        <p14:creationId xmlns:p14="http://schemas.microsoft.com/office/powerpoint/2010/main" val="2254089530"/>
+      </p:ext>
+    </p:extLst>
+  </p:cSld>
+  <p:clrMapOvr>
+    <a:masterClrMapping/>
+  </p:clrMapOvr>
+</p:sld>
+</file>
+
+<file path=ppt/slides/slide4.xml><?xml version="1.0" encoding="utf-8"?>
+<p:sld xmlns:a="http://schemas.openxmlformats.org/drawingml/2006/main" xmlns:r="http://schemas.openxmlformats.org/officeDocument/2006/relationships" xmlns:p="http://schemas.openxmlformats.org/presentationml/2006/main">
+  <p:cSld>
+    <p:spTree>
+      <p:nvGrpSpPr>
+        <p:cNvPr id="1" name=""/>
+        <p:cNvGrpSpPr/>
+        <p:nvPr/>
+      </p:nvGrpSpPr>
+      <p:grpSpPr>
+        <a:xfrm>
+          <a:off x="0" y="0"/>
+          <a:ext cx="0" cy="0"/>
+          <a:chOff x="0" y="0"/>
+          <a:chExt cx="0" cy="0"/>
+        </a:xfrm>
+      </p:grpSpPr>
+      <p:sp>
+        <p:nvSpPr>
+          <p:cNvPr id="2" name="Title 1">
+            <a:extLst>
+              <a:ext uri="{FF2B5EF4-FFF2-40B4-BE49-F238E27FC236}">
+                <a16:creationId xmlns:a16="http://schemas.microsoft.com/office/drawing/2014/main" id="{7A4E86CA-2429-4A25-90A9-6B3F570A06FA}"/>
+              </a:ext>
+            </a:extLst>
+          </p:cNvPr>
+          <p:cNvSpPr>
+            <a:spLocks noGrp="1"/>
+          </p:cNvSpPr>
+          <p:nvPr>
+            <p:ph type="title"/>
+          </p:nvPr>
+        </p:nvSpPr>
+        <p:spPr/>
+        <p:txBody>
+          <a:bodyPr/>
+          <a:lstStyle/>
+          <a:p>
+            <a:r>
+              <a:rPr lang="en-GB" dirty="0"/>
+              <a:t>Next Steps</a:t>
+            </a:r>
+          </a:p>
+        </p:txBody>
+      </p:sp>
+      <p:sp>
+        <p:nvSpPr>
+          <p:cNvPr id="3" name="Content Placeholder 2">
+            <a:extLst>
+              <a:ext uri="{FF2B5EF4-FFF2-40B4-BE49-F238E27FC236}">
+                <a16:creationId xmlns:a16="http://schemas.microsoft.com/office/drawing/2014/main" id="{06695A5B-FF49-4F69-9475-C86C4CF89959}"/>
+              </a:ext>
+            </a:extLst>
+          </p:cNvPr>
+          <p:cNvSpPr>
+            <a:spLocks noGrp="1"/>
+          </p:cNvSpPr>
+          <p:nvPr>
+            <p:ph idx="1"/>
+          </p:nvPr>
+        </p:nvSpPr>
+        <p:spPr/>
+        <p:txBody>
+          <a:bodyPr>
+            <a:normAutofit fontScale="70000" lnSpcReduction="20000"/>
+          </a:bodyPr>
+          <a:lstStyle/>
+          <a:p>
+            <a:pPr marL="285750" indent="-285750">
+              <a:buFontTx/>
+              <a:buChar char="-"/>
+            </a:pPr>
+            <a:r>
+              <a:rPr lang="en-GB" dirty="0"/>
+              <a:t>Next steps for project</a:t>
+            </a:r>
+          </a:p>
+          <a:p>
+            <a:pPr marL="742950" lvl="1" indent="-285750">
+              <a:buFontTx/>
+              <a:buChar char="-"/>
+            </a:pPr>
+            <a:r>
+              <a:rPr lang="en-GB" dirty="0"/>
+              <a:t>Live data</a:t>
+            </a:r>
+          </a:p>
+          <a:p>
+            <a:r>
+              <a:rPr lang="en-GB" dirty="0"/>
+              <a:t>Looking at govt policy papers (T&amp;F group)</a:t>
+            </a:r>
+          </a:p>
+          <a:p>
+            <a:pPr marL="285750" indent="-285750">
+              <a:buFontTx/>
+              <a:buChar char="-"/>
+            </a:pPr>
+            <a:r>
+              <a:rPr lang="en-GB" dirty="0"/>
+              <a:t>Next steps overall:</a:t>
+            </a:r>
+          </a:p>
+          <a:p>
+            <a:pPr marL="742950" lvl="1" indent="-285750">
+              <a:buFontTx/>
+              <a:buChar char="-"/>
+            </a:pPr>
+            <a:r>
+              <a:rPr lang="en-GB" dirty="0"/>
+              <a:t>What else we could do with DS skills – give examples</a:t>
+            </a:r>
+          </a:p>
+          <a:p>
+            <a:pPr marL="742950" lvl="1" indent="-285750">
+              <a:buFontTx/>
+              <a:buChar char="-"/>
+            </a:pPr>
+            <a:r>
+              <a:rPr lang="en-GB" dirty="0"/>
+              <a:t>X-data gov possibilities for my Hansard work </a:t>
+            </a:r>
+          </a:p>
+          <a:p>
+            <a:pPr marL="1200150" lvl="2" indent="-285750">
+              <a:buFontTx/>
+              <a:buChar char="-"/>
+            </a:pPr>
+            <a:r>
+              <a:rPr lang="en-GB" dirty="0"/>
+              <a:t>Other departments may want to copy?</a:t>
+            </a:r>
+          </a:p>
+          <a:p>
+            <a:pPr marL="1200150" lvl="2" indent="-285750">
+              <a:buFontTx/>
+              <a:buChar char="-"/>
+            </a:pPr>
+            <a:r>
+              <a:rPr lang="en-GB" dirty="0"/>
+              <a:t>Go to Hansard directly – something they could build in to their site?</a:t>
+            </a:r>
+          </a:p>
+          <a:p>
+            <a:pPr marL="742950" lvl="1" indent="-285750">
+              <a:buFontTx/>
+              <a:buChar char="-"/>
+            </a:pPr>
+            <a:r>
+              <a:rPr lang="en-GB" dirty="0"/>
+              <a:t>Michael Hodge &gt; OSR interest in identifying mentions of statistics </a:t>
+            </a:r>
+          </a:p>
+          <a:p>
+            <a:r>
+              <a:rPr lang="en-GB" dirty="0"/>
+              <a:t>Interest from other teams for similar work on other datasets</a:t>
+            </a:r>
+          </a:p>
+          <a:p>
+            <a:r>
+              <a:rPr lang="en-GB" dirty="0"/>
+              <a:t>Private sector - board reports/annual reports &gt; do ONS economic stats get mentioned?</a:t>
+            </a:r>
+          </a:p>
+          <a:p>
+            <a:r>
+              <a:rPr lang="en-GB" dirty="0"/>
+              <a:t>OSR -&gt; using </a:t>
+            </a:r>
+            <a:r>
+              <a:rPr lang="en-GB" dirty="0" err="1"/>
+              <a:t>hansard</a:t>
+            </a:r>
+            <a:r>
+              <a:rPr lang="en-GB" dirty="0"/>
+              <a:t> data to help with evaluating how stats are used (Michael Hodge). Identifying use of stats in parliament.</a:t>
+            </a:r>
+          </a:p>
+          <a:p>
+            <a:r>
+              <a:rPr lang="en-GB" dirty="0"/>
+              <a:t>Anything with quality of forecasting - still way out at the start and at end of FY find we're fine</a:t>
+            </a:r>
+          </a:p>
+          <a:p>
+            <a:r>
+              <a:rPr lang="en-GB" dirty="0"/>
+              <a:t>Vacancies - creating model that updates with the latest data each month(?)</a:t>
+            </a:r>
+          </a:p>
+          <a:p>
+            <a:endParaRPr lang="en-GB" dirty="0"/>
+          </a:p>
+        </p:txBody>
+      </p:sp>
+    </p:spTree>
+    <p:extLst>
+      <p:ext uri="{BB962C8B-B14F-4D97-AF65-F5344CB8AC3E}">
+        <p14:creationId xmlns:p14="http://schemas.microsoft.com/office/powerpoint/2010/main" val="1230815884"/>
       </p:ext>
     </p:extLst>
   </p:cSld>

--- a/user-engagement/fpp-presentation.pptx
+++ b/user-engagement/fpp-presentation.pptx
@@ -3,12 +3,23 @@
 <p:presentation xmlns:a="http://schemas.openxmlformats.org/drawingml/2006/main" xmlns:r="http://schemas.openxmlformats.org/officeDocument/2006/relationships" xmlns:p="http://schemas.openxmlformats.org/presentationml/2006/main" saveSubsetFonts="1">
   <p:sldMasterIdLst>
     <p:sldMasterId id="2147483648" r:id="rId1"/>
+    <p:sldMasterId id="2147483660" r:id="rId2"/>
   </p:sldMasterIdLst>
+  <p:notesMasterIdLst>
+    <p:notesMasterId r:id="rId14"/>
+  </p:notesMasterIdLst>
   <p:sldIdLst>
-    <p:sldId id="256" r:id="rId2"/>
-    <p:sldId id="257" r:id="rId3"/>
-    <p:sldId id="258" r:id="rId4"/>
-    <p:sldId id="259" r:id="rId5"/>
+    <p:sldId id="417" r:id="rId3"/>
+    <p:sldId id="418" r:id="rId4"/>
+    <p:sldId id="425" r:id="rId5"/>
+    <p:sldId id="426" r:id="rId6"/>
+    <p:sldId id="420" r:id="rId7"/>
+    <p:sldId id="421" r:id="rId8"/>
+    <p:sldId id="427" r:id="rId9"/>
+    <p:sldId id="428" r:id="rId10"/>
+    <p:sldId id="422" r:id="rId11"/>
+    <p:sldId id="423" r:id="rId12"/>
+    <p:sldId id="258" r:id="rId13"/>
   </p:sldIdLst>
   <p:sldSz cx="12192000" cy="6858000"/>
   <p:notesSz cx="6858000" cy="9144000"/>
@@ -115,6 +126,915 @@
 </p:presentation>
 </file>
 
+<file path=ppt/notesMasters/notesMaster1.xml><?xml version="1.0" encoding="utf-8"?>
+<p:notesMaster xmlns:a="http://schemas.openxmlformats.org/drawingml/2006/main" xmlns:r="http://schemas.openxmlformats.org/officeDocument/2006/relationships" xmlns:p="http://schemas.openxmlformats.org/presentationml/2006/main">
+  <p:cSld>
+    <p:bg>
+      <p:bgRef idx="1001">
+        <a:schemeClr val="bg1"/>
+      </p:bgRef>
+    </p:bg>
+    <p:spTree>
+      <p:nvGrpSpPr>
+        <p:cNvPr id="1" name=""/>
+        <p:cNvGrpSpPr/>
+        <p:nvPr/>
+      </p:nvGrpSpPr>
+      <p:grpSpPr>
+        <a:xfrm>
+          <a:off x="0" y="0"/>
+          <a:ext cx="0" cy="0"/>
+          <a:chOff x="0" y="0"/>
+          <a:chExt cx="0" cy="0"/>
+        </a:xfrm>
+      </p:grpSpPr>
+      <p:sp>
+        <p:nvSpPr>
+          <p:cNvPr id="2" name="Header Placeholder 1"/>
+          <p:cNvSpPr>
+            <a:spLocks noGrp="1"/>
+          </p:cNvSpPr>
+          <p:nvPr>
+            <p:ph type="hdr" sz="quarter"/>
+          </p:nvPr>
+        </p:nvSpPr>
+        <p:spPr>
+          <a:xfrm>
+            <a:off x="0" y="0"/>
+            <a:ext cx="2971800" cy="458788"/>
+          </a:xfrm>
+          <a:prstGeom prst="rect">
+            <a:avLst/>
+          </a:prstGeom>
+        </p:spPr>
+        <p:txBody>
+          <a:bodyPr vert="horz" lIns="91440" tIns="45720" rIns="91440" bIns="45720" rtlCol="0"/>
+          <a:lstStyle>
+            <a:lvl1pPr algn="l">
+              <a:defRPr sz="1200"/>
+            </a:lvl1pPr>
+          </a:lstStyle>
+          <a:p>
+            <a:endParaRPr lang="en-GB"/>
+          </a:p>
+        </p:txBody>
+      </p:sp>
+      <p:sp>
+        <p:nvSpPr>
+          <p:cNvPr id="3" name="Date Placeholder 2"/>
+          <p:cNvSpPr>
+            <a:spLocks noGrp="1"/>
+          </p:cNvSpPr>
+          <p:nvPr>
+            <p:ph type="dt" idx="1"/>
+          </p:nvPr>
+        </p:nvSpPr>
+        <p:spPr>
+          <a:xfrm>
+            <a:off x="3884613" y="0"/>
+            <a:ext cx="2971800" cy="458788"/>
+          </a:xfrm>
+          <a:prstGeom prst="rect">
+            <a:avLst/>
+          </a:prstGeom>
+        </p:spPr>
+        <p:txBody>
+          <a:bodyPr vert="horz" lIns="91440" tIns="45720" rIns="91440" bIns="45720" rtlCol="0"/>
+          <a:lstStyle>
+            <a:lvl1pPr algn="r">
+              <a:defRPr sz="1200"/>
+            </a:lvl1pPr>
+          </a:lstStyle>
+          <a:p>
+            <a:fld id="{DAB43238-E528-4A38-8877-220BCE7DA118}" type="datetimeFigureOut">
+              <a:rPr lang="en-GB" smtClean="0"/>
+              <a:t>29/06/2021</a:t>
+            </a:fld>
+            <a:endParaRPr lang="en-GB"/>
+          </a:p>
+        </p:txBody>
+      </p:sp>
+      <p:sp>
+        <p:nvSpPr>
+          <p:cNvPr id="4" name="Slide Image Placeholder 3"/>
+          <p:cNvSpPr>
+            <a:spLocks noGrp="1" noRot="1" noChangeAspect="1"/>
+          </p:cNvSpPr>
+          <p:nvPr>
+            <p:ph type="sldImg" idx="2"/>
+          </p:nvPr>
+        </p:nvSpPr>
+        <p:spPr>
+          <a:xfrm>
+            <a:off x="685800" y="1143000"/>
+            <a:ext cx="5486400" cy="3086100"/>
+          </a:xfrm>
+          <a:prstGeom prst="rect">
+            <a:avLst/>
+          </a:prstGeom>
+          <a:noFill/>
+          <a:ln w="12700">
+            <a:solidFill>
+              <a:prstClr val="black"/>
+            </a:solidFill>
+          </a:ln>
+        </p:spPr>
+        <p:txBody>
+          <a:bodyPr vert="horz" lIns="91440" tIns="45720" rIns="91440" bIns="45720" rtlCol="0" anchor="ctr"/>
+          <a:lstStyle/>
+          <a:p>
+            <a:endParaRPr lang="en-GB"/>
+          </a:p>
+        </p:txBody>
+      </p:sp>
+      <p:sp>
+        <p:nvSpPr>
+          <p:cNvPr id="5" name="Notes Placeholder 4"/>
+          <p:cNvSpPr>
+            <a:spLocks noGrp="1"/>
+          </p:cNvSpPr>
+          <p:nvPr>
+            <p:ph type="body" sz="quarter" idx="3"/>
+          </p:nvPr>
+        </p:nvSpPr>
+        <p:spPr>
+          <a:xfrm>
+            <a:off x="685800" y="4400550"/>
+            <a:ext cx="5486400" cy="3600450"/>
+          </a:xfrm>
+          <a:prstGeom prst="rect">
+            <a:avLst/>
+          </a:prstGeom>
+        </p:spPr>
+        <p:txBody>
+          <a:bodyPr vert="horz" lIns="91440" tIns="45720" rIns="91440" bIns="45720" rtlCol="0"/>
+          <a:lstStyle/>
+          <a:p>
+            <a:pPr lvl="0"/>
+            <a:r>
+              <a:rPr lang="en-US"/>
+              <a:t>Click to edit Master text styles</a:t>
+            </a:r>
+          </a:p>
+          <a:p>
+            <a:pPr lvl="1"/>
+            <a:r>
+              <a:rPr lang="en-US"/>
+              <a:t>Second level</a:t>
+            </a:r>
+          </a:p>
+          <a:p>
+            <a:pPr lvl="2"/>
+            <a:r>
+              <a:rPr lang="en-US"/>
+              <a:t>Third level</a:t>
+            </a:r>
+          </a:p>
+          <a:p>
+            <a:pPr lvl="3"/>
+            <a:r>
+              <a:rPr lang="en-US"/>
+              <a:t>Fourth level</a:t>
+            </a:r>
+          </a:p>
+          <a:p>
+            <a:pPr lvl="4"/>
+            <a:r>
+              <a:rPr lang="en-US"/>
+              <a:t>Fifth level</a:t>
+            </a:r>
+            <a:endParaRPr lang="en-GB"/>
+          </a:p>
+        </p:txBody>
+      </p:sp>
+      <p:sp>
+        <p:nvSpPr>
+          <p:cNvPr id="6" name="Footer Placeholder 5"/>
+          <p:cNvSpPr>
+            <a:spLocks noGrp="1"/>
+          </p:cNvSpPr>
+          <p:nvPr>
+            <p:ph type="ftr" sz="quarter" idx="4"/>
+          </p:nvPr>
+        </p:nvSpPr>
+        <p:spPr>
+          <a:xfrm>
+            <a:off x="0" y="8685213"/>
+            <a:ext cx="2971800" cy="458787"/>
+          </a:xfrm>
+          <a:prstGeom prst="rect">
+            <a:avLst/>
+          </a:prstGeom>
+        </p:spPr>
+        <p:txBody>
+          <a:bodyPr vert="horz" lIns="91440" tIns="45720" rIns="91440" bIns="45720" rtlCol="0" anchor="b"/>
+          <a:lstStyle>
+            <a:lvl1pPr algn="l">
+              <a:defRPr sz="1200"/>
+            </a:lvl1pPr>
+          </a:lstStyle>
+          <a:p>
+            <a:endParaRPr lang="en-GB"/>
+          </a:p>
+        </p:txBody>
+      </p:sp>
+      <p:sp>
+        <p:nvSpPr>
+          <p:cNvPr id="7" name="Slide Number Placeholder 6"/>
+          <p:cNvSpPr>
+            <a:spLocks noGrp="1"/>
+          </p:cNvSpPr>
+          <p:nvPr>
+            <p:ph type="sldNum" sz="quarter" idx="5"/>
+          </p:nvPr>
+        </p:nvSpPr>
+        <p:spPr>
+          <a:xfrm>
+            <a:off x="3884613" y="8685213"/>
+            <a:ext cx="2971800" cy="458787"/>
+          </a:xfrm>
+          <a:prstGeom prst="rect">
+            <a:avLst/>
+          </a:prstGeom>
+        </p:spPr>
+        <p:txBody>
+          <a:bodyPr vert="horz" lIns="91440" tIns="45720" rIns="91440" bIns="45720" rtlCol="0" anchor="b"/>
+          <a:lstStyle>
+            <a:lvl1pPr algn="r">
+              <a:defRPr sz="1200"/>
+            </a:lvl1pPr>
+          </a:lstStyle>
+          <a:p>
+            <a:fld id="{86546826-96BA-4624-A10C-6B069BA71481}" type="slidenum">
+              <a:rPr lang="en-GB" smtClean="0"/>
+              <a:t>‹#›</a:t>
+            </a:fld>
+            <a:endParaRPr lang="en-GB"/>
+          </a:p>
+        </p:txBody>
+      </p:sp>
+    </p:spTree>
+    <p:extLst>
+      <p:ext uri="{BB962C8B-B14F-4D97-AF65-F5344CB8AC3E}">
+        <p14:creationId xmlns:p14="http://schemas.microsoft.com/office/powerpoint/2010/main" val="196522601"/>
+      </p:ext>
+    </p:extLst>
+  </p:cSld>
+  <p:clrMap bg1="lt1" tx1="dk1" bg2="lt2" tx2="dk2" accent1="accent1" accent2="accent2" accent3="accent3" accent4="accent4" accent5="accent5" accent6="accent6" hlink="hlink" folHlink="folHlink"/>
+  <p:notesStyle>
+    <a:lvl1pPr marL="0" algn="l" defTabSz="914400" rtl="0" eaLnBrk="1" latinLnBrk="0" hangingPunct="1">
+      <a:defRPr sz="1200" kern="1200">
+        <a:solidFill>
+          <a:schemeClr val="tx1"/>
+        </a:solidFill>
+        <a:latin typeface="+mn-lt"/>
+        <a:ea typeface="+mn-ea"/>
+        <a:cs typeface="+mn-cs"/>
+      </a:defRPr>
+    </a:lvl1pPr>
+    <a:lvl2pPr marL="457200" algn="l" defTabSz="914400" rtl="0" eaLnBrk="1" latinLnBrk="0" hangingPunct="1">
+      <a:defRPr sz="1200" kern="1200">
+        <a:solidFill>
+          <a:schemeClr val="tx1"/>
+        </a:solidFill>
+        <a:latin typeface="+mn-lt"/>
+        <a:ea typeface="+mn-ea"/>
+        <a:cs typeface="+mn-cs"/>
+      </a:defRPr>
+    </a:lvl2pPr>
+    <a:lvl3pPr marL="914400" algn="l" defTabSz="914400" rtl="0" eaLnBrk="1" latinLnBrk="0" hangingPunct="1">
+      <a:defRPr sz="1200" kern="1200">
+        <a:solidFill>
+          <a:schemeClr val="tx1"/>
+        </a:solidFill>
+        <a:latin typeface="+mn-lt"/>
+        <a:ea typeface="+mn-ea"/>
+        <a:cs typeface="+mn-cs"/>
+      </a:defRPr>
+    </a:lvl3pPr>
+    <a:lvl4pPr marL="1371600" algn="l" defTabSz="914400" rtl="0" eaLnBrk="1" latinLnBrk="0" hangingPunct="1">
+      <a:defRPr sz="1200" kern="1200">
+        <a:solidFill>
+          <a:schemeClr val="tx1"/>
+        </a:solidFill>
+        <a:latin typeface="+mn-lt"/>
+        <a:ea typeface="+mn-ea"/>
+        <a:cs typeface="+mn-cs"/>
+      </a:defRPr>
+    </a:lvl4pPr>
+    <a:lvl5pPr marL="1828800" algn="l" defTabSz="914400" rtl="0" eaLnBrk="1" latinLnBrk="0" hangingPunct="1">
+      <a:defRPr sz="1200" kern="1200">
+        <a:solidFill>
+          <a:schemeClr val="tx1"/>
+        </a:solidFill>
+        <a:latin typeface="+mn-lt"/>
+        <a:ea typeface="+mn-ea"/>
+        <a:cs typeface="+mn-cs"/>
+      </a:defRPr>
+    </a:lvl5pPr>
+    <a:lvl6pPr marL="2286000" algn="l" defTabSz="914400" rtl="0" eaLnBrk="1" latinLnBrk="0" hangingPunct="1">
+      <a:defRPr sz="1200" kern="1200">
+        <a:solidFill>
+          <a:schemeClr val="tx1"/>
+        </a:solidFill>
+        <a:latin typeface="+mn-lt"/>
+        <a:ea typeface="+mn-ea"/>
+        <a:cs typeface="+mn-cs"/>
+      </a:defRPr>
+    </a:lvl6pPr>
+    <a:lvl7pPr marL="2743200" algn="l" defTabSz="914400" rtl="0" eaLnBrk="1" latinLnBrk="0" hangingPunct="1">
+      <a:defRPr sz="1200" kern="1200">
+        <a:solidFill>
+          <a:schemeClr val="tx1"/>
+        </a:solidFill>
+        <a:latin typeface="+mn-lt"/>
+        <a:ea typeface="+mn-ea"/>
+        <a:cs typeface="+mn-cs"/>
+      </a:defRPr>
+    </a:lvl7pPr>
+    <a:lvl8pPr marL="3200400" algn="l" defTabSz="914400" rtl="0" eaLnBrk="1" latinLnBrk="0" hangingPunct="1">
+      <a:defRPr sz="1200" kern="1200">
+        <a:solidFill>
+          <a:schemeClr val="tx1"/>
+        </a:solidFill>
+        <a:latin typeface="+mn-lt"/>
+        <a:ea typeface="+mn-ea"/>
+        <a:cs typeface="+mn-cs"/>
+      </a:defRPr>
+    </a:lvl8pPr>
+    <a:lvl9pPr marL="3657600" algn="l" defTabSz="914400" rtl="0" eaLnBrk="1" latinLnBrk="0" hangingPunct="1">
+      <a:defRPr sz="1200" kern="1200">
+        <a:solidFill>
+          <a:schemeClr val="tx1"/>
+        </a:solidFill>
+        <a:latin typeface="+mn-lt"/>
+        <a:ea typeface="+mn-ea"/>
+        <a:cs typeface="+mn-cs"/>
+      </a:defRPr>
+    </a:lvl9pPr>
+  </p:notesStyle>
+</p:notesMaster>
+</file>
+
+<file path=ppt/notesSlides/notesSlide1.xml><?xml version="1.0" encoding="utf-8"?>
+<p:notes xmlns:a="http://schemas.openxmlformats.org/drawingml/2006/main" xmlns:r="http://schemas.openxmlformats.org/officeDocument/2006/relationships" xmlns:p="http://schemas.openxmlformats.org/presentationml/2006/main">
+  <p:cSld>
+    <p:spTree>
+      <p:nvGrpSpPr>
+        <p:cNvPr id="1" name=""/>
+        <p:cNvGrpSpPr/>
+        <p:nvPr/>
+      </p:nvGrpSpPr>
+      <p:grpSpPr>
+        <a:xfrm>
+          <a:off x="0" y="0"/>
+          <a:ext cx="0" cy="0"/>
+          <a:chOff x="0" y="0"/>
+          <a:chExt cx="0" cy="0"/>
+        </a:xfrm>
+      </p:grpSpPr>
+      <p:sp>
+        <p:nvSpPr>
+          <p:cNvPr id="2" name="Slide Image Placeholder 1"/>
+          <p:cNvSpPr>
+            <a:spLocks noGrp="1" noRot="1" noChangeAspect="1"/>
+          </p:cNvSpPr>
+          <p:nvPr>
+            <p:ph type="sldImg"/>
+          </p:nvPr>
+        </p:nvSpPr>
+        <p:spPr/>
+      </p:sp>
+      <p:sp>
+        <p:nvSpPr>
+          <p:cNvPr id="3" name="Notes Placeholder 2"/>
+          <p:cNvSpPr>
+            <a:spLocks noGrp="1"/>
+          </p:cNvSpPr>
+          <p:nvPr>
+            <p:ph type="body" idx="1"/>
+          </p:nvPr>
+        </p:nvSpPr>
+        <p:spPr/>
+        <p:txBody>
+          <a:bodyPr/>
+          <a:lstStyle/>
+          <a:p>
+            <a:pPr marL="0" indent="0">
+              <a:buFontTx/>
+              <a:buNone/>
+            </a:pPr>
+            <a:endParaRPr lang="en-GB" dirty="0"/>
+          </a:p>
+        </p:txBody>
+      </p:sp>
+      <p:sp>
+        <p:nvSpPr>
+          <p:cNvPr id="4" name="Slide Number Placeholder 3"/>
+          <p:cNvSpPr>
+            <a:spLocks noGrp="1"/>
+          </p:cNvSpPr>
+          <p:nvPr>
+            <p:ph type="sldNum" sz="quarter" idx="5"/>
+          </p:nvPr>
+        </p:nvSpPr>
+        <p:spPr/>
+        <p:txBody>
+          <a:bodyPr/>
+          <a:lstStyle/>
+          <a:p>
+            <a:pPr marL="0" marR="0" lvl="0" indent="0" algn="r" defTabSz="914400" rtl="0" eaLnBrk="1" fontAlgn="auto" latinLnBrk="0" hangingPunct="1">
+              <a:lnSpc>
+                <a:spcPct val="100000"/>
+              </a:lnSpc>
+              <a:spcBef>
+                <a:spcPts val="0"/>
+              </a:spcBef>
+              <a:spcAft>
+                <a:spcPts val="0"/>
+              </a:spcAft>
+              <a:buClrTx/>
+              <a:buSzTx/>
+              <a:buFontTx/>
+              <a:buNone/>
+              <a:tabLst/>
+              <a:defRPr/>
+            </a:pPr>
+            <a:fld id="{D5D14365-82F2-49CE-97EF-045AA251D32F}" type="slidenum">
+              <a:rPr kumimoji="0" lang="en-GB" sz="1200" b="0" i="0" u="none" strike="noStrike" kern="1200" cap="none" spc="0" normalizeH="0" baseline="0" noProof="0" smtClean="0">
+                <a:ln>
+                  <a:noFill/>
+                </a:ln>
+                <a:solidFill>
+                  <a:prstClr val="black"/>
+                </a:solidFill>
+                <a:effectLst/>
+                <a:uLnTx/>
+                <a:uFillTx/>
+                <a:latin typeface="Calibri" panose="020F0502020204030204"/>
+                <a:ea typeface="+mn-ea"/>
+                <a:cs typeface="+mn-cs"/>
+              </a:rPr>
+              <a:pPr marL="0" marR="0" lvl="0" indent="0" algn="r" defTabSz="914400" rtl="0" eaLnBrk="1" fontAlgn="auto" latinLnBrk="0" hangingPunct="1">
+                <a:lnSpc>
+                  <a:spcPct val="100000"/>
+                </a:lnSpc>
+                <a:spcBef>
+                  <a:spcPts val="0"/>
+                </a:spcBef>
+                <a:spcAft>
+                  <a:spcPts val="0"/>
+                </a:spcAft>
+                <a:buClrTx/>
+                <a:buSzTx/>
+                <a:buFontTx/>
+                <a:buNone/>
+                <a:tabLst/>
+                <a:defRPr/>
+              </a:pPr>
+              <a:t>2</a:t>
+            </a:fld>
+            <a:endParaRPr kumimoji="0" lang="en-GB" sz="1200" b="0" i="0" u="none" strike="noStrike" kern="1200" cap="none" spc="0" normalizeH="0" baseline="0" noProof="0">
+              <a:ln>
+                <a:noFill/>
+              </a:ln>
+              <a:solidFill>
+                <a:prstClr val="black"/>
+              </a:solidFill>
+              <a:effectLst/>
+              <a:uLnTx/>
+              <a:uFillTx/>
+              <a:latin typeface="Calibri" panose="020F0502020204030204"/>
+              <a:ea typeface="+mn-ea"/>
+              <a:cs typeface="+mn-cs"/>
+            </a:endParaRPr>
+          </a:p>
+        </p:txBody>
+      </p:sp>
+    </p:spTree>
+    <p:extLst>
+      <p:ext uri="{BB962C8B-B14F-4D97-AF65-F5344CB8AC3E}">
+        <p14:creationId xmlns:p14="http://schemas.microsoft.com/office/powerpoint/2010/main" val="1117588087"/>
+      </p:ext>
+    </p:extLst>
+  </p:cSld>
+  <p:clrMapOvr>
+    <a:masterClrMapping/>
+  </p:clrMapOvr>
+</p:notes>
+</file>
+
+<file path=ppt/notesSlides/notesSlide2.xml><?xml version="1.0" encoding="utf-8"?>
+<p:notes xmlns:a="http://schemas.openxmlformats.org/drawingml/2006/main" xmlns:r="http://schemas.openxmlformats.org/officeDocument/2006/relationships" xmlns:p="http://schemas.openxmlformats.org/presentationml/2006/main">
+  <p:cSld>
+    <p:spTree>
+      <p:nvGrpSpPr>
+        <p:cNvPr id="1" name=""/>
+        <p:cNvGrpSpPr/>
+        <p:nvPr/>
+      </p:nvGrpSpPr>
+      <p:grpSpPr>
+        <a:xfrm>
+          <a:off x="0" y="0"/>
+          <a:ext cx="0" cy="0"/>
+          <a:chOff x="0" y="0"/>
+          <a:chExt cx="0" cy="0"/>
+        </a:xfrm>
+      </p:grpSpPr>
+      <p:sp>
+        <p:nvSpPr>
+          <p:cNvPr id="2" name="Slide Image Placeholder 1"/>
+          <p:cNvSpPr>
+            <a:spLocks noGrp="1" noRot="1" noChangeAspect="1"/>
+          </p:cNvSpPr>
+          <p:nvPr>
+            <p:ph type="sldImg"/>
+          </p:nvPr>
+        </p:nvSpPr>
+        <p:spPr/>
+      </p:sp>
+      <p:sp>
+        <p:nvSpPr>
+          <p:cNvPr id="3" name="Notes Placeholder 2"/>
+          <p:cNvSpPr>
+            <a:spLocks noGrp="1"/>
+          </p:cNvSpPr>
+          <p:nvPr>
+            <p:ph type="body" idx="1"/>
+          </p:nvPr>
+        </p:nvSpPr>
+        <p:spPr/>
+        <p:txBody>
+          <a:bodyPr/>
+          <a:lstStyle/>
+          <a:p>
+            <a:pPr marL="171450" indent="-171450">
+              <a:buFontTx/>
+              <a:buChar char="-"/>
+            </a:pPr>
+            <a:endParaRPr lang="en-GB" dirty="0"/>
+          </a:p>
+        </p:txBody>
+      </p:sp>
+      <p:sp>
+        <p:nvSpPr>
+          <p:cNvPr id="4" name="Slide Number Placeholder 3"/>
+          <p:cNvSpPr>
+            <a:spLocks noGrp="1"/>
+          </p:cNvSpPr>
+          <p:nvPr>
+            <p:ph type="sldNum" sz="quarter" idx="5"/>
+          </p:nvPr>
+        </p:nvSpPr>
+        <p:spPr/>
+        <p:txBody>
+          <a:bodyPr/>
+          <a:lstStyle/>
+          <a:p>
+            <a:pPr marL="0" marR="0" lvl="0" indent="0" algn="r" defTabSz="914400" rtl="0" eaLnBrk="1" fontAlgn="auto" latinLnBrk="0" hangingPunct="1">
+              <a:lnSpc>
+                <a:spcPct val="100000"/>
+              </a:lnSpc>
+              <a:spcBef>
+                <a:spcPts val="0"/>
+              </a:spcBef>
+              <a:spcAft>
+                <a:spcPts val="0"/>
+              </a:spcAft>
+              <a:buClrTx/>
+              <a:buSzTx/>
+              <a:buFontTx/>
+              <a:buNone/>
+              <a:tabLst/>
+              <a:defRPr/>
+            </a:pPr>
+            <a:fld id="{D5D14365-82F2-49CE-97EF-045AA251D32F}" type="slidenum">
+              <a:rPr kumimoji="0" lang="en-GB" sz="1200" b="0" i="0" u="none" strike="noStrike" kern="1200" cap="none" spc="0" normalizeH="0" baseline="0" noProof="0" smtClean="0">
+                <a:ln>
+                  <a:noFill/>
+                </a:ln>
+                <a:solidFill>
+                  <a:prstClr val="black"/>
+                </a:solidFill>
+                <a:effectLst/>
+                <a:uLnTx/>
+                <a:uFillTx/>
+                <a:latin typeface="Calibri" panose="020F0502020204030204"/>
+                <a:ea typeface="+mn-ea"/>
+                <a:cs typeface="+mn-cs"/>
+              </a:rPr>
+              <a:pPr marL="0" marR="0" lvl="0" indent="0" algn="r" defTabSz="914400" rtl="0" eaLnBrk="1" fontAlgn="auto" latinLnBrk="0" hangingPunct="1">
+                <a:lnSpc>
+                  <a:spcPct val="100000"/>
+                </a:lnSpc>
+                <a:spcBef>
+                  <a:spcPts val="0"/>
+                </a:spcBef>
+                <a:spcAft>
+                  <a:spcPts val="0"/>
+                </a:spcAft>
+                <a:buClrTx/>
+                <a:buSzTx/>
+                <a:buFontTx/>
+                <a:buNone/>
+                <a:tabLst/>
+                <a:defRPr/>
+              </a:pPr>
+              <a:t>3</a:t>
+            </a:fld>
+            <a:endParaRPr kumimoji="0" lang="en-GB" sz="1200" b="0" i="0" u="none" strike="noStrike" kern="1200" cap="none" spc="0" normalizeH="0" baseline="0" noProof="0">
+              <a:ln>
+                <a:noFill/>
+              </a:ln>
+              <a:solidFill>
+                <a:prstClr val="black"/>
+              </a:solidFill>
+              <a:effectLst/>
+              <a:uLnTx/>
+              <a:uFillTx/>
+              <a:latin typeface="Calibri" panose="020F0502020204030204"/>
+              <a:ea typeface="+mn-ea"/>
+              <a:cs typeface="+mn-cs"/>
+            </a:endParaRPr>
+          </a:p>
+        </p:txBody>
+      </p:sp>
+    </p:spTree>
+    <p:extLst>
+      <p:ext uri="{BB962C8B-B14F-4D97-AF65-F5344CB8AC3E}">
+        <p14:creationId xmlns:p14="http://schemas.microsoft.com/office/powerpoint/2010/main" val="501850711"/>
+      </p:ext>
+    </p:extLst>
+  </p:cSld>
+  <p:clrMapOvr>
+    <a:masterClrMapping/>
+  </p:clrMapOvr>
+</p:notes>
+</file>
+
+<file path=ppt/notesSlides/notesSlide3.xml><?xml version="1.0" encoding="utf-8"?>
+<p:notes xmlns:a="http://schemas.openxmlformats.org/drawingml/2006/main" xmlns:r="http://schemas.openxmlformats.org/officeDocument/2006/relationships" xmlns:p="http://schemas.openxmlformats.org/presentationml/2006/main">
+  <p:cSld>
+    <p:spTree>
+      <p:nvGrpSpPr>
+        <p:cNvPr id="1" name=""/>
+        <p:cNvGrpSpPr/>
+        <p:nvPr/>
+      </p:nvGrpSpPr>
+      <p:grpSpPr>
+        <a:xfrm>
+          <a:off x="0" y="0"/>
+          <a:ext cx="0" cy="0"/>
+          <a:chOff x="0" y="0"/>
+          <a:chExt cx="0" cy="0"/>
+        </a:xfrm>
+      </p:grpSpPr>
+      <p:sp>
+        <p:nvSpPr>
+          <p:cNvPr id="2" name="Slide Image Placeholder 1"/>
+          <p:cNvSpPr>
+            <a:spLocks noGrp="1" noRot="1" noChangeAspect="1"/>
+          </p:cNvSpPr>
+          <p:nvPr>
+            <p:ph type="sldImg"/>
+          </p:nvPr>
+        </p:nvSpPr>
+        <p:spPr/>
+      </p:sp>
+      <p:sp>
+        <p:nvSpPr>
+          <p:cNvPr id="3" name="Notes Placeholder 2"/>
+          <p:cNvSpPr>
+            <a:spLocks noGrp="1"/>
+          </p:cNvSpPr>
+          <p:nvPr>
+            <p:ph type="body" idx="1"/>
+          </p:nvPr>
+        </p:nvSpPr>
+        <p:spPr/>
+        <p:txBody>
+          <a:bodyPr/>
+          <a:lstStyle/>
+          <a:p>
+            <a:r>
+              <a:rPr lang="en-GB" sz="2800" dirty="0"/>
+              <a:t>Hansard data</a:t>
+            </a:r>
+          </a:p>
+          <a:p>
+            <a:pPr lvl="1"/>
+            <a:r>
+              <a:rPr lang="en-GB" sz="2400" dirty="0">
+                <a:hlinkClick r:id="rId3"/>
+              </a:rPr>
+              <a:t>https://parser.theyworkforyou.com/hansard.html</a:t>
+            </a:r>
+            <a:r>
+              <a:rPr lang="en-GB" sz="2400" dirty="0"/>
+              <a:t>  </a:t>
+            </a:r>
+          </a:p>
+          <a:p>
+            <a:r>
+              <a:rPr lang="en-GB" sz="2800" dirty="0"/>
+              <a:t>Processing</a:t>
+            </a:r>
+          </a:p>
+          <a:p>
+            <a:pPr lvl="1"/>
+            <a:r>
+              <a:rPr lang="en-GB" sz="2400" dirty="0">
+                <a:solidFill>
+                  <a:schemeClr val="tx1"/>
+                </a:solidFill>
+              </a:rPr>
+              <a:t>Data cleaning &amp; preparation in Python </a:t>
+            </a:r>
+          </a:p>
+          <a:p>
+            <a:r>
+              <a:rPr lang="en-GB" sz="2800" dirty="0"/>
+              <a:t>Modelling</a:t>
+            </a:r>
+          </a:p>
+          <a:p>
+            <a:pPr lvl="1"/>
+            <a:r>
+              <a:rPr lang="en-GB" sz="2400" dirty="0">
+                <a:solidFill>
+                  <a:schemeClr val="tx1"/>
+                </a:solidFill>
+              </a:rPr>
+              <a:t>ML/rules-based approach using </a:t>
+            </a:r>
+            <a:r>
+              <a:rPr lang="en-GB" sz="2400" dirty="0" err="1">
+                <a:hlinkClick r:id="rId4"/>
+              </a:rPr>
+              <a:t>spaCy</a:t>
+            </a:r>
+            <a:r>
+              <a:rPr lang="en-GB" sz="2400" dirty="0"/>
+              <a:t> </a:t>
+            </a:r>
+            <a:r>
+              <a:rPr lang="en-GB" sz="2400" dirty="0">
+                <a:solidFill>
+                  <a:schemeClr val="tx1"/>
+                </a:solidFill>
+              </a:rPr>
+              <a:t>to produce models to identify topic</a:t>
+            </a:r>
+          </a:p>
+          <a:p>
+            <a:r>
+              <a:rPr lang="en-GB" sz="2800" dirty="0"/>
+              <a:t>Dashboard</a:t>
+            </a:r>
+          </a:p>
+          <a:p>
+            <a:pPr lvl="1"/>
+            <a:r>
+              <a:rPr lang="en-GB" sz="2400" dirty="0">
+                <a:solidFill>
+                  <a:schemeClr val="tx1"/>
+                </a:solidFill>
+              </a:rPr>
+              <a:t>Provide data to users via interactive dashboard</a:t>
+            </a:r>
+          </a:p>
+          <a:p>
+            <a:endParaRPr lang="en-GB" dirty="0"/>
+          </a:p>
+        </p:txBody>
+      </p:sp>
+      <p:sp>
+        <p:nvSpPr>
+          <p:cNvPr id="4" name="Slide Number Placeholder 3"/>
+          <p:cNvSpPr>
+            <a:spLocks noGrp="1"/>
+          </p:cNvSpPr>
+          <p:nvPr>
+            <p:ph type="sldNum" sz="quarter" idx="5"/>
+          </p:nvPr>
+        </p:nvSpPr>
+        <p:spPr/>
+        <p:txBody>
+          <a:bodyPr/>
+          <a:lstStyle/>
+          <a:p>
+            <a:fld id="{86546826-96BA-4624-A10C-6B069BA71481}" type="slidenum">
+              <a:rPr lang="en-GB" smtClean="0"/>
+              <a:t>4</a:t>
+            </a:fld>
+            <a:endParaRPr lang="en-GB"/>
+          </a:p>
+        </p:txBody>
+      </p:sp>
+    </p:spTree>
+    <p:extLst>
+      <p:ext uri="{BB962C8B-B14F-4D97-AF65-F5344CB8AC3E}">
+        <p14:creationId xmlns:p14="http://schemas.microsoft.com/office/powerpoint/2010/main" val="2961157040"/>
+      </p:ext>
+    </p:extLst>
+  </p:cSld>
+  <p:clrMapOvr>
+    <a:masterClrMapping/>
+  </p:clrMapOvr>
+</p:notes>
+</file>
+
+<file path=ppt/notesSlides/notesSlide4.xml><?xml version="1.0" encoding="utf-8"?>
+<p:notes xmlns:a="http://schemas.openxmlformats.org/drawingml/2006/main" xmlns:r="http://schemas.openxmlformats.org/officeDocument/2006/relationships" xmlns:p="http://schemas.openxmlformats.org/presentationml/2006/main">
+  <p:cSld>
+    <p:spTree>
+      <p:nvGrpSpPr>
+        <p:cNvPr id="1" name=""/>
+        <p:cNvGrpSpPr/>
+        <p:nvPr/>
+      </p:nvGrpSpPr>
+      <p:grpSpPr>
+        <a:xfrm>
+          <a:off x="0" y="0"/>
+          <a:ext cx="0" cy="0"/>
+          <a:chOff x="0" y="0"/>
+          <a:chExt cx="0" cy="0"/>
+        </a:xfrm>
+      </p:grpSpPr>
+      <p:sp>
+        <p:nvSpPr>
+          <p:cNvPr id="2" name="Slide Image Placeholder 1"/>
+          <p:cNvSpPr>
+            <a:spLocks noGrp="1" noRot="1" noChangeAspect="1"/>
+          </p:cNvSpPr>
+          <p:nvPr>
+            <p:ph type="sldImg"/>
+          </p:nvPr>
+        </p:nvSpPr>
+        <p:spPr/>
+      </p:sp>
+      <p:sp>
+        <p:nvSpPr>
+          <p:cNvPr id="3" name="Notes Placeholder 2"/>
+          <p:cNvSpPr>
+            <a:spLocks noGrp="1"/>
+          </p:cNvSpPr>
+          <p:nvPr>
+            <p:ph type="body" idx="1"/>
+          </p:nvPr>
+        </p:nvSpPr>
+        <p:spPr/>
+        <p:txBody>
+          <a:bodyPr/>
+          <a:lstStyle/>
+          <a:p>
+            <a:r>
+              <a:rPr lang="en-GB" dirty="0"/>
+              <a:t>Summarise during talk – learned A LOT. Some key highlights are… (pick out 3?) [prob: documentation / </a:t>
+            </a:r>
+            <a:r>
+              <a:rPr lang="en-GB"/>
+              <a:t>ML exposure / Git]</a:t>
+            </a:r>
+          </a:p>
+        </p:txBody>
+      </p:sp>
+      <p:sp>
+        <p:nvSpPr>
+          <p:cNvPr id="4" name="Slide Number Placeholder 3"/>
+          <p:cNvSpPr>
+            <a:spLocks noGrp="1"/>
+          </p:cNvSpPr>
+          <p:nvPr>
+            <p:ph type="sldNum" sz="quarter" idx="5"/>
+          </p:nvPr>
+        </p:nvSpPr>
+        <p:spPr/>
+        <p:txBody>
+          <a:bodyPr/>
+          <a:lstStyle/>
+          <a:p>
+            <a:fld id="{86546826-96BA-4624-A10C-6B069BA71481}" type="slidenum">
+              <a:rPr lang="en-GB" smtClean="0"/>
+              <a:t>6</a:t>
+            </a:fld>
+            <a:endParaRPr lang="en-GB"/>
+          </a:p>
+        </p:txBody>
+      </p:sp>
+    </p:spTree>
+    <p:extLst>
+      <p:ext uri="{BB962C8B-B14F-4D97-AF65-F5344CB8AC3E}">
+        <p14:creationId xmlns:p14="http://schemas.microsoft.com/office/powerpoint/2010/main" val="2160320761"/>
+      </p:ext>
+    </p:extLst>
+  </p:cSld>
+  <p:clrMapOvr>
+    <a:masterClrMapping/>
+  </p:clrMapOvr>
+</p:notes>
+</file>
+
 <file path=ppt/slideLayouts/slideLayout1.xml><?xml version="1.0" encoding="utf-8"?>
 <p:sldLayout xmlns:a="http://schemas.openxmlformats.org/drawingml/2006/main" xmlns:r="http://schemas.openxmlformats.org/officeDocument/2006/relationships" xmlns:p="http://schemas.openxmlformats.org/presentationml/2006/main" type="title" preserve="1">
   <p:cSld name="Title Slide">
@@ -264,7 +1184,7 @@
           <a:p>
             <a:fld id="{CAAB38E9-6A6F-4A20-AE79-6273898C48E9}" type="datetimeFigureOut">
               <a:rPr lang="en-GB" smtClean="0"/>
-              <a:t>25/06/2021</a:t>
+              <a:t>29/06/2021</a:t>
             </a:fld>
             <a:endParaRPr lang="en-GB"/>
           </a:p>
@@ -464,7 +1384,7 @@
           <a:p>
             <a:fld id="{CAAB38E9-6A6F-4A20-AE79-6273898C48E9}" type="datetimeFigureOut">
               <a:rPr lang="en-GB" smtClean="0"/>
-              <a:t>25/06/2021</a:t>
+              <a:t>29/06/2021</a:t>
             </a:fld>
             <a:endParaRPr lang="en-GB"/>
           </a:p>
@@ -674,7 +1594,7 @@
           <a:p>
             <a:fld id="{CAAB38E9-6A6F-4A20-AE79-6273898C48E9}" type="datetimeFigureOut">
               <a:rPr lang="en-GB" smtClean="0"/>
-              <a:t>25/06/2021</a:t>
+              <a:t>29/06/2021</a:t>
             </a:fld>
             <a:endParaRPr lang="en-GB"/>
           </a:p>
@@ -738,6 +1658,1955 @@
     <p:extLst>
       <p:ext uri="{BB962C8B-B14F-4D97-AF65-F5344CB8AC3E}">
         <p14:creationId xmlns:p14="http://schemas.microsoft.com/office/powerpoint/2010/main" val="3929897503"/>
+      </p:ext>
+    </p:extLst>
+  </p:cSld>
+  <p:clrMapOvr>
+    <a:masterClrMapping/>
+  </p:clrMapOvr>
+</p:sldLayout>
+</file>
+
+<file path=ppt/slideLayouts/slideLayout12.xml><?xml version="1.0" encoding="utf-8"?>
+<p:sldLayout xmlns:a="http://schemas.openxmlformats.org/drawingml/2006/main" xmlns:r="http://schemas.openxmlformats.org/officeDocument/2006/relationships" xmlns:p="http://schemas.openxmlformats.org/presentationml/2006/main" type="title" preserve="1">
+  <p:cSld name="Title Slide">
+    <p:spTree>
+      <p:nvGrpSpPr>
+        <p:cNvPr id="1" name=""/>
+        <p:cNvGrpSpPr/>
+        <p:nvPr/>
+      </p:nvGrpSpPr>
+      <p:grpSpPr>
+        <a:xfrm>
+          <a:off x="0" y="0"/>
+          <a:ext cx="0" cy="0"/>
+          <a:chOff x="0" y="0"/>
+          <a:chExt cx="0" cy="0"/>
+        </a:xfrm>
+      </p:grpSpPr>
+      <p:sp>
+        <p:nvSpPr>
+          <p:cNvPr id="2" name="Title 1">
+            <a:extLst>
+              <a:ext uri="{FF2B5EF4-FFF2-40B4-BE49-F238E27FC236}">
+                <a16:creationId xmlns:a16="http://schemas.microsoft.com/office/drawing/2014/main" id="{D542F4DA-3C57-492E-BA91-10C822567FAF}"/>
+              </a:ext>
+            </a:extLst>
+          </p:cNvPr>
+          <p:cNvSpPr>
+            <a:spLocks noGrp="1"/>
+          </p:cNvSpPr>
+          <p:nvPr>
+            <p:ph type="ctrTitle"/>
+          </p:nvPr>
+        </p:nvSpPr>
+        <p:spPr>
+          <a:xfrm>
+            <a:off x="1524000" y="1122363"/>
+            <a:ext cx="9144000" cy="2387600"/>
+          </a:xfrm>
+        </p:spPr>
+        <p:txBody>
+          <a:bodyPr anchor="b"/>
+          <a:lstStyle>
+            <a:lvl1pPr algn="ctr">
+              <a:defRPr sz="6000"/>
+            </a:lvl1pPr>
+          </a:lstStyle>
+          <a:p>
+            <a:r>
+              <a:rPr lang="en-US"/>
+              <a:t>Click to edit Master title style</a:t>
+            </a:r>
+            <a:endParaRPr lang="en-GB"/>
+          </a:p>
+        </p:txBody>
+      </p:sp>
+      <p:sp>
+        <p:nvSpPr>
+          <p:cNvPr id="3" name="Subtitle 2">
+            <a:extLst>
+              <a:ext uri="{FF2B5EF4-FFF2-40B4-BE49-F238E27FC236}">
+                <a16:creationId xmlns:a16="http://schemas.microsoft.com/office/drawing/2014/main" id="{93824668-68BB-4321-893A-21B5C74B68A7}"/>
+              </a:ext>
+            </a:extLst>
+          </p:cNvPr>
+          <p:cNvSpPr>
+            <a:spLocks noGrp="1"/>
+          </p:cNvSpPr>
+          <p:nvPr>
+            <p:ph type="subTitle" idx="1"/>
+          </p:nvPr>
+        </p:nvSpPr>
+        <p:spPr>
+          <a:xfrm>
+            <a:off x="1524000" y="3602038"/>
+            <a:ext cx="9144000" cy="1655762"/>
+          </a:xfrm>
+        </p:spPr>
+        <p:txBody>
+          <a:bodyPr/>
+          <a:lstStyle>
+            <a:lvl1pPr marL="0" indent="0" algn="ctr">
+              <a:buNone/>
+              <a:defRPr sz="2400"/>
+            </a:lvl1pPr>
+            <a:lvl2pPr marL="457200" indent="0" algn="ctr">
+              <a:buNone/>
+              <a:defRPr sz="2000"/>
+            </a:lvl2pPr>
+            <a:lvl3pPr marL="914400" indent="0" algn="ctr">
+              <a:buNone/>
+              <a:defRPr sz="1800"/>
+            </a:lvl3pPr>
+            <a:lvl4pPr marL="1371600" indent="0" algn="ctr">
+              <a:buNone/>
+              <a:defRPr sz="1600"/>
+            </a:lvl4pPr>
+            <a:lvl5pPr marL="1828800" indent="0" algn="ctr">
+              <a:buNone/>
+              <a:defRPr sz="1600"/>
+            </a:lvl5pPr>
+            <a:lvl6pPr marL="2286000" indent="0" algn="ctr">
+              <a:buNone/>
+              <a:defRPr sz="1600"/>
+            </a:lvl6pPr>
+            <a:lvl7pPr marL="2743200" indent="0" algn="ctr">
+              <a:buNone/>
+              <a:defRPr sz="1600"/>
+            </a:lvl7pPr>
+            <a:lvl8pPr marL="3200400" indent="0" algn="ctr">
+              <a:buNone/>
+              <a:defRPr sz="1600"/>
+            </a:lvl8pPr>
+            <a:lvl9pPr marL="3657600" indent="0" algn="ctr">
+              <a:buNone/>
+              <a:defRPr sz="1600"/>
+            </a:lvl9pPr>
+          </a:lstStyle>
+          <a:p>
+            <a:r>
+              <a:rPr lang="en-US"/>
+              <a:t>Click to edit Master subtitle style</a:t>
+            </a:r>
+            <a:endParaRPr lang="en-GB"/>
+          </a:p>
+        </p:txBody>
+      </p:sp>
+      <p:sp>
+        <p:nvSpPr>
+          <p:cNvPr id="4" name="Date Placeholder 3">
+            <a:extLst>
+              <a:ext uri="{FF2B5EF4-FFF2-40B4-BE49-F238E27FC236}">
+                <a16:creationId xmlns:a16="http://schemas.microsoft.com/office/drawing/2014/main" id="{260577F3-D26D-482F-8C54-E0D394B15177}"/>
+              </a:ext>
+            </a:extLst>
+          </p:cNvPr>
+          <p:cNvSpPr>
+            <a:spLocks noGrp="1"/>
+          </p:cNvSpPr>
+          <p:nvPr>
+            <p:ph type="dt" sz="half" idx="10"/>
+          </p:nvPr>
+        </p:nvSpPr>
+        <p:spPr/>
+        <p:txBody>
+          <a:bodyPr/>
+          <a:lstStyle/>
+          <a:p>
+            <a:fld id="{E4A62EDC-D5D1-49C5-B313-6E6F916DA0E0}" type="datetimeFigureOut">
+              <a:rPr lang="en-GB" smtClean="0"/>
+              <a:t>29/06/2021</a:t>
+            </a:fld>
+            <a:endParaRPr lang="en-GB"/>
+          </a:p>
+        </p:txBody>
+      </p:sp>
+      <p:sp>
+        <p:nvSpPr>
+          <p:cNvPr id="5" name="Footer Placeholder 4">
+            <a:extLst>
+              <a:ext uri="{FF2B5EF4-FFF2-40B4-BE49-F238E27FC236}">
+                <a16:creationId xmlns:a16="http://schemas.microsoft.com/office/drawing/2014/main" id="{50A0905B-0C15-43EE-A9DF-6BBACC5EF026}"/>
+              </a:ext>
+            </a:extLst>
+          </p:cNvPr>
+          <p:cNvSpPr>
+            <a:spLocks noGrp="1"/>
+          </p:cNvSpPr>
+          <p:nvPr>
+            <p:ph type="ftr" sz="quarter" idx="11"/>
+          </p:nvPr>
+        </p:nvSpPr>
+        <p:spPr/>
+        <p:txBody>
+          <a:bodyPr/>
+          <a:lstStyle/>
+          <a:p>
+            <a:endParaRPr lang="en-GB"/>
+          </a:p>
+        </p:txBody>
+      </p:sp>
+      <p:sp>
+        <p:nvSpPr>
+          <p:cNvPr id="6" name="Slide Number Placeholder 5">
+            <a:extLst>
+              <a:ext uri="{FF2B5EF4-FFF2-40B4-BE49-F238E27FC236}">
+                <a16:creationId xmlns:a16="http://schemas.microsoft.com/office/drawing/2014/main" id="{7EC80981-F939-48A9-BD25-D4E8225DAF53}"/>
+              </a:ext>
+            </a:extLst>
+          </p:cNvPr>
+          <p:cNvSpPr>
+            <a:spLocks noGrp="1"/>
+          </p:cNvSpPr>
+          <p:nvPr>
+            <p:ph type="sldNum" sz="quarter" idx="12"/>
+          </p:nvPr>
+        </p:nvSpPr>
+        <p:spPr/>
+        <p:txBody>
+          <a:bodyPr/>
+          <a:lstStyle/>
+          <a:p>
+            <a:fld id="{8479ABEB-CDBB-4AA8-AA24-8D8980FAD85B}" type="slidenum">
+              <a:rPr lang="en-GB" smtClean="0"/>
+              <a:t>‹#›</a:t>
+            </a:fld>
+            <a:endParaRPr lang="en-GB"/>
+          </a:p>
+        </p:txBody>
+      </p:sp>
+    </p:spTree>
+    <p:extLst>
+      <p:ext uri="{BB962C8B-B14F-4D97-AF65-F5344CB8AC3E}">
+        <p14:creationId xmlns:p14="http://schemas.microsoft.com/office/powerpoint/2010/main" val="212891230"/>
+      </p:ext>
+    </p:extLst>
+  </p:cSld>
+  <p:clrMapOvr>
+    <a:masterClrMapping/>
+  </p:clrMapOvr>
+</p:sldLayout>
+</file>
+
+<file path=ppt/slideLayouts/slideLayout13.xml><?xml version="1.0" encoding="utf-8"?>
+<p:sldLayout xmlns:a="http://schemas.openxmlformats.org/drawingml/2006/main" xmlns:r="http://schemas.openxmlformats.org/officeDocument/2006/relationships" xmlns:p="http://schemas.openxmlformats.org/presentationml/2006/main" type="obj" preserve="1">
+  <p:cSld name="Title and Content">
+    <p:spTree>
+      <p:nvGrpSpPr>
+        <p:cNvPr id="1" name=""/>
+        <p:cNvGrpSpPr/>
+        <p:nvPr/>
+      </p:nvGrpSpPr>
+      <p:grpSpPr>
+        <a:xfrm>
+          <a:off x="0" y="0"/>
+          <a:ext cx="0" cy="0"/>
+          <a:chOff x="0" y="0"/>
+          <a:chExt cx="0" cy="0"/>
+        </a:xfrm>
+      </p:grpSpPr>
+      <p:sp>
+        <p:nvSpPr>
+          <p:cNvPr id="2" name="Title 1">
+            <a:extLst>
+              <a:ext uri="{FF2B5EF4-FFF2-40B4-BE49-F238E27FC236}">
+                <a16:creationId xmlns:a16="http://schemas.microsoft.com/office/drawing/2014/main" id="{F4784A09-1989-49ED-A3AA-F1BDC807D7EF}"/>
+              </a:ext>
+            </a:extLst>
+          </p:cNvPr>
+          <p:cNvSpPr>
+            <a:spLocks noGrp="1"/>
+          </p:cNvSpPr>
+          <p:nvPr>
+            <p:ph type="title"/>
+          </p:nvPr>
+        </p:nvSpPr>
+        <p:spPr/>
+        <p:txBody>
+          <a:bodyPr/>
+          <a:lstStyle/>
+          <a:p>
+            <a:r>
+              <a:rPr lang="en-US"/>
+              <a:t>Click to edit Master title style</a:t>
+            </a:r>
+            <a:endParaRPr lang="en-GB"/>
+          </a:p>
+        </p:txBody>
+      </p:sp>
+      <p:sp>
+        <p:nvSpPr>
+          <p:cNvPr id="3" name="Content Placeholder 2">
+            <a:extLst>
+              <a:ext uri="{FF2B5EF4-FFF2-40B4-BE49-F238E27FC236}">
+                <a16:creationId xmlns:a16="http://schemas.microsoft.com/office/drawing/2014/main" id="{FB95AFAA-666F-4C67-AFD3-E8DF4810920E}"/>
+              </a:ext>
+            </a:extLst>
+          </p:cNvPr>
+          <p:cNvSpPr>
+            <a:spLocks noGrp="1"/>
+          </p:cNvSpPr>
+          <p:nvPr>
+            <p:ph idx="1"/>
+          </p:nvPr>
+        </p:nvSpPr>
+        <p:spPr/>
+        <p:txBody>
+          <a:bodyPr/>
+          <a:lstStyle/>
+          <a:p>
+            <a:pPr lvl="0"/>
+            <a:r>
+              <a:rPr lang="en-US"/>
+              <a:t>Click to edit Master text styles</a:t>
+            </a:r>
+          </a:p>
+          <a:p>
+            <a:pPr lvl="1"/>
+            <a:r>
+              <a:rPr lang="en-US"/>
+              <a:t>Second level</a:t>
+            </a:r>
+          </a:p>
+          <a:p>
+            <a:pPr lvl="2"/>
+            <a:r>
+              <a:rPr lang="en-US"/>
+              <a:t>Third level</a:t>
+            </a:r>
+          </a:p>
+          <a:p>
+            <a:pPr lvl="3"/>
+            <a:r>
+              <a:rPr lang="en-US"/>
+              <a:t>Fourth level</a:t>
+            </a:r>
+          </a:p>
+          <a:p>
+            <a:pPr lvl="4"/>
+            <a:r>
+              <a:rPr lang="en-US"/>
+              <a:t>Fifth level</a:t>
+            </a:r>
+            <a:endParaRPr lang="en-GB"/>
+          </a:p>
+        </p:txBody>
+      </p:sp>
+      <p:sp>
+        <p:nvSpPr>
+          <p:cNvPr id="4" name="Date Placeholder 3">
+            <a:extLst>
+              <a:ext uri="{FF2B5EF4-FFF2-40B4-BE49-F238E27FC236}">
+                <a16:creationId xmlns:a16="http://schemas.microsoft.com/office/drawing/2014/main" id="{009CDF00-BDF5-444A-B340-7AC7335AD43D}"/>
+              </a:ext>
+            </a:extLst>
+          </p:cNvPr>
+          <p:cNvSpPr>
+            <a:spLocks noGrp="1"/>
+          </p:cNvSpPr>
+          <p:nvPr>
+            <p:ph type="dt" sz="half" idx="10"/>
+          </p:nvPr>
+        </p:nvSpPr>
+        <p:spPr/>
+        <p:txBody>
+          <a:bodyPr/>
+          <a:lstStyle/>
+          <a:p>
+            <a:fld id="{E4A62EDC-D5D1-49C5-B313-6E6F916DA0E0}" type="datetimeFigureOut">
+              <a:rPr lang="en-GB" smtClean="0"/>
+              <a:t>29/06/2021</a:t>
+            </a:fld>
+            <a:endParaRPr lang="en-GB"/>
+          </a:p>
+        </p:txBody>
+      </p:sp>
+      <p:sp>
+        <p:nvSpPr>
+          <p:cNvPr id="5" name="Footer Placeholder 4">
+            <a:extLst>
+              <a:ext uri="{FF2B5EF4-FFF2-40B4-BE49-F238E27FC236}">
+                <a16:creationId xmlns:a16="http://schemas.microsoft.com/office/drawing/2014/main" id="{67D8DFD9-AF70-4B2A-BA67-71CC3FCAB4BF}"/>
+              </a:ext>
+            </a:extLst>
+          </p:cNvPr>
+          <p:cNvSpPr>
+            <a:spLocks noGrp="1"/>
+          </p:cNvSpPr>
+          <p:nvPr>
+            <p:ph type="ftr" sz="quarter" idx="11"/>
+          </p:nvPr>
+        </p:nvSpPr>
+        <p:spPr/>
+        <p:txBody>
+          <a:bodyPr/>
+          <a:lstStyle/>
+          <a:p>
+            <a:endParaRPr lang="en-GB"/>
+          </a:p>
+        </p:txBody>
+      </p:sp>
+      <p:sp>
+        <p:nvSpPr>
+          <p:cNvPr id="6" name="Slide Number Placeholder 5">
+            <a:extLst>
+              <a:ext uri="{FF2B5EF4-FFF2-40B4-BE49-F238E27FC236}">
+                <a16:creationId xmlns:a16="http://schemas.microsoft.com/office/drawing/2014/main" id="{DC04D0E2-81FA-41BA-8F72-C377EA398384}"/>
+              </a:ext>
+            </a:extLst>
+          </p:cNvPr>
+          <p:cNvSpPr>
+            <a:spLocks noGrp="1"/>
+          </p:cNvSpPr>
+          <p:nvPr>
+            <p:ph type="sldNum" sz="quarter" idx="12"/>
+          </p:nvPr>
+        </p:nvSpPr>
+        <p:spPr/>
+        <p:txBody>
+          <a:bodyPr/>
+          <a:lstStyle/>
+          <a:p>
+            <a:fld id="{8479ABEB-CDBB-4AA8-AA24-8D8980FAD85B}" type="slidenum">
+              <a:rPr lang="en-GB" smtClean="0"/>
+              <a:t>‹#›</a:t>
+            </a:fld>
+            <a:endParaRPr lang="en-GB"/>
+          </a:p>
+        </p:txBody>
+      </p:sp>
+    </p:spTree>
+    <p:extLst>
+      <p:ext uri="{BB962C8B-B14F-4D97-AF65-F5344CB8AC3E}">
+        <p14:creationId xmlns:p14="http://schemas.microsoft.com/office/powerpoint/2010/main" val="703501588"/>
+      </p:ext>
+    </p:extLst>
+  </p:cSld>
+  <p:clrMapOvr>
+    <a:masterClrMapping/>
+  </p:clrMapOvr>
+</p:sldLayout>
+</file>
+
+<file path=ppt/slideLayouts/slideLayout14.xml><?xml version="1.0" encoding="utf-8"?>
+<p:sldLayout xmlns:a="http://schemas.openxmlformats.org/drawingml/2006/main" xmlns:r="http://schemas.openxmlformats.org/officeDocument/2006/relationships" xmlns:p="http://schemas.openxmlformats.org/presentationml/2006/main" type="secHead" preserve="1">
+  <p:cSld name="Section Header">
+    <p:spTree>
+      <p:nvGrpSpPr>
+        <p:cNvPr id="1" name=""/>
+        <p:cNvGrpSpPr/>
+        <p:nvPr/>
+      </p:nvGrpSpPr>
+      <p:grpSpPr>
+        <a:xfrm>
+          <a:off x="0" y="0"/>
+          <a:ext cx="0" cy="0"/>
+          <a:chOff x="0" y="0"/>
+          <a:chExt cx="0" cy="0"/>
+        </a:xfrm>
+      </p:grpSpPr>
+      <p:sp>
+        <p:nvSpPr>
+          <p:cNvPr id="2" name="Title 1">
+            <a:extLst>
+              <a:ext uri="{FF2B5EF4-FFF2-40B4-BE49-F238E27FC236}">
+                <a16:creationId xmlns:a16="http://schemas.microsoft.com/office/drawing/2014/main" id="{9F1564A6-4238-410D-A687-830FF65E4DFD}"/>
+              </a:ext>
+            </a:extLst>
+          </p:cNvPr>
+          <p:cNvSpPr>
+            <a:spLocks noGrp="1"/>
+          </p:cNvSpPr>
+          <p:nvPr>
+            <p:ph type="title"/>
+          </p:nvPr>
+        </p:nvSpPr>
+        <p:spPr>
+          <a:xfrm>
+            <a:off x="831850" y="1709738"/>
+            <a:ext cx="10515600" cy="2852737"/>
+          </a:xfrm>
+        </p:spPr>
+        <p:txBody>
+          <a:bodyPr anchor="b"/>
+          <a:lstStyle>
+            <a:lvl1pPr>
+              <a:defRPr sz="6000"/>
+            </a:lvl1pPr>
+          </a:lstStyle>
+          <a:p>
+            <a:r>
+              <a:rPr lang="en-US"/>
+              <a:t>Click to edit Master title style</a:t>
+            </a:r>
+            <a:endParaRPr lang="en-GB"/>
+          </a:p>
+        </p:txBody>
+      </p:sp>
+      <p:sp>
+        <p:nvSpPr>
+          <p:cNvPr id="3" name="Text Placeholder 2">
+            <a:extLst>
+              <a:ext uri="{FF2B5EF4-FFF2-40B4-BE49-F238E27FC236}">
+                <a16:creationId xmlns:a16="http://schemas.microsoft.com/office/drawing/2014/main" id="{1961D4A7-A5C3-48A5-8F95-DE3B31999BC7}"/>
+              </a:ext>
+            </a:extLst>
+          </p:cNvPr>
+          <p:cNvSpPr>
+            <a:spLocks noGrp="1"/>
+          </p:cNvSpPr>
+          <p:nvPr>
+            <p:ph type="body" idx="1"/>
+          </p:nvPr>
+        </p:nvSpPr>
+        <p:spPr>
+          <a:xfrm>
+            <a:off x="831850" y="4589463"/>
+            <a:ext cx="10515600" cy="1500187"/>
+          </a:xfrm>
+        </p:spPr>
+        <p:txBody>
+          <a:bodyPr/>
+          <a:lstStyle>
+            <a:lvl1pPr marL="0" indent="0">
+              <a:buNone/>
+              <a:defRPr sz="2400">
+                <a:solidFill>
+                  <a:schemeClr val="tx1">
+                    <a:tint val="75000"/>
+                  </a:schemeClr>
+                </a:solidFill>
+              </a:defRPr>
+            </a:lvl1pPr>
+            <a:lvl2pPr marL="457200" indent="0">
+              <a:buNone/>
+              <a:defRPr sz="2000">
+                <a:solidFill>
+                  <a:schemeClr val="tx1">
+                    <a:tint val="75000"/>
+                  </a:schemeClr>
+                </a:solidFill>
+              </a:defRPr>
+            </a:lvl2pPr>
+            <a:lvl3pPr marL="914400" indent="0">
+              <a:buNone/>
+              <a:defRPr sz="1800">
+                <a:solidFill>
+                  <a:schemeClr val="tx1">
+                    <a:tint val="75000"/>
+                  </a:schemeClr>
+                </a:solidFill>
+              </a:defRPr>
+            </a:lvl3pPr>
+            <a:lvl4pPr marL="1371600" indent="0">
+              <a:buNone/>
+              <a:defRPr sz="1600">
+                <a:solidFill>
+                  <a:schemeClr val="tx1">
+                    <a:tint val="75000"/>
+                  </a:schemeClr>
+                </a:solidFill>
+              </a:defRPr>
+            </a:lvl4pPr>
+            <a:lvl5pPr marL="1828800" indent="0">
+              <a:buNone/>
+              <a:defRPr sz="1600">
+                <a:solidFill>
+                  <a:schemeClr val="tx1">
+                    <a:tint val="75000"/>
+                  </a:schemeClr>
+                </a:solidFill>
+              </a:defRPr>
+            </a:lvl5pPr>
+            <a:lvl6pPr marL="2286000" indent="0">
+              <a:buNone/>
+              <a:defRPr sz="1600">
+                <a:solidFill>
+                  <a:schemeClr val="tx1">
+                    <a:tint val="75000"/>
+                  </a:schemeClr>
+                </a:solidFill>
+              </a:defRPr>
+            </a:lvl6pPr>
+            <a:lvl7pPr marL="2743200" indent="0">
+              <a:buNone/>
+              <a:defRPr sz="1600">
+                <a:solidFill>
+                  <a:schemeClr val="tx1">
+                    <a:tint val="75000"/>
+                  </a:schemeClr>
+                </a:solidFill>
+              </a:defRPr>
+            </a:lvl7pPr>
+            <a:lvl8pPr marL="3200400" indent="0">
+              <a:buNone/>
+              <a:defRPr sz="1600">
+                <a:solidFill>
+                  <a:schemeClr val="tx1">
+                    <a:tint val="75000"/>
+                  </a:schemeClr>
+                </a:solidFill>
+              </a:defRPr>
+            </a:lvl8pPr>
+            <a:lvl9pPr marL="3657600" indent="0">
+              <a:buNone/>
+              <a:defRPr sz="1600">
+                <a:solidFill>
+                  <a:schemeClr val="tx1">
+                    <a:tint val="75000"/>
+                  </a:schemeClr>
+                </a:solidFill>
+              </a:defRPr>
+            </a:lvl9pPr>
+          </a:lstStyle>
+          <a:p>
+            <a:pPr lvl="0"/>
+            <a:r>
+              <a:rPr lang="en-US"/>
+              <a:t>Click to edit Master text styles</a:t>
+            </a:r>
+          </a:p>
+        </p:txBody>
+      </p:sp>
+      <p:sp>
+        <p:nvSpPr>
+          <p:cNvPr id="4" name="Date Placeholder 3">
+            <a:extLst>
+              <a:ext uri="{FF2B5EF4-FFF2-40B4-BE49-F238E27FC236}">
+                <a16:creationId xmlns:a16="http://schemas.microsoft.com/office/drawing/2014/main" id="{2467F68F-748C-4E92-BEF8-B67E4F61C0A4}"/>
+              </a:ext>
+            </a:extLst>
+          </p:cNvPr>
+          <p:cNvSpPr>
+            <a:spLocks noGrp="1"/>
+          </p:cNvSpPr>
+          <p:nvPr>
+            <p:ph type="dt" sz="half" idx="10"/>
+          </p:nvPr>
+        </p:nvSpPr>
+        <p:spPr/>
+        <p:txBody>
+          <a:bodyPr/>
+          <a:lstStyle/>
+          <a:p>
+            <a:fld id="{E4A62EDC-D5D1-49C5-B313-6E6F916DA0E0}" type="datetimeFigureOut">
+              <a:rPr lang="en-GB" smtClean="0"/>
+              <a:t>29/06/2021</a:t>
+            </a:fld>
+            <a:endParaRPr lang="en-GB"/>
+          </a:p>
+        </p:txBody>
+      </p:sp>
+      <p:sp>
+        <p:nvSpPr>
+          <p:cNvPr id="5" name="Footer Placeholder 4">
+            <a:extLst>
+              <a:ext uri="{FF2B5EF4-FFF2-40B4-BE49-F238E27FC236}">
+                <a16:creationId xmlns:a16="http://schemas.microsoft.com/office/drawing/2014/main" id="{8A37CB54-5216-4417-8339-47F9BB58AF4C}"/>
+              </a:ext>
+            </a:extLst>
+          </p:cNvPr>
+          <p:cNvSpPr>
+            <a:spLocks noGrp="1"/>
+          </p:cNvSpPr>
+          <p:nvPr>
+            <p:ph type="ftr" sz="quarter" idx="11"/>
+          </p:nvPr>
+        </p:nvSpPr>
+        <p:spPr/>
+        <p:txBody>
+          <a:bodyPr/>
+          <a:lstStyle/>
+          <a:p>
+            <a:endParaRPr lang="en-GB"/>
+          </a:p>
+        </p:txBody>
+      </p:sp>
+      <p:sp>
+        <p:nvSpPr>
+          <p:cNvPr id="6" name="Slide Number Placeholder 5">
+            <a:extLst>
+              <a:ext uri="{FF2B5EF4-FFF2-40B4-BE49-F238E27FC236}">
+                <a16:creationId xmlns:a16="http://schemas.microsoft.com/office/drawing/2014/main" id="{7E53B410-02D8-4B9C-B490-6A0D3DC01CCA}"/>
+              </a:ext>
+            </a:extLst>
+          </p:cNvPr>
+          <p:cNvSpPr>
+            <a:spLocks noGrp="1"/>
+          </p:cNvSpPr>
+          <p:nvPr>
+            <p:ph type="sldNum" sz="quarter" idx="12"/>
+          </p:nvPr>
+        </p:nvSpPr>
+        <p:spPr/>
+        <p:txBody>
+          <a:bodyPr/>
+          <a:lstStyle/>
+          <a:p>
+            <a:fld id="{8479ABEB-CDBB-4AA8-AA24-8D8980FAD85B}" type="slidenum">
+              <a:rPr lang="en-GB" smtClean="0"/>
+              <a:t>‹#›</a:t>
+            </a:fld>
+            <a:endParaRPr lang="en-GB"/>
+          </a:p>
+        </p:txBody>
+      </p:sp>
+    </p:spTree>
+    <p:extLst>
+      <p:ext uri="{BB962C8B-B14F-4D97-AF65-F5344CB8AC3E}">
+        <p14:creationId xmlns:p14="http://schemas.microsoft.com/office/powerpoint/2010/main" val="3022281140"/>
+      </p:ext>
+    </p:extLst>
+  </p:cSld>
+  <p:clrMapOvr>
+    <a:masterClrMapping/>
+  </p:clrMapOvr>
+</p:sldLayout>
+</file>
+
+<file path=ppt/slideLayouts/slideLayout15.xml><?xml version="1.0" encoding="utf-8"?>
+<p:sldLayout xmlns:a="http://schemas.openxmlformats.org/drawingml/2006/main" xmlns:r="http://schemas.openxmlformats.org/officeDocument/2006/relationships" xmlns:p="http://schemas.openxmlformats.org/presentationml/2006/main" type="twoObj" preserve="1">
+  <p:cSld name="Two Content">
+    <p:spTree>
+      <p:nvGrpSpPr>
+        <p:cNvPr id="1" name=""/>
+        <p:cNvGrpSpPr/>
+        <p:nvPr/>
+      </p:nvGrpSpPr>
+      <p:grpSpPr>
+        <a:xfrm>
+          <a:off x="0" y="0"/>
+          <a:ext cx="0" cy="0"/>
+          <a:chOff x="0" y="0"/>
+          <a:chExt cx="0" cy="0"/>
+        </a:xfrm>
+      </p:grpSpPr>
+      <p:sp>
+        <p:nvSpPr>
+          <p:cNvPr id="2" name="Title 1">
+            <a:extLst>
+              <a:ext uri="{FF2B5EF4-FFF2-40B4-BE49-F238E27FC236}">
+                <a16:creationId xmlns:a16="http://schemas.microsoft.com/office/drawing/2014/main" id="{47AEE31B-9EF1-4454-A236-0E16DFF9ED90}"/>
+              </a:ext>
+            </a:extLst>
+          </p:cNvPr>
+          <p:cNvSpPr>
+            <a:spLocks noGrp="1"/>
+          </p:cNvSpPr>
+          <p:nvPr>
+            <p:ph type="title"/>
+          </p:nvPr>
+        </p:nvSpPr>
+        <p:spPr/>
+        <p:txBody>
+          <a:bodyPr/>
+          <a:lstStyle/>
+          <a:p>
+            <a:r>
+              <a:rPr lang="en-US"/>
+              <a:t>Click to edit Master title style</a:t>
+            </a:r>
+            <a:endParaRPr lang="en-GB"/>
+          </a:p>
+        </p:txBody>
+      </p:sp>
+      <p:sp>
+        <p:nvSpPr>
+          <p:cNvPr id="3" name="Content Placeholder 2">
+            <a:extLst>
+              <a:ext uri="{FF2B5EF4-FFF2-40B4-BE49-F238E27FC236}">
+                <a16:creationId xmlns:a16="http://schemas.microsoft.com/office/drawing/2014/main" id="{13036343-8311-423D-A7D8-097FEA302D3E}"/>
+              </a:ext>
+            </a:extLst>
+          </p:cNvPr>
+          <p:cNvSpPr>
+            <a:spLocks noGrp="1"/>
+          </p:cNvSpPr>
+          <p:nvPr>
+            <p:ph sz="half" idx="1"/>
+          </p:nvPr>
+        </p:nvSpPr>
+        <p:spPr>
+          <a:xfrm>
+            <a:off x="838200" y="1825625"/>
+            <a:ext cx="5181600" cy="4351338"/>
+          </a:xfrm>
+        </p:spPr>
+        <p:txBody>
+          <a:bodyPr/>
+          <a:lstStyle/>
+          <a:p>
+            <a:pPr lvl="0"/>
+            <a:r>
+              <a:rPr lang="en-US"/>
+              <a:t>Click to edit Master text styles</a:t>
+            </a:r>
+          </a:p>
+          <a:p>
+            <a:pPr lvl="1"/>
+            <a:r>
+              <a:rPr lang="en-US"/>
+              <a:t>Second level</a:t>
+            </a:r>
+          </a:p>
+          <a:p>
+            <a:pPr lvl="2"/>
+            <a:r>
+              <a:rPr lang="en-US"/>
+              <a:t>Third level</a:t>
+            </a:r>
+          </a:p>
+          <a:p>
+            <a:pPr lvl="3"/>
+            <a:r>
+              <a:rPr lang="en-US"/>
+              <a:t>Fourth level</a:t>
+            </a:r>
+          </a:p>
+          <a:p>
+            <a:pPr lvl="4"/>
+            <a:r>
+              <a:rPr lang="en-US"/>
+              <a:t>Fifth level</a:t>
+            </a:r>
+            <a:endParaRPr lang="en-GB"/>
+          </a:p>
+        </p:txBody>
+      </p:sp>
+      <p:sp>
+        <p:nvSpPr>
+          <p:cNvPr id="4" name="Content Placeholder 3">
+            <a:extLst>
+              <a:ext uri="{FF2B5EF4-FFF2-40B4-BE49-F238E27FC236}">
+                <a16:creationId xmlns:a16="http://schemas.microsoft.com/office/drawing/2014/main" id="{80107C3F-16A2-43B9-9970-67D3C67BCCF5}"/>
+              </a:ext>
+            </a:extLst>
+          </p:cNvPr>
+          <p:cNvSpPr>
+            <a:spLocks noGrp="1"/>
+          </p:cNvSpPr>
+          <p:nvPr>
+            <p:ph sz="half" idx="2"/>
+          </p:nvPr>
+        </p:nvSpPr>
+        <p:spPr>
+          <a:xfrm>
+            <a:off x="6172200" y="1825625"/>
+            <a:ext cx="5181600" cy="4351338"/>
+          </a:xfrm>
+        </p:spPr>
+        <p:txBody>
+          <a:bodyPr/>
+          <a:lstStyle/>
+          <a:p>
+            <a:pPr lvl="0"/>
+            <a:r>
+              <a:rPr lang="en-US"/>
+              <a:t>Click to edit Master text styles</a:t>
+            </a:r>
+          </a:p>
+          <a:p>
+            <a:pPr lvl="1"/>
+            <a:r>
+              <a:rPr lang="en-US"/>
+              <a:t>Second level</a:t>
+            </a:r>
+          </a:p>
+          <a:p>
+            <a:pPr lvl="2"/>
+            <a:r>
+              <a:rPr lang="en-US"/>
+              <a:t>Third level</a:t>
+            </a:r>
+          </a:p>
+          <a:p>
+            <a:pPr lvl="3"/>
+            <a:r>
+              <a:rPr lang="en-US"/>
+              <a:t>Fourth level</a:t>
+            </a:r>
+          </a:p>
+          <a:p>
+            <a:pPr lvl="4"/>
+            <a:r>
+              <a:rPr lang="en-US"/>
+              <a:t>Fifth level</a:t>
+            </a:r>
+            <a:endParaRPr lang="en-GB"/>
+          </a:p>
+        </p:txBody>
+      </p:sp>
+      <p:sp>
+        <p:nvSpPr>
+          <p:cNvPr id="5" name="Date Placeholder 4">
+            <a:extLst>
+              <a:ext uri="{FF2B5EF4-FFF2-40B4-BE49-F238E27FC236}">
+                <a16:creationId xmlns:a16="http://schemas.microsoft.com/office/drawing/2014/main" id="{95023420-AED3-4C1B-9568-DE9A15AF31B1}"/>
+              </a:ext>
+            </a:extLst>
+          </p:cNvPr>
+          <p:cNvSpPr>
+            <a:spLocks noGrp="1"/>
+          </p:cNvSpPr>
+          <p:nvPr>
+            <p:ph type="dt" sz="half" idx="10"/>
+          </p:nvPr>
+        </p:nvSpPr>
+        <p:spPr/>
+        <p:txBody>
+          <a:bodyPr/>
+          <a:lstStyle/>
+          <a:p>
+            <a:fld id="{E4A62EDC-D5D1-49C5-B313-6E6F916DA0E0}" type="datetimeFigureOut">
+              <a:rPr lang="en-GB" smtClean="0"/>
+              <a:t>29/06/2021</a:t>
+            </a:fld>
+            <a:endParaRPr lang="en-GB"/>
+          </a:p>
+        </p:txBody>
+      </p:sp>
+      <p:sp>
+        <p:nvSpPr>
+          <p:cNvPr id="6" name="Footer Placeholder 5">
+            <a:extLst>
+              <a:ext uri="{FF2B5EF4-FFF2-40B4-BE49-F238E27FC236}">
+                <a16:creationId xmlns:a16="http://schemas.microsoft.com/office/drawing/2014/main" id="{2DEFBC6E-FFF9-4FAB-844A-F21E88D02919}"/>
+              </a:ext>
+            </a:extLst>
+          </p:cNvPr>
+          <p:cNvSpPr>
+            <a:spLocks noGrp="1"/>
+          </p:cNvSpPr>
+          <p:nvPr>
+            <p:ph type="ftr" sz="quarter" idx="11"/>
+          </p:nvPr>
+        </p:nvSpPr>
+        <p:spPr/>
+        <p:txBody>
+          <a:bodyPr/>
+          <a:lstStyle/>
+          <a:p>
+            <a:endParaRPr lang="en-GB"/>
+          </a:p>
+        </p:txBody>
+      </p:sp>
+      <p:sp>
+        <p:nvSpPr>
+          <p:cNvPr id="7" name="Slide Number Placeholder 6">
+            <a:extLst>
+              <a:ext uri="{FF2B5EF4-FFF2-40B4-BE49-F238E27FC236}">
+                <a16:creationId xmlns:a16="http://schemas.microsoft.com/office/drawing/2014/main" id="{4FD18EFD-B2FA-45FD-B7A4-0BC05F2DB837}"/>
+              </a:ext>
+            </a:extLst>
+          </p:cNvPr>
+          <p:cNvSpPr>
+            <a:spLocks noGrp="1"/>
+          </p:cNvSpPr>
+          <p:nvPr>
+            <p:ph type="sldNum" sz="quarter" idx="12"/>
+          </p:nvPr>
+        </p:nvSpPr>
+        <p:spPr/>
+        <p:txBody>
+          <a:bodyPr/>
+          <a:lstStyle/>
+          <a:p>
+            <a:fld id="{8479ABEB-CDBB-4AA8-AA24-8D8980FAD85B}" type="slidenum">
+              <a:rPr lang="en-GB" smtClean="0"/>
+              <a:t>‹#›</a:t>
+            </a:fld>
+            <a:endParaRPr lang="en-GB"/>
+          </a:p>
+        </p:txBody>
+      </p:sp>
+    </p:spTree>
+    <p:extLst>
+      <p:ext uri="{BB962C8B-B14F-4D97-AF65-F5344CB8AC3E}">
+        <p14:creationId xmlns:p14="http://schemas.microsoft.com/office/powerpoint/2010/main" val="574585826"/>
+      </p:ext>
+    </p:extLst>
+  </p:cSld>
+  <p:clrMapOvr>
+    <a:masterClrMapping/>
+  </p:clrMapOvr>
+</p:sldLayout>
+</file>
+
+<file path=ppt/slideLayouts/slideLayout16.xml><?xml version="1.0" encoding="utf-8"?>
+<p:sldLayout xmlns:a="http://schemas.openxmlformats.org/drawingml/2006/main" xmlns:r="http://schemas.openxmlformats.org/officeDocument/2006/relationships" xmlns:p="http://schemas.openxmlformats.org/presentationml/2006/main" type="twoTxTwoObj" preserve="1">
+  <p:cSld name="Comparison">
+    <p:spTree>
+      <p:nvGrpSpPr>
+        <p:cNvPr id="1" name=""/>
+        <p:cNvGrpSpPr/>
+        <p:nvPr/>
+      </p:nvGrpSpPr>
+      <p:grpSpPr>
+        <a:xfrm>
+          <a:off x="0" y="0"/>
+          <a:ext cx="0" cy="0"/>
+          <a:chOff x="0" y="0"/>
+          <a:chExt cx="0" cy="0"/>
+        </a:xfrm>
+      </p:grpSpPr>
+      <p:sp>
+        <p:nvSpPr>
+          <p:cNvPr id="2" name="Title 1">
+            <a:extLst>
+              <a:ext uri="{FF2B5EF4-FFF2-40B4-BE49-F238E27FC236}">
+                <a16:creationId xmlns:a16="http://schemas.microsoft.com/office/drawing/2014/main" id="{2642A440-7D52-41EF-9144-A48C19569715}"/>
+              </a:ext>
+            </a:extLst>
+          </p:cNvPr>
+          <p:cNvSpPr>
+            <a:spLocks noGrp="1"/>
+          </p:cNvSpPr>
+          <p:nvPr>
+            <p:ph type="title"/>
+          </p:nvPr>
+        </p:nvSpPr>
+        <p:spPr>
+          <a:xfrm>
+            <a:off x="839788" y="365125"/>
+            <a:ext cx="10515600" cy="1325563"/>
+          </a:xfrm>
+        </p:spPr>
+        <p:txBody>
+          <a:bodyPr/>
+          <a:lstStyle/>
+          <a:p>
+            <a:r>
+              <a:rPr lang="en-US"/>
+              <a:t>Click to edit Master title style</a:t>
+            </a:r>
+            <a:endParaRPr lang="en-GB"/>
+          </a:p>
+        </p:txBody>
+      </p:sp>
+      <p:sp>
+        <p:nvSpPr>
+          <p:cNvPr id="3" name="Text Placeholder 2">
+            <a:extLst>
+              <a:ext uri="{FF2B5EF4-FFF2-40B4-BE49-F238E27FC236}">
+                <a16:creationId xmlns:a16="http://schemas.microsoft.com/office/drawing/2014/main" id="{5FA0B939-580E-424B-BFF9-E74C96C8CF80}"/>
+              </a:ext>
+            </a:extLst>
+          </p:cNvPr>
+          <p:cNvSpPr>
+            <a:spLocks noGrp="1"/>
+          </p:cNvSpPr>
+          <p:nvPr>
+            <p:ph type="body" idx="1"/>
+          </p:nvPr>
+        </p:nvSpPr>
+        <p:spPr>
+          <a:xfrm>
+            <a:off x="839788" y="1681163"/>
+            <a:ext cx="5157787" cy="823912"/>
+          </a:xfrm>
+        </p:spPr>
+        <p:txBody>
+          <a:bodyPr anchor="b"/>
+          <a:lstStyle>
+            <a:lvl1pPr marL="0" indent="0">
+              <a:buNone/>
+              <a:defRPr sz="2400" b="1"/>
+            </a:lvl1pPr>
+            <a:lvl2pPr marL="457200" indent="0">
+              <a:buNone/>
+              <a:defRPr sz="2000" b="1"/>
+            </a:lvl2pPr>
+            <a:lvl3pPr marL="914400" indent="0">
+              <a:buNone/>
+              <a:defRPr sz="1800" b="1"/>
+            </a:lvl3pPr>
+            <a:lvl4pPr marL="1371600" indent="0">
+              <a:buNone/>
+              <a:defRPr sz="1600" b="1"/>
+            </a:lvl4pPr>
+            <a:lvl5pPr marL="1828800" indent="0">
+              <a:buNone/>
+              <a:defRPr sz="1600" b="1"/>
+            </a:lvl5pPr>
+            <a:lvl6pPr marL="2286000" indent="0">
+              <a:buNone/>
+              <a:defRPr sz="1600" b="1"/>
+            </a:lvl6pPr>
+            <a:lvl7pPr marL="2743200" indent="0">
+              <a:buNone/>
+              <a:defRPr sz="1600" b="1"/>
+            </a:lvl7pPr>
+            <a:lvl8pPr marL="3200400" indent="0">
+              <a:buNone/>
+              <a:defRPr sz="1600" b="1"/>
+            </a:lvl8pPr>
+            <a:lvl9pPr marL="3657600" indent="0">
+              <a:buNone/>
+              <a:defRPr sz="1600" b="1"/>
+            </a:lvl9pPr>
+          </a:lstStyle>
+          <a:p>
+            <a:pPr lvl="0"/>
+            <a:r>
+              <a:rPr lang="en-US"/>
+              <a:t>Click to edit Master text styles</a:t>
+            </a:r>
+          </a:p>
+        </p:txBody>
+      </p:sp>
+      <p:sp>
+        <p:nvSpPr>
+          <p:cNvPr id="4" name="Content Placeholder 3">
+            <a:extLst>
+              <a:ext uri="{FF2B5EF4-FFF2-40B4-BE49-F238E27FC236}">
+                <a16:creationId xmlns:a16="http://schemas.microsoft.com/office/drawing/2014/main" id="{D5A459B9-AF99-4E25-A1F2-18CEA154D28D}"/>
+              </a:ext>
+            </a:extLst>
+          </p:cNvPr>
+          <p:cNvSpPr>
+            <a:spLocks noGrp="1"/>
+          </p:cNvSpPr>
+          <p:nvPr>
+            <p:ph sz="half" idx="2"/>
+          </p:nvPr>
+        </p:nvSpPr>
+        <p:spPr>
+          <a:xfrm>
+            <a:off x="839788" y="2505075"/>
+            <a:ext cx="5157787" cy="3684588"/>
+          </a:xfrm>
+        </p:spPr>
+        <p:txBody>
+          <a:bodyPr/>
+          <a:lstStyle/>
+          <a:p>
+            <a:pPr lvl="0"/>
+            <a:r>
+              <a:rPr lang="en-US"/>
+              <a:t>Click to edit Master text styles</a:t>
+            </a:r>
+          </a:p>
+          <a:p>
+            <a:pPr lvl="1"/>
+            <a:r>
+              <a:rPr lang="en-US"/>
+              <a:t>Second level</a:t>
+            </a:r>
+          </a:p>
+          <a:p>
+            <a:pPr lvl="2"/>
+            <a:r>
+              <a:rPr lang="en-US"/>
+              <a:t>Third level</a:t>
+            </a:r>
+          </a:p>
+          <a:p>
+            <a:pPr lvl="3"/>
+            <a:r>
+              <a:rPr lang="en-US"/>
+              <a:t>Fourth level</a:t>
+            </a:r>
+          </a:p>
+          <a:p>
+            <a:pPr lvl="4"/>
+            <a:r>
+              <a:rPr lang="en-US"/>
+              <a:t>Fifth level</a:t>
+            </a:r>
+            <a:endParaRPr lang="en-GB"/>
+          </a:p>
+        </p:txBody>
+      </p:sp>
+      <p:sp>
+        <p:nvSpPr>
+          <p:cNvPr id="5" name="Text Placeholder 4">
+            <a:extLst>
+              <a:ext uri="{FF2B5EF4-FFF2-40B4-BE49-F238E27FC236}">
+                <a16:creationId xmlns:a16="http://schemas.microsoft.com/office/drawing/2014/main" id="{3086CC4B-EE71-4291-A44C-0B2B680A607C}"/>
+              </a:ext>
+            </a:extLst>
+          </p:cNvPr>
+          <p:cNvSpPr>
+            <a:spLocks noGrp="1"/>
+          </p:cNvSpPr>
+          <p:nvPr>
+            <p:ph type="body" sz="quarter" idx="3"/>
+          </p:nvPr>
+        </p:nvSpPr>
+        <p:spPr>
+          <a:xfrm>
+            <a:off x="6172200" y="1681163"/>
+            <a:ext cx="5183188" cy="823912"/>
+          </a:xfrm>
+        </p:spPr>
+        <p:txBody>
+          <a:bodyPr anchor="b"/>
+          <a:lstStyle>
+            <a:lvl1pPr marL="0" indent="0">
+              <a:buNone/>
+              <a:defRPr sz="2400" b="1"/>
+            </a:lvl1pPr>
+            <a:lvl2pPr marL="457200" indent="0">
+              <a:buNone/>
+              <a:defRPr sz="2000" b="1"/>
+            </a:lvl2pPr>
+            <a:lvl3pPr marL="914400" indent="0">
+              <a:buNone/>
+              <a:defRPr sz="1800" b="1"/>
+            </a:lvl3pPr>
+            <a:lvl4pPr marL="1371600" indent="0">
+              <a:buNone/>
+              <a:defRPr sz="1600" b="1"/>
+            </a:lvl4pPr>
+            <a:lvl5pPr marL="1828800" indent="0">
+              <a:buNone/>
+              <a:defRPr sz="1600" b="1"/>
+            </a:lvl5pPr>
+            <a:lvl6pPr marL="2286000" indent="0">
+              <a:buNone/>
+              <a:defRPr sz="1600" b="1"/>
+            </a:lvl6pPr>
+            <a:lvl7pPr marL="2743200" indent="0">
+              <a:buNone/>
+              <a:defRPr sz="1600" b="1"/>
+            </a:lvl7pPr>
+            <a:lvl8pPr marL="3200400" indent="0">
+              <a:buNone/>
+              <a:defRPr sz="1600" b="1"/>
+            </a:lvl8pPr>
+            <a:lvl9pPr marL="3657600" indent="0">
+              <a:buNone/>
+              <a:defRPr sz="1600" b="1"/>
+            </a:lvl9pPr>
+          </a:lstStyle>
+          <a:p>
+            <a:pPr lvl="0"/>
+            <a:r>
+              <a:rPr lang="en-US"/>
+              <a:t>Click to edit Master text styles</a:t>
+            </a:r>
+          </a:p>
+        </p:txBody>
+      </p:sp>
+      <p:sp>
+        <p:nvSpPr>
+          <p:cNvPr id="6" name="Content Placeholder 5">
+            <a:extLst>
+              <a:ext uri="{FF2B5EF4-FFF2-40B4-BE49-F238E27FC236}">
+                <a16:creationId xmlns:a16="http://schemas.microsoft.com/office/drawing/2014/main" id="{E35A5253-41FD-4E95-A82C-35269F0974C4}"/>
+              </a:ext>
+            </a:extLst>
+          </p:cNvPr>
+          <p:cNvSpPr>
+            <a:spLocks noGrp="1"/>
+          </p:cNvSpPr>
+          <p:nvPr>
+            <p:ph sz="quarter" idx="4"/>
+          </p:nvPr>
+        </p:nvSpPr>
+        <p:spPr>
+          <a:xfrm>
+            <a:off x="6172200" y="2505075"/>
+            <a:ext cx="5183188" cy="3684588"/>
+          </a:xfrm>
+        </p:spPr>
+        <p:txBody>
+          <a:bodyPr/>
+          <a:lstStyle/>
+          <a:p>
+            <a:pPr lvl="0"/>
+            <a:r>
+              <a:rPr lang="en-US"/>
+              <a:t>Click to edit Master text styles</a:t>
+            </a:r>
+          </a:p>
+          <a:p>
+            <a:pPr lvl="1"/>
+            <a:r>
+              <a:rPr lang="en-US"/>
+              <a:t>Second level</a:t>
+            </a:r>
+          </a:p>
+          <a:p>
+            <a:pPr lvl="2"/>
+            <a:r>
+              <a:rPr lang="en-US"/>
+              <a:t>Third level</a:t>
+            </a:r>
+          </a:p>
+          <a:p>
+            <a:pPr lvl="3"/>
+            <a:r>
+              <a:rPr lang="en-US"/>
+              <a:t>Fourth level</a:t>
+            </a:r>
+          </a:p>
+          <a:p>
+            <a:pPr lvl="4"/>
+            <a:r>
+              <a:rPr lang="en-US"/>
+              <a:t>Fifth level</a:t>
+            </a:r>
+            <a:endParaRPr lang="en-GB"/>
+          </a:p>
+        </p:txBody>
+      </p:sp>
+      <p:sp>
+        <p:nvSpPr>
+          <p:cNvPr id="7" name="Date Placeholder 6">
+            <a:extLst>
+              <a:ext uri="{FF2B5EF4-FFF2-40B4-BE49-F238E27FC236}">
+                <a16:creationId xmlns:a16="http://schemas.microsoft.com/office/drawing/2014/main" id="{ADBE1DA4-22A4-415C-8650-45ACC5DAB24D}"/>
+              </a:ext>
+            </a:extLst>
+          </p:cNvPr>
+          <p:cNvSpPr>
+            <a:spLocks noGrp="1"/>
+          </p:cNvSpPr>
+          <p:nvPr>
+            <p:ph type="dt" sz="half" idx="10"/>
+          </p:nvPr>
+        </p:nvSpPr>
+        <p:spPr/>
+        <p:txBody>
+          <a:bodyPr/>
+          <a:lstStyle/>
+          <a:p>
+            <a:fld id="{E4A62EDC-D5D1-49C5-B313-6E6F916DA0E0}" type="datetimeFigureOut">
+              <a:rPr lang="en-GB" smtClean="0"/>
+              <a:t>29/06/2021</a:t>
+            </a:fld>
+            <a:endParaRPr lang="en-GB"/>
+          </a:p>
+        </p:txBody>
+      </p:sp>
+      <p:sp>
+        <p:nvSpPr>
+          <p:cNvPr id="8" name="Footer Placeholder 7">
+            <a:extLst>
+              <a:ext uri="{FF2B5EF4-FFF2-40B4-BE49-F238E27FC236}">
+                <a16:creationId xmlns:a16="http://schemas.microsoft.com/office/drawing/2014/main" id="{0CCDC4EF-C574-41A8-9E41-BCBFFCB55C52}"/>
+              </a:ext>
+            </a:extLst>
+          </p:cNvPr>
+          <p:cNvSpPr>
+            <a:spLocks noGrp="1"/>
+          </p:cNvSpPr>
+          <p:nvPr>
+            <p:ph type="ftr" sz="quarter" idx="11"/>
+          </p:nvPr>
+        </p:nvSpPr>
+        <p:spPr/>
+        <p:txBody>
+          <a:bodyPr/>
+          <a:lstStyle/>
+          <a:p>
+            <a:endParaRPr lang="en-GB"/>
+          </a:p>
+        </p:txBody>
+      </p:sp>
+      <p:sp>
+        <p:nvSpPr>
+          <p:cNvPr id="9" name="Slide Number Placeholder 8">
+            <a:extLst>
+              <a:ext uri="{FF2B5EF4-FFF2-40B4-BE49-F238E27FC236}">
+                <a16:creationId xmlns:a16="http://schemas.microsoft.com/office/drawing/2014/main" id="{1645C063-FBB5-4021-BA30-866F9E8BF214}"/>
+              </a:ext>
+            </a:extLst>
+          </p:cNvPr>
+          <p:cNvSpPr>
+            <a:spLocks noGrp="1"/>
+          </p:cNvSpPr>
+          <p:nvPr>
+            <p:ph type="sldNum" sz="quarter" idx="12"/>
+          </p:nvPr>
+        </p:nvSpPr>
+        <p:spPr/>
+        <p:txBody>
+          <a:bodyPr/>
+          <a:lstStyle/>
+          <a:p>
+            <a:fld id="{8479ABEB-CDBB-4AA8-AA24-8D8980FAD85B}" type="slidenum">
+              <a:rPr lang="en-GB" smtClean="0"/>
+              <a:t>‹#›</a:t>
+            </a:fld>
+            <a:endParaRPr lang="en-GB"/>
+          </a:p>
+        </p:txBody>
+      </p:sp>
+    </p:spTree>
+    <p:extLst>
+      <p:ext uri="{BB962C8B-B14F-4D97-AF65-F5344CB8AC3E}">
+        <p14:creationId xmlns:p14="http://schemas.microsoft.com/office/powerpoint/2010/main" val="2437261791"/>
+      </p:ext>
+    </p:extLst>
+  </p:cSld>
+  <p:clrMapOvr>
+    <a:masterClrMapping/>
+  </p:clrMapOvr>
+</p:sldLayout>
+</file>
+
+<file path=ppt/slideLayouts/slideLayout17.xml><?xml version="1.0" encoding="utf-8"?>
+<p:sldLayout xmlns:a="http://schemas.openxmlformats.org/drawingml/2006/main" xmlns:r="http://schemas.openxmlformats.org/officeDocument/2006/relationships" xmlns:p="http://schemas.openxmlformats.org/presentationml/2006/main" type="titleOnly" preserve="1">
+  <p:cSld name="Title Only">
+    <p:spTree>
+      <p:nvGrpSpPr>
+        <p:cNvPr id="1" name=""/>
+        <p:cNvGrpSpPr/>
+        <p:nvPr/>
+      </p:nvGrpSpPr>
+      <p:grpSpPr>
+        <a:xfrm>
+          <a:off x="0" y="0"/>
+          <a:ext cx="0" cy="0"/>
+          <a:chOff x="0" y="0"/>
+          <a:chExt cx="0" cy="0"/>
+        </a:xfrm>
+      </p:grpSpPr>
+      <p:sp>
+        <p:nvSpPr>
+          <p:cNvPr id="2" name="Title 1">
+            <a:extLst>
+              <a:ext uri="{FF2B5EF4-FFF2-40B4-BE49-F238E27FC236}">
+                <a16:creationId xmlns:a16="http://schemas.microsoft.com/office/drawing/2014/main" id="{5CBF4397-7FAB-431D-A1AD-1DC559C9EC49}"/>
+              </a:ext>
+            </a:extLst>
+          </p:cNvPr>
+          <p:cNvSpPr>
+            <a:spLocks noGrp="1"/>
+          </p:cNvSpPr>
+          <p:nvPr>
+            <p:ph type="title"/>
+          </p:nvPr>
+        </p:nvSpPr>
+        <p:spPr/>
+        <p:txBody>
+          <a:bodyPr/>
+          <a:lstStyle/>
+          <a:p>
+            <a:r>
+              <a:rPr lang="en-US"/>
+              <a:t>Click to edit Master title style</a:t>
+            </a:r>
+            <a:endParaRPr lang="en-GB"/>
+          </a:p>
+        </p:txBody>
+      </p:sp>
+      <p:sp>
+        <p:nvSpPr>
+          <p:cNvPr id="3" name="Date Placeholder 2">
+            <a:extLst>
+              <a:ext uri="{FF2B5EF4-FFF2-40B4-BE49-F238E27FC236}">
+                <a16:creationId xmlns:a16="http://schemas.microsoft.com/office/drawing/2014/main" id="{5574DFC4-0E5D-4085-8860-B2386B02D4DA}"/>
+              </a:ext>
+            </a:extLst>
+          </p:cNvPr>
+          <p:cNvSpPr>
+            <a:spLocks noGrp="1"/>
+          </p:cNvSpPr>
+          <p:nvPr>
+            <p:ph type="dt" sz="half" idx="10"/>
+          </p:nvPr>
+        </p:nvSpPr>
+        <p:spPr/>
+        <p:txBody>
+          <a:bodyPr/>
+          <a:lstStyle/>
+          <a:p>
+            <a:fld id="{E4A62EDC-D5D1-49C5-B313-6E6F916DA0E0}" type="datetimeFigureOut">
+              <a:rPr lang="en-GB" smtClean="0"/>
+              <a:t>29/06/2021</a:t>
+            </a:fld>
+            <a:endParaRPr lang="en-GB"/>
+          </a:p>
+        </p:txBody>
+      </p:sp>
+      <p:sp>
+        <p:nvSpPr>
+          <p:cNvPr id="4" name="Footer Placeholder 3">
+            <a:extLst>
+              <a:ext uri="{FF2B5EF4-FFF2-40B4-BE49-F238E27FC236}">
+                <a16:creationId xmlns:a16="http://schemas.microsoft.com/office/drawing/2014/main" id="{7D91B68A-6F8D-42C0-B5F5-150F11609B52}"/>
+              </a:ext>
+            </a:extLst>
+          </p:cNvPr>
+          <p:cNvSpPr>
+            <a:spLocks noGrp="1"/>
+          </p:cNvSpPr>
+          <p:nvPr>
+            <p:ph type="ftr" sz="quarter" idx="11"/>
+          </p:nvPr>
+        </p:nvSpPr>
+        <p:spPr/>
+        <p:txBody>
+          <a:bodyPr/>
+          <a:lstStyle/>
+          <a:p>
+            <a:endParaRPr lang="en-GB"/>
+          </a:p>
+        </p:txBody>
+      </p:sp>
+      <p:sp>
+        <p:nvSpPr>
+          <p:cNvPr id="5" name="Slide Number Placeholder 4">
+            <a:extLst>
+              <a:ext uri="{FF2B5EF4-FFF2-40B4-BE49-F238E27FC236}">
+                <a16:creationId xmlns:a16="http://schemas.microsoft.com/office/drawing/2014/main" id="{362B7BA1-C570-4EF9-9D23-22BAEB98CDFD}"/>
+              </a:ext>
+            </a:extLst>
+          </p:cNvPr>
+          <p:cNvSpPr>
+            <a:spLocks noGrp="1"/>
+          </p:cNvSpPr>
+          <p:nvPr>
+            <p:ph type="sldNum" sz="quarter" idx="12"/>
+          </p:nvPr>
+        </p:nvSpPr>
+        <p:spPr/>
+        <p:txBody>
+          <a:bodyPr/>
+          <a:lstStyle/>
+          <a:p>
+            <a:fld id="{8479ABEB-CDBB-4AA8-AA24-8D8980FAD85B}" type="slidenum">
+              <a:rPr lang="en-GB" smtClean="0"/>
+              <a:t>‹#›</a:t>
+            </a:fld>
+            <a:endParaRPr lang="en-GB"/>
+          </a:p>
+        </p:txBody>
+      </p:sp>
+    </p:spTree>
+    <p:extLst>
+      <p:ext uri="{BB962C8B-B14F-4D97-AF65-F5344CB8AC3E}">
+        <p14:creationId xmlns:p14="http://schemas.microsoft.com/office/powerpoint/2010/main" val="2837879153"/>
+      </p:ext>
+    </p:extLst>
+  </p:cSld>
+  <p:clrMapOvr>
+    <a:masterClrMapping/>
+  </p:clrMapOvr>
+</p:sldLayout>
+</file>
+
+<file path=ppt/slideLayouts/slideLayout18.xml><?xml version="1.0" encoding="utf-8"?>
+<p:sldLayout xmlns:a="http://schemas.openxmlformats.org/drawingml/2006/main" xmlns:r="http://schemas.openxmlformats.org/officeDocument/2006/relationships" xmlns:p="http://schemas.openxmlformats.org/presentationml/2006/main" type="blank" preserve="1">
+  <p:cSld name="Blank">
+    <p:spTree>
+      <p:nvGrpSpPr>
+        <p:cNvPr id="1" name=""/>
+        <p:cNvGrpSpPr/>
+        <p:nvPr/>
+      </p:nvGrpSpPr>
+      <p:grpSpPr>
+        <a:xfrm>
+          <a:off x="0" y="0"/>
+          <a:ext cx="0" cy="0"/>
+          <a:chOff x="0" y="0"/>
+          <a:chExt cx="0" cy="0"/>
+        </a:xfrm>
+      </p:grpSpPr>
+      <p:sp>
+        <p:nvSpPr>
+          <p:cNvPr id="2" name="Date Placeholder 1">
+            <a:extLst>
+              <a:ext uri="{FF2B5EF4-FFF2-40B4-BE49-F238E27FC236}">
+                <a16:creationId xmlns:a16="http://schemas.microsoft.com/office/drawing/2014/main" id="{01A67CCD-3041-4905-A76A-EF87A8C00C1E}"/>
+              </a:ext>
+            </a:extLst>
+          </p:cNvPr>
+          <p:cNvSpPr>
+            <a:spLocks noGrp="1"/>
+          </p:cNvSpPr>
+          <p:nvPr>
+            <p:ph type="dt" sz="half" idx="10"/>
+          </p:nvPr>
+        </p:nvSpPr>
+        <p:spPr/>
+        <p:txBody>
+          <a:bodyPr/>
+          <a:lstStyle/>
+          <a:p>
+            <a:fld id="{E4A62EDC-D5D1-49C5-B313-6E6F916DA0E0}" type="datetimeFigureOut">
+              <a:rPr lang="en-GB" smtClean="0"/>
+              <a:t>29/06/2021</a:t>
+            </a:fld>
+            <a:endParaRPr lang="en-GB"/>
+          </a:p>
+        </p:txBody>
+      </p:sp>
+      <p:sp>
+        <p:nvSpPr>
+          <p:cNvPr id="3" name="Footer Placeholder 2">
+            <a:extLst>
+              <a:ext uri="{FF2B5EF4-FFF2-40B4-BE49-F238E27FC236}">
+                <a16:creationId xmlns:a16="http://schemas.microsoft.com/office/drawing/2014/main" id="{1B867FD0-1884-4C2E-8D9D-77E61EE53A0E}"/>
+              </a:ext>
+            </a:extLst>
+          </p:cNvPr>
+          <p:cNvSpPr>
+            <a:spLocks noGrp="1"/>
+          </p:cNvSpPr>
+          <p:nvPr>
+            <p:ph type="ftr" sz="quarter" idx="11"/>
+          </p:nvPr>
+        </p:nvSpPr>
+        <p:spPr/>
+        <p:txBody>
+          <a:bodyPr/>
+          <a:lstStyle/>
+          <a:p>
+            <a:endParaRPr lang="en-GB"/>
+          </a:p>
+        </p:txBody>
+      </p:sp>
+      <p:sp>
+        <p:nvSpPr>
+          <p:cNvPr id="4" name="Slide Number Placeholder 3">
+            <a:extLst>
+              <a:ext uri="{FF2B5EF4-FFF2-40B4-BE49-F238E27FC236}">
+                <a16:creationId xmlns:a16="http://schemas.microsoft.com/office/drawing/2014/main" id="{DA29B228-E4AC-4B6B-8367-B04DDAF76761}"/>
+              </a:ext>
+            </a:extLst>
+          </p:cNvPr>
+          <p:cNvSpPr>
+            <a:spLocks noGrp="1"/>
+          </p:cNvSpPr>
+          <p:nvPr>
+            <p:ph type="sldNum" sz="quarter" idx="12"/>
+          </p:nvPr>
+        </p:nvSpPr>
+        <p:spPr/>
+        <p:txBody>
+          <a:bodyPr/>
+          <a:lstStyle/>
+          <a:p>
+            <a:fld id="{8479ABEB-CDBB-4AA8-AA24-8D8980FAD85B}" type="slidenum">
+              <a:rPr lang="en-GB" smtClean="0"/>
+              <a:t>‹#›</a:t>
+            </a:fld>
+            <a:endParaRPr lang="en-GB"/>
+          </a:p>
+        </p:txBody>
+      </p:sp>
+    </p:spTree>
+    <p:extLst>
+      <p:ext uri="{BB962C8B-B14F-4D97-AF65-F5344CB8AC3E}">
+        <p14:creationId xmlns:p14="http://schemas.microsoft.com/office/powerpoint/2010/main" val="2276084121"/>
+      </p:ext>
+    </p:extLst>
+  </p:cSld>
+  <p:clrMapOvr>
+    <a:masterClrMapping/>
+  </p:clrMapOvr>
+</p:sldLayout>
+</file>
+
+<file path=ppt/slideLayouts/slideLayout19.xml><?xml version="1.0" encoding="utf-8"?>
+<p:sldLayout xmlns:a="http://schemas.openxmlformats.org/drawingml/2006/main" xmlns:r="http://schemas.openxmlformats.org/officeDocument/2006/relationships" xmlns:p="http://schemas.openxmlformats.org/presentationml/2006/main" type="objTx" preserve="1">
+  <p:cSld name="Content with Caption">
+    <p:spTree>
+      <p:nvGrpSpPr>
+        <p:cNvPr id="1" name=""/>
+        <p:cNvGrpSpPr/>
+        <p:nvPr/>
+      </p:nvGrpSpPr>
+      <p:grpSpPr>
+        <a:xfrm>
+          <a:off x="0" y="0"/>
+          <a:ext cx="0" cy="0"/>
+          <a:chOff x="0" y="0"/>
+          <a:chExt cx="0" cy="0"/>
+        </a:xfrm>
+      </p:grpSpPr>
+      <p:sp>
+        <p:nvSpPr>
+          <p:cNvPr id="2" name="Title 1">
+            <a:extLst>
+              <a:ext uri="{FF2B5EF4-FFF2-40B4-BE49-F238E27FC236}">
+                <a16:creationId xmlns:a16="http://schemas.microsoft.com/office/drawing/2014/main" id="{332C89F3-9CDF-4712-B581-051EE9379207}"/>
+              </a:ext>
+            </a:extLst>
+          </p:cNvPr>
+          <p:cNvSpPr>
+            <a:spLocks noGrp="1"/>
+          </p:cNvSpPr>
+          <p:nvPr>
+            <p:ph type="title"/>
+          </p:nvPr>
+        </p:nvSpPr>
+        <p:spPr>
+          <a:xfrm>
+            <a:off x="839788" y="457200"/>
+            <a:ext cx="3932237" cy="1600200"/>
+          </a:xfrm>
+        </p:spPr>
+        <p:txBody>
+          <a:bodyPr anchor="b"/>
+          <a:lstStyle>
+            <a:lvl1pPr>
+              <a:defRPr sz="3200"/>
+            </a:lvl1pPr>
+          </a:lstStyle>
+          <a:p>
+            <a:r>
+              <a:rPr lang="en-US"/>
+              <a:t>Click to edit Master title style</a:t>
+            </a:r>
+            <a:endParaRPr lang="en-GB"/>
+          </a:p>
+        </p:txBody>
+      </p:sp>
+      <p:sp>
+        <p:nvSpPr>
+          <p:cNvPr id="3" name="Content Placeholder 2">
+            <a:extLst>
+              <a:ext uri="{FF2B5EF4-FFF2-40B4-BE49-F238E27FC236}">
+                <a16:creationId xmlns:a16="http://schemas.microsoft.com/office/drawing/2014/main" id="{533EB781-78A6-4F56-806A-A6FB1DE8BC96}"/>
+              </a:ext>
+            </a:extLst>
+          </p:cNvPr>
+          <p:cNvSpPr>
+            <a:spLocks noGrp="1"/>
+          </p:cNvSpPr>
+          <p:nvPr>
+            <p:ph idx="1"/>
+          </p:nvPr>
+        </p:nvSpPr>
+        <p:spPr>
+          <a:xfrm>
+            <a:off x="5183188" y="987425"/>
+            <a:ext cx="6172200" cy="4873625"/>
+          </a:xfrm>
+        </p:spPr>
+        <p:txBody>
+          <a:bodyPr/>
+          <a:lstStyle>
+            <a:lvl1pPr>
+              <a:defRPr sz="3200"/>
+            </a:lvl1pPr>
+            <a:lvl2pPr>
+              <a:defRPr sz="2800"/>
+            </a:lvl2pPr>
+            <a:lvl3pPr>
+              <a:defRPr sz="2400"/>
+            </a:lvl3pPr>
+            <a:lvl4pPr>
+              <a:defRPr sz="2000"/>
+            </a:lvl4pPr>
+            <a:lvl5pPr>
+              <a:defRPr sz="2000"/>
+            </a:lvl5pPr>
+            <a:lvl6pPr>
+              <a:defRPr sz="2000"/>
+            </a:lvl6pPr>
+            <a:lvl7pPr>
+              <a:defRPr sz="2000"/>
+            </a:lvl7pPr>
+            <a:lvl8pPr>
+              <a:defRPr sz="2000"/>
+            </a:lvl8pPr>
+            <a:lvl9pPr>
+              <a:defRPr sz="2000"/>
+            </a:lvl9pPr>
+          </a:lstStyle>
+          <a:p>
+            <a:pPr lvl="0"/>
+            <a:r>
+              <a:rPr lang="en-US"/>
+              <a:t>Click to edit Master text styles</a:t>
+            </a:r>
+          </a:p>
+          <a:p>
+            <a:pPr lvl="1"/>
+            <a:r>
+              <a:rPr lang="en-US"/>
+              <a:t>Second level</a:t>
+            </a:r>
+          </a:p>
+          <a:p>
+            <a:pPr lvl="2"/>
+            <a:r>
+              <a:rPr lang="en-US"/>
+              <a:t>Third level</a:t>
+            </a:r>
+          </a:p>
+          <a:p>
+            <a:pPr lvl="3"/>
+            <a:r>
+              <a:rPr lang="en-US"/>
+              <a:t>Fourth level</a:t>
+            </a:r>
+          </a:p>
+          <a:p>
+            <a:pPr lvl="4"/>
+            <a:r>
+              <a:rPr lang="en-US"/>
+              <a:t>Fifth level</a:t>
+            </a:r>
+            <a:endParaRPr lang="en-GB"/>
+          </a:p>
+        </p:txBody>
+      </p:sp>
+      <p:sp>
+        <p:nvSpPr>
+          <p:cNvPr id="4" name="Text Placeholder 3">
+            <a:extLst>
+              <a:ext uri="{FF2B5EF4-FFF2-40B4-BE49-F238E27FC236}">
+                <a16:creationId xmlns:a16="http://schemas.microsoft.com/office/drawing/2014/main" id="{540AAE4B-091D-4BDC-B117-04A9247B9297}"/>
+              </a:ext>
+            </a:extLst>
+          </p:cNvPr>
+          <p:cNvSpPr>
+            <a:spLocks noGrp="1"/>
+          </p:cNvSpPr>
+          <p:nvPr>
+            <p:ph type="body" sz="half" idx="2"/>
+          </p:nvPr>
+        </p:nvSpPr>
+        <p:spPr>
+          <a:xfrm>
+            <a:off x="839788" y="2057400"/>
+            <a:ext cx="3932237" cy="3811588"/>
+          </a:xfrm>
+        </p:spPr>
+        <p:txBody>
+          <a:bodyPr/>
+          <a:lstStyle>
+            <a:lvl1pPr marL="0" indent="0">
+              <a:buNone/>
+              <a:defRPr sz="1600"/>
+            </a:lvl1pPr>
+            <a:lvl2pPr marL="457200" indent="0">
+              <a:buNone/>
+              <a:defRPr sz="1400"/>
+            </a:lvl2pPr>
+            <a:lvl3pPr marL="914400" indent="0">
+              <a:buNone/>
+              <a:defRPr sz="1200"/>
+            </a:lvl3pPr>
+            <a:lvl4pPr marL="1371600" indent="0">
+              <a:buNone/>
+              <a:defRPr sz="1000"/>
+            </a:lvl4pPr>
+            <a:lvl5pPr marL="1828800" indent="0">
+              <a:buNone/>
+              <a:defRPr sz="1000"/>
+            </a:lvl5pPr>
+            <a:lvl6pPr marL="2286000" indent="0">
+              <a:buNone/>
+              <a:defRPr sz="1000"/>
+            </a:lvl6pPr>
+            <a:lvl7pPr marL="2743200" indent="0">
+              <a:buNone/>
+              <a:defRPr sz="1000"/>
+            </a:lvl7pPr>
+            <a:lvl8pPr marL="3200400" indent="0">
+              <a:buNone/>
+              <a:defRPr sz="1000"/>
+            </a:lvl8pPr>
+            <a:lvl9pPr marL="3657600" indent="0">
+              <a:buNone/>
+              <a:defRPr sz="1000"/>
+            </a:lvl9pPr>
+          </a:lstStyle>
+          <a:p>
+            <a:pPr lvl="0"/>
+            <a:r>
+              <a:rPr lang="en-US"/>
+              <a:t>Click to edit Master text styles</a:t>
+            </a:r>
+          </a:p>
+        </p:txBody>
+      </p:sp>
+      <p:sp>
+        <p:nvSpPr>
+          <p:cNvPr id="5" name="Date Placeholder 4">
+            <a:extLst>
+              <a:ext uri="{FF2B5EF4-FFF2-40B4-BE49-F238E27FC236}">
+                <a16:creationId xmlns:a16="http://schemas.microsoft.com/office/drawing/2014/main" id="{A4531FE5-1C89-444F-854B-70585AE31A37}"/>
+              </a:ext>
+            </a:extLst>
+          </p:cNvPr>
+          <p:cNvSpPr>
+            <a:spLocks noGrp="1"/>
+          </p:cNvSpPr>
+          <p:nvPr>
+            <p:ph type="dt" sz="half" idx="10"/>
+          </p:nvPr>
+        </p:nvSpPr>
+        <p:spPr/>
+        <p:txBody>
+          <a:bodyPr/>
+          <a:lstStyle/>
+          <a:p>
+            <a:fld id="{E4A62EDC-D5D1-49C5-B313-6E6F916DA0E0}" type="datetimeFigureOut">
+              <a:rPr lang="en-GB" smtClean="0"/>
+              <a:t>29/06/2021</a:t>
+            </a:fld>
+            <a:endParaRPr lang="en-GB"/>
+          </a:p>
+        </p:txBody>
+      </p:sp>
+      <p:sp>
+        <p:nvSpPr>
+          <p:cNvPr id="6" name="Footer Placeholder 5">
+            <a:extLst>
+              <a:ext uri="{FF2B5EF4-FFF2-40B4-BE49-F238E27FC236}">
+                <a16:creationId xmlns:a16="http://schemas.microsoft.com/office/drawing/2014/main" id="{4C9FB8BB-96D2-477F-BFB7-EEE546A3CE81}"/>
+              </a:ext>
+            </a:extLst>
+          </p:cNvPr>
+          <p:cNvSpPr>
+            <a:spLocks noGrp="1"/>
+          </p:cNvSpPr>
+          <p:nvPr>
+            <p:ph type="ftr" sz="quarter" idx="11"/>
+          </p:nvPr>
+        </p:nvSpPr>
+        <p:spPr/>
+        <p:txBody>
+          <a:bodyPr/>
+          <a:lstStyle/>
+          <a:p>
+            <a:endParaRPr lang="en-GB"/>
+          </a:p>
+        </p:txBody>
+      </p:sp>
+      <p:sp>
+        <p:nvSpPr>
+          <p:cNvPr id="7" name="Slide Number Placeholder 6">
+            <a:extLst>
+              <a:ext uri="{FF2B5EF4-FFF2-40B4-BE49-F238E27FC236}">
+                <a16:creationId xmlns:a16="http://schemas.microsoft.com/office/drawing/2014/main" id="{AF7DFCE1-D6D3-456B-A6C8-F996E6A10AD3}"/>
+              </a:ext>
+            </a:extLst>
+          </p:cNvPr>
+          <p:cNvSpPr>
+            <a:spLocks noGrp="1"/>
+          </p:cNvSpPr>
+          <p:nvPr>
+            <p:ph type="sldNum" sz="quarter" idx="12"/>
+          </p:nvPr>
+        </p:nvSpPr>
+        <p:spPr/>
+        <p:txBody>
+          <a:bodyPr/>
+          <a:lstStyle/>
+          <a:p>
+            <a:fld id="{8479ABEB-CDBB-4AA8-AA24-8D8980FAD85B}" type="slidenum">
+              <a:rPr lang="en-GB" smtClean="0"/>
+              <a:t>‹#›</a:t>
+            </a:fld>
+            <a:endParaRPr lang="en-GB"/>
+          </a:p>
+        </p:txBody>
+      </p:sp>
+    </p:spTree>
+    <p:extLst>
+      <p:ext uri="{BB962C8B-B14F-4D97-AF65-F5344CB8AC3E}">
+        <p14:creationId xmlns:p14="http://schemas.microsoft.com/office/powerpoint/2010/main" val="3765676269"/>
       </p:ext>
     </p:extLst>
   </p:cSld>
@@ -874,7 +3743,7 @@
           <a:p>
             <a:fld id="{CAAB38E9-6A6F-4A20-AE79-6273898C48E9}" type="datetimeFigureOut">
               <a:rPr lang="en-GB" smtClean="0"/>
-              <a:t>25/06/2021</a:t>
+              <a:t>29/06/2021</a:t>
             </a:fld>
             <a:endParaRPr lang="en-GB"/>
           </a:p>
@@ -938,6 +3807,1411 @@
     <p:extLst>
       <p:ext uri="{BB962C8B-B14F-4D97-AF65-F5344CB8AC3E}">
         <p14:creationId xmlns:p14="http://schemas.microsoft.com/office/powerpoint/2010/main" val="497923168"/>
+      </p:ext>
+    </p:extLst>
+  </p:cSld>
+  <p:clrMapOvr>
+    <a:masterClrMapping/>
+  </p:clrMapOvr>
+</p:sldLayout>
+</file>
+
+<file path=ppt/slideLayouts/slideLayout20.xml><?xml version="1.0" encoding="utf-8"?>
+<p:sldLayout xmlns:a="http://schemas.openxmlformats.org/drawingml/2006/main" xmlns:r="http://schemas.openxmlformats.org/officeDocument/2006/relationships" xmlns:p="http://schemas.openxmlformats.org/presentationml/2006/main" type="picTx" preserve="1">
+  <p:cSld name="Picture with Caption">
+    <p:spTree>
+      <p:nvGrpSpPr>
+        <p:cNvPr id="1" name=""/>
+        <p:cNvGrpSpPr/>
+        <p:nvPr/>
+      </p:nvGrpSpPr>
+      <p:grpSpPr>
+        <a:xfrm>
+          <a:off x="0" y="0"/>
+          <a:ext cx="0" cy="0"/>
+          <a:chOff x="0" y="0"/>
+          <a:chExt cx="0" cy="0"/>
+        </a:xfrm>
+      </p:grpSpPr>
+      <p:sp>
+        <p:nvSpPr>
+          <p:cNvPr id="2" name="Title 1">
+            <a:extLst>
+              <a:ext uri="{FF2B5EF4-FFF2-40B4-BE49-F238E27FC236}">
+                <a16:creationId xmlns:a16="http://schemas.microsoft.com/office/drawing/2014/main" id="{01E195C3-CC11-4A46-8AA9-A7C595E8259D}"/>
+              </a:ext>
+            </a:extLst>
+          </p:cNvPr>
+          <p:cNvSpPr>
+            <a:spLocks noGrp="1"/>
+          </p:cNvSpPr>
+          <p:nvPr>
+            <p:ph type="title"/>
+          </p:nvPr>
+        </p:nvSpPr>
+        <p:spPr>
+          <a:xfrm>
+            <a:off x="839788" y="457200"/>
+            <a:ext cx="3932237" cy="1600200"/>
+          </a:xfrm>
+        </p:spPr>
+        <p:txBody>
+          <a:bodyPr anchor="b"/>
+          <a:lstStyle>
+            <a:lvl1pPr>
+              <a:defRPr sz="3200"/>
+            </a:lvl1pPr>
+          </a:lstStyle>
+          <a:p>
+            <a:r>
+              <a:rPr lang="en-US"/>
+              <a:t>Click to edit Master title style</a:t>
+            </a:r>
+            <a:endParaRPr lang="en-GB"/>
+          </a:p>
+        </p:txBody>
+      </p:sp>
+      <p:sp>
+        <p:nvSpPr>
+          <p:cNvPr id="3" name="Picture Placeholder 2">
+            <a:extLst>
+              <a:ext uri="{FF2B5EF4-FFF2-40B4-BE49-F238E27FC236}">
+                <a16:creationId xmlns:a16="http://schemas.microsoft.com/office/drawing/2014/main" id="{2EEEBAE7-250F-4106-BB26-10531971B33A}"/>
+              </a:ext>
+            </a:extLst>
+          </p:cNvPr>
+          <p:cNvSpPr>
+            <a:spLocks noGrp="1"/>
+          </p:cNvSpPr>
+          <p:nvPr>
+            <p:ph type="pic" idx="1"/>
+          </p:nvPr>
+        </p:nvSpPr>
+        <p:spPr>
+          <a:xfrm>
+            <a:off x="5183188" y="987425"/>
+            <a:ext cx="6172200" cy="4873625"/>
+          </a:xfrm>
+        </p:spPr>
+        <p:txBody>
+          <a:bodyPr/>
+          <a:lstStyle>
+            <a:lvl1pPr marL="0" indent="0">
+              <a:buNone/>
+              <a:defRPr sz="3200"/>
+            </a:lvl1pPr>
+            <a:lvl2pPr marL="457200" indent="0">
+              <a:buNone/>
+              <a:defRPr sz="2800"/>
+            </a:lvl2pPr>
+            <a:lvl3pPr marL="914400" indent="0">
+              <a:buNone/>
+              <a:defRPr sz="2400"/>
+            </a:lvl3pPr>
+            <a:lvl4pPr marL="1371600" indent="0">
+              <a:buNone/>
+              <a:defRPr sz="2000"/>
+            </a:lvl4pPr>
+            <a:lvl5pPr marL="1828800" indent="0">
+              <a:buNone/>
+              <a:defRPr sz="2000"/>
+            </a:lvl5pPr>
+            <a:lvl6pPr marL="2286000" indent="0">
+              <a:buNone/>
+              <a:defRPr sz="2000"/>
+            </a:lvl6pPr>
+            <a:lvl7pPr marL="2743200" indent="0">
+              <a:buNone/>
+              <a:defRPr sz="2000"/>
+            </a:lvl7pPr>
+            <a:lvl8pPr marL="3200400" indent="0">
+              <a:buNone/>
+              <a:defRPr sz="2000"/>
+            </a:lvl8pPr>
+            <a:lvl9pPr marL="3657600" indent="0">
+              <a:buNone/>
+              <a:defRPr sz="2000"/>
+            </a:lvl9pPr>
+          </a:lstStyle>
+          <a:p>
+            <a:endParaRPr lang="en-GB"/>
+          </a:p>
+        </p:txBody>
+      </p:sp>
+      <p:sp>
+        <p:nvSpPr>
+          <p:cNvPr id="4" name="Text Placeholder 3">
+            <a:extLst>
+              <a:ext uri="{FF2B5EF4-FFF2-40B4-BE49-F238E27FC236}">
+                <a16:creationId xmlns:a16="http://schemas.microsoft.com/office/drawing/2014/main" id="{B4E7B94F-6BFE-4813-A404-FE25552BC29D}"/>
+              </a:ext>
+            </a:extLst>
+          </p:cNvPr>
+          <p:cNvSpPr>
+            <a:spLocks noGrp="1"/>
+          </p:cNvSpPr>
+          <p:nvPr>
+            <p:ph type="body" sz="half" idx="2"/>
+          </p:nvPr>
+        </p:nvSpPr>
+        <p:spPr>
+          <a:xfrm>
+            <a:off x="839788" y="2057400"/>
+            <a:ext cx="3932237" cy="3811588"/>
+          </a:xfrm>
+        </p:spPr>
+        <p:txBody>
+          <a:bodyPr/>
+          <a:lstStyle>
+            <a:lvl1pPr marL="0" indent="0">
+              <a:buNone/>
+              <a:defRPr sz="1600"/>
+            </a:lvl1pPr>
+            <a:lvl2pPr marL="457200" indent="0">
+              <a:buNone/>
+              <a:defRPr sz="1400"/>
+            </a:lvl2pPr>
+            <a:lvl3pPr marL="914400" indent="0">
+              <a:buNone/>
+              <a:defRPr sz="1200"/>
+            </a:lvl3pPr>
+            <a:lvl4pPr marL="1371600" indent="0">
+              <a:buNone/>
+              <a:defRPr sz="1000"/>
+            </a:lvl4pPr>
+            <a:lvl5pPr marL="1828800" indent="0">
+              <a:buNone/>
+              <a:defRPr sz="1000"/>
+            </a:lvl5pPr>
+            <a:lvl6pPr marL="2286000" indent="0">
+              <a:buNone/>
+              <a:defRPr sz="1000"/>
+            </a:lvl6pPr>
+            <a:lvl7pPr marL="2743200" indent="0">
+              <a:buNone/>
+              <a:defRPr sz="1000"/>
+            </a:lvl7pPr>
+            <a:lvl8pPr marL="3200400" indent="0">
+              <a:buNone/>
+              <a:defRPr sz="1000"/>
+            </a:lvl8pPr>
+            <a:lvl9pPr marL="3657600" indent="0">
+              <a:buNone/>
+              <a:defRPr sz="1000"/>
+            </a:lvl9pPr>
+          </a:lstStyle>
+          <a:p>
+            <a:pPr lvl="0"/>
+            <a:r>
+              <a:rPr lang="en-US"/>
+              <a:t>Click to edit Master text styles</a:t>
+            </a:r>
+          </a:p>
+        </p:txBody>
+      </p:sp>
+      <p:sp>
+        <p:nvSpPr>
+          <p:cNvPr id="5" name="Date Placeholder 4">
+            <a:extLst>
+              <a:ext uri="{FF2B5EF4-FFF2-40B4-BE49-F238E27FC236}">
+                <a16:creationId xmlns:a16="http://schemas.microsoft.com/office/drawing/2014/main" id="{1ED96162-E488-45C5-BB80-4A47B6FED8D3}"/>
+              </a:ext>
+            </a:extLst>
+          </p:cNvPr>
+          <p:cNvSpPr>
+            <a:spLocks noGrp="1"/>
+          </p:cNvSpPr>
+          <p:nvPr>
+            <p:ph type="dt" sz="half" idx="10"/>
+          </p:nvPr>
+        </p:nvSpPr>
+        <p:spPr/>
+        <p:txBody>
+          <a:bodyPr/>
+          <a:lstStyle/>
+          <a:p>
+            <a:fld id="{E4A62EDC-D5D1-49C5-B313-6E6F916DA0E0}" type="datetimeFigureOut">
+              <a:rPr lang="en-GB" smtClean="0"/>
+              <a:t>29/06/2021</a:t>
+            </a:fld>
+            <a:endParaRPr lang="en-GB"/>
+          </a:p>
+        </p:txBody>
+      </p:sp>
+      <p:sp>
+        <p:nvSpPr>
+          <p:cNvPr id="6" name="Footer Placeholder 5">
+            <a:extLst>
+              <a:ext uri="{FF2B5EF4-FFF2-40B4-BE49-F238E27FC236}">
+                <a16:creationId xmlns:a16="http://schemas.microsoft.com/office/drawing/2014/main" id="{77F7C909-5AA5-4B0D-9675-8837444EDF9A}"/>
+              </a:ext>
+            </a:extLst>
+          </p:cNvPr>
+          <p:cNvSpPr>
+            <a:spLocks noGrp="1"/>
+          </p:cNvSpPr>
+          <p:nvPr>
+            <p:ph type="ftr" sz="quarter" idx="11"/>
+          </p:nvPr>
+        </p:nvSpPr>
+        <p:spPr/>
+        <p:txBody>
+          <a:bodyPr/>
+          <a:lstStyle/>
+          <a:p>
+            <a:endParaRPr lang="en-GB"/>
+          </a:p>
+        </p:txBody>
+      </p:sp>
+      <p:sp>
+        <p:nvSpPr>
+          <p:cNvPr id="7" name="Slide Number Placeholder 6">
+            <a:extLst>
+              <a:ext uri="{FF2B5EF4-FFF2-40B4-BE49-F238E27FC236}">
+                <a16:creationId xmlns:a16="http://schemas.microsoft.com/office/drawing/2014/main" id="{2E0E1404-578B-4B2F-8203-6F1096B4BEC6}"/>
+              </a:ext>
+            </a:extLst>
+          </p:cNvPr>
+          <p:cNvSpPr>
+            <a:spLocks noGrp="1"/>
+          </p:cNvSpPr>
+          <p:nvPr>
+            <p:ph type="sldNum" sz="quarter" idx="12"/>
+          </p:nvPr>
+        </p:nvSpPr>
+        <p:spPr/>
+        <p:txBody>
+          <a:bodyPr/>
+          <a:lstStyle/>
+          <a:p>
+            <a:fld id="{8479ABEB-CDBB-4AA8-AA24-8D8980FAD85B}" type="slidenum">
+              <a:rPr lang="en-GB" smtClean="0"/>
+              <a:t>‹#›</a:t>
+            </a:fld>
+            <a:endParaRPr lang="en-GB"/>
+          </a:p>
+        </p:txBody>
+      </p:sp>
+    </p:spTree>
+    <p:extLst>
+      <p:ext uri="{BB962C8B-B14F-4D97-AF65-F5344CB8AC3E}">
+        <p14:creationId xmlns:p14="http://schemas.microsoft.com/office/powerpoint/2010/main" val="3516090829"/>
+      </p:ext>
+    </p:extLst>
+  </p:cSld>
+  <p:clrMapOvr>
+    <a:masterClrMapping/>
+  </p:clrMapOvr>
+</p:sldLayout>
+</file>
+
+<file path=ppt/slideLayouts/slideLayout21.xml><?xml version="1.0" encoding="utf-8"?>
+<p:sldLayout xmlns:a="http://schemas.openxmlformats.org/drawingml/2006/main" xmlns:r="http://schemas.openxmlformats.org/officeDocument/2006/relationships" xmlns:p="http://schemas.openxmlformats.org/presentationml/2006/main" type="vertTx" preserve="1">
+  <p:cSld name="Title and Vertical Text">
+    <p:spTree>
+      <p:nvGrpSpPr>
+        <p:cNvPr id="1" name=""/>
+        <p:cNvGrpSpPr/>
+        <p:nvPr/>
+      </p:nvGrpSpPr>
+      <p:grpSpPr>
+        <a:xfrm>
+          <a:off x="0" y="0"/>
+          <a:ext cx="0" cy="0"/>
+          <a:chOff x="0" y="0"/>
+          <a:chExt cx="0" cy="0"/>
+        </a:xfrm>
+      </p:grpSpPr>
+      <p:sp>
+        <p:nvSpPr>
+          <p:cNvPr id="2" name="Title 1">
+            <a:extLst>
+              <a:ext uri="{FF2B5EF4-FFF2-40B4-BE49-F238E27FC236}">
+                <a16:creationId xmlns:a16="http://schemas.microsoft.com/office/drawing/2014/main" id="{0AB0683B-37F8-4244-8CFC-26CCC29B9154}"/>
+              </a:ext>
+            </a:extLst>
+          </p:cNvPr>
+          <p:cNvSpPr>
+            <a:spLocks noGrp="1"/>
+          </p:cNvSpPr>
+          <p:nvPr>
+            <p:ph type="title"/>
+          </p:nvPr>
+        </p:nvSpPr>
+        <p:spPr/>
+        <p:txBody>
+          <a:bodyPr/>
+          <a:lstStyle/>
+          <a:p>
+            <a:r>
+              <a:rPr lang="en-US"/>
+              <a:t>Click to edit Master title style</a:t>
+            </a:r>
+            <a:endParaRPr lang="en-GB"/>
+          </a:p>
+        </p:txBody>
+      </p:sp>
+      <p:sp>
+        <p:nvSpPr>
+          <p:cNvPr id="3" name="Vertical Text Placeholder 2">
+            <a:extLst>
+              <a:ext uri="{FF2B5EF4-FFF2-40B4-BE49-F238E27FC236}">
+                <a16:creationId xmlns:a16="http://schemas.microsoft.com/office/drawing/2014/main" id="{DB31B56A-0D00-4E74-8A1B-5D12EF3DECCF}"/>
+              </a:ext>
+            </a:extLst>
+          </p:cNvPr>
+          <p:cNvSpPr>
+            <a:spLocks noGrp="1"/>
+          </p:cNvSpPr>
+          <p:nvPr>
+            <p:ph type="body" orient="vert" idx="1"/>
+          </p:nvPr>
+        </p:nvSpPr>
+        <p:spPr/>
+        <p:txBody>
+          <a:bodyPr vert="eaVert"/>
+          <a:lstStyle/>
+          <a:p>
+            <a:pPr lvl="0"/>
+            <a:r>
+              <a:rPr lang="en-US"/>
+              <a:t>Click to edit Master text styles</a:t>
+            </a:r>
+          </a:p>
+          <a:p>
+            <a:pPr lvl="1"/>
+            <a:r>
+              <a:rPr lang="en-US"/>
+              <a:t>Second level</a:t>
+            </a:r>
+          </a:p>
+          <a:p>
+            <a:pPr lvl="2"/>
+            <a:r>
+              <a:rPr lang="en-US"/>
+              <a:t>Third level</a:t>
+            </a:r>
+          </a:p>
+          <a:p>
+            <a:pPr lvl="3"/>
+            <a:r>
+              <a:rPr lang="en-US"/>
+              <a:t>Fourth level</a:t>
+            </a:r>
+          </a:p>
+          <a:p>
+            <a:pPr lvl="4"/>
+            <a:r>
+              <a:rPr lang="en-US"/>
+              <a:t>Fifth level</a:t>
+            </a:r>
+            <a:endParaRPr lang="en-GB"/>
+          </a:p>
+        </p:txBody>
+      </p:sp>
+      <p:sp>
+        <p:nvSpPr>
+          <p:cNvPr id="4" name="Date Placeholder 3">
+            <a:extLst>
+              <a:ext uri="{FF2B5EF4-FFF2-40B4-BE49-F238E27FC236}">
+                <a16:creationId xmlns:a16="http://schemas.microsoft.com/office/drawing/2014/main" id="{A07C4831-4B15-4FE3-8F16-0505B45A686B}"/>
+              </a:ext>
+            </a:extLst>
+          </p:cNvPr>
+          <p:cNvSpPr>
+            <a:spLocks noGrp="1"/>
+          </p:cNvSpPr>
+          <p:nvPr>
+            <p:ph type="dt" sz="half" idx="10"/>
+          </p:nvPr>
+        </p:nvSpPr>
+        <p:spPr/>
+        <p:txBody>
+          <a:bodyPr/>
+          <a:lstStyle/>
+          <a:p>
+            <a:fld id="{E4A62EDC-D5D1-49C5-B313-6E6F916DA0E0}" type="datetimeFigureOut">
+              <a:rPr lang="en-GB" smtClean="0"/>
+              <a:t>29/06/2021</a:t>
+            </a:fld>
+            <a:endParaRPr lang="en-GB"/>
+          </a:p>
+        </p:txBody>
+      </p:sp>
+      <p:sp>
+        <p:nvSpPr>
+          <p:cNvPr id="5" name="Footer Placeholder 4">
+            <a:extLst>
+              <a:ext uri="{FF2B5EF4-FFF2-40B4-BE49-F238E27FC236}">
+                <a16:creationId xmlns:a16="http://schemas.microsoft.com/office/drawing/2014/main" id="{836A1236-BE64-4C70-AB8D-B987B4078856}"/>
+              </a:ext>
+            </a:extLst>
+          </p:cNvPr>
+          <p:cNvSpPr>
+            <a:spLocks noGrp="1"/>
+          </p:cNvSpPr>
+          <p:nvPr>
+            <p:ph type="ftr" sz="quarter" idx="11"/>
+          </p:nvPr>
+        </p:nvSpPr>
+        <p:spPr/>
+        <p:txBody>
+          <a:bodyPr/>
+          <a:lstStyle/>
+          <a:p>
+            <a:endParaRPr lang="en-GB"/>
+          </a:p>
+        </p:txBody>
+      </p:sp>
+      <p:sp>
+        <p:nvSpPr>
+          <p:cNvPr id="6" name="Slide Number Placeholder 5">
+            <a:extLst>
+              <a:ext uri="{FF2B5EF4-FFF2-40B4-BE49-F238E27FC236}">
+                <a16:creationId xmlns:a16="http://schemas.microsoft.com/office/drawing/2014/main" id="{0D30CDB9-B80A-4B60-A37D-96E1E103B9A3}"/>
+              </a:ext>
+            </a:extLst>
+          </p:cNvPr>
+          <p:cNvSpPr>
+            <a:spLocks noGrp="1"/>
+          </p:cNvSpPr>
+          <p:nvPr>
+            <p:ph type="sldNum" sz="quarter" idx="12"/>
+          </p:nvPr>
+        </p:nvSpPr>
+        <p:spPr/>
+        <p:txBody>
+          <a:bodyPr/>
+          <a:lstStyle/>
+          <a:p>
+            <a:fld id="{8479ABEB-CDBB-4AA8-AA24-8D8980FAD85B}" type="slidenum">
+              <a:rPr lang="en-GB" smtClean="0"/>
+              <a:t>‹#›</a:t>
+            </a:fld>
+            <a:endParaRPr lang="en-GB"/>
+          </a:p>
+        </p:txBody>
+      </p:sp>
+    </p:spTree>
+    <p:extLst>
+      <p:ext uri="{BB962C8B-B14F-4D97-AF65-F5344CB8AC3E}">
+        <p14:creationId xmlns:p14="http://schemas.microsoft.com/office/powerpoint/2010/main" val="1304525428"/>
+      </p:ext>
+    </p:extLst>
+  </p:cSld>
+  <p:clrMapOvr>
+    <a:masterClrMapping/>
+  </p:clrMapOvr>
+</p:sldLayout>
+</file>
+
+<file path=ppt/slideLayouts/slideLayout22.xml><?xml version="1.0" encoding="utf-8"?>
+<p:sldLayout xmlns:a="http://schemas.openxmlformats.org/drawingml/2006/main" xmlns:r="http://schemas.openxmlformats.org/officeDocument/2006/relationships" xmlns:p="http://schemas.openxmlformats.org/presentationml/2006/main" type="vertTitleAndTx" preserve="1">
+  <p:cSld name="Vertical Title and Text">
+    <p:spTree>
+      <p:nvGrpSpPr>
+        <p:cNvPr id="1" name=""/>
+        <p:cNvGrpSpPr/>
+        <p:nvPr/>
+      </p:nvGrpSpPr>
+      <p:grpSpPr>
+        <a:xfrm>
+          <a:off x="0" y="0"/>
+          <a:ext cx="0" cy="0"/>
+          <a:chOff x="0" y="0"/>
+          <a:chExt cx="0" cy="0"/>
+        </a:xfrm>
+      </p:grpSpPr>
+      <p:sp>
+        <p:nvSpPr>
+          <p:cNvPr id="2" name="Vertical Title 1">
+            <a:extLst>
+              <a:ext uri="{FF2B5EF4-FFF2-40B4-BE49-F238E27FC236}">
+                <a16:creationId xmlns:a16="http://schemas.microsoft.com/office/drawing/2014/main" id="{019E2F85-3088-4B7E-AC61-888270651BD6}"/>
+              </a:ext>
+            </a:extLst>
+          </p:cNvPr>
+          <p:cNvSpPr>
+            <a:spLocks noGrp="1"/>
+          </p:cNvSpPr>
+          <p:nvPr>
+            <p:ph type="title" orient="vert"/>
+          </p:nvPr>
+        </p:nvSpPr>
+        <p:spPr>
+          <a:xfrm>
+            <a:off x="8724900" y="365125"/>
+            <a:ext cx="2628900" cy="5811838"/>
+          </a:xfrm>
+        </p:spPr>
+        <p:txBody>
+          <a:bodyPr vert="eaVert"/>
+          <a:lstStyle/>
+          <a:p>
+            <a:r>
+              <a:rPr lang="en-US"/>
+              <a:t>Click to edit Master title style</a:t>
+            </a:r>
+            <a:endParaRPr lang="en-GB"/>
+          </a:p>
+        </p:txBody>
+      </p:sp>
+      <p:sp>
+        <p:nvSpPr>
+          <p:cNvPr id="3" name="Vertical Text Placeholder 2">
+            <a:extLst>
+              <a:ext uri="{FF2B5EF4-FFF2-40B4-BE49-F238E27FC236}">
+                <a16:creationId xmlns:a16="http://schemas.microsoft.com/office/drawing/2014/main" id="{5B565029-9658-4AC5-BFFA-9F08D9B097ED}"/>
+              </a:ext>
+            </a:extLst>
+          </p:cNvPr>
+          <p:cNvSpPr>
+            <a:spLocks noGrp="1"/>
+          </p:cNvSpPr>
+          <p:nvPr>
+            <p:ph type="body" orient="vert" idx="1"/>
+          </p:nvPr>
+        </p:nvSpPr>
+        <p:spPr>
+          <a:xfrm>
+            <a:off x="838200" y="365125"/>
+            <a:ext cx="7734300" cy="5811838"/>
+          </a:xfrm>
+        </p:spPr>
+        <p:txBody>
+          <a:bodyPr vert="eaVert"/>
+          <a:lstStyle/>
+          <a:p>
+            <a:pPr lvl="0"/>
+            <a:r>
+              <a:rPr lang="en-US"/>
+              <a:t>Click to edit Master text styles</a:t>
+            </a:r>
+          </a:p>
+          <a:p>
+            <a:pPr lvl="1"/>
+            <a:r>
+              <a:rPr lang="en-US"/>
+              <a:t>Second level</a:t>
+            </a:r>
+          </a:p>
+          <a:p>
+            <a:pPr lvl="2"/>
+            <a:r>
+              <a:rPr lang="en-US"/>
+              <a:t>Third level</a:t>
+            </a:r>
+          </a:p>
+          <a:p>
+            <a:pPr lvl="3"/>
+            <a:r>
+              <a:rPr lang="en-US"/>
+              <a:t>Fourth level</a:t>
+            </a:r>
+          </a:p>
+          <a:p>
+            <a:pPr lvl="4"/>
+            <a:r>
+              <a:rPr lang="en-US"/>
+              <a:t>Fifth level</a:t>
+            </a:r>
+            <a:endParaRPr lang="en-GB"/>
+          </a:p>
+        </p:txBody>
+      </p:sp>
+      <p:sp>
+        <p:nvSpPr>
+          <p:cNvPr id="4" name="Date Placeholder 3">
+            <a:extLst>
+              <a:ext uri="{FF2B5EF4-FFF2-40B4-BE49-F238E27FC236}">
+                <a16:creationId xmlns:a16="http://schemas.microsoft.com/office/drawing/2014/main" id="{67168CD8-BC74-4CCE-81B2-5685290E389E}"/>
+              </a:ext>
+            </a:extLst>
+          </p:cNvPr>
+          <p:cNvSpPr>
+            <a:spLocks noGrp="1"/>
+          </p:cNvSpPr>
+          <p:nvPr>
+            <p:ph type="dt" sz="half" idx="10"/>
+          </p:nvPr>
+        </p:nvSpPr>
+        <p:spPr/>
+        <p:txBody>
+          <a:bodyPr/>
+          <a:lstStyle/>
+          <a:p>
+            <a:fld id="{E4A62EDC-D5D1-49C5-B313-6E6F916DA0E0}" type="datetimeFigureOut">
+              <a:rPr lang="en-GB" smtClean="0"/>
+              <a:t>29/06/2021</a:t>
+            </a:fld>
+            <a:endParaRPr lang="en-GB"/>
+          </a:p>
+        </p:txBody>
+      </p:sp>
+      <p:sp>
+        <p:nvSpPr>
+          <p:cNvPr id="5" name="Footer Placeholder 4">
+            <a:extLst>
+              <a:ext uri="{FF2B5EF4-FFF2-40B4-BE49-F238E27FC236}">
+                <a16:creationId xmlns:a16="http://schemas.microsoft.com/office/drawing/2014/main" id="{EA8EEFD2-09DE-400E-A247-FE394A677122}"/>
+              </a:ext>
+            </a:extLst>
+          </p:cNvPr>
+          <p:cNvSpPr>
+            <a:spLocks noGrp="1"/>
+          </p:cNvSpPr>
+          <p:nvPr>
+            <p:ph type="ftr" sz="quarter" idx="11"/>
+          </p:nvPr>
+        </p:nvSpPr>
+        <p:spPr/>
+        <p:txBody>
+          <a:bodyPr/>
+          <a:lstStyle/>
+          <a:p>
+            <a:endParaRPr lang="en-GB"/>
+          </a:p>
+        </p:txBody>
+      </p:sp>
+      <p:sp>
+        <p:nvSpPr>
+          <p:cNvPr id="6" name="Slide Number Placeholder 5">
+            <a:extLst>
+              <a:ext uri="{FF2B5EF4-FFF2-40B4-BE49-F238E27FC236}">
+                <a16:creationId xmlns:a16="http://schemas.microsoft.com/office/drawing/2014/main" id="{21571627-54E0-4C3F-93A8-B641848E2F86}"/>
+              </a:ext>
+            </a:extLst>
+          </p:cNvPr>
+          <p:cNvSpPr>
+            <a:spLocks noGrp="1"/>
+          </p:cNvSpPr>
+          <p:nvPr>
+            <p:ph type="sldNum" sz="quarter" idx="12"/>
+          </p:nvPr>
+        </p:nvSpPr>
+        <p:spPr/>
+        <p:txBody>
+          <a:bodyPr/>
+          <a:lstStyle/>
+          <a:p>
+            <a:fld id="{8479ABEB-CDBB-4AA8-AA24-8D8980FAD85B}" type="slidenum">
+              <a:rPr lang="en-GB" smtClean="0"/>
+              <a:t>‹#›</a:t>
+            </a:fld>
+            <a:endParaRPr lang="en-GB"/>
+          </a:p>
+        </p:txBody>
+      </p:sp>
+    </p:spTree>
+    <p:extLst>
+      <p:ext uri="{BB962C8B-B14F-4D97-AF65-F5344CB8AC3E}">
+        <p14:creationId xmlns:p14="http://schemas.microsoft.com/office/powerpoint/2010/main" val="4157328867"/>
+      </p:ext>
+    </p:extLst>
+  </p:cSld>
+  <p:clrMapOvr>
+    <a:masterClrMapping/>
+  </p:clrMapOvr>
+</p:sldLayout>
+</file>
+
+<file path=ppt/slideLayouts/slideLayout23.xml><?xml version="1.0" encoding="utf-8"?>
+<p:sldLayout xmlns:a="http://schemas.openxmlformats.org/drawingml/2006/main" xmlns:r="http://schemas.openxmlformats.org/officeDocument/2006/relationships" xmlns:p="http://schemas.openxmlformats.org/presentationml/2006/main" showMasterSp="0" userDrawn="1">
+  <p:cSld name="Section slide teal">
+    <p:bg>
+      <p:bgPr>
+        <a:solidFill>
+          <a:srgbClr val="008080"/>
+        </a:solidFill>
+        <a:effectLst/>
+      </p:bgPr>
+    </p:bg>
+    <p:spTree>
+      <p:nvGrpSpPr>
+        <p:cNvPr id="1" name=""/>
+        <p:cNvGrpSpPr/>
+        <p:nvPr/>
+      </p:nvGrpSpPr>
+      <p:grpSpPr>
+        <a:xfrm>
+          <a:off x="0" y="0"/>
+          <a:ext cx="0" cy="0"/>
+          <a:chOff x="0" y="0"/>
+          <a:chExt cx="0" cy="0"/>
+        </a:xfrm>
+      </p:grpSpPr>
+      <p:sp>
+        <p:nvSpPr>
+          <p:cNvPr id="8" name="Slide Number Placeholder">
+            <a:extLst>
+              <a:ext uri="{FF2B5EF4-FFF2-40B4-BE49-F238E27FC236}">
+                <a16:creationId xmlns:a16="http://schemas.microsoft.com/office/drawing/2014/main" id="{BAA1490B-BB3E-0748-BA6A-B8586696578B}"/>
+              </a:ext>
+            </a:extLst>
+          </p:cNvPr>
+          <p:cNvSpPr>
+            <a:spLocks noGrp="1"/>
+          </p:cNvSpPr>
+          <p:nvPr>
+            <p:ph type="sldNum" sz="quarter" idx="4"/>
+          </p:nvPr>
+        </p:nvSpPr>
+        <p:spPr>
+          <a:xfrm>
+            <a:off x="4662087" y="6250891"/>
+            <a:ext cx="2867826" cy="365125"/>
+          </a:xfrm>
+          <a:prstGeom prst="rect">
+            <a:avLst/>
+          </a:prstGeom>
+        </p:spPr>
+        <p:txBody>
+          <a:bodyPr/>
+          <a:lstStyle>
+            <a:lvl1pPr>
+              <a:defRPr sz="2000">
+                <a:solidFill>
+                  <a:schemeClr val="bg1"/>
+                </a:solidFill>
+              </a:defRPr>
+            </a:lvl1pPr>
+          </a:lstStyle>
+          <a:p>
+            <a:pPr algn="ctr"/>
+            <a:fld id="{232417FB-2EF4-EC49-BC13-97513C37E9E5}" type="slidenum">
+              <a:rPr lang="en-US" smtClean="0"/>
+              <a:pPr algn="ctr"/>
+              <a:t>‹#›</a:t>
+            </a:fld>
+            <a:endParaRPr lang="en-US" dirty="0"/>
+          </a:p>
+        </p:txBody>
+      </p:sp>
+      <p:sp>
+        <p:nvSpPr>
+          <p:cNvPr id="9" name="Footer Placeholder">
+            <a:extLst>
+              <a:ext uri="{FF2B5EF4-FFF2-40B4-BE49-F238E27FC236}">
+                <a16:creationId xmlns:a16="http://schemas.microsoft.com/office/drawing/2014/main" id="{61622BCB-5999-744E-B77D-08F504F71E8B}"/>
+              </a:ext>
+            </a:extLst>
+          </p:cNvPr>
+          <p:cNvSpPr>
+            <a:spLocks noGrp="1"/>
+          </p:cNvSpPr>
+          <p:nvPr>
+            <p:ph type="ftr" sz="quarter" idx="3"/>
+          </p:nvPr>
+        </p:nvSpPr>
+        <p:spPr>
+          <a:xfrm>
+            <a:off x="7529913" y="6250890"/>
+            <a:ext cx="3842030" cy="365125"/>
+          </a:xfrm>
+          <a:prstGeom prst="rect">
+            <a:avLst/>
+          </a:prstGeom>
+        </p:spPr>
+        <p:txBody>
+          <a:bodyPr vert="horz" lIns="91440" tIns="45720" rIns="0" bIns="45720" rtlCol="0" anchor="t" anchorCtr="0"/>
+          <a:lstStyle>
+            <a:lvl1pPr algn="r">
+              <a:defRPr sz="2000" b="1">
+                <a:solidFill>
+                  <a:schemeClr val="bg1"/>
+                </a:solidFill>
+              </a:defRPr>
+            </a:lvl1pPr>
+          </a:lstStyle>
+          <a:p>
+            <a:endParaRPr lang="en-US" dirty="0"/>
+          </a:p>
+        </p:txBody>
+      </p:sp>
+      <p:sp>
+        <p:nvSpPr>
+          <p:cNvPr id="17" name="Title">
+            <a:extLst>
+              <a:ext uri="{FF2B5EF4-FFF2-40B4-BE49-F238E27FC236}">
+                <a16:creationId xmlns:a16="http://schemas.microsoft.com/office/drawing/2014/main" id="{1FFF5308-8243-A94B-81A6-3885912D01F0}"/>
+              </a:ext>
+            </a:extLst>
+          </p:cNvPr>
+          <p:cNvSpPr>
+            <a:spLocks noGrp="1"/>
+          </p:cNvSpPr>
+          <p:nvPr>
+            <p:ph type="title" hasCustomPrompt="1"/>
+          </p:nvPr>
+        </p:nvSpPr>
+        <p:spPr>
+          <a:xfrm>
+            <a:off x="838200" y="2769528"/>
+            <a:ext cx="10515600" cy="1052596"/>
+          </a:xfrm>
+          <a:prstGeom prst="rect">
+            <a:avLst/>
+          </a:prstGeom>
+        </p:spPr>
+        <p:txBody>
+          <a:bodyPr lIns="0" tIns="0" rIns="0" bIns="0" anchor="t" anchorCtr="0">
+            <a:spAutoFit/>
+          </a:bodyPr>
+          <a:lstStyle>
+            <a:lvl1pPr algn="l">
+              <a:defRPr sz="7200">
+                <a:solidFill>
+                  <a:schemeClr val="bg1"/>
+                </a:solidFill>
+              </a:defRPr>
+            </a:lvl1pPr>
+          </a:lstStyle>
+          <a:p>
+            <a:r>
+              <a:rPr lang="en-US" dirty="0"/>
+              <a:t>Section slide</a:t>
+            </a:r>
+          </a:p>
+        </p:txBody>
+      </p:sp>
+      <p:sp>
+        <p:nvSpPr>
+          <p:cNvPr id="16" name="Subtitle">
+            <a:extLst>
+              <a:ext uri="{FF2B5EF4-FFF2-40B4-BE49-F238E27FC236}">
+                <a16:creationId xmlns:a16="http://schemas.microsoft.com/office/drawing/2014/main" id="{5903921C-6D50-A849-B477-5BE38F246FF8}"/>
+              </a:ext>
+            </a:extLst>
+          </p:cNvPr>
+          <p:cNvSpPr>
+            <a:spLocks noGrp="1"/>
+          </p:cNvSpPr>
+          <p:nvPr>
+            <p:ph type="subTitle" idx="1" hasCustomPrompt="1"/>
+          </p:nvPr>
+        </p:nvSpPr>
+        <p:spPr>
+          <a:xfrm>
+            <a:off x="838200" y="3916872"/>
+            <a:ext cx="10515600" cy="1655762"/>
+          </a:xfrm>
+          <a:prstGeom prst="rect">
+            <a:avLst/>
+          </a:prstGeom>
+        </p:spPr>
+        <p:txBody>
+          <a:bodyPr tIns="72000" bIns="0" anchor="t" anchorCtr="0">
+            <a:normAutofit/>
+          </a:bodyPr>
+          <a:lstStyle>
+            <a:lvl1pPr marL="0" indent="0" algn="l">
+              <a:lnSpc>
+                <a:spcPts val="3800"/>
+              </a:lnSpc>
+              <a:spcBef>
+                <a:spcPts val="0"/>
+              </a:spcBef>
+              <a:spcAft>
+                <a:spcPts val="1000"/>
+              </a:spcAft>
+              <a:buNone/>
+              <a:defRPr sz="3200">
+                <a:solidFill>
+                  <a:schemeClr val="bg1"/>
+                </a:solidFill>
+              </a:defRPr>
+            </a:lvl1pPr>
+            <a:lvl2pPr marL="457200" indent="0" algn="ctr">
+              <a:buNone/>
+              <a:defRPr sz="2000"/>
+            </a:lvl2pPr>
+            <a:lvl3pPr marL="914400" indent="0" algn="ctr">
+              <a:buNone/>
+              <a:defRPr sz="1800"/>
+            </a:lvl3pPr>
+            <a:lvl4pPr marL="1371600" indent="0" algn="ctr">
+              <a:buNone/>
+              <a:defRPr sz="1600"/>
+            </a:lvl4pPr>
+            <a:lvl5pPr marL="1828800" indent="0" algn="ctr">
+              <a:buNone/>
+              <a:defRPr sz="1600"/>
+            </a:lvl5pPr>
+            <a:lvl6pPr marL="2286000" indent="0" algn="ctr">
+              <a:buNone/>
+              <a:defRPr sz="1600"/>
+            </a:lvl6pPr>
+            <a:lvl7pPr marL="2743200" indent="0" algn="ctr">
+              <a:buNone/>
+              <a:defRPr sz="1600"/>
+            </a:lvl7pPr>
+            <a:lvl8pPr marL="3200400" indent="0" algn="ctr">
+              <a:buNone/>
+              <a:defRPr sz="1600"/>
+            </a:lvl8pPr>
+            <a:lvl9pPr marL="3657600" indent="0" algn="ctr">
+              <a:buNone/>
+              <a:defRPr sz="1600"/>
+            </a:lvl9pPr>
+          </a:lstStyle>
+          <a:p>
+            <a:r>
+              <a:rPr lang="en-US" dirty="0"/>
+              <a:t>Subtitle</a:t>
+            </a:r>
+          </a:p>
+        </p:txBody>
+      </p:sp>
+      <p:cxnSp>
+        <p:nvCxnSpPr>
+          <p:cNvPr id="10" name="Line">
+            <a:extLst>
+              <a:ext uri="{FF2B5EF4-FFF2-40B4-BE49-F238E27FC236}">
+                <a16:creationId xmlns:a16="http://schemas.microsoft.com/office/drawing/2014/main" id="{9BEE2D9E-3E87-ED40-89C2-DBA774F1F211}"/>
+              </a:ext>
+            </a:extLst>
+          </p:cNvPr>
+          <p:cNvCxnSpPr>
+            <a:cxnSpLocks/>
+          </p:cNvCxnSpPr>
+          <p:nvPr userDrawn="1"/>
+        </p:nvCxnSpPr>
+        <p:spPr>
+          <a:xfrm>
+            <a:off x="823943" y="6055339"/>
+            <a:ext cx="10548000" cy="0"/>
+          </a:xfrm>
+          <a:prstGeom prst="line">
+            <a:avLst/>
+          </a:prstGeom>
+          <a:ln w="12700">
+            <a:solidFill>
+              <a:schemeClr val="bg1"/>
+            </a:solidFill>
+          </a:ln>
+        </p:spPr>
+        <p:style>
+          <a:lnRef idx="1">
+            <a:schemeClr val="accent1"/>
+          </a:lnRef>
+          <a:fillRef idx="0">
+            <a:schemeClr val="accent1"/>
+          </a:fillRef>
+          <a:effectRef idx="0">
+            <a:schemeClr val="accent1"/>
+          </a:effectRef>
+          <a:fontRef idx="minor">
+            <a:schemeClr val="tx1"/>
+          </a:fontRef>
+        </p:style>
+      </p:cxnSp>
+      <p:pic>
+        <p:nvPicPr>
+          <p:cNvPr id="11" name="Logo">
+            <a:extLst>
+              <a:ext uri="{FF2B5EF4-FFF2-40B4-BE49-F238E27FC236}">
+                <a16:creationId xmlns:a16="http://schemas.microsoft.com/office/drawing/2014/main" id="{2015EA9F-8838-304C-B7BC-0CE52FD5BE54}"/>
+              </a:ext>
+            </a:extLst>
+          </p:cNvPr>
+          <p:cNvPicPr>
+            <a:picLocks noChangeAspect="1"/>
+          </p:cNvPicPr>
+          <p:nvPr userDrawn="1"/>
+        </p:nvPicPr>
+        <p:blipFill>
+          <a:blip r:embed="rId2"/>
+          <a:stretch>
+            <a:fillRect/>
+          </a:stretch>
+        </p:blipFill>
+        <p:spPr>
+          <a:xfrm>
+            <a:off x="767166" y="6230570"/>
+            <a:ext cx="3489869" cy="408624"/>
+          </a:xfrm>
+          <a:prstGeom prst="rect">
+            <a:avLst/>
+          </a:prstGeom>
+        </p:spPr>
+      </p:pic>
+    </p:spTree>
+    <p:extLst>
+      <p:ext uri="{BB962C8B-B14F-4D97-AF65-F5344CB8AC3E}">
+        <p14:creationId xmlns:p14="http://schemas.microsoft.com/office/powerpoint/2010/main" val="2944561053"/>
+      </p:ext>
+    </p:extLst>
+  </p:cSld>
+  <p:clrMapOvr>
+    <a:masterClrMapping/>
+  </p:clrMapOvr>
+</p:sldLayout>
+</file>
+
+<file path=ppt/slideLayouts/slideLayout24.xml><?xml version="1.0" encoding="utf-8"?>
+<p:sldLayout xmlns:a="http://schemas.openxmlformats.org/drawingml/2006/main" xmlns:r="http://schemas.openxmlformats.org/officeDocument/2006/relationships" xmlns:p="http://schemas.openxmlformats.org/presentationml/2006/main" showMasterSp="0" userDrawn="1">
+  <p:cSld name="6_Single column title and content">
+    <p:bg>
+      <p:bgPr>
+        <a:solidFill>
+          <a:srgbClr val="008080">
+            <a:alpha val="9804"/>
+          </a:srgbClr>
+        </a:solidFill>
+        <a:effectLst/>
+      </p:bgPr>
+    </p:bg>
+    <p:spTree>
+      <p:nvGrpSpPr>
+        <p:cNvPr id="1" name=""/>
+        <p:cNvGrpSpPr/>
+        <p:nvPr/>
+      </p:nvGrpSpPr>
+      <p:grpSpPr>
+        <a:xfrm>
+          <a:off x="0" y="0"/>
+          <a:ext cx="0" cy="0"/>
+          <a:chOff x="0" y="0"/>
+          <a:chExt cx="0" cy="0"/>
+        </a:xfrm>
+      </p:grpSpPr>
+      <p:sp>
+        <p:nvSpPr>
+          <p:cNvPr id="8" name="Rectangle">
+            <a:extLst>
+              <a:ext uri="{FF2B5EF4-FFF2-40B4-BE49-F238E27FC236}">
+                <a16:creationId xmlns:a16="http://schemas.microsoft.com/office/drawing/2014/main" id="{CAB7C50D-A92E-F542-A579-D6ACCE3E0F84}"/>
+              </a:ext>
+            </a:extLst>
+          </p:cNvPr>
+          <p:cNvSpPr/>
+          <p:nvPr userDrawn="1"/>
+        </p:nvSpPr>
+        <p:spPr>
+          <a:xfrm>
+            <a:off x="0" y="6037942"/>
+            <a:ext cx="12192000" cy="820058"/>
+          </a:xfrm>
+          <a:prstGeom prst="rect">
+            <a:avLst/>
+          </a:prstGeom>
+          <a:solidFill>
+            <a:srgbClr val="008080"/>
+          </a:solidFill>
+          <a:ln>
+            <a:noFill/>
+          </a:ln>
+        </p:spPr>
+        <p:style>
+          <a:lnRef idx="2">
+            <a:schemeClr val="accent1">
+              <a:shade val="50000"/>
+            </a:schemeClr>
+          </a:lnRef>
+          <a:fillRef idx="1">
+            <a:schemeClr val="accent1"/>
+          </a:fillRef>
+          <a:effectRef idx="0">
+            <a:schemeClr val="accent1"/>
+          </a:effectRef>
+          <a:fontRef idx="minor">
+            <a:schemeClr val="lt1"/>
+          </a:fontRef>
+        </p:style>
+        <p:txBody>
+          <a:bodyPr rtlCol="0" anchor="ctr"/>
+          <a:lstStyle/>
+          <a:p>
+            <a:pPr algn="ctr"/>
+            <a:endParaRPr lang="en-US"/>
+          </a:p>
+        </p:txBody>
+      </p:sp>
+      <p:sp>
+        <p:nvSpPr>
+          <p:cNvPr id="13" name="Slide Number Placeholder">
+            <a:extLst>
+              <a:ext uri="{FF2B5EF4-FFF2-40B4-BE49-F238E27FC236}">
+                <a16:creationId xmlns:a16="http://schemas.microsoft.com/office/drawing/2014/main" id="{AB8A9106-B24D-064D-974C-C8C4B2C84B82}"/>
+              </a:ext>
+            </a:extLst>
+          </p:cNvPr>
+          <p:cNvSpPr>
+            <a:spLocks noGrp="1"/>
+          </p:cNvSpPr>
+          <p:nvPr>
+            <p:ph type="sldNum" sz="quarter" idx="4"/>
+          </p:nvPr>
+        </p:nvSpPr>
+        <p:spPr>
+          <a:xfrm>
+            <a:off x="4662087" y="6250891"/>
+            <a:ext cx="2867826" cy="365125"/>
+          </a:xfrm>
+          <a:prstGeom prst="rect">
+            <a:avLst/>
+          </a:prstGeom>
+        </p:spPr>
+        <p:txBody>
+          <a:bodyPr/>
+          <a:lstStyle>
+            <a:lvl1pPr>
+              <a:defRPr sz="2000">
+                <a:solidFill>
+                  <a:schemeClr val="bg1"/>
+                </a:solidFill>
+              </a:defRPr>
+            </a:lvl1pPr>
+          </a:lstStyle>
+          <a:p>
+            <a:pPr algn="ctr"/>
+            <a:fld id="{232417FB-2EF4-EC49-BC13-97513C37E9E5}" type="slidenum">
+              <a:rPr lang="en-US" smtClean="0"/>
+              <a:pPr algn="ctr"/>
+              <a:t>‹#›</a:t>
+            </a:fld>
+            <a:endParaRPr lang="en-US" dirty="0"/>
+          </a:p>
+        </p:txBody>
+      </p:sp>
+      <p:sp>
+        <p:nvSpPr>
+          <p:cNvPr id="14" name="Footer Placeholder">
+            <a:extLst>
+              <a:ext uri="{FF2B5EF4-FFF2-40B4-BE49-F238E27FC236}">
+                <a16:creationId xmlns:a16="http://schemas.microsoft.com/office/drawing/2014/main" id="{EC4B6832-9A04-854F-9075-DF58CE992FA7}"/>
+              </a:ext>
+            </a:extLst>
+          </p:cNvPr>
+          <p:cNvSpPr>
+            <a:spLocks noGrp="1"/>
+          </p:cNvSpPr>
+          <p:nvPr>
+            <p:ph type="ftr" sz="quarter" idx="3"/>
+          </p:nvPr>
+        </p:nvSpPr>
+        <p:spPr>
+          <a:xfrm>
+            <a:off x="7529913" y="6250890"/>
+            <a:ext cx="3842030" cy="365125"/>
+          </a:xfrm>
+          <a:prstGeom prst="rect">
+            <a:avLst/>
+          </a:prstGeom>
+        </p:spPr>
+        <p:txBody>
+          <a:bodyPr vert="horz" lIns="91440" tIns="45720" rIns="0" bIns="45720" rtlCol="0" anchor="t" anchorCtr="0"/>
+          <a:lstStyle>
+            <a:lvl1pPr algn="r">
+              <a:defRPr sz="2000" b="1">
+                <a:solidFill>
+                  <a:schemeClr val="bg1"/>
+                </a:solidFill>
+              </a:defRPr>
+            </a:lvl1pPr>
+          </a:lstStyle>
+          <a:p>
+            <a:endParaRPr lang="en-US" dirty="0"/>
+          </a:p>
+        </p:txBody>
+      </p:sp>
+      <p:sp>
+        <p:nvSpPr>
+          <p:cNvPr id="9" name="Title">
+            <a:extLst>
+              <a:ext uri="{FF2B5EF4-FFF2-40B4-BE49-F238E27FC236}">
+                <a16:creationId xmlns:a16="http://schemas.microsoft.com/office/drawing/2014/main" id="{2ABAF583-29A6-2E47-8107-77BF62EAA799}"/>
+              </a:ext>
+            </a:extLst>
+          </p:cNvPr>
+          <p:cNvSpPr>
+            <a:spLocks noGrp="1"/>
+          </p:cNvSpPr>
+          <p:nvPr>
+            <p:ph type="title" hasCustomPrompt="1"/>
+          </p:nvPr>
+        </p:nvSpPr>
+        <p:spPr>
+          <a:xfrm>
+            <a:off x="838200" y="642127"/>
+            <a:ext cx="10515600" cy="526298"/>
+          </a:xfrm>
+          <a:prstGeom prst="rect">
+            <a:avLst/>
+          </a:prstGeom>
+        </p:spPr>
+        <p:txBody>
+          <a:bodyPr wrap="square">
+            <a:spAutoFit/>
+          </a:bodyPr>
+          <a:lstStyle>
+            <a:lvl1pPr>
+              <a:defRPr sz="3600" baseline="0"/>
+            </a:lvl1pPr>
+          </a:lstStyle>
+          <a:p>
+            <a:r>
+              <a:rPr lang="en-US" dirty="0"/>
+              <a:t>Add your heading here</a:t>
+            </a:r>
+          </a:p>
+        </p:txBody>
+      </p:sp>
+      <p:sp>
+        <p:nvSpPr>
+          <p:cNvPr id="11" name="Content Placeholder">
+            <a:extLst>
+              <a:ext uri="{FF2B5EF4-FFF2-40B4-BE49-F238E27FC236}">
+                <a16:creationId xmlns:a16="http://schemas.microsoft.com/office/drawing/2014/main" id="{84E6AC44-311B-3642-9476-91E530FC2417}"/>
+              </a:ext>
+            </a:extLst>
+          </p:cNvPr>
+          <p:cNvSpPr>
+            <a:spLocks noGrp="1"/>
+          </p:cNvSpPr>
+          <p:nvPr>
+            <p:ph idx="1" hasCustomPrompt="1"/>
+          </p:nvPr>
+        </p:nvSpPr>
+        <p:spPr>
+          <a:xfrm>
+            <a:off x="838200" y="1424324"/>
+            <a:ext cx="10515600" cy="2298001"/>
+          </a:xfrm>
+          <a:prstGeom prst="rect">
+            <a:avLst/>
+          </a:prstGeom>
+        </p:spPr>
+        <p:txBody>
+          <a:bodyPr wrap="square" lIns="0" tIns="0" rIns="0" bIns="0" anchor="t" anchorCtr="0">
+            <a:spAutoFit/>
+          </a:bodyPr>
+          <a:lstStyle>
+            <a:lvl1pPr>
+              <a:lnSpc>
+                <a:spcPct val="110000"/>
+              </a:lnSpc>
+              <a:spcAft>
+                <a:spcPts val="500"/>
+              </a:spcAft>
+              <a:defRPr sz="3200">
+                <a:solidFill>
+                  <a:schemeClr val="tx1"/>
+                </a:solidFill>
+              </a:defRPr>
+            </a:lvl1pPr>
+            <a:lvl2pPr>
+              <a:spcAft>
+                <a:spcPts val="500"/>
+              </a:spcAft>
+              <a:defRPr sz="2800">
+                <a:solidFill>
+                  <a:schemeClr val="tx2"/>
+                </a:solidFill>
+              </a:defRPr>
+            </a:lvl2pPr>
+            <a:lvl3pPr>
+              <a:spcAft>
+                <a:spcPts val="500"/>
+              </a:spcAft>
+              <a:defRPr sz="2400">
+                <a:solidFill>
+                  <a:schemeClr val="tx2"/>
+                </a:solidFill>
+              </a:defRPr>
+            </a:lvl3pPr>
+            <a:lvl4pPr>
+              <a:spcAft>
+                <a:spcPts val="500"/>
+              </a:spcAft>
+              <a:defRPr sz="2000">
+                <a:solidFill>
+                  <a:schemeClr val="tx2"/>
+                </a:solidFill>
+              </a:defRPr>
+            </a:lvl4pPr>
+            <a:lvl5pPr>
+              <a:spcAft>
+                <a:spcPts val="500"/>
+              </a:spcAft>
+              <a:defRPr sz="1800">
+                <a:solidFill>
+                  <a:schemeClr val="tx2"/>
+                </a:solidFill>
+              </a:defRPr>
+            </a:lvl5pPr>
+          </a:lstStyle>
+          <a:p>
+            <a:pPr lvl="0"/>
+            <a:r>
+              <a:rPr lang="en-US" dirty="0"/>
+              <a:t>Single column</a:t>
+            </a:r>
+          </a:p>
+          <a:p>
+            <a:pPr lvl="1"/>
+            <a:r>
+              <a:rPr lang="en-US" dirty="0"/>
+              <a:t>Second level</a:t>
+            </a:r>
+          </a:p>
+          <a:p>
+            <a:pPr lvl="2"/>
+            <a:r>
+              <a:rPr lang="en-US" dirty="0"/>
+              <a:t>Third level</a:t>
+            </a:r>
+          </a:p>
+          <a:p>
+            <a:pPr lvl="3"/>
+            <a:r>
+              <a:rPr lang="en-US" dirty="0"/>
+              <a:t>Fourth level</a:t>
+            </a:r>
+          </a:p>
+          <a:p>
+            <a:pPr lvl="4"/>
+            <a:r>
+              <a:rPr lang="en-US" dirty="0"/>
+              <a:t>Fifth level</a:t>
+            </a:r>
+          </a:p>
+        </p:txBody>
+      </p:sp>
+      <p:pic>
+        <p:nvPicPr>
+          <p:cNvPr id="12" name="Logo">
+            <a:extLst>
+              <a:ext uri="{FF2B5EF4-FFF2-40B4-BE49-F238E27FC236}">
+                <a16:creationId xmlns:a16="http://schemas.microsoft.com/office/drawing/2014/main" id="{81051DAF-865D-C24C-A7D1-F9539C5AEDA7}"/>
+              </a:ext>
+            </a:extLst>
+          </p:cNvPr>
+          <p:cNvPicPr>
+            <a:picLocks noChangeAspect="1"/>
+          </p:cNvPicPr>
+          <p:nvPr userDrawn="1"/>
+        </p:nvPicPr>
+        <p:blipFill>
+          <a:blip r:embed="rId2"/>
+          <a:stretch>
+            <a:fillRect/>
+          </a:stretch>
+        </p:blipFill>
+        <p:spPr>
+          <a:xfrm>
+            <a:off x="767166" y="6230570"/>
+            <a:ext cx="3489869" cy="408624"/>
+          </a:xfrm>
+          <a:prstGeom prst="rect">
+            <a:avLst/>
+          </a:prstGeom>
+        </p:spPr>
+      </p:pic>
+    </p:spTree>
+    <p:extLst>
+      <p:ext uri="{BB962C8B-B14F-4D97-AF65-F5344CB8AC3E}">
+        <p14:creationId xmlns:p14="http://schemas.microsoft.com/office/powerpoint/2010/main" val="311713660"/>
       </p:ext>
     </p:extLst>
   </p:cSld>
@@ -1150,7 +5424,7 @@
           <a:p>
             <a:fld id="{CAAB38E9-6A6F-4A20-AE79-6273898C48E9}" type="datetimeFigureOut">
               <a:rPr lang="en-GB" smtClean="0"/>
-              <a:t>25/06/2021</a:t>
+              <a:t>29/06/2021</a:t>
             </a:fld>
             <a:endParaRPr lang="en-GB"/>
           </a:p>
@@ -1418,7 +5692,7 @@
           <a:p>
             <a:fld id="{CAAB38E9-6A6F-4A20-AE79-6273898C48E9}" type="datetimeFigureOut">
               <a:rPr lang="en-GB" smtClean="0"/>
-              <a:t>25/06/2021</a:t>
+              <a:t>29/06/2021</a:t>
             </a:fld>
             <a:endParaRPr lang="en-GB"/>
           </a:p>
@@ -1833,7 +6107,7 @@
           <a:p>
             <a:fld id="{CAAB38E9-6A6F-4A20-AE79-6273898C48E9}" type="datetimeFigureOut">
               <a:rPr lang="en-GB" smtClean="0"/>
-              <a:t>25/06/2021</a:t>
+              <a:t>29/06/2021</a:t>
             </a:fld>
             <a:endParaRPr lang="en-GB"/>
           </a:p>
@@ -1975,7 +6249,7 @@
           <a:p>
             <a:fld id="{CAAB38E9-6A6F-4A20-AE79-6273898C48E9}" type="datetimeFigureOut">
               <a:rPr lang="en-GB" smtClean="0"/>
-              <a:t>25/06/2021</a:t>
+              <a:t>29/06/2021</a:t>
             </a:fld>
             <a:endParaRPr lang="en-GB"/>
           </a:p>
@@ -2088,7 +6362,7 @@
           <a:p>
             <a:fld id="{CAAB38E9-6A6F-4A20-AE79-6273898C48E9}" type="datetimeFigureOut">
               <a:rPr lang="en-GB" smtClean="0"/>
-              <a:t>25/06/2021</a:t>
+              <a:t>29/06/2021</a:t>
             </a:fld>
             <a:endParaRPr lang="en-GB"/>
           </a:p>
@@ -2401,7 +6675,7 @@
           <a:p>
             <a:fld id="{CAAB38E9-6A6F-4A20-AE79-6273898C48E9}" type="datetimeFigureOut">
               <a:rPr lang="en-GB" smtClean="0"/>
-              <a:t>25/06/2021</a:t>
+              <a:t>29/06/2021</a:t>
             </a:fld>
             <a:endParaRPr lang="en-GB"/>
           </a:p>
@@ -2690,7 +6964,7 @@
           <a:p>
             <a:fld id="{CAAB38E9-6A6F-4A20-AE79-6273898C48E9}" type="datetimeFigureOut">
               <a:rPr lang="en-GB" smtClean="0"/>
-              <a:t>25/06/2021</a:t>
+              <a:t>29/06/2021</a:t>
             </a:fld>
             <a:endParaRPr lang="en-GB"/>
           </a:p>
@@ -2933,7 +7207,7 @@
           <a:p>
             <a:fld id="{CAAB38E9-6A6F-4A20-AE79-6273898C48E9}" type="datetimeFigureOut">
               <a:rPr lang="en-GB" smtClean="0"/>
-              <a:t>25/06/2021</a:t>
+              <a:t>29/06/2021</a:t>
             </a:fld>
             <a:endParaRPr lang="en-GB"/>
           </a:p>
@@ -3333,7 +7607,860 @@
 </p:sldMaster>
 </file>
 
+<file path=ppt/slideMasters/slideMaster2.xml><?xml version="1.0" encoding="utf-8"?>
+<p:sldMaster xmlns:a="http://schemas.openxmlformats.org/drawingml/2006/main" xmlns:r="http://schemas.openxmlformats.org/officeDocument/2006/relationships" xmlns:p="http://schemas.openxmlformats.org/presentationml/2006/main">
+  <p:cSld>
+    <p:bg>
+      <p:bgRef idx="1001">
+        <a:schemeClr val="bg1"/>
+      </p:bgRef>
+    </p:bg>
+    <p:spTree>
+      <p:nvGrpSpPr>
+        <p:cNvPr id="1" name=""/>
+        <p:cNvGrpSpPr/>
+        <p:nvPr/>
+      </p:nvGrpSpPr>
+      <p:grpSpPr>
+        <a:xfrm>
+          <a:off x="0" y="0"/>
+          <a:ext cx="0" cy="0"/>
+          <a:chOff x="0" y="0"/>
+          <a:chExt cx="0" cy="0"/>
+        </a:xfrm>
+      </p:grpSpPr>
+      <p:sp>
+        <p:nvSpPr>
+          <p:cNvPr id="2" name="Title Placeholder 1">
+            <a:extLst>
+              <a:ext uri="{FF2B5EF4-FFF2-40B4-BE49-F238E27FC236}">
+                <a16:creationId xmlns:a16="http://schemas.microsoft.com/office/drawing/2014/main" id="{3AE39E93-B5D2-4CDD-A745-8FFA8D2FC121}"/>
+              </a:ext>
+            </a:extLst>
+          </p:cNvPr>
+          <p:cNvSpPr>
+            <a:spLocks noGrp="1"/>
+          </p:cNvSpPr>
+          <p:nvPr>
+            <p:ph type="title"/>
+          </p:nvPr>
+        </p:nvSpPr>
+        <p:spPr>
+          <a:xfrm>
+            <a:off x="838200" y="365125"/>
+            <a:ext cx="10515600" cy="1325563"/>
+          </a:xfrm>
+          <a:prstGeom prst="rect">
+            <a:avLst/>
+          </a:prstGeom>
+        </p:spPr>
+        <p:txBody>
+          <a:bodyPr vert="horz" lIns="91440" tIns="45720" rIns="91440" bIns="45720" rtlCol="0" anchor="ctr">
+            <a:normAutofit/>
+          </a:bodyPr>
+          <a:lstStyle/>
+          <a:p>
+            <a:r>
+              <a:rPr lang="en-US"/>
+              <a:t>Click to edit Master title style</a:t>
+            </a:r>
+            <a:endParaRPr lang="en-GB"/>
+          </a:p>
+        </p:txBody>
+      </p:sp>
+      <p:sp>
+        <p:nvSpPr>
+          <p:cNvPr id="3" name="Text Placeholder 2">
+            <a:extLst>
+              <a:ext uri="{FF2B5EF4-FFF2-40B4-BE49-F238E27FC236}">
+                <a16:creationId xmlns:a16="http://schemas.microsoft.com/office/drawing/2014/main" id="{474C09DD-1292-4E1C-BF3B-EC2232B28D24}"/>
+              </a:ext>
+            </a:extLst>
+          </p:cNvPr>
+          <p:cNvSpPr>
+            <a:spLocks noGrp="1"/>
+          </p:cNvSpPr>
+          <p:nvPr>
+            <p:ph type="body" idx="1"/>
+          </p:nvPr>
+        </p:nvSpPr>
+        <p:spPr>
+          <a:xfrm>
+            <a:off x="838200" y="1825625"/>
+            <a:ext cx="10515600" cy="4351338"/>
+          </a:xfrm>
+          <a:prstGeom prst="rect">
+            <a:avLst/>
+          </a:prstGeom>
+        </p:spPr>
+        <p:txBody>
+          <a:bodyPr vert="horz" lIns="91440" tIns="45720" rIns="91440" bIns="45720" rtlCol="0">
+            <a:normAutofit/>
+          </a:bodyPr>
+          <a:lstStyle/>
+          <a:p>
+            <a:pPr lvl="0"/>
+            <a:r>
+              <a:rPr lang="en-US"/>
+              <a:t>Click to edit Master text styles</a:t>
+            </a:r>
+          </a:p>
+          <a:p>
+            <a:pPr lvl="1"/>
+            <a:r>
+              <a:rPr lang="en-US"/>
+              <a:t>Second level</a:t>
+            </a:r>
+          </a:p>
+          <a:p>
+            <a:pPr lvl="2"/>
+            <a:r>
+              <a:rPr lang="en-US"/>
+              <a:t>Third level</a:t>
+            </a:r>
+          </a:p>
+          <a:p>
+            <a:pPr lvl="3"/>
+            <a:r>
+              <a:rPr lang="en-US"/>
+              <a:t>Fourth level</a:t>
+            </a:r>
+          </a:p>
+          <a:p>
+            <a:pPr lvl="4"/>
+            <a:r>
+              <a:rPr lang="en-US"/>
+              <a:t>Fifth level</a:t>
+            </a:r>
+            <a:endParaRPr lang="en-GB"/>
+          </a:p>
+        </p:txBody>
+      </p:sp>
+      <p:sp>
+        <p:nvSpPr>
+          <p:cNvPr id="4" name="Date Placeholder 3">
+            <a:extLst>
+              <a:ext uri="{FF2B5EF4-FFF2-40B4-BE49-F238E27FC236}">
+                <a16:creationId xmlns:a16="http://schemas.microsoft.com/office/drawing/2014/main" id="{DC8B07D1-0CC4-4212-B50C-F69585D2F702}"/>
+              </a:ext>
+            </a:extLst>
+          </p:cNvPr>
+          <p:cNvSpPr>
+            <a:spLocks noGrp="1"/>
+          </p:cNvSpPr>
+          <p:nvPr>
+            <p:ph type="dt" sz="half" idx="2"/>
+          </p:nvPr>
+        </p:nvSpPr>
+        <p:spPr>
+          <a:xfrm>
+            <a:off x="838200" y="6356350"/>
+            <a:ext cx="2743200" cy="365125"/>
+          </a:xfrm>
+          <a:prstGeom prst="rect">
+            <a:avLst/>
+          </a:prstGeom>
+        </p:spPr>
+        <p:txBody>
+          <a:bodyPr vert="horz" lIns="91440" tIns="45720" rIns="91440" bIns="45720" rtlCol="0" anchor="ctr"/>
+          <a:lstStyle>
+            <a:lvl1pPr algn="l">
+              <a:defRPr sz="1200">
+                <a:solidFill>
+                  <a:schemeClr val="tx1">
+                    <a:tint val="75000"/>
+                  </a:schemeClr>
+                </a:solidFill>
+              </a:defRPr>
+            </a:lvl1pPr>
+          </a:lstStyle>
+          <a:p>
+            <a:fld id="{E4A62EDC-D5D1-49C5-B313-6E6F916DA0E0}" type="datetimeFigureOut">
+              <a:rPr lang="en-GB" smtClean="0"/>
+              <a:t>29/06/2021</a:t>
+            </a:fld>
+            <a:endParaRPr lang="en-GB"/>
+          </a:p>
+        </p:txBody>
+      </p:sp>
+      <p:sp>
+        <p:nvSpPr>
+          <p:cNvPr id="5" name="Footer Placeholder 4">
+            <a:extLst>
+              <a:ext uri="{FF2B5EF4-FFF2-40B4-BE49-F238E27FC236}">
+                <a16:creationId xmlns:a16="http://schemas.microsoft.com/office/drawing/2014/main" id="{23786A28-3DF7-48EE-9682-9B662EBE7B20}"/>
+              </a:ext>
+            </a:extLst>
+          </p:cNvPr>
+          <p:cNvSpPr>
+            <a:spLocks noGrp="1"/>
+          </p:cNvSpPr>
+          <p:nvPr>
+            <p:ph type="ftr" sz="quarter" idx="3"/>
+          </p:nvPr>
+        </p:nvSpPr>
+        <p:spPr>
+          <a:xfrm>
+            <a:off x="4038600" y="6356350"/>
+            <a:ext cx="4114800" cy="365125"/>
+          </a:xfrm>
+          <a:prstGeom prst="rect">
+            <a:avLst/>
+          </a:prstGeom>
+        </p:spPr>
+        <p:txBody>
+          <a:bodyPr vert="horz" lIns="91440" tIns="45720" rIns="91440" bIns="45720" rtlCol="0" anchor="ctr"/>
+          <a:lstStyle>
+            <a:lvl1pPr algn="ctr">
+              <a:defRPr sz="1200">
+                <a:solidFill>
+                  <a:schemeClr val="tx1">
+                    <a:tint val="75000"/>
+                  </a:schemeClr>
+                </a:solidFill>
+              </a:defRPr>
+            </a:lvl1pPr>
+          </a:lstStyle>
+          <a:p>
+            <a:endParaRPr lang="en-GB"/>
+          </a:p>
+        </p:txBody>
+      </p:sp>
+      <p:sp>
+        <p:nvSpPr>
+          <p:cNvPr id="6" name="Slide Number Placeholder 5">
+            <a:extLst>
+              <a:ext uri="{FF2B5EF4-FFF2-40B4-BE49-F238E27FC236}">
+                <a16:creationId xmlns:a16="http://schemas.microsoft.com/office/drawing/2014/main" id="{96EA0E7D-FA8B-4484-B875-6F2F13B2E557}"/>
+              </a:ext>
+            </a:extLst>
+          </p:cNvPr>
+          <p:cNvSpPr>
+            <a:spLocks noGrp="1"/>
+          </p:cNvSpPr>
+          <p:nvPr>
+            <p:ph type="sldNum" sz="quarter" idx="4"/>
+          </p:nvPr>
+        </p:nvSpPr>
+        <p:spPr>
+          <a:xfrm>
+            <a:off x="8610600" y="6356350"/>
+            <a:ext cx="2743200" cy="365125"/>
+          </a:xfrm>
+          <a:prstGeom prst="rect">
+            <a:avLst/>
+          </a:prstGeom>
+        </p:spPr>
+        <p:txBody>
+          <a:bodyPr vert="horz" lIns="91440" tIns="45720" rIns="91440" bIns="45720" rtlCol="0" anchor="ctr"/>
+          <a:lstStyle>
+            <a:lvl1pPr algn="r">
+              <a:defRPr sz="1200">
+                <a:solidFill>
+                  <a:schemeClr val="tx1">
+                    <a:tint val="75000"/>
+                  </a:schemeClr>
+                </a:solidFill>
+              </a:defRPr>
+            </a:lvl1pPr>
+          </a:lstStyle>
+          <a:p>
+            <a:fld id="{8479ABEB-CDBB-4AA8-AA24-8D8980FAD85B}" type="slidenum">
+              <a:rPr lang="en-GB" smtClean="0"/>
+              <a:t>‹#›</a:t>
+            </a:fld>
+            <a:endParaRPr lang="en-GB"/>
+          </a:p>
+        </p:txBody>
+      </p:sp>
+    </p:spTree>
+    <p:extLst>
+      <p:ext uri="{BB962C8B-B14F-4D97-AF65-F5344CB8AC3E}">
+        <p14:creationId xmlns:p14="http://schemas.microsoft.com/office/powerpoint/2010/main" val="4277329742"/>
+      </p:ext>
+    </p:extLst>
+  </p:cSld>
+  <p:clrMap bg1="lt1" tx1="dk1" bg2="lt2" tx2="dk2" accent1="accent1" accent2="accent2" accent3="accent3" accent4="accent4" accent5="accent5" accent6="accent6" hlink="hlink" folHlink="folHlink"/>
+  <p:sldLayoutIdLst>
+    <p:sldLayoutId id="2147483661" r:id="rId1"/>
+    <p:sldLayoutId id="2147483662" r:id="rId2"/>
+    <p:sldLayoutId id="2147483663" r:id="rId3"/>
+    <p:sldLayoutId id="2147483664" r:id="rId4"/>
+    <p:sldLayoutId id="2147483665" r:id="rId5"/>
+    <p:sldLayoutId id="2147483666" r:id="rId6"/>
+    <p:sldLayoutId id="2147483667" r:id="rId7"/>
+    <p:sldLayoutId id="2147483668" r:id="rId8"/>
+    <p:sldLayoutId id="2147483669" r:id="rId9"/>
+    <p:sldLayoutId id="2147483670" r:id="rId10"/>
+    <p:sldLayoutId id="2147483671" r:id="rId11"/>
+    <p:sldLayoutId id="2147483672" r:id="rId12"/>
+    <p:sldLayoutId id="2147483673" r:id="rId13"/>
+  </p:sldLayoutIdLst>
+  <p:txStyles>
+    <p:titleStyle>
+      <a:lvl1pPr algn="l" defTabSz="914400" rtl="0" eaLnBrk="1" latinLnBrk="0" hangingPunct="1">
+        <a:lnSpc>
+          <a:spcPct val="90000"/>
+        </a:lnSpc>
+        <a:spcBef>
+          <a:spcPct val="0"/>
+        </a:spcBef>
+        <a:buNone/>
+        <a:defRPr sz="4400" kern="1200">
+          <a:solidFill>
+            <a:schemeClr val="tx1"/>
+          </a:solidFill>
+          <a:latin typeface="+mj-lt"/>
+          <a:ea typeface="+mj-ea"/>
+          <a:cs typeface="+mj-cs"/>
+        </a:defRPr>
+      </a:lvl1pPr>
+    </p:titleStyle>
+    <p:bodyStyle>
+      <a:lvl1pPr marL="228600" indent="-228600" algn="l" defTabSz="914400" rtl="0" eaLnBrk="1" latinLnBrk="0" hangingPunct="1">
+        <a:lnSpc>
+          <a:spcPct val="90000"/>
+        </a:lnSpc>
+        <a:spcBef>
+          <a:spcPts val="1000"/>
+        </a:spcBef>
+        <a:buFont typeface="Arial" panose="020B0604020202020204" pitchFamily="34" charset="0"/>
+        <a:buChar char="•"/>
+        <a:defRPr sz="2800" kern="1200">
+          <a:solidFill>
+            <a:schemeClr val="tx1"/>
+          </a:solidFill>
+          <a:latin typeface="+mn-lt"/>
+          <a:ea typeface="+mn-ea"/>
+          <a:cs typeface="+mn-cs"/>
+        </a:defRPr>
+      </a:lvl1pPr>
+      <a:lvl2pPr marL="685800" indent="-228600" algn="l" defTabSz="914400" rtl="0" eaLnBrk="1" latinLnBrk="0" hangingPunct="1">
+        <a:lnSpc>
+          <a:spcPct val="90000"/>
+        </a:lnSpc>
+        <a:spcBef>
+          <a:spcPts val="500"/>
+        </a:spcBef>
+        <a:buFont typeface="Arial" panose="020B0604020202020204" pitchFamily="34" charset="0"/>
+        <a:buChar char="•"/>
+        <a:defRPr sz="2400" kern="1200">
+          <a:solidFill>
+            <a:schemeClr val="tx1"/>
+          </a:solidFill>
+          <a:latin typeface="+mn-lt"/>
+          <a:ea typeface="+mn-ea"/>
+          <a:cs typeface="+mn-cs"/>
+        </a:defRPr>
+      </a:lvl2pPr>
+      <a:lvl3pPr marL="1143000" indent="-228600" algn="l" defTabSz="914400" rtl="0" eaLnBrk="1" latinLnBrk="0" hangingPunct="1">
+        <a:lnSpc>
+          <a:spcPct val="90000"/>
+        </a:lnSpc>
+        <a:spcBef>
+          <a:spcPts val="500"/>
+        </a:spcBef>
+        <a:buFont typeface="Arial" panose="020B0604020202020204" pitchFamily="34" charset="0"/>
+        <a:buChar char="•"/>
+        <a:defRPr sz="2000" kern="1200">
+          <a:solidFill>
+            <a:schemeClr val="tx1"/>
+          </a:solidFill>
+          <a:latin typeface="+mn-lt"/>
+          <a:ea typeface="+mn-ea"/>
+          <a:cs typeface="+mn-cs"/>
+        </a:defRPr>
+      </a:lvl3pPr>
+      <a:lvl4pPr marL="1600200" indent="-228600" algn="l" defTabSz="914400" rtl="0" eaLnBrk="1" latinLnBrk="0" hangingPunct="1">
+        <a:lnSpc>
+          <a:spcPct val="90000"/>
+        </a:lnSpc>
+        <a:spcBef>
+          <a:spcPts val="500"/>
+        </a:spcBef>
+        <a:buFont typeface="Arial" panose="020B0604020202020204" pitchFamily="34" charset="0"/>
+        <a:buChar char="•"/>
+        <a:defRPr sz="1800" kern="1200">
+          <a:solidFill>
+            <a:schemeClr val="tx1"/>
+          </a:solidFill>
+          <a:latin typeface="+mn-lt"/>
+          <a:ea typeface="+mn-ea"/>
+          <a:cs typeface="+mn-cs"/>
+        </a:defRPr>
+      </a:lvl4pPr>
+      <a:lvl5pPr marL="2057400" indent="-228600" algn="l" defTabSz="914400" rtl="0" eaLnBrk="1" latinLnBrk="0" hangingPunct="1">
+        <a:lnSpc>
+          <a:spcPct val="90000"/>
+        </a:lnSpc>
+        <a:spcBef>
+          <a:spcPts val="500"/>
+        </a:spcBef>
+        <a:buFont typeface="Arial" panose="020B0604020202020204" pitchFamily="34" charset="0"/>
+        <a:buChar char="•"/>
+        <a:defRPr sz="1800" kern="1200">
+          <a:solidFill>
+            <a:schemeClr val="tx1"/>
+          </a:solidFill>
+          <a:latin typeface="+mn-lt"/>
+          <a:ea typeface="+mn-ea"/>
+          <a:cs typeface="+mn-cs"/>
+        </a:defRPr>
+      </a:lvl5pPr>
+      <a:lvl6pPr marL="2514600" indent="-228600" algn="l" defTabSz="914400" rtl="0" eaLnBrk="1" latinLnBrk="0" hangingPunct="1">
+        <a:lnSpc>
+          <a:spcPct val="90000"/>
+        </a:lnSpc>
+        <a:spcBef>
+          <a:spcPts val="500"/>
+        </a:spcBef>
+        <a:buFont typeface="Arial" panose="020B0604020202020204" pitchFamily="34" charset="0"/>
+        <a:buChar char="•"/>
+        <a:defRPr sz="1800" kern="1200">
+          <a:solidFill>
+            <a:schemeClr val="tx1"/>
+          </a:solidFill>
+          <a:latin typeface="+mn-lt"/>
+          <a:ea typeface="+mn-ea"/>
+          <a:cs typeface="+mn-cs"/>
+        </a:defRPr>
+      </a:lvl6pPr>
+      <a:lvl7pPr marL="2971800" indent="-228600" algn="l" defTabSz="914400" rtl="0" eaLnBrk="1" latinLnBrk="0" hangingPunct="1">
+        <a:lnSpc>
+          <a:spcPct val="90000"/>
+        </a:lnSpc>
+        <a:spcBef>
+          <a:spcPts val="500"/>
+        </a:spcBef>
+        <a:buFont typeface="Arial" panose="020B0604020202020204" pitchFamily="34" charset="0"/>
+        <a:buChar char="•"/>
+        <a:defRPr sz="1800" kern="1200">
+          <a:solidFill>
+            <a:schemeClr val="tx1"/>
+          </a:solidFill>
+          <a:latin typeface="+mn-lt"/>
+          <a:ea typeface="+mn-ea"/>
+          <a:cs typeface="+mn-cs"/>
+        </a:defRPr>
+      </a:lvl7pPr>
+      <a:lvl8pPr marL="3429000" indent="-228600" algn="l" defTabSz="914400" rtl="0" eaLnBrk="1" latinLnBrk="0" hangingPunct="1">
+        <a:lnSpc>
+          <a:spcPct val="90000"/>
+        </a:lnSpc>
+        <a:spcBef>
+          <a:spcPts val="500"/>
+        </a:spcBef>
+        <a:buFont typeface="Arial" panose="020B0604020202020204" pitchFamily="34" charset="0"/>
+        <a:buChar char="•"/>
+        <a:defRPr sz="1800" kern="1200">
+          <a:solidFill>
+            <a:schemeClr val="tx1"/>
+          </a:solidFill>
+          <a:latin typeface="+mn-lt"/>
+          <a:ea typeface="+mn-ea"/>
+          <a:cs typeface="+mn-cs"/>
+        </a:defRPr>
+      </a:lvl8pPr>
+      <a:lvl9pPr marL="3886200" indent="-228600" algn="l" defTabSz="914400" rtl="0" eaLnBrk="1" latinLnBrk="0" hangingPunct="1">
+        <a:lnSpc>
+          <a:spcPct val="90000"/>
+        </a:lnSpc>
+        <a:spcBef>
+          <a:spcPts val="500"/>
+        </a:spcBef>
+        <a:buFont typeface="Arial" panose="020B0604020202020204" pitchFamily="34" charset="0"/>
+        <a:buChar char="•"/>
+        <a:defRPr sz="1800" kern="1200">
+          <a:solidFill>
+            <a:schemeClr val="tx1"/>
+          </a:solidFill>
+          <a:latin typeface="+mn-lt"/>
+          <a:ea typeface="+mn-ea"/>
+          <a:cs typeface="+mn-cs"/>
+        </a:defRPr>
+      </a:lvl9pPr>
+    </p:bodyStyle>
+    <p:otherStyle>
+      <a:defPPr>
+        <a:defRPr lang="en-US"/>
+      </a:defPPr>
+      <a:lvl1pPr marL="0" algn="l" defTabSz="914400" rtl="0" eaLnBrk="1" latinLnBrk="0" hangingPunct="1">
+        <a:defRPr sz="1800" kern="1200">
+          <a:solidFill>
+            <a:schemeClr val="tx1"/>
+          </a:solidFill>
+          <a:latin typeface="+mn-lt"/>
+          <a:ea typeface="+mn-ea"/>
+          <a:cs typeface="+mn-cs"/>
+        </a:defRPr>
+      </a:lvl1pPr>
+      <a:lvl2pPr marL="457200" algn="l" defTabSz="914400" rtl="0" eaLnBrk="1" latinLnBrk="0" hangingPunct="1">
+        <a:defRPr sz="1800" kern="1200">
+          <a:solidFill>
+            <a:schemeClr val="tx1"/>
+          </a:solidFill>
+          <a:latin typeface="+mn-lt"/>
+          <a:ea typeface="+mn-ea"/>
+          <a:cs typeface="+mn-cs"/>
+        </a:defRPr>
+      </a:lvl2pPr>
+      <a:lvl3pPr marL="914400" algn="l" defTabSz="914400" rtl="0" eaLnBrk="1" latinLnBrk="0" hangingPunct="1">
+        <a:defRPr sz="1800" kern="1200">
+          <a:solidFill>
+            <a:schemeClr val="tx1"/>
+          </a:solidFill>
+          <a:latin typeface="+mn-lt"/>
+          <a:ea typeface="+mn-ea"/>
+          <a:cs typeface="+mn-cs"/>
+        </a:defRPr>
+      </a:lvl3pPr>
+      <a:lvl4pPr marL="1371600" algn="l" defTabSz="914400" rtl="0" eaLnBrk="1" latinLnBrk="0" hangingPunct="1">
+        <a:defRPr sz="1800" kern="1200">
+          <a:solidFill>
+            <a:schemeClr val="tx1"/>
+          </a:solidFill>
+          <a:latin typeface="+mn-lt"/>
+          <a:ea typeface="+mn-ea"/>
+          <a:cs typeface="+mn-cs"/>
+        </a:defRPr>
+      </a:lvl4pPr>
+      <a:lvl5pPr marL="1828800" algn="l" defTabSz="914400" rtl="0" eaLnBrk="1" latinLnBrk="0" hangingPunct="1">
+        <a:defRPr sz="1800" kern="1200">
+          <a:solidFill>
+            <a:schemeClr val="tx1"/>
+          </a:solidFill>
+          <a:latin typeface="+mn-lt"/>
+          <a:ea typeface="+mn-ea"/>
+          <a:cs typeface="+mn-cs"/>
+        </a:defRPr>
+      </a:lvl5pPr>
+      <a:lvl6pPr marL="2286000" algn="l" defTabSz="914400" rtl="0" eaLnBrk="1" latinLnBrk="0" hangingPunct="1">
+        <a:defRPr sz="1800" kern="1200">
+          <a:solidFill>
+            <a:schemeClr val="tx1"/>
+          </a:solidFill>
+          <a:latin typeface="+mn-lt"/>
+          <a:ea typeface="+mn-ea"/>
+          <a:cs typeface="+mn-cs"/>
+        </a:defRPr>
+      </a:lvl6pPr>
+      <a:lvl7pPr marL="2743200" algn="l" defTabSz="914400" rtl="0" eaLnBrk="1" latinLnBrk="0" hangingPunct="1">
+        <a:defRPr sz="1800" kern="1200">
+          <a:solidFill>
+            <a:schemeClr val="tx1"/>
+          </a:solidFill>
+          <a:latin typeface="+mn-lt"/>
+          <a:ea typeface="+mn-ea"/>
+          <a:cs typeface="+mn-cs"/>
+        </a:defRPr>
+      </a:lvl7pPr>
+      <a:lvl8pPr marL="3200400" algn="l" defTabSz="914400" rtl="0" eaLnBrk="1" latinLnBrk="0" hangingPunct="1">
+        <a:defRPr sz="1800" kern="1200">
+          <a:solidFill>
+            <a:schemeClr val="tx1"/>
+          </a:solidFill>
+          <a:latin typeface="+mn-lt"/>
+          <a:ea typeface="+mn-ea"/>
+          <a:cs typeface="+mn-cs"/>
+        </a:defRPr>
+      </a:lvl8pPr>
+      <a:lvl9pPr marL="3657600" algn="l" defTabSz="914400" rtl="0" eaLnBrk="1" latinLnBrk="0" hangingPunct="1">
+        <a:defRPr sz="1800" kern="1200">
+          <a:solidFill>
+            <a:schemeClr val="tx1"/>
+          </a:solidFill>
+          <a:latin typeface="+mn-lt"/>
+          <a:ea typeface="+mn-ea"/>
+          <a:cs typeface="+mn-cs"/>
+        </a:defRPr>
+      </a:lvl9pPr>
+    </p:otherStyle>
+  </p:txStyles>
+</p:sldMaster>
+</file>
+
 <file path=ppt/slides/slide1.xml><?xml version="1.0" encoding="utf-8"?>
+<p:sld xmlns:a="http://schemas.openxmlformats.org/drawingml/2006/main" xmlns:r="http://schemas.openxmlformats.org/officeDocument/2006/relationships" xmlns:p="http://schemas.openxmlformats.org/presentationml/2006/main">
+  <p:cSld>
+    <p:bg>
+      <p:bgPr>
+        <a:solidFill>
+          <a:srgbClr val="000000"/>
+        </a:solidFill>
+        <a:effectLst/>
+      </p:bgPr>
+    </p:bg>
+    <p:spTree>
+      <p:nvGrpSpPr>
+        <p:cNvPr id="1" name=""/>
+        <p:cNvGrpSpPr/>
+        <p:nvPr/>
+      </p:nvGrpSpPr>
+      <p:grpSpPr>
+        <a:xfrm>
+          <a:off x="0" y="0"/>
+          <a:ext cx="0" cy="0"/>
+          <a:chOff x="0" y="0"/>
+          <a:chExt cx="0" cy="0"/>
+        </a:xfrm>
+      </p:grpSpPr>
+      <p:sp>
+        <p:nvSpPr>
+          <p:cNvPr id="1028" name="Rectangle 70">
+            <a:extLst>
+              <a:ext uri="{FF2B5EF4-FFF2-40B4-BE49-F238E27FC236}">
+                <a16:creationId xmlns:a16="http://schemas.microsoft.com/office/drawing/2014/main" id="{71B2258F-86CA-4D4D-8270-BC05FCDEBFB3}"/>
+              </a:ext>
+              <a:ext uri="{C183D7F6-B498-43B3-948B-1728B52AA6E4}">
+                <adec:decorative xmlns:adec="http://schemas.microsoft.com/office/drawing/2017/decorative" val="1"/>
+              </a:ext>
+            </a:extLst>
+          </p:cNvPr>
+          <p:cNvSpPr>
+            <a:spLocks noGrp="1" noRot="1" noChangeAspect="1" noMove="1" noResize="1" noEditPoints="1" noAdjustHandles="1" noChangeArrowheads="1" noChangeShapeType="1" noTextEdit="1"/>
+          </p:cNvSpPr>
+          <p:nvPr>
+            <p:extLst>
+              <p:ext uri="{386F3935-93C4-4BCD-93E2-E3B085C9AB24}">
+                <p16:designElem xmlns:p16="http://schemas.microsoft.com/office/powerpoint/2015/main" val="1"/>
+              </p:ext>
+            </p:extLst>
+          </p:nvPr>
+        </p:nvSpPr>
+        <p:spPr>
+          <a:xfrm>
+            <a:off x="0" y="0"/>
+            <a:ext cx="12192000" cy="6857999"/>
+          </a:xfrm>
+          <a:prstGeom prst="rect">
+            <a:avLst/>
+          </a:prstGeom>
+          <a:solidFill>
+            <a:srgbClr val="000000"/>
+          </a:solidFill>
+          <a:ln>
+            <a:noFill/>
+          </a:ln>
+        </p:spPr>
+        <p:style>
+          <a:lnRef idx="2">
+            <a:schemeClr val="accent1">
+              <a:shade val="50000"/>
+            </a:schemeClr>
+          </a:lnRef>
+          <a:fillRef idx="1">
+            <a:schemeClr val="accent1"/>
+          </a:fillRef>
+          <a:effectRef idx="0">
+            <a:schemeClr val="accent1"/>
+          </a:effectRef>
+          <a:fontRef idx="minor">
+            <a:schemeClr val="lt1"/>
+          </a:fontRef>
+        </p:style>
+        <p:txBody>
+          <a:bodyPr rtlCol="0" anchor="ctr"/>
+          <a:lstStyle/>
+          <a:p>
+            <a:pPr marL="0" marR="0" lvl="0" indent="0" algn="ctr" defTabSz="914400" rtl="0" eaLnBrk="1" fontAlgn="auto" latinLnBrk="0" hangingPunct="1">
+              <a:lnSpc>
+                <a:spcPct val="100000"/>
+              </a:lnSpc>
+              <a:spcBef>
+                <a:spcPts val="0"/>
+              </a:spcBef>
+              <a:spcAft>
+                <a:spcPts val="0"/>
+              </a:spcAft>
+              <a:buClrTx/>
+              <a:buSzTx/>
+              <a:buFontTx/>
+              <a:buNone/>
+              <a:tabLst/>
+              <a:defRPr/>
+            </a:pPr>
+            <a:endParaRPr kumimoji="0" lang="en-US" sz="1800" b="0" i="0" u="none" strike="noStrike" kern="1200" cap="none" spc="0" normalizeH="0" baseline="0" noProof="0">
+              <a:ln>
+                <a:noFill/>
+              </a:ln>
+              <a:solidFill>
+                <a:prstClr val="white"/>
+              </a:solidFill>
+              <a:effectLst/>
+              <a:uLnTx/>
+              <a:uFillTx/>
+              <a:latin typeface="Calibri" panose="020F0502020204030204"/>
+              <a:ea typeface="+mn-ea"/>
+              <a:cs typeface="+mn-cs"/>
+            </a:endParaRPr>
+          </a:p>
+        </p:txBody>
+      </p:sp>
+      <p:pic>
+        <p:nvPicPr>
+          <p:cNvPr id="1026" name="Picture 2">
+            <a:extLst>
+              <a:ext uri="{FF2B5EF4-FFF2-40B4-BE49-F238E27FC236}">
+                <a16:creationId xmlns:a16="http://schemas.microsoft.com/office/drawing/2014/main" id="{331C74C1-849E-4164-A55B-AA439CE711FE}"/>
+              </a:ext>
+            </a:extLst>
+          </p:cNvPr>
+          <p:cNvPicPr>
+            <a:picLocks noChangeAspect="1" noChangeArrowheads="1"/>
+          </p:cNvPicPr>
+          <p:nvPr/>
+        </p:nvPicPr>
+        <p:blipFill rotWithShape="1">
+          <a:blip r:embed="rId2">
+            <a:alphaModFix amt="50000"/>
+            <a:extLst>
+              <a:ext uri="{28A0092B-C50C-407E-A947-70E740481C1C}">
+                <a14:useLocalDpi xmlns:a14="http://schemas.microsoft.com/office/drawing/2010/main" val="0"/>
+              </a:ext>
+            </a:extLst>
+          </a:blip>
+          <a:srcRect t="6959" b="8771"/>
+          <a:stretch/>
+        </p:blipFill>
+        <p:spPr bwMode="auto">
+          <a:xfrm>
+            <a:off x="20" y="1"/>
+            <a:ext cx="12191980" cy="6857999"/>
+          </a:xfrm>
+          <a:prstGeom prst="rect">
+            <a:avLst/>
+          </a:prstGeom>
+          <a:noFill/>
+          <a:extLst>
+            <a:ext uri="{909E8E84-426E-40DD-AFC4-6F175D3DCCD1}">
+              <a14:hiddenFill xmlns:a14="http://schemas.microsoft.com/office/drawing/2010/main">
+                <a:solidFill>
+                  <a:srgbClr val="FFFFFF"/>
+                </a:solidFill>
+              </a14:hiddenFill>
+            </a:ext>
+          </a:extLst>
+        </p:spPr>
+      </p:pic>
+      <p:sp>
+        <p:nvSpPr>
+          <p:cNvPr id="4" name="Title">
+            <a:extLst>
+              <a:ext uri="{FF2B5EF4-FFF2-40B4-BE49-F238E27FC236}">
+                <a16:creationId xmlns:a16="http://schemas.microsoft.com/office/drawing/2014/main" id="{21123C75-479C-234B-9645-E08CF5BA2050}"/>
+              </a:ext>
+            </a:extLst>
+          </p:cNvPr>
+          <p:cNvSpPr>
+            <a:spLocks noGrp="1"/>
+          </p:cNvSpPr>
+          <p:nvPr>
+            <p:ph type="title"/>
+          </p:nvPr>
+        </p:nvSpPr>
+        <p:spPr>
+          <a:xfrm>
+            <a:off x="1524000" y="1600200"/>
+            <a:ext cx="9144000" cy="2098830"/>
+          </a:xfrm>
+        </p:spPr>
+        <p:txBody>
+          <a:bodyPr vert="horz" lIns="91440" tIns="45720" rIns="91440" bIns="45720" rtlCol="0" anchor="b">
+            <a:normAutofit/>
+          </a:bodyPr>
+          <a:lstStyle/>
+          <a:p>
+            <a:pPr algn="ctr"/>
+            <a:r>
+              <a:rPr lang="en-US" sz="6000" dirty="0">
+                <a:solidFill>
+                  <a:srgbClr val="FFFFFF"/>
+                </a:solidFill>
+              </a:rPr>
+              <a:t>Identifying mentions of ONS in the UK Parliament</a:t>
+            </a:r>
+          </a:p>
+        </p:txBody>
+      </p:sp>
+      <p:sp>
+        <p:nvSpPr>
+          <p:cNvPr id="3" name="Subtitle">
+            <a:extLst>
+              <a:ext uri="{FF2B5EF4-FFF2-40B4-BE49-F238E27FC236}">
+                <a16:creationId xmlns:a16="http://schemas.microsoft.com/office/drawing/2014/main" id="{06DB93C4-9B93-5B4B-9232-71F3A5FBBD1F}"/>
+              </a:ext>
+            </a:extLst>
+          </p:cNvPr>
+          <p:cNvSpPr>
+            <a:spLocks noGrp="1"/>
+          </p:cNvSpPr>
+          <p:nvPr>
+            <p:ph type="subTitle" idx="1"/>
+          </p:nvPr>
+        </p:nvSpPr>
+        <p:spPr>
+          <a:xfrm>
+            <a:off x="1524000" y="5045229"/>
+            <a:ext cx="9144000" cy="1098395"/>
+          </a:xfrm>
+        </p:spPr>
+        <p:txBody>
+          <a:bodyPr vert="horz" lIns="91440" tIns="45720" rIns="91440" bIns="45720" rtlCol="0">
+            <a:normAutofit/>
+          </a:bodyPr>
+          <a:lstStyle/>
+          <a:p>
+            <a:pPr algn="ctr">
+              <a:lnSpc>
+                <a:spcPct val="90000"/>
+              </a:lnSpc>
+              <a:spcBef>
+                <a:spcPts val="1000"/>
+              </a:spcBef>
+            </a:pPr>
+            <a:r>
+              <a:rPr lang="en-US" sz="2400" dirty="0">
+                <a:solidFill>
+                  <a:srgbClr val="FFFFFF"/>
+                </a:solidFill>
+              </a:rPr>
+              <a:t>Rory Corbett</a:t>
+            </a:r>
+          </a:p>
+          <a:p>
+            <a:pPr algn="ctr">
+              <a:lnSpc>
+                <a:spcPct val="90000"/>
+              </a:lnSpc>
+              <a:spcBef>
+                <a:spcPts val="1000"/>
+              </a:spcBef>
+            </a:pPr>
+            <a:r>
+              <a:rPr lang="en-US" sz="2400" dirty="0">
+                <a:solidFill>
+                  <a:srgbClr val="FFFFFF"/>
+                </a:solidFill>
+              </a:rPr>
+              <a:t>Senior Corporate Analyst, Corporate MI &amp; Analytics</a:t>
+            </a:r>
+          </a:p>
+        </p:txBody>
+      </p:sp>
+    </p:spTree>
+    <p:extLst>
+      <p:ext uri="{BB962C8B-B14F-4D97-AF65-F5344CB8AC3E}">
+        <p14:creationId xmlns:p14="http://schemas.microsoft.com/office/powerpoint/2010/main" val="3244322459"/>
+      </p:ext>
+    </p:extLst>
+  </p:cSld>
+  <p:clrMapOvr>
+    <a:overrideClrMapping bg1="dk1" tx1="lt1" bg2="dk2" tx2="lt2" accent1="accent1" accent2="accent2" accent3="accent3" accent4="accent4" accent5="accent5" accent6="accent6" hlink="hlink" folHlink="folHlink"/>
+  </p:clrMapOvr>
+</p:sld>
+</file>
+
+<file path=ppt/slides/slide10.xml><?xml version="1.0" encoding="utf-8"?>
 <p:sld xmlns:a="http://schemas.openxmlformats.org/drawingml/2006/main" xmlns:r="http://schemas.openxmlformats.org/officeDocument/2006/relationships" xmlns:p="http://schemas.openxmlformats.org/presentationml/2006/main">
   <p:cSld>
     <p:spTree>
@@ -3352,151 +8479,244 @@
       </p:grpSpPr>
       <p:sp>
         <p:nvSpPr>
-          <p:cNvPr id="4" name="TextBox 3">
-            <a:extLst>
-              <a:ext uri="{FF2B5EF4-FFF2-40B4-BE49-F238E27FC236}">
-                <a16:creationId xmlns:a16="http://schemas.microsoft.com/office/drawing/2014/main" id="{AD76E72A-C671-4085-B652-964EE6A1A710}"/>
-              </a:ext>
-            </a:extLst>
-          </p:cNvPr>
-          <p:cNvSpPr txBox="1"/>
-          <p:nvPr/>
+          <p:cNvPr id="5" name="Title">
+            <a:extLst>
+              <a:ext uri="{FF2B5EF4-FFF2-40B4-BE49-F238E27FC236}">
+                <a16:creationId xmlns:a16="http://schemas.microsoft.com/office/drawing/2014/main" id="{AC5AD953-635B-2B48-B87A-4F5101B6050D}"/>
+              </a:ext>
+            </a:extLst>
+          </p:cNvPr>
+          <p:cNvSpPr>
+            <a:spLocks noGrp="1"/>
+          </p:cNvSpPr>
+          <p:nvPr>
+            <p:ph type="title"/>
+          </p:nvPr>
         </p:nvSpPr>
         <p:spPr>
           <a:xfrm>
-            <a:off x="625503" y="594360"/>
-            <a:ext cx="10925092" cy="4247317"/>
+            <a:off x="838200" y="609811"/>
+            <a:ext cx="10515600" cy="590931"/>
           </a:xfrm>
-          <a:prstGeom prst="rect">
-            <a:avLst/>
-          </a:prstGeom>
-          <a:noFill/>
         </p:spPr>
         <p:txBody>
-          <a:bodyPr wrap="square" rtlCol="0">
-            <a:spAutoFit/>
-          </a:bodyPr>
-          <a:lstStyle/>
-          <a:p>
-            <a:pPr marL="285750" indent="-285750">
-              <a:buFontTx/>
-              <a:buChar char="-"/>
+          <a:bodyPr/>
+          <a:lstStyle/>
+          <a:p>
+            <a:r>
+              <a:rPr lang="en-GB" dirty="0">
+                <a:highlight>
+                  <a:srgbClr val="FFFF00"/>
+                </a:highlight>
+              </a:rPr>
+              <a:t>Applying Data Science techniques to other problems</a:t>
+            </a:r>
+            <a:endParaRPr lang="en-US" dirty="0">
+              <a:highlight>
+                <a:srgbClr val="FFFF00"/>
+              </a:highlight>
+            </a:endParaRPr>
+          </a:p>
+        </p:txBody>
+      </p:sp>
+      <p:sp>
+        <p:nvSpPr>
+          <p:cNvPr id="6" name="Content Placeholder">
+            <a:extLst>
+              <a:ext uri="{FF2B5EF4-FFF2-40B4-BE49-F238E27FC236}">
+                <a16:creationId xmlns:a16="http://schemas.microsoft.com/office/drawing/2014/main" id="{4C842C63-75A3-F044-9F81-2C8C2B628C68}"/>
+              </a:ext>
+            </a:extLst>
+          </p:cNvPr>
+          <p:cNvSpPr>
+            <a:spLocks noGrp="1"/>
+          </p:cNvSpPr>
+          <p:nvPr>
+            <p:ph idx="1"/>
+          </p:nvPr>
+        </p:nvSpPr>
+        <p:spPr>
+          <a:xfrm>
+            <a:off x="838200" y="2020088"/>
+            <a:ext cx="10515600" cy="3822713"/>
+          </a:xfrm>
+        </p:spPr>
+        <p:txBody>
+          <a:bodyPr/>
+          <a:lstStyle/>
+          <a:p>
+            <a:pPr lvl="0">
+              <a:lnSpc>
+                <a:spcPct val="90000"/>
+              </a:lnSpc>
+              <a:spcAft>
+                <a:spcPts val="0"/>
+              </a:spcAft>
             </a:pPr>
             <a:r>
-              <a:rPr lang="en-GB" dirty="0"/>
-              <a:t>Heavily improved coding skills – ML experience, NLP, independence (identify problem -&gt; bring solution, but also identifying priorities – assessing use of time)</a:t>
-            </a:r>
-          </a:p>
-          <a:p>
-            <a:pPr marL="742950" lvl="1" indent="-285750">
-              <a:buFontTx/>
-              <a:buChar char="-"/>
+              <a:rPr lang="en-GB" sz="2000" dirty="0">
+                <a:solidFill>
+                  <a:prstClr val="black"/>
+                </a:solidFill>
+              </a:rPr>
+              <a:t>Interest from other teams for similar work on other datasets</a:t>
+            </a:r>
+          </a:p>
+          <a:p>
+            <a:r>
+              <a:rPr lang="en-GB" sz="1200" dirty="0"/>
+              <a:t>[28/05 16:34] Hanratty, Mathew  1. What are our key stakeholders are talking about? We have been looking at pulling together manual reports on what our key stakeholders are talking about on Twitter (and what's gaining traction), any consultations they have open, any new research released etc. We're expected to track the activity of c.30 organisations and we're struggling to see how we can scale this work. Is there a way we can automate this? There's lots of sources, but it's largely collating stuff in the public domain.</a:t>
+            </a:r>
+          </a:p>
+          <a:p>
+            <a:r>
+              <a:rPr lang="en-GB" sz="1200" dirty="0"/>
+              <a:t>[28/05 16:34] Hanratty, Mathew  2. Contacts. We frequently need to pull together stakeholder lists based on professions/job titles, often within government. LinkedIn is often a great source of information, but a time-consuming task. Is there something we could build to pull together a list of all Permanent Secretaries across government for example?</a:t>
+            </a:r>
+          </a:p>
+          <a:p>
+            <a:pPr lvl="1">
+              <a:spcAft>
+                <a:spcPts val="0"/>
+              </a:spcAft>
             </a:pPr>
-            <a:r>
-              <a:rPr lang="en-GB" dirty="0"/>
-              <a:t>Time usage – e.g. Millie suggestions that we identified as a ‘nice to have’</a:t>
-            </a:r>
-          </a:p>
-          <a:p>
-            <a:pPr marL="285750" indent="-285750">
-              <a:buFontTx/>
-              <a:buChar char="-"/>
+            <a:endParaRPr lang="en-GB" sz="1600" dirty="0">
+              <a:solidFill>
+                <a:prstClr val="black"/>
+              </a:solidFill>
+            </a:endParaRPr>
+          </a:p>
+          <a:p>
+            <a:pPr lvl="0">
+              <a:lnSpc>
+                <a:spcPct val="90000"/>
+              </a:lnSpc>
+              <a:spcAft>
+                <a:spcPts val="0"/>
+              </a:spcAft>
             </a:pPr>
             <a:r>
-              <a:rPr lang="en-GB" dirty="0"/>
-              <a:t> Evaluation – identifying what is the best approach. Metrics (efficiency of code, how much of problem is each approach solving)</a:t>
-            </a:r>
-          </a:p>
-          <a:p>
-            <a:pPr marL="285750" indent="-285750">
-              <a:buFontTx/>
-              <a:buChar char="-"/>
+              <a:rPr lang="en-GB" sz="2000" dirty="0">
+                <a:solidFill>
+                  <a:prstClr val="black"/>
+                </a:solidFill>
+              </a:rPr>
+              <a:t>Anything with quality of forecasting - still way out at the start and at end of FY find we're fine</a:t>
+            </a:r>
+          </a:p>
+          <a:p>
+            <a:pPr lvl="0">
+              <a:lnSpc>
+                <a:spcPct val="90000"/>
+              </a:lnSpc>
+              <a:spcAft>
+                <a:spcPts val="0"/>
+              </a:spcAft>
             </a:pPr>
             <a:r>
-              <a:rPr lang="en-GB" dirty="0"/>
-              <a:t>More technical audience (Graduation event)</a:t>
-            </a:r>
-          </a:p>
-          <a:p>
-            <a:pPr marL="742950" lvl="1" indent="-285750">
-              <a:buFontTx/>
-              <a:buChar char="-"/>
+              <a:rPr lang="en-GB" sz="2000" dirty="0">
+                <a:solidFill>
+                  <a:prstClr val="black"/>
+                </a:solidFill>
+              </a:rPr>
+              <a:t>Vacancies - creating model that updates with the latest data each month(?)</a:t>
+            </a:r>
+          </a:p>
+          <a:p>
+            <a:pPr marL="0" indent="0">
+              <a:buNone/>
             </a:pPr>
-            <a:r>
-              <a:rPr lang="en-GB" dirty="0"/>
-              <a:t>rewriting code to be more modular/functional, re-using it</a:t>
-            </a:r>
-          </a:p>
-          <a:p>
-            <a:pPr marL="742950" lvl="1" indent="-285750">
-              <a:buFontTx/>
-              <a:buChar char="-"/>
-            </a:pPr>
-            <a:r>
-              <a:rPr lang="en-GB" dirty="0"/>
-              <a:t>Usage of git</a:t>
-            </a:r>
-          </a:p>
-          <a:p>
-            <a:pPr marL="285750" indent="-285750">
-              <a:buFontTx/>
-              <a:buChar char="-"/>
-            </a:pPr>
-            <a:r>
-              <a:rPr lang="en-GB" dirty="0"/>
-              <a:t>Technical contacts</a:t>
-            </a:r>
-          </a:p>
-          <a:p>
-            <a:pPr marL="742950" lvl="1" indent="-285750">
-              <a:buFontTx/>
-              <a:buChar char="-"/>
-            </a:pPr>
-            <a:r>
-              <a:rPr lang="en-GB" dirty="0"/>
-              <a:t>ONS (e.g. Mitch help with proxy server, Michael Hodge) / Cabinet Office / x-gov data science slack</a:t>
-            </a:r>
-          </a:p>
-          <a:p>
-            <a:pPr marL="742950" lvl="1" indent="-285750">
-              <a:buFontTx/>
-              <a:buChar char="-"/>
-            </a:pPr>
-            <a:endParaRPr lang="en-GB" dirty="0"/>
-          </a:p>
-          <a:p>
-            <a:pPr marL="742950" lvl="1" indent="-285750">
-              <a:buFontTx/>
-              <a:buChar char="-"/>
-            </a:pPr>
-            <a:endParaRPr lang="en-GB" dirty="0"/>
-          </a:p>
-          <a:p>
-            <a:pPr marL="285750" indent="-285750">
-              <a:buFontTx/>
-              <a:buChar char="-"/>
-            </a:pPr>
-            <a:r>
-              <a:rPr lang="en-GB" dirty="0"/>
-              <a:t>Talk through process of the project at high level. Contrast with current approach?</a:t>
-            </a:r>
-          </a:p>
-          <a:p>
-            <a:pPr marL="285750" indent="-285750">
-              <a:buFontTx/>
-              <a:buChar char="-"/>
-            </a:pPr>
-            <a:r>
-              <a:rPr lang="en-GB" dirty="0"/>
-              <a:t>Show some of the output: mentions over time (1yr) from dash, show histogram of each topic, split mentions by party, most regular mention-er (name &amp; pic?), </a:t>
-            </a:r>
+            <a:endParaRPr lang="en-US" dirty="0"/>
           </a:p>
         </p:txBody>
       </p:sp>
     </p:spTree>
     <p:extLst>
       <p:ext uri="{BB962C8B-B14F-4D97-AF65-F5344CB8AC3E}">
-        <p14:creationId xmlns:p14="http://schemas.microsoft.com/office/powerpoint/2010/main" val="572320667"/>
+        <p14:creationId xmlns:p14="http://schemas.microsoft.com/office/powerpoint/2010/main" val="2212693413"/>
+      </p:ext>
+    </p:extLst>
+  </p:cSld>
+  <p:clrMapOvr>
+    <a:masterClrMapping/>
+  </p:clrMapOvr>
+</p:sld>
+</file>
+
+<file path=ppt/slides/slide11.xml><?xml version="1.0" encoding="utf-8"?>
+<p:sld xmlns:a="http://schemas.openxmlformats.org/drawingml/2006/main" xmlns:r="http://schemas.openxmlformats.org/officeDocument/2006/relationships" xmlns:p="http://schemas.openxmlformats.org/presentationml/2006/main">
+  <p:cSld>
+    <p:spTree>
+      <p:nvGrpSpPr>
+        <p:cNvPr id="1" name=""/>
+        <p:cNvGrpSpPr/>
+        <p:nvPr/>
+      </p:nvGrpSpPr>
+      <p:grpSpPr>
+        <a:xfrm>
+          <a:off x="0" y="0"/>
+          <a:ext cx="0" cy="0"/>
+          <a:chOff x="0" y="0"/>
+          <a:chExt cx="0" cy="0"/>
+        </a:xfrm>
+      </p:grpSpPr>
+      <p:sp>
+        <p:nvSpPr>
+          <p:cNvPr id="2" name="Title 1">
+            <a:extLst>
+              <a:ext uri="{FF2B5EF4-FFF2-40B4-BE49-F238E27FC236}">
+                <a16:creationId xmlns:a16="http://schemas.microsoft.com/office/drawing/2014/main" id="{B0F100FA-59D9-4F0B-B6B3-04F29CA19C49}"/>
+              </a:ext>
+            </a:extLst>
+          </p:cNvPr>
+          <p:cNvSpPr>
+            <a:spLocks noGrp="1"/>
+          </p:cNvSpPr>
+          <p:nvPr>
+            <p:ph type="title"/>
+          </p:nvPr>
+        </p:nvSpPr>
+        <p:spPr/>
+        <p:txBody>
+          <a:bodyPr/>
+          <a:lstStyle/>
+          <a:p>
+            <a:endParaRPr lang="en-GB"/>
+          </a:p>
+        </p:txBody>
+      </p:sp>
+      <p:sp>
+        <p:nvSpPr>
+          <p:cNvPr id="3" name="Content Placeholder 2">
+            <a:extLst>
+              <a:ext uri="{FF2B5EF4-FFF2-40B4-BE49-F238E27FC236}">
+                <a16:creationId xmlns:a16="http://schemas.microsoft.com/office/drawing/2014/main" id="{8EB09008-9B19-4E05-A946-426DA3DD2573}"/>
+              </a:ext>
+            </a:extLst>
+          </p:cNvPr>
+          <p:cNvSpPr>
+            <a:spLocks noGrp="1"/>
+          </p:cNvSpPr>
+          <p:nvPr>
+            <p:ph idx="1"/>
+          </p:nvPr>
+        </p:nvSpPr>
+        <p:spPr/>
+        <p:txBody>
+          <a:bodyPr/>
+          <a:lstStyle/>
+          <a:p>
+            <a:r>
+              <a:rPr lang="en-GB" dirty="0"/>
+              <a:t>Add some joke about wizards for Rhys!</a:t>
+            </a:r>
+          </a:p>
+        </p:txBody>
+      </p:sp>
+    </p:spTree>
+    <p:extLst>
+      <p:ext uri="{BB962C8B-B14F-4D97-AF65-F5344CB8AC3E}">
+        <p14:creationId xmlns:p14="http://schemas.microsoft.com/office/powerpoint/2010/main" val="2254089530"/>
       </p:ext>
     </p:extLst>
   </p:cSld>
@@ -3525,280 +8745,96 @@
       </p:grpSpPr>
       <p:sp>
         <p:nvSpPr>
-          <p:cNvPr id="3" name="Content Placeholder 2">
-            <a:extLst>
-              <a:ext uri="{FF2B5EF4-FFF2-40B4-BE49-F238E27FC236}">
-                <a16:creationId xmlns:a16="http://schemas.microsoft.com/office/drawing/2014/main" id="{5EF2E56C-AC89-4516-BD3D-CCDEDD3366C0}"/>
-              </a:ext>
-            </a:extLst>
-          </p:cNvPr>
-          <p:cNvSpPr>
-            <a:spLocks noGrp="1"/>
-          </p:cNvSpPr>
-          <p:nvPr>
-            <p:ph idx="1"/>
+          <p:cNvPr id="5" name="Title">
+            <a:extLst>
+              <a:ext uri="{FF2B5EF4-FFF2-40B4-BE49-F238E27FC236}">
+                <a16:creationId xmlns:a16="http://schemas.microsoft.com/office/drawing/2014/main" id="{AC5AD953-635B-2B48-B87A-4F5101B6050D}"/>
+              </a:ext>
+            </a:extLst>
+          </p:cNvPr>
+          <p:cNvSpPr>
+            <a:spLocks noGrp="1"/>
+          </p:cNvSpPr>
+          <p:nvPr>
+            <p:ph type="title"/>
           </p:nvPr>
         </p:nvSpPr>
         <p:spPr>
           <a:xfrm>
-            <a:off x="838200" y="485030"/>
-            <a:ext cx="10515600" cy="5691933"/>
+            <a:off x="838200" y="554411"/>
+            <a:ext cx="10515600" cy="701731"/>
           </a:xfrm>
         </p:spPr>
         <p:txBody>
-          <a:bodyPr>
-            <a:noAutofit/>
-          </a:bodyPr>
-          <a:lstStyle/>
-          <a:p>
-            <a:r>
-              <a:rPr lang="en-GB" sz="1000" dirty="0"/>
-              <a:t>- Project management </a:t>
-            </a:r>
-          </a:p>
-          <a:p>
-            <a:r>
-              <a:rPr lang="en-GB" sz="1000" dirty="0"/>
-              <a:t>Trello, sketch out the parts required, user testing, working in the open with users, iterative (or Agile) development, timeline management, identifying prototype scope </a:t>
-            </a:r>
-          </a:p>
-          <a:p>
-            <a:pPr marL="0" indent="0">
-              <a:buNone/>
-            </a:pPr>
-            <a:endParaRPr lang="en-GB" sz="1000" dirty="0"/>
-          </a:p>
-          <a:p>
-            <a:r>
-              <a:rPr lang="en-GB" sz="1000" dirty="0"/>
-              <a:t>- Coding Practices </a:t>
-            </a:r>
-          </a:p>
-          <a:p>
-            <a:r>
-              <a:rPr lang="en-GB" sz="1000" dirty="0"/>
-              <a:t>Functions and modular</a:t>
-            </a:r>
-          </a:p>
-          <a:p>
-            <a:r>
-              <a:rPr lang="en-GB" sz="1000" dirty="0"/>
-              <a:t>Refactoring </a:t>
-            </a:r>
-          </a:p>
-          <a:p>
-            <a:r>
-              <a:rPr lang="en-GB" sz="1000" dirty="0"/>
-              <a:t>Git </a:t>
-            </a:r>
-          </a:p>
-          <a:p>
-            <a:r>
-              <a:rPr lang="en-GB" sz="1000" dirty="0"/>
-              <a:t>Documentation - reading and writing </a:t>
-            </a:r>
-          </a:p>
-          <a:p>
-            <a:r>
-              <a:rPr lang="en-GB" sz="1000" dirty="0"/>
-              <a:t>Evaluation: How good is the rules engine. False positives, false negatives etc. </a:t>
-            </a:r>
-          </a:p>
-          <a:p>
-            <a:r>
-              <a:rPr lang="en-GB" sz="1000" dirty="0"/>
-              <a:t> </a:t>
-            </a:r>
-          </a:p>
-          <a:p>
-            <a:r>
-              <a:rPr lang="en-GB" sz="1000" dirty="0"/>
-              <a:t>- Packages / Languages / Functionality </a:t>
-            </a:r>
-          </a:p>
-          <a:p>
-            <a:r>
-              <a:rPr lang="en-GB" sz="1000" dirty="0"/>
-              <a:t>Pandas, data science functionality </a:t>
-            </a:r>
-          </a:p>
-          <a:p>
-            <a:r>
-              <a:rPr lang="en-GB" sz="1000" dirty="0"/>
-              <a:t>Manipulating DFs </a:t>
-            </a:r>
-          </a:p>
-          <a:p>
-            <a:r>
-              <a:rPr lang="en-GB" sz="1000" dirty="0"/>
-              <a:t>NLP using space </a:t>
-            </a:r>
-          </a:p>
-          <a:p>
-            <a:r>
-              <a:rPr lang="en-GB" sz="1000" dirty="0"/>
-              <a:t>Some ML - and when not to use it </a:t>
-            </a:r>
-          </a:p>
-          <a:p>
-            <a:r>
-              <a:rPr lang="en-GB" sz="1000" dirty="0"/>
-              <a:t>Rules based NLP </a:t>
-            </a:r>
-          </a:p>
-          <a:p>
-            <a:r>
-              <a:rPr lang="en-GB" sz="1000" dirty="0"/>
-              <a:t> </a:t>
-            </a:r>
-          </a:p>
-          <a:p>
-            <a:r>
-              <a:rPr lang="en-GB" sz="1000" dirty="0"/>
-              <a:t>Automated file downloads &amp; navigating ONS servers / error handling Rory’s skills developed </a:t>
-            </a:r>
-          </a:p>
-          <a:p>
-            <a:r>
-              <a:rPr lang="en-GB" sz="1000" dirty="0"/>
-              <a:t> </a:t>
-            </a:r>
-          </a:p>
-          <a:p>
-            <a:r>
-              <a:rPr lang="en-GB" sz="1000" dirty="0"/>
-              <a:t>- Project management </a:t>
-            </a:r>
-          </a:p>
-          <a:p>
-            <a:r>
-              <a:rPr lang="en-GB" sz="1000" dirty="0"/>
-              <a:t>Trello, sketch out the parts required, user testing, working in the open with users, iterative (or Agile) development, timeline management, identifying prototype scope </a:t>
-            </a:r>
-          </a:p>
-          <a:p>
-            <a:r>
-              <a:rPr lang="en-GB" sz="1000" dirty="0"/>
-              <a:t> </a:t>
-            </a:r>
-          </a:p>
-          <a:p>
-            <a:r>
-              <a:rPr lang="en-GB" sz="1000" dirty="0"/>
-              <a:t> </a:t>
-            </a:r>
-          </a:p>
-          <a:p>
-            <a:r>
-              <a:rPr lang="en-GB" sz="1000" dirty="0"/>
-              <a:t> </a:t>
-            </a:r>
-          </a:p>
-          <a:p>
-            <a:r>
-              <a:rPr lang="en-GB" sz="1000" dirty="0"/>
-              <a:t>- Coding Practices </a:t>
-            </a:r>
-          </a:p>
-          <a:p>
-            <a:r>
-              <a:rPr lang="en-GB" sz="1000" dirty="0"/>
-              <a:t>Functions and modular</a:t>
-            </a:r>
-          </a:p>
-          <a:p>
-            <a:r>
-              <a:rPr lang="en-GB" sz="1000" dirty="0"/>
-              <a:t>Refactoring </a:t>
-            </a:r>
-          </a:p>
-          <a:p>
-            <a:r>
-              <a:rPr lang="en-GB" sz="1000" dirty="0"/>
-              <a:t>Git </a:t>
-            </a:r>
-          </a:p>
-          <a:p>
-            <a:r>
-              <a:rPr lang="en-GB" sz="1000" dirty="0"/>
-              <a:t>Documentation - reading and writing </a:t>
-            </a:r>
-          </a:p>
-          <a:p>
-            <a:r>
-              <a:rPr lang="en-GB" sz="1000" dirty="0"/>
-              <a:t>Evaluation: How good is the rules engine. False positives, false negatives etc. </a:t>
-            </a:r>
-          </a:p>
-          <a:p>
-            <a:r>
-              <a:rPr lang="en-GB" sz="1000" dirty="0"/>
-              <a:t> </a:t>
-            </a:r>
-          </a:p>
-          <a:p>
-            <a:r>
-              <a:rPr lang="en-GB" sz="1000" dirty="0"/>
-              <a:t> </a:t>
-            </a:r>
-          </a:p>
-          <a:p>
-            <a:r>
-              <a:rPr lang="en-GB" sz="1000" dirty="0"/>
-              <a:t>- Packages / Languages / Functionality </a:t>
-            </a:r>
-          </a:p>
-          <a:p>
-            <a:r>
-              <a:rPr lang="en-GB" sz="1000" dirty="0"/>
-              <a:t>Pandas, data science functionality </a:t>
-            </a:r>
-          </a:p>
-          <a:p>
-            <a:r>
-              <a:rPr lang="en-GB" sz="1000" dirty="0"/>
-              <a:t>Manipulating DFs </a:t>
-            </a:r>
-          </a:p>
-          <a:p>
-            <a:r>
-              <a:rPr lang="en-GB" sz="1000" dirty="0"/>
-              <a:t>NLP using space </a:t>
-            </a:r>
-          </a:p>
-          <a:p>
-            <a:r>
-              <a:rPr lang="en-GB" sz="1000" dirty="0"/>
-              <a:t>Some ML - and when not to use it </a:t>
-            </a:r>
-          </a:p>
-          <a:p>
-            <a:r>
-              <a:rPr lang="en-GB" sz="1000" dirty="0"/>
-              <a:t>Rules based NLP </a:t>
-            </a:r>
-          </a:p>
-          <a:p>
-            <a:r>
-              <a:rPr lang="en-GB" sz="1000" dirty="0"/>
-              <a:t> </a:t>
-            </a:r>
-          </a:p>
-          <a:p>
-            <a:r>
-              <a:rPr lang="en-GB" sz="1000" dirty="0"/>
-              <a:t>Automated file downloads &amp; navigating ONS servers / error handling </a:t>
-            </a:r>
-          </a:p>
-          <a:p>
-            <a:endParaRPr lang="en-GB" sz="1000" dirty="0"/>
+          <a:bodyPr/>
+          <a:lstStyle/>
+          <a:p>
+            <a:r>
+              <a:rPr lang="en-GB" sz="4400" dirty="0"/>
+              <a:t>Initial Objectives</a:t>
+            </a:r>
+            <a:endParaRPr lang="en-US" sz="4400" dirty="0"/>
+          </a:p>
+        </p:txBody>
+      </p:sp>
+      <p:sp>
+        <p:nvSpPr>
+          <p:cNvPr id="6" name="Content Placeholder">
+            <a:extLst>
+              <a:ext uri="{FF2B5EF4-FFF2-40B4-BE49-F238E27FC236}">
+                <a16:creationId xmlns:a16="http://schemas.microsoft.com/office/drawing/2014/main" id="{4C842C63-75A3-F044-9F81-2C8C2B628C68}"/>
+              </a:ext>
+            </a:extLst>
+          </p:cNvPr>
+          <p:cNvSpPr>
+            <a:spLocks noGrp="1"/>
+          </p:cNvSpPr>
+          <p:nvPr>
+            <p:ph idx="1"/>
+          </p:nvPr>
+        </p:nvSpPr>
+        <p:spPr>
+          <a:xfrm>
+            <a:off x="820057" y="1540138"/>
+            <a:ext cx="10515600" cy="3653949"/>
+          </a:xfrm>
+        </p:spPr>
+        <p:txBody>
+          <a:bodyPr/>
+          <a:lstStyle/>
+          <a:p>
+            <a:r>
+              <a:rPr lang="en-GB" sz="2800" dirty="0"/>
+              <a:t>Use data science techniques (NLP) to extract information from Hansard</a:t>
+            </a:r>
+          </a:p>
+          <a:p>
+            <a:r>
+              <a:rPr lang="en-GB" sz="2800" dirty="0"/>
+              <a:t>Identify mentions of ONS/UKSA/OSR in the House of Commons</a:t>
+            </a:r>
+          </a:p>
+          <a:p>
+            <a:r>
+              <a:rPr lang="en-GB" sz="2800" dirty="0"/>
+              <a:t>Group mentions by topic &amp; sentiment</a:t>
+            </a:r>
+          </a:p>
+          <a:p>
+            <a:r>
+              <a:rPr lang="en-GB" sz="2800" dirty="0"/>
+              <a:t>Provide information to Parliamentary team at ONS via interactive dashboard – intended to replace existing paid service</a:t>
+            </a:r>
+          </a:p>
+          <a:p>
+            <a:endParaRPr lang="en-US" dirty="0"/>
           </a:p>
         </p:txBody>
       </p:sp>
     </p:spTree>
     <p:extLst>
       <p:ext uri="{BB962C8B-B14F-4D97-AF65-F5344CB8AC3E}">
-        <p14:creationId xmlns:p14="http://schemas.microsoft.com/office/powerpoint/2010/main" val="3536756216"/>
+        <p14:creationId xmlns:p14="http://schemas.microsoft.com/office/powerpoint/2010/main" val="2401366226"/>
       </p:ext>
     </p:extLst>
   </p:cSld>
@@ -3827,10 +8863,10 @@
       </p:grpSpPr>
       <p:sp>
         <p:nvSpPr>
-          <p:cNvPr id="2" name="Title 1">
-            <a:extLst>
-              <a:ext uri="{FF2B5EF4-FFF2-40B4-BE49-F238E27FC236}">
-                <a16:creationId xmlns:a16="http://schemas.microsoft.com/office/drawing/2014/main" id="{B0F100FA-59D9-4F0B-B6B3-04F29CA19C49}"/>
+          <p:cNvPr id="5" name="Title">
+            <a:extLst>
+              <a:ext uri="{FF2B5EF4-FFF2-40B4-BE49-F238E27FC236}">
+                <a16:creationId xmlns:a16="http://schemas.microsoft.com/office/drawing/2014/main" id="{AC5AD953-635B-2B48-B87A-4F5101B6050D}"/>
               </a:ext>
             </a:extLst>
           </p:cNvPr>
@@ -3841,21 +8877,30 @@
             <p:ph type="title"/>
           </p:nvPr>
         </p:nvSpPr>
-        <p:spPr/>
-        <p:txBody>
-          <a:bodyPr/>
-          <a:lstStyle/>
-          <a:p>
-            <a:endParaRPr lang="en-GB"/>
-          </a:p>
-        </p:txBody>
-      </p:sp>
-      <p:sp>
-        <p:nvSpPr>
-          <p:cNvPr id="3" name="Content Placeholder 2">
-            <a:extLst>
-              <a:ext uri="{FF2B5EF4-FFF2-40B4-BE49-F238E27FC236}">
-                <a16:creationId xmlns:a16="http://schemas.microsoft.com/office/drawing/2014/main" id="{8EB09008-9B19-4E05-A946-426DA3DD2573}"/>
+        <p:spPr>
+          <a:xfrm>
+            <a:off x="838200" y="554411"/>
+            <a:ext cx="10515600" cy="701731"/>
+          </a:xfrm>
+        </p:spPr>
+        <p:txBody>
+          <a:bodyPr/>
+          <a:lstStyle/>
+          <a:p>
+            <a:r>
+              <a:rPr lang="en-GB" sz="4400" dirty="0"/>
+              <a:t>Challenges</a:t>
+            </a:r>
+            <a:endParaRPr lang="en-US" sz="4400" dirty="0"/>
+          </a:p>
+        </p:txBody>
+      </p:sp>
+      <p:sp>
+        <p:nvSpPr>
+          <p:cNvPr id="6" name="Content Placeholder">
+            <a:extLst>
+              <a:ext uri="{FF2B5EF4-FFF2-40B4-BE49-F238E27FC236}">
+                <a16:creationId xmlns:a16="http://schemas.microsoft.com/office/drawing/2014/main" id="{4C842C63-75A3-F044-9F81-2C8C2B628C68}"/>
               </a:ext>
             </a:extLst>
           </p:cNvPr>
@@ -3866,22 +8911,48 @@
             <p:ph idx="1"/>
           </p:nvPr>
         </p:nvSpPr>
-        <p:spPr/>
+        <p:spPr>
+          <a:xfrm>
+            <a:off x="820057" y="1540138"/>
+            <a:ext cx="10515600" cy="3450816"/>
+          </a:xfrm>
+        </p:spPr>
         <p:txBody>
           <a:bodyPr/>
           <a:lstStyle/>
           <a:p>
             <a:r>
               <a:rPr lang="en-GB" dirty="0"/>
-              <a:t>Add some joke about wizards for Rhys!</a:t>
-            </a:r>
+              <a:t>Accessing data – overcoming network challenges</a:t>
+            </a:r>
+          </a:p>
+          <a:p>
+            <a:r>
+              <a:rPr lang="en-GB" dirty="0"/>
+              <a:t>Early user engagement – sentiment not very useful</a:t>
+            </a:r>
+          </a:p>
+          <a:p>
+            <a:r>
+              <a:rPr lang="en-GB" dirty="0"/>
+              <a:t>Natural Language Processing – learning &amp; application</a:t>
+            </a:r>
+          </a:p>
+          <a:p>
+            <a:r>
+              <a:rPr lang="en-GB" dirty="0"/>
+              <a:t>Topic classification – designing &amp; evaluating models</a:t>
+            </a:r>
+          </a:p>
+          <a:p>
+            <a:endParaRPr lang="en-US" dirty="0"/>
           </a:p>
         </p:txBody>
       </p:sp>
     </p:spTree>
     <p:extLst>
       <p:ext uri="{BB962C8B-B14F-4D97-AF65-F5344CB8AC3E}">
-        <p14:creationId xmlns:p14="http://schemas.microsoft.com/office/powerpoint/2010/main" val="2254089530"/>
+        <p14:creationId xmlns:p14="http://schemas.microsoft.com/office/powerpoint/2010/main" val="792428251"/>
       </p:ext>
     </p:extLst>
   </p:cSld>
@@ -3910,10 +8981,10 @@
       </p:grpSpPr>
       <p:sp>
         <p:nvSpPr>
-          <p:cNvPr id="2" name="Title 1">
-            <a:extLst>
-              <a:ext uri="{FF2B5EF4-FFF2-40B4-BE49-F238E27FC236}">
-                <a16:creationId xmlns:a16="http://schemas.microsoft.com/office/drawing/2014/main" id="{7A4E86CA-2429-4A25-90A9-6B3F570A06FA}"/>
+          <p:cNvPr id="5" name="Title">
+            <a:extLst>
+              <a:ext uri="{FF2B5EF4-FFF2-40B4-BE49-F238E27FC236}">
+                <a16:creationId xmlns:a16="http://schemas.microsoft.com/office/drawing/2014/main" id="{AC5AD953-635B-2B48-B87A-4F5101B6050D}"/>
               </a:ext>
             </a:extLst>
           </p:cNvPr>
@@ -3924,24 +8995,1003 @@
             <p:ph type="title"/>
           </p:nvPr>
         </p:nvSpPr>
-        <p:spPr/>
-        <p:txBody>
-          <a:bodyPr/>
+        <p:spPr>
+          <a:xfrm>
+            <a:off x="838199" y="146548"/>
+            <a:ext cx="10515600" cy="701731"/>
+          </a:xfrm>
+        </p:spPr>
+        <p:txBody>
+          <a:bodyPr/>
+          <a:lstStyle/>
+          <a:p>
+            <a:r>
+              <a:rPr lang="en-GB" sz="4400" dirty="0"/>
+              <a:t>Method</a:t>
+            </a:r>
+            <a:endParaRPr lang="en-US" sz="4400" dirty="0"/>
+          </a:p>
+        </p:txBody>
+      </p:sp>
+      <p:pic>
+        <p:nvPicPr>
+          <p:cNvPr id="2" name="Picture 1">
+            <a:extLst>
+              <a:ext uri="{FF2B5EF4-FFF2-40B4-BE49-F238E27FC236}">
+                <a16:creationId xmlns:a16="http://schemas.microsoft.com/office/drawing/2014/main" id="{A207312E-31A7-4F5B-97CE-126D9F2C57C4}"/>
+              </a:ext>
+            </a:extLst>
+          </p:cNvPr>
+          <p:cNvPicPr>
+            <a:picLocks noChangeAspect="1"/>
+          </p:cNvPicPr>
+          <p:nvPr/>
+        </p:nvPicPr>
+        <p:blipFill>
+          <a:blip r:embed="rId3"/>
+          <a:stretch>
+            <a:fillRect/>
+          </a:stretch>
+        </p:blipFill>
+        <p:spPr>
+          <a:xfrm>
+            <a:off x="8424419" y="1371405"/>
+            <a:ext cx="2583729" cy="1624567"/>
+          </a:xfrm>
+          <a:prstGeom prst="rect">
+            <a:avLst/>
+          </a:prstGeom>
+        </p:spPr>
+      </p:pic>
+      <p:pic>
+        <p:nvPicPr>
+          <p:cNvPr id="1026" name="Picture 2">
+            <a:extLst>
+              <a:ext uri="{FF2B5EF4-FFF2-40B4-BE49-F238E27FC236}">
+                <a16:creationId xmlns:a16="http://schemas.microsoft.com/office/drawing/2014/main" id="{2822AE0B-1B2C-4665-9D14-506B60371E90}"/>
+              </a:ext>
+            </a:extLst>
+          </p:cNvPr>
+          <p:cNvPicPr>
+            <a:picLocks noChangeAspect="1" noChangeArrowheads="1"/>
+          </p:cNvPicPr>
+          <p:nvPr/>
+        </p:nvPicPr>
+        <p:blipFill>
+          <a:blip r:embed="rId4">
+            <a:extLst>
+              <a:ext uri="{28A0092B-C50C-407E-A947-70E740481C1C}">
+                <a14:useLocalDpi xmlns:a14="http://schemas.microsoft.com/office/drawing/2010/main" val="0"/>
+              </a:ext>
+            </a:extLst>
+          </a:blip>
+          <a:srcRect/>
+          <a:stretch>
+            <a:fillRect/>
+          </a:stretch>
+        </p:blipFill>
+        <p:spPr bwMode="auto">
+          <a:xfrm>
+            <a:off x="838200" y="1371405"/>
+            <a:ext cx="2583730" cy="1621410"/>
+          </a:xfrm>
+          <a:prstGeom prst="rect">
+            <a:avLst/>
+          </a:prstGeom>
+          <a:noFill/>
+          <a:extLst>
+            <a:ext uri="{909E8E84-426E-40DD-AFC4-6F175D3DCCD1}">
+              <a14:hiddenFill xmlns:a14="http://schemas.microsoft.com/office/drawing/2010/main">
+                <a:solidFill>
+                  <a:srgbClr val="FFFFFF"/>
+                </a:solidFill>
+              </a14:hiddenFill>
+            </a:ext>
+          </a:extLst>
+        </p:spPr>
+      </p:pic>
+      <p:pic>
+        <p:nvPicPr>
+          <p:cNvPr id="1028" name="Picture 4">
+            <a:extLst>
+              <a:ext uri="{FF2B5EF4-FFF2-40B4-BE49-F238E27FC236}">
+                <a16:creationId xmlns:a16="http://schemas.microsoft.com/office/drawing/2014/main" id="{8D81548A-A5D6-4528-B01A-BE0E8205514A}"/>
+              </a:ext>
+            </a:extLst>
+          </p:cNvPr>
+          <p:cNvPicPr>
+            <a:picLocks noChangeAspect="1" noChangeArrowheads="1"/>
+          </p:cNvPicPr>
+          <p:nvPr/>
+        </p:nvPicPr>
+        <p:blipFill>
+          <a:blip r:embed="rId5">
+            <a:extLst>
+              <a:ext uri="{28A0092B-C50C-407E-A947-70E740481C1C}">
+                <a14:useLocalDpi xmlns:a14="http://schemas.microsoft.com/office/drawing/2010/main" val="0"/>
+              </a:ext>
+            </a:extLst>
+          </a:blip>
+          <a:srcRect/>
+          <a:stretch>
+            <a:fillRect/>
+          </a:stretch>
+        </p:blipFill>
+        <p:spPr bwMode="auto">
+          <a:xfrm>
+            <a:off x="4631310" y="1371405"/>
+            <a:ext cx="2583729" cy="1621410"/>
+          </a:xfrm>
+          <a:prstGeom prst="rect">
+            <a:avLst/>
+          </a:prstGeom>
+          <a:noFill/>
+          <a:extLst>
+            <a:ext uri="{909E8E84-426E-40DD-AFC4-6F175D3DCCD1}">
+              <a14:hiddenFill xmlns:a14="http://schemas.microsoft.com/office/drawing/2010/main">
+                <a:solidFill>
+                  <a:srgbClr val="FFFFFF"/>
+                </a:solidFill>
+              </a14:hiddenFill>
+            </a:ext>
+          </a:extLst>
+        </p:spPr>
+      </p:pic>
+      <p:pic>
+        <p:nvPicPr>
+          <p:cNvPr id="3" name="Picture 2">
+            <a:extLst>
+              <a:ext uri="{FF2B5EF4-FFF2-40B4-BE49-F238E27FC236}">
+                <a16:creationId xmlns:a16="http://schemas.microsoft.com/office/drawing/2014/main" id="{74B85DBF-6477-4C17-950D-F992FCC7403F}"/>
+              </a:ext>
+            </a:extLst>
+          </p:cNvPr>
+          <p:cNvPicPr>
+            <a:picLocks noChangeAspect="1"/>
+          </p:cNvPicPr>
+          <p:nvPr/>
+        </p:nvPicPr>
+        <p:blipFill>
+          <a:blip r:embed="rId6"/>
+          <a:stretch>
+            <a:fillRect/>
+          </a:stretch>
+        </p:blipFill>
+        <p:spPr>
+          <a:xfrm>
+            <a:off x="838199" y="3976177"/>
+            <a:ext cx="2583731" cy="1621410"/>
+          </a:xfrm>
+          <a:prstGeom prst="rect">
+            <a:avLst/>
+          </a:prstGeom>
+        </p:spPr>
+      </p:pic>
+      <p:sp>
+        <p:nvSpPr>
+          <p:cNvPr id="7" name="Rectangle 6">
+            <a:extLst>
+              <a:ext uri="{FF2B5EF4-FFF2-40B4-BE49-F238E27FC236}">
+                <a16:creationId xmlns:a16="http://schemas.microsoft.com/office/drawing/2014/main" id="{BAC4D879-53AA-44ED-B046-240CD3162A9F}"/>
+              </a:ext>
+            </a:extLst>
+          </p:cNvPr>
+          <p:cNvSpPr/>
+          <p:nvPr/>
+        </p:nvSpPr>
+        <p:spPr>
+          <a:xfrm>
+            <a:off x="838200" y="1371405"/>
+            <a:ext cx="2583730" cy="1621410"/>
+          </a:xfrm>
+          <a:prstGeom prst="rect">
+            <a:avLst/>
+          </a:prstGeom>
+          <a:noFill/>
+          <a:ln w="28575"/>
+        </p:spPr>
+        <p:style>
+          <a:lnRef idx="2">
+            <a:schemeClr val="dk1">
+              <a:shade val="50000"/>
+            </a:schemeClr>
+          </a:lnRef>
+          <a:fillRef idx="1">
+            <a:schemeClr val="dk1"/>
+          </a:fillRef>
+          <a:effectRef idx="0">
+            <a:schemeClr val="dk1"/>
+          </a:effectRef>
+          <a:fontRef idx="minor">
+            <a:schemeClr val="lt1"/>
+          </a:fontRef>
+        </p:style>
+        <p:txBody>
+          <a:bodyPr rtlCol="0" anchor="ctr"/>
+          <a:lstStyle/>
+          <a:p>
+            <a:pPr algn="ctr"/>
+            <a:endParaRPr lang="en-GB"/>
+          </a:p>
+        </p:txBody>
+      </p:sp>
+      <p:sp>
+        <p:nvSpPr>
+          <p:cNvPr id="11" name="Rectangle 10">
+            <a:extLst>
+              <a:ext uri="{FF2B5EF4-FFF2-40B4-BE49-F238E27FC236}">
+                <a16:creationId xmlns:a16="http://schemas.microsoft.com/office/drawing/2014/main" id="{BC2300A6-98F1-4779-8A64-F56F6A122B89}"/>
+              </a:ext>
+            </a:extLst>
+          </p:cNvPr>
+          <p:cNvSpPr/>
+          <p:nvPr/>
+        </p:nvSpPr>
+        <p:spPr>
+          <a:xfrm>
+            <a:off x="4631309" y="1371405"/>
+            <a:ext cx="2583730" cy="1621410"/>
+          </a:xfrm>
+          <a:prstGeom prst="rect">
+            <a:avLst/>
+          </a:prstGeom>
+          <a:noFill/>
+          <a:ln w="28575"/>
+        </p:spPr>
+        <p:style>
+          <a:lnRef idx="2">
+            <a:schemeClr val="dk1">
+              <a:shade val="50000"/>
+            </a:schemeClr>
+          </a:lnRef>
+          <a:fillRef idx="1">
+            <a:schemeClr val="dk1"/>
+          </a:fillRef>
+          <a:effectRef idx="0">
+            <a:schemeClr val="dk1"/>
+          </a:effectRef>
+          <a:fontRef idx="minor">
+            <a:schemeClr val="lt1"/>
+          </a:fontRef>
+        </p:style>
+        <p:txBody>
+          <a:bodyPr rtlCol="0" anchor="ctr"/>
+          <a:lstStyle/>
+          <a:p>
+            <a:pPr algn="ctr"/>
+            <a:endParaRPr lang="en-GB"/>
+          </a:p>
+        </p:txBody>
+      </p:sp>
+      <p:sp>
+        <p:nvSpPr>
+          <p:cNvPr id="12" name="Rectangle 11">
+            <a:extLst>
+              <a:ext uri="{FF2B5EF4-FFF2-40B4-BE49-F238E27FC236}">
+                <a16:creationId xmlns:a16="http://schemas.microsoft.com/office/drawing/2014/main" id="{569A60E2-504F-4E26-A673-41BE300955BE}"/>
+              </a:ext>
+            </a:extLst>
+          </p:cNvPr>
+          <p:cNvSpPr/>
+          <p:nvPr/>
+        </p:nvSpPr>
+        <p:spPr>
+          <a:xfrm>
+            <a:off x="8424419" y="1371405"/>
+            <a:ext cx="2583730" cy="1621410"/>
+          </a:xfrm>
+          <a:prstGeom prst="rect">
+            <a:avLst/>
+          </a:prstGeom>
+          <a:noFill/>
+          <a:ln w="28575"/>
+        </p:spPr>
+        <p:style>
+          <a:lnRef idx="2">
+            <a:schemeClr val="dk1">
+              <a:shade val="50000"/>
+            </a:schemeClr>
+          </a:lnRef>
+          <a:fillRef idx="1">
+            <a:schemeClr val="dk1"/>
+          </a:fillRef>
+          <a:effectRef idx="0">
+            <a:schemeClr val="dk1"/>
+          </a:effectRef>
+          <a:fontRef idx="minor">
+            <a:schemeClr val="lt1"/>
+          </a:fontRef>
+        </p:style>
+        <p:txBody>
+          <a:bodyPr rtlCol="0" anchor="ctr"/>
+          <a:lstStyle/>
+          <a:p>
+            <a:pPr algn="ctr"/>
+            <a:endParaRPr lang="en-GB"/>
+          </a:p>
+        </p:txBody>
+      </p:sp>
+      <p:sp>
+        <p:nvSpPr>
+          <p:cNvPr id="13" name="Rectangle 12">
+            <a:extLst>
+              <a:ext uri="{FF2B5EF4-FFF2-40B4-BE49-F238E27FC236}">
+                <a16:creationId xmlns:a16="http://schemas.microsoft.com/office/drawing/2014/main" id="{56250791-219C-4875-91A9-ECF82A7B0064}"/>
+              </a:ext>
+            </a:extLst>
+          </p:cNvPr>
+          <p:cNvSpPr/>
+          <p:nvPr/>
+        </p:nvSpPr>
+        <p:spPr>
+          <a:xfrm>
+            <a:off x="838199" y="3976177"/>
+            <a:ext cx="2583730" cy="1621410"/>
+          </a:xfrm>
+          <a:prstGeom prst="rect">
+            <a:avLst/>
+          </a:prstGeom>
+          <a:noFill/>
+          <a:ln w="28575"/>
+        </p:spPr>
+        <p:style>
+          <a:lnRef idx="2">
+            <a:schemeClr val="dk1">
+              <a:shade val="50000"/>
+            </a:schemeClr>
+          </a:lnRef>
+          <a:fillRef idx="1">
+            <a:schemeClr val="dk1"/>
+          </a:fillRef>
+          <a:effectRef idx="0">
+            <a:schemeClr val="dk1"/>
+          </a:effectRef>
+          <a:fontRef idx="minor">
+            <a:schemeClr val="lt1"/>
+          </a:fontRef>
+        </p:style>
+        <p:txBody>
+          <a:bodyPr rtlCol="0" anchor="ctr"/>
+          <a:lstStyle/>
+          <a:p>
+            <a:pPr algn="ctr"/>
+            <a:endParaRPr lang="en-GB"/>
+          </a:p>
+        </p:txBody>
+      </p:sp>
+      <p:pic>
+        <p:nvPicPr>
+          <p:cNvPr id="1032" name="Picture 8">
+            <a:extLst>
+              <a:ext uri="{FF2B5EF4-FFF2-40B4-BE49-F238E27FC236}">
+                <a16:creationId xmlns:a16="http://schemas.microsoft.com/office/drawing/2014/main" id="{3BF911BA-9EE5-4E72-AE7D-EA7A151E209B}"/>
+              </a:ext>
+            </a:extLst>
+          </p:cNvPr>
+          <p:cNvPicPr>
+            <a:picLocks noChangeAspect="1" noChangeArrowheads="1"/>
+          </p:cNvPicPr>
+          <p:nvPr/>
+        </p:nvPicPr>
+        <p:blipFill>
+          <a:blip r:embed="rId7">
+            <a:extLst>
+              <a:ext uri="{28A0092B-C50C-407E-A947-70E740481C1C}">
+                <a14:useLocalDpi xmlns:a14="http://schemas.microsoft.com/office/drawing/2010/main" val="0"/>
+              </a:ext>
+            </a:extLst>
+          </a:blip>
+          <a:srcRect/>
+          <a:stretch>
+            <a:fillRect/>
+          </a:stretch>
+        </p:blipFill>
+        <p:spPr bwMode="auto">
+          <a:xfrm>
+            <a:off x="8424418" y="3884514"/>
+            <a:ext cx="2583729" cy="1621410"/>
+          </a:xfrm>
+          <a:prstGeom prst="rect">
+            <a:avLst/>
+          </a:prstGeom>
+          <a:noFill/>
+          <a:extLst>
+            <a:ext uri="{909E8E84-426E-40DD-AFC4-6F175D3DCCD1}">
+              <a14:hiddenFill xmlns:a14="http://schemas.microsoft.com/office/drawing/2010/main">
+                <a:solidFill>
+                  <a:srgbClr val="FFFFFF"/>
+                </a:solidFill>
+              </a14:hiddenFill>
+            </a:ext>
+          </a:extLst>
+        </p:spPr>
+      </p:pic>
+      <p:sp>
+        <p:nvSpPr>
+          <p:cNvPr id="17" name="Rectangle 16">
+            <a:extLst>
+              <a:ext uri="{FF2B5EF4-FFF2-40B4-BE49-F238E27FC236}">
+                <a16:creationId xmlns:a16="http://schemas.microsoft.com/office/drawing/2014/main" id="{3C0E58C1-E5B1-4DD6-882C-B60115211430}"/>
+              </a:ext>
+            </a:extLst>
+          </p:cNvPr>
+          <p:cNvSpPr/>
+          <p:nvPr/>
+        </p:nvSpPr>
+        <p:spPr>
+          <a:xfrm>
+            <a:off x="8424417" y="3976177"/>
+            <a:ext cx="2583730" cy="1621410"/>
+          </a:xfrm>
+          <a:prstGeom prst="rect">
+            <a:avLst/>
+          </a:prstGeom>
+          <a:noFill/>
+          <a:ln w="28575"/>
+        </p:spPr>
+        <p:style>
+          <a:lnRef idx="2">
+            <a:schemeClr val="dk1">
+              <a:shade val="50000"/>
+            </a:schemeClr>
+          </a:lnRef>
+          <a:fillRef idx="1">
+            <a:schemeClr val="dk1"/>
+          </a:fillRef>
+          <a:effectRef idx="0">
+            <a:schemeClr val="dk1"/>
+          </a:effectRef>
+          <a:fontRef idx="minor">
+            <a:schemeClr val="lt1"/>
+          </a:fontRef>
+        </p:style>
+        <p:txBody>
+          <a:bodyPr rtlCol="0" anchor="ctr"/>
+          <a:lstStyle/>
+          <a:p>
+            <a:pPr algn="ctr"/>
+            <a:endParaRPr lang="en-GB"/>
+          </a:p>
+        </p:txBody>
+      </p:sp>
+      <p:cxnSp>
+        <p:nvCxnSpPr>
+          <p:cNvPr id="10" name="Straight Arrow Connector 9">
+            <a:extLst>
+              <a:ext uri="{FF2B5EF4-FFF2-40B4-BE49-F238E27FC236}">
+                <a16:creationId xmlns:a16="http://schemas.microsoft.com/office/drawing/2014/main" id="{EA9D5919-BDD8-4015-82B2-671AACA4F5DA}"/>
+              </a:ext>
+            </a:extLst>
+          </p:cNvPr>
+          <p:cNvCxnSpPr>
+            <a:stCxn id="7" idx="3"/>
+            <a:endCxn id="11" idx="1"/>
+          </p:cNvCxnSpPr>
+          <p:nvPr/>
+        </p:nvCxnSpPr>
+        <p:spPr>
+          <a:xfrm>
+            <a:off x="3421930" y="2182110"/>
+            <a:ext cx="1209379" cy="0"/>
+          </a:xfrm>
+          <a:prstGeom prst="straightConnector1">
+            <a:avLst/>
+          </a:prstGeom>
+          <a:ln w="12700">
+            <a:tailEnd type="triangle"/>
+          </a:ln>
+        </p:spPr>
+        <p:style>
+          <a:lnRef idx="1">
+            <a:schemeClr val="dk1"/>
+          </a:lnRef>
+          <a:fillRef idx="0">
+            <a:schemeClr val="dk1"/>
+          </a:fillRef>
+          <a:effectRef idx="0">
+            <a:schemeClr val="dk1"/>
+          </a:effectRef>
+          <a:fontRef idx="minor">
+            <a:schemeClr val="tx1"/>
+          </a:fontRef>
+        </p:style>
+      </p:cxnSp>
+      <p:cxnSp>
+        <p:nvCxnSpPr>
+          <p:cNvPr id="20" name="Straight Arrow Connector 19">
+            <a:extLst>
+              <a:ext uri="{FF2B5EF4-FFF2-40B4-BE49-F238E27FC236}">
+                <a16:creationId xmlns:a16="http://schemas.microsoft.com/office/drawing/2014/main" id="{97D4C784-05FD-4158-A869-F0EC4E9BDD8D}"/>
+              </a:ext>
+            </a:extLst>
+          </p:cNvPr>
+          <p:cNvCxnSpPr>
+            <a:cxnSpLocks/>
+            <a:stCxn id="11" idx="3"/>
+            <a:endCxn id="12" idx="1"/>
+          </p:cNvCxnSpPr>
+          <p:nvPr/>
+        </p:nvCxnSpPr>
+        <p:spPr>
+          <a:xfrm>
+            <a:off x="7215039" y="2182110"/>
+            <a:ext cx="1209380" cy="0"/>
+          </a:xfrm>
+          <a:prstGeom prst="straightConnector1">
+            <a:avLst/>
+          </a:prstGeom>
+          <a:ln w="12700">
+            <a:tailEnd type="triangle"/>
+          </a:ln>
+        </p:spPr>
+        <p:style>
+          <a:lnRef idx="1">
+            <a:schemeClr val="dk1"/>
+          </a:lnRef>
+          <a:fillRef idx="0">
+            <a:schemeClr val="dk1"/>
+          </a:fillRef>
+          <a:effectRef idx="0">
+            <a:schemeClr val="dk1"/>
+          </a:effectRef>
+          <a:fontRef idx="minor">
+            <a:schemeClr val="tx1"/>
+          </a:fontRef>
+        </p:style>
+      </p:cxnSp>
+      <p:pic>
+        <p:nvPicPr>
+          <p:cNvPr id="1034" name="Picture 10">
+            <a:extLst>
+              <a:ext uri="{FF2B5EF4-FFF2-40B4-BE49-F238E27FC236}">
+                <a16:creationId xmlns:a16="http://schemas.microsoft.com/office/drawing/2014/main" id="{F518B26D-5B8D-49A6-8009-2F50B3F90A49}"/>
+              </a:ext>
+            </a:extLst>
+          </p:cNvPr>
+          <p:cNvPicPr>
+            <a:picLocks noChangeAspect="1" noChangeArrowheads="1"/>
+          </p:cNvPicPr>
+          <p:nvPr/>
+        </p:nvPicPr>
+        <p:blipFill>
+          <a:blip r:embed="rId8">
+            <a:extLst>
+              <a:ext uri="{28A0092B-C50C-407E-A947-70E740481C1C}">
+                <a14:useLocalDpi xmlns:a14="http://schemas.microsoft.com/office/drawing/2010/main" val="0"/>
+              </a:ext>
+            </a:extLst>
+          </a:blip>
+          <a:srcRect/>
+          <a:stretch>
+            <a:fillRect/>
+          </a:stretch>
+        </p:blipFill>
+        <p:spPr bwMode="auto">
+          <a:xfrm>
+            <a:off x="4631310" y="3976176"/>
+            <a:ext cx="2583729" cy="1621410"/>
+          </a:xfrm>
+          <a:prstGeom prst="rect">
+            <a:avLst/>
+          </a:prstGeom>
+          <a:noFill/>
+          <a:extLst>
+            <a:ext uri="{909E8E84-426E-40DD-AFC4-6F175D3DCCD1}">
+              <a14:hiddenFill xmlns:a14="http://schemas.microsoft.com/office/drawing/2010/main">
+                <a:solidFill>
+                  <a:srgbClr val="FFFFFF"/>
+                </a:solidFill>
+              </a14:hiddenFill>
+            </a:ext>
+          </a:extLst>
+        </p:spPr>
+      </p:pic>
+      <p:sp>
+        <p:nvSpPr>
+          <p:cNvPr id="24" name="Rectangle 23">
+            <a:extLst>
+              <a:ext uri="{FF2B5EF4-FFF2-40B4-BE49-F238E27FC236}">
+                <a16:creationId xmlns:a16="http://schemas.microsoft.com/office/drawing/2014/main" id="{87762386-BD16-4062-99F6-EBE05CC402B3}"/>
+              </a:ext>
+            </a:extLst>
+          </p:cNvPr>
+          <p:cNvSpPr/>
+          <p:nvPr/>
+        </p:nvSpPr>
+        <p:spPr>
+          <a:xfrm>
+            <a:off x="4631309" y="3972674"/>
+            <a:ext cx="2583730" cy="1621410"/>
+          </a:xfrm>
+          <a:prstGeom prst="rect">
+            <a:avLst/>
+          </a:prstGeom>
+          <a:noFill/>
+          <a:ln w="28575"/>
+        </p:spPr>
+        <p:style>
+          <a:lnRef idx="2">
+            <a:schemeClr val="dk1">
+              <a:shade val="50000"/>
+            </a:schemeClr>
+          </a:lnRef>
+          <a:fillRef idx="1">
+            <a:schemeClr val="dk1"/>
+          </a:fillRef>
+          <a:effectRef idx="0">
+            <a:schemeClr val="dk1"/>
+          </a:effectRef>
+          <a:fontRef idx="minor">
+            <a:schemeClr val="lt1"/>
+          </a:fontRef>
+        </p:style>
+        <p:txBody>
+          <a:bodyPr rtlCol="0" anchor="ctr"/>
+          <a:lstStyle/>
+          <a:p>
+            <a:pPr algn="ctr"/>
+            <a:endParaRPr lang="en-GB"/>
+          </a:p>
+        </p:txBody>
+      </p:sp>
+      <p:cxnSp>
+        <p:nvCxnSpPr>
+          <p:cNvPr id="25" name="Straight Arrow Connector 24">
+            <a:extLst>
+              <a:ext uri="{FF2B5EF4-FFF2-40B4-BE49-F238E27FC236}">
+                <a16:creationId xmlns:a16="http://schemas.microsoft.com/office/drawing/2014/main" id="{8A5BB400-248D-4EAD-98CA-0058AB063864}"/>
+              </a:ext>
+            </a:extLst>
+          </p:cNvPr>
+          <p:cNvCxnSpPr/>
+          <p:nvPr/>
+        </p:nvCxnSpPr>
+        <p:spPr>
+          <a:xfrm>
+            <a:off x="3421930" y="4783379"/>
+            <a:ext cx="1209379" cy="0"/>
+          </a:xfrm>
+          <a:prstGeom prst="straightConnector1">
+            <a:avLst/>
+          </a:prstGeom>
+          <a:ln w="12700">
+            <a:tailEnd type="triangle"/>
+          </a:ln>
+        </p:spPr>
+        <p:style>
+          <a:lnRef idx="1">
+            <a:schemeClr val="dk1"/>
+          </a:lnRef>
+          <a:fillRef idx="0">
+            <a:schemeClr val="dk1"/>
+          </a:fillRef>
+          <a:effectRef idx="0">
+            <a:schemeClr val="dk1"/>
+          </a:effectRef>
+          <a:fontRef idx="minor">
+            <a:schemeClr val="tx1"/>
+          </a:fontRef>
+        </p:style>
+      </p:cxnSp>
+      <p:cxnSp>
+        <p:nvCxnSpPr>
+          <p:cNvPr id="26" name="Straight Arrow Connector 25">
+            <a:extLst>
+              <a:ext uri="{FF2B5EF4-FFF2-40B4-BE49-F238E27FC236}">
+                <a16:creationId xmlns:a16="http://schemas.microsoft.com/office/drawing/2014/main" id="{A9EBCE46-47EE-4BB8-8BD0-3EC6157FF549}"/>
+              </a:ext>
+            </a:extLst>
+          </p:cNvPr>
+          <p:cNvCxnSpPr/>
+          <p:nvPr/>
+        </p:nvCxnSpPr>
+        <p:spPr>
+          <a:xfrm>
+            <a:off x="7215039" y="4783379"/>
+            <a:ext cx="1209379" cy="0"/>
+          </a:xfrm>
+          <a:prstGeom prst="straightConnector1">
+            <a:avLst/>
+          </a:prstGeom>
+          <a:ln w="12700">
+            <a:tailEnd type="triangle"/>
+          </a:ln>
+        </p:spPr>
+        <p:style>
+          <a:lnRef idx="1">
+            <a:schemeClr val="dk1"/>
+          </a:lnRef>
+          <a:fillRef idx="0">
+            <a:schemeClr val="dk1"/>
+          </a:fillRef>
+          <a:effectRef idx="0">
+            <a:schemeClr val="dk1"/>
+          </a:effectRef>
+          <a:fontRef idx="minor">
+            <a:schemeClr val="tx1"/>
+          </a:fontRef>
+        </p:style>
+      </p:cxnSp>
+      <p:sp>
+        <p:nvSpPr>
+          <p:cNvPr id="18" name="TextBox 17">
+            <a:extLst>
+              <a:ext uri="{FF2B5EF4-FFF2-40B4-BE49-F238E27FC236}">
+                <a16:creationId xmlns:a16="http://schemas.microsoft.com/office/drawing/2014/main" id="{02BCA27A-6767-4820-A0BC-81D02415C0CB}"/>
+              </a:ext>
+            </a:extLst>
+          </p:cNvPr>
+          <p:cNvSpPr txBox="1"/>
+          <p:nvPr/>
+        </p:nvSpPr>
+        <p:spPr>
+          <a:xfrm>
+            <a:off x="1004954" y="926816"/>
+            <a:ext cx="2250220" cy="369332"/>
+          </a:xfrm>
+          <a:prstGeom prst="rect">
+            <a:avLst/>
+          </a:prstGeom>
+          <a:noFill/>
+        </p:spPr>
+        <p:txBody>
+          <a:bodyPr wrap="square" rtlCol="0">
+            <a:spAutoFit/>
+          </a:bodyPr>
           <a:lstStyle/>
           <a:p>
             <a:r>
               <a:rPr lang="en-GB" dirty="0"/>
-              <a:t>Next Steps</a:t>
-            </a:r>
-          </a:p>
-        </p:txBody>
-      </p:sp>
-      <p:sp>
-        <p:nvSpPr>
-          <p:cNvPr id="3" name="Content Placeholder 2">
-            <a:extLst>
-              <a:ext uri="{FF2B5EF4-FFF2-40B4-BE49-F238E27FC236}">
-                <a16:creationId xmlns:a16="http://schemas.microsoft.com/office/drawing/2014/main" id="{06695A5B-FF49-4F69-9475-C86C4CF89959}"/>
+              <a:t>Speech in Parliament</a:t>
+            </a:r>
+          </a:p>
+        </p:txBody>
+      </p:sp>
+      <p:sp>
+        <p:nvSpPr>
+          <p:cNvPr id="28" name="TextBox 27">
+            <a:extLst>
+              <a:ext uri="{FF2B5EF4-FFF2-40B4-BE49-F238E27FC236}">
+                <a16:creationId xmlns:a16="http://schemas.microsoft.com/office/drawing/2014/main" id="{564D36FB-629A-43B5-AF6F-DE38420BE85D}"/>
+              </a:ext>
+            </a:extLst>
+          </p:cNvPr>
+          <p:cNvSpPr txBox="1"/>
+          <p:nvPr/>
+        </p:nvSpPr>
+        <p:spPr>
+          <a:xfrm>
+            <a:off x="4798064" y="906049"/>
+            <a:ext cx="2250220" cy="369332"/>
+          </a:xfrm>
+          <a:prstGeom prst="rect">
+            <a:avLst/>
+          </a:prstGeom>
+          <a:noFill/>
+        </p:spPr>
+        <p:txBody>
+          <a:bodyPr wrap="square" rtlCol="0">
+            <a:spAutoFit/>
+          </a:bodyPr>
+          <a:lstStyle/>
+          <a:p>
+            <a:r>
+              <a:rPr lang="en-GB" dirty="0"/>
+              <a:t>Recorded in Hansard</a:t>
+            </a:r>
+          </a:p>
+        </p:txBody>
+      </p:sp>
+      <p:sp>
+        <p:nvSpPr>
+          <p:cNvPr id="29" name="TextBox 28">
+            <a:extLst>
+              <a:ext uri="{FF2B5EF4-FFF2-40B4-BE49-F238E27FC236}">
+                <a16:creationId xmlns:a16="http://schemas.microsoft.com/office/drawing/2014/main" id="{5E80A21C-9762-432C-B560-4D6B21A86D5A}"/>
+              </a:ext>
+            </a:extLst>
+          </p:cNvPr>
+          <p:cNvSpPr txBox="1"/>
+          <p:nvPr/>
+        </p:nvSpPr>
+        <p:spPr>
+          <a:xfrm>
+            <a:off x="8334969" y="931018"/>
+            <a:ext cx="2762626" cy="369332"/>
+          </a:xfrm>
+          <a:prstGeom prst="rect">
+            <a:avLst/>
+          </a:prstGeom>
+          <a:noFill/>
+        </p:spPr>
+        <p:txBody>
+          <a:bodyPr wrap="square" rtlCol="0">
+            <a:spAutoFit/>
+          </a:bodyPr>
+          <a:lstStyle/>
+          <a:p>
+            <a:r>
+              <a:rPr lang="en-GB" dirty="0"/>
+              <a:t>Speeches converted to XML</a:t>
+            </a:r>
+          </a:p>
+        </p:txBody>
+      </p:sp>
+      <p:sp>
+        <p:nvSpPr>
+          <p:cNvPr id="30" name="TextBox 29">
+            <a:extLst>
+              <a:ext uri="{FF2B5EF4-FFF2-40B4-BE49-F238E27FC236}">
+                <a16:creationId xmlns:a16="http://schemas.microsoft.com/office/drawing/2014/main" id="{6EBCCFFA-D20B-4B68-A73C-DE192E05EFCF}"/>
+              </a:ext>
+            </a:extLst>
+          </p:cNvPr>
+          <p:cNvSpPr txBox="1"/>
+          <p:nvPr/>
+        </p:nvSpPr>
+        <p:spPr>
+          <a:xfrm>
+            <a:off x="838199" y="3563357"/>
+            <a:ext cx="2583728" cy="369332"/>
+          </a:xfrm>
+          <a:prstGeom prst="rect">
+            <a:avLst/>
+          </a:prstGeom>
+          <a:noFill/>
+        </p:spPr>
+        <p:txBody>
+          <a:bodyPr wrap="square" rtlCol="0">
+            <a:spAutoFit/>
+          </a:bodyPr>
+          <a:lstStyle/>
+          <a:p>
+            <a:r>
+              <a:rPr lang="en-GB" dirty="0"/>
+              <a:t>Data cleaning/processing</a:t>
+            </a:r>
+          </a:p>
+        </p:txBody>
+      </p:sp>
+      <p:sp>
+        <p:nvSpPr>
+          <p:cNvPr id="31" name="TextBox 30">
+            <a:extLst>
+              <a:ext uri="{FF2B5EF4-FFF2-40B4-BE49-F238E27FC236}">
+                <a16:creationId xmlns:a16="http://schemas.microsoft.com/office/drawing/2014/main" id="{E508EE9A-2057-45CB-B334-D66A31BE1DA9}"/>
+              </a:ext>
+            </a:extLst>
+          </p:cNvPr>
+          <p:cNvSpPr txBox="1"/>
+          <p:nvPr/>
+        </p:nvSpPr>
+        <p:spPr>
+          <a:xfrm>
+            <a:off x="4934122" y="3563357"/>
+            <a:ext cx="2004605" cy="369332"/>
+          </a:xfrm>
+          <a:prstGeom prst="rect">
+            <a:avLst/>
+          </a:prstGeom>
+          <a:noFill/>
+        </p:spPr>
+        <p:txBody>
+          <a:bodyPr wrap="square" rtlCol="0">
+            <a:spAutoFit/>
+          </a:bodyPr>
+          <a:lstStyle/>
+          <a:p>
+            <a:r>
+              <a:rPr lang="en-GB" dirty="0"/>
+              <a:t>Topic Classification</a:t>
+            </a:r>
+          </a:p>
+        </p:txBody>
+      </p:sp>
+      <p:sp>
+        <p:nvSpPr>
+          <p:cNvPr id="32" name="TextBox 31">
+            <a:extLst>
+              <a:ext uri="{FF2B5EF4-FFF2-40B4-BE49-F238E27FC236}">
+                <a16:creationId xmlns:a16="http://schemas.microsoft.com/office/drawing/2014/main" id="{B694C131-63E6-41B4-B47E-37B3304F8C8C}"/>
+              </a:ext>
+            </a:extLst>
+          </p:cNvPr>
+          <p:cNvSpPr txBox="1"/>
+          <p:nvPr/>
+        </p:nvSpPr>
+        <p:spPr>
+          <a:xfrm>
+            <a:off x="9087803" y="3564530"/>
+            <a:ext cx="1256957" cy="369332"/>
+          </a:xfrm>
+          <a:prstGeom prst="rect">
+            <a:avLst/>
+          </a:prstGeom>
+          <a:noFill/>
+        </p:spPr>
+        <p:txBody>
+          <a:bodyPr wrap="square" rtlCol="0">
+            <a:spAutoFit/>
+          </a:bodyPr>
+          <a:lstStyle/>
+          <a:p>
+            <a:r>
+              <a:rPr lang="en-GB" dirty="0"/>
+              <a:t>Dashboard</a:t>
+            </a:r>
+          </a:p>
+        </p:txBody>
+      </p:sp>
+    </p:spTree>
+    <p:extLst>
+      <p:ext uri="{BB962C8B-B14F-4D97-AF65-F5344CB8AC3E}">
+        <p14:creationId xmlns:p14="http://schemas.microsoft.com/office/powerpoint/2010/main" val="2602372408"/>
+      </p:ext>
+    </p:extLst>
+  </p:cSld>
+  <p:clrMapOvr>
+    <a:masterClrMapping/>
+  </p:clrMapOvr>
+</p:sld>
+</file>
+
+<file path=ppt/slides/slide5.xml><?xml version="1.0" encoding="utf-8"?>
+<p:sld xmlns:a="http://schemas.openxmlformats.org/drawingml/2006/main" xmlns:r="http://schemas.openxmlformats.org/officeDocument/2006/relationships" xmlns:p="http://schemas.openxmlformats.org/presentationml/2006/main">
+  <p:cSld>
+    <p:spTree>
+      <p:nvGrpSpPr>
+        <p:cNvPr id="1" name=""/>
+        <p:cNvGrpSpPr/>
+        <p:nvPr/>
+      </p:nvGrpSpPr>
+      <p:grpSpPr>
+        <a:xfrm>
+          <a:off x="0" y="0"/>
+          <a:ext cx="0" cy="0"/>
+          <a:chOff x="0" y="0"/>
+          <a:chExt cx="0" cy="0"/>
+        </a:xfrm>
+      </p:grpSpPr>
+      <p:sp>
+        <p:nvSpPr>
+          <p:cNvPr id="5" name="Title">
+            <a:extLst>
+              <a:ext uri="{FF2B5EF4-FFF2-40B4-BE49-F238E27FC236}">
+                <a16:creationId xmlns:a16="http://schemas.microsoft.com/office/drawing/2014/main" id="{AC5AD953-635B-2B48-B87A-4F5101B6050D}"/>
+              </a:ext>
+            </a:extLst>
+          </p:cNvPr>
+          <p:cNvSpPr>
+            <a:spLocks noGrp="1"/>
+          </p:cNvSpPr>
+          <p:nvPr>
+            <p:ph type="title"/>
+          </p:nvPr>
+        </p:nvSpPr>
+        <p:spPr>
+          <a:xfrm>
+            <a:off x="838200" y="554411"/>
+            <a:ext cx="10515600" cy="701731"/>
+          </a:xfrm>
+        </p:spPr>
+        <p:txBody>
+          <a:bodyPr/>
+          <a:lstStyle/>
+          <a:p>
+            <a:r>
+              <a:rPr lang="en-GB" sz="4400" dirty="0"/>
+              <a:t>Outcome</a:t>
+            </a:r>
+            <a:endParaRPr lang="en-US" sz="4400" dirty="0"/>
+          </a:p>
+        </p:txBody>
+      </p:sp>
+      <p:sp>
+        <p:nvSpPr>
+          <p:cNvPr id="6" name="Content Placeholder">
+            <a:extLst>
+              <a:ext uri="{FF2B5EF4-FFF2-40B4-BE49-F238E27FC236}">
+                <a16:creationId xmlns:a16="http://schemas.microsoft.com/office/drawing/2014/main" id="{4C842C63-75A3-F044-9F81-2C8C2B628C68}"/>
               </a:ext>
             </a:extLst>
           </p:cNvPr>
@@ -3952,11 +10002,174 @@
             <p:ph idx="1"/>
           </p:nvPr>
         </p:nvSpPr>
-        <p:spPr/>
-        <p:txBody>
-          <a:bodyPr>
-            <a:normAutofit fontScale="70000" lnSpcReduction="20000"/>
-          </a:bodyPr>
+        <p:spPr>
+          <a:xfrm>
+            <a:off x="838200" y="1336092"/>
+            <a:ext cx="10515600" cy="3112262"/>
+          </a:xfrm>
+        </p:spPr>
+        <p:txBody>
+          <a:bodyPr/>
+          <a:lstStyle/>
+          <a:p>
+            <a:r>
+              <a:rPr lang="en-GB" sz="2800" dirty="0">
+                <a:highlight>
+                  <a:srgbClr val="FFFF00"/>
+                </a:highlight>
+              </a:rPr>
+              <a:t>Show dashboard (5yr summary)</a:t>
+            </a:r>
+          </a:p>
+          <a:p>
+            <a:r>
+              <a:rPr lang="en-GB" sz="2800" dirty="0">
+                <a:solidFill>
+                  <a:schemeClr val="tx1"/>
+                </a:solidFill>
+                <a:highlight>
+                  <a:srgbClr val="FFFF00"/>
+                </a:highlight>
+              </a:rPr>
+              <a:t>Show graphs</a:t>
+            </a:r>
+          </a:p>
+          <a:p>
+            <a:r>
+              <a:rPr lang="en-GB" sz="2800" dirty="0">
+                <a:highlight>
+                  <a:srgbClr val="FFFF00"/>
+                </a:highlight>
+              </a:rPr>
+              <a:t>Show BANs (mentions by party, most regular mention-er)</a:t>
+            </a:r>
+            <a:endParaRPr lang="en-GB" sz="2800" dirty="0">
+              <a:solidFill>
+                <a:schemeClr val="tx1"/>
+              </a:solidFill>
+              <a:highlight>
+                <a:srgbClr val="FFFF00"/>
+              </a:highlight>
+            </a:endParaRPr>
+          </a:p>
+          <a:p>
+            <a:r>
+              <a:rPr lang="en-GB" sz="2400" dirty="0"/>
+              <a:t>Once fully implemented, saving of</a:t>
+            </a:r>
+            <a:r>
+              <a:rPr lang="en-GB" sz="2400" dirty="0">
+                <a:solidFill>
+                  <a:schemeClr val="tx1"/>
+                </a:solidFill>
+              </a:rPr>
+              <a:t> c£10k per annum</a:t>
+            </a:r>
+          </a:p>
+          <a:p>
+            <a:pPr marL="0" indent="0">
+              <a:buNone/>
+            </a:pPr>
+            <a:endParaRPr lang="en-US" dirty="0"/>
+          </a:p>
+        </p:txBody>
+      </p:sp>
+    </p:spTree>
+    <p:extLst>
+      <p:ext uri="{BB962C8B-B14F-4D97-AF65-F5344CB8AC3E}">
+        <p14:creationId xmlns:p14="http://schemas.microsoft.com/office/powerpoint/2010/main" val="3251235026"/>
+      </p:ext>
+    </p:extLst>
+  </p:cSld>
+  <p:clrMapOvr>
+    <a:masterClrMapping/>
+  </p:clrMapOvr>
+</p:sld>
+</file>
+
+<file path=ppt/slides/slide6.xml><?xml version="1.0" encoding="utf-8"?>
+<p:sld xmlns:a="http://schemas.openxmlformats.org/drawingml/2006/main" xmlns:r="http://schemas.openxmlformats.org/officeDocument/2006/relationships" xmlns:p="http://schemas.openxmlformats.org/presentationml/2006/main">
+  <p:cSld>
+    <p:spTree>
+      <p:nvGrpSpPr>
+        <p:cNvPr id="1" name=""/>
+        <p:cNvGrpSpPr/>
+        <p:nvPr/>
+      </p:nvGrpSpPr>
+      <p:grpSpPr>
+        <a:xfrm>
+          <a:off x="0" y="0"/>
+          <a:ext cx="0" cy="0"/>
+          <a:chOff x="0" y="0"/>
+          <a:chExt cx="0" cy="0"/>
+        </a:xfrm>
+      </p:grpSpPr>
+      <p:sp>
+        <p:nvSpPr>
+          <p:cNvPr id="5" name="Title">
+            <a:extLst>
+              <a:ext uri="{FF2B5EF4-FFF2-40B4-BE49-F238E27FC236}">
+                <a16:creationId xmlns:a16="http://schemas.microsoft.com/office/drawing/2014/main" id="{AC5AD953-635B-2B48-B87A-4F5101B6050D}"/>
+              </a:ext>
+            </a:extLst>
+          </p:cNvPr>
+          <p:cNvSpPr>
+            <a:spLocks noGrp="1"/>
+          </p:cNvSpPr>
+          <p:nvPr>
+            <p:ph type="title"/>
+          </p:nvPr>
+        </p:nvSpPr>
+        <p:spPr>
+          <a:xfrm>
+            <a:off x="758301" y="234815"/>
+            <a:ext cx="10515600" cy="701731"/>
+          </a:xfrm>
+        </p:spPr>
+        <p:txBody>
+          <a:bodyPr/>
+          <a:lstStyle/>
+          <a:p>
+            <a:r>
+              <a:rPr lang="en-GB" sz="4400" dirty="0">
+                <a:highlight>
+                  <a:srgbClr val="FFFF00"/>
+                </a:highlight>
+              </a:rPr>
+              <a:t>What I gained – Data science</a:t>
+            </a:r>
+            <a:endParaRPr lang="en-US" sz="4400" dirty="0">
+              <a:highlight>
+                <a:srgbClr val="FFFF00"/>
+              </a:highlight>
+            </a:endParaRPr>
+          </a:p>
+        </p:txBody>
+      </p:sp>
+      <p:sp>
+        <p:nvSpPr>
+          <p:cNvPr id="6" name="Content Placeholder">
+            <a:extLst>
+              <a:ext uri="{FF2B5EF4-FFF2-40B4-BE49-F238E27FC236}">
+                <a16:creationId xmlns:a16="http://schemas.microsoft.com/office/drawing/2014/main" id="{4C842C63-75A3-F044-9F81-2C8C2B628C68}"/>
+              </a:ext>
+            </a:extLst>
+          </p:cNvPr>
+          <p:cNvSpPr>
+            <a:spLocks noGrp="1"/>
+          </p:cNvSpPr>
+          <p:nvPr>
+            <p:ph idx="1"/>
+          </p:nvPr>
+        </p:nvSpPr>
+        <p:spPr>
+          <a:xfrm>
+            <a:off x="838200" y="1034251"/>
+            <a:ext cx="10515600" cy="6007799"/>
+          </a:xfrm>
+        </p:spPr>
+        <p:txBody>
+          <a:bodyPr/>
           <a:lstStyle/>
           <a:p>
             <a:pPr marL="285750" indent="-285750">
@@ -3964,8 +10177,8 @@
               <a:buChar char="-"/>
             </a:pPr>
             <a:r>
-              <a:rPr lang="en-GB" dirty="0"/>
-              <a:t>Next steps for project</a:t>
+              <a:rPr lang="en-GB" sz="1800" dirty="0"/>
+              <a:t>Data science</a:t>
             </a:r>
           </a:p>
           <a:p>
@@ -3974,24 +10187,414 @@
               <a:buChar char="-"/>
             </a:pPr>
             <a:r>
-              <a:rPr lang="en-GB" dirty="0"/>
-              <a:t>Live data</a:t>
-            </a:r>
-          </a:p>
-          <a:p>
-            <a:r>
-              <a:rPr lang="en-GB" dirty="0"/>
-              <a:t>Looking at govt policy papers (T&amp;F group)</a:t>
-            </a:r>
-          </a:p>
+              <a:rPr lang="en-GB" sz="1400" dirty="0">
+                <a:solidFill>
+                  <a:schemeClr val="tx1"/>
+                </a:solidFill>
+              </a:rPr>
+              <a:t>Coding</a:t>
+            </a:r>
+          </a:p>
+          <a:p>
+            <a:pPr marL="742950" lvl="1" indent="-285750">
+              <a:buFontTx/>
+              <a:buChar char="-"/>
+            </a:pPr>
+            <a:r>
+              <a:rPr lang="en-GB" sz="1400" dirty="0">
+                <a:solidFill>
+                  <a:schemeClr val="tx1"/>
+                </a:solidFill>
+              </a:rPr>
+              <a:t>Git</a:t>
+            </a:r>
+          </a:p>
+          <a:p>
+            <a:pPr marL="742950" lvl="1" indent="-285750">
+              <a:buFontTx/>
+              <a:buChar char="-"/>
+            </a:pPr>
+            <a:r>
+              <a:rPr lang="en-GB" sz="1400" dirty="0">
+                <a:solidFill>
+                  <a:schemeClr val="tx1"/>
+                </a:solidFill>
+              </a:rPr>
+              <a:t>Documentation – reading &amp; writing</a:t>
+            </a:r>
+          </a:p>
+          <a:p>
+            <a:pPr marL="742950" lvl="1" indent="-285750">
+              <a:buFontTx/>
+              <a:buChar char="-"/>
+            </a:pPr>
+            <a:r>
+              <a:rPr lang="en-GB" sz="1400" dirty="0">
+                <a:solidFill>
+                  <a:schemeClr val="tx1"/>
+                </a:solidFill>
+              </a:rPr>
+              <a:t>NLP</a:t>
+            </a:r>
+          </a:p>
+          <a:p>
+            <a:pPr marL="742950" lvl="1" indent="-285750">
+              <a:buFontTx/>
+              <a:buChar char="-"/>
+            </a:pPr>
+            <a:r>
+              <a:rPr lang="en-GB" sz="1400" dirty="0">
+                <a:solidFill>
+                  <a:schemeClr val="tx1"/>
+                </a:solidFill>
+              </a:rPr>
+              <a:t>Machine Learning modelling </a:t>
+            </a:r>
+          </a:p>
+          <a:p>
+            <a:pPr marL="742950" lvl="1" indent="-285750">
+              <a:buFontTx/>
+              <a:buChar char="-"/>
+            </a:pPr>
+            <a:r>
+              <a:rPr lang="en-GB" sz="1400" dirty="0">
+                <a:solidFill>
+                  <a:schemeClr val="tx1"/>
+                </a:solidFill>
+              </a:rPr>
+              <a:t>Evaluating approaches </a:t>
+            </a:r>
+          </a:p>
+          <a:p>
+            <a:pPr marL="1200150" lvl="2" indent="-285750">
+              <a:buFontTx/>
+              <a:buChar char="-"/>
+            </a:pPr>
+            <a:r>
+              <a:rPr lang="en-GB" sz="1000" dirty="0">
+                <a:solidFill>
+                  <a:schemeClr val="tx1"/>
+                </a:solidFill>
+              </a:rPr>
+              <a:t>rules vs ML</a:t>
+            </a:r>
+          </a:p>
+          <a:p>
+            <a:pPr marL="1200150" lvl="2" indent="-285750">
+              <a:buFontTx/>
+              <a:buChar char="-"/>
+            </a:pPr>
+            <a:r>
+              <a:rPr lang="en-GB" sz="1000" dirty="0">
+                <a:solidFill>
+                  <a:prstClr val="black"/>
+                </a:solidFill>
+              </a:rPr>
+              <a:t>False positives, false negatives etc. </a:t>
+            </a:r>
+          </a:p>
+          <a:p>
+            <a:pPr lvl="0">
+              <a:lnSpc>
+                <a:spcPct val="90000"/>
+              </a:lnSpc>
+              <a:spcAft>
+                <a:spcPts val="0"/>
+              </a:spcAft>
+            </a:pPr>
+            <a:r>
+              <a:rPr lang="en-GB" sz="1000" dirty="0">
+                <a:solidFill>
+                  <a:prstClr val="black"/>
+                </a:solidFill>
+                <a:highlight>
+                  <a:srgbClr val="FFFF00"/>
+                </a:highlight>
+              </a:rPr>
+              <a:t>- Packages / Languages / Functionality </a:t>
+            </a:r>
+          </a:p>
+          <a:p>
+            <a:pPr lvl="0">
+              <a:lnSpc>
+                <a:spcPct val="90000"/>
+              </a:lnSpc>
+              <a:spcAft>
+                <a:spcPts val="0"/>
+              </a:spcAft>
+            </a:pPr>
+            <a:r>
+              <a:rPr lang="en-GB" sz="1000" dirty="0">
+                <a:solidFill>
+                  <a:prstClr val="black"/>
+                </a:solidFill>
+                <a:highlight>
+                  <a:srgbClr val="FFFF00"/>
+                </a:highlight>
+              </a:rPr>
+              <a:t>Pandas, data science functionality </a:t>
+            </a:r>
+          </a:p>
+          <a:p>
+            <a:pPr lvl="0">
+              <a:lnSpc>
+                <a:spcPct val="90000"/>
+              </a:lnSpc>
+              <a:spcAft>
+                <a:spcPts val="0"/>
+              </a:spcAft>
+            </a:pPr>
+            <a:r>
+              <a:rPr lang="en-GB" sz="1000" dirty="0">
+                <a:solidFill>
+                  <a:prstClr val="black"/>
+                </a:solidFill>
+                <a:highlight>
+                  <a:srgbClr val="FFFF00"/>
+                </a:highlight>
+              </a:rPr>
+              <a:t>Manipulating DFs </a:t>
+            </a:r>
+          </a:p>
+          <a:p>
+            <a:pPr lvl="0">
+              <a:lnSpc>
+                <a:spcPct val="90000"/>
+              </a:lnSpc>
+              <a:spcAft>
+                <a:spcPts val="0"/>
+              </a:spcAft>
+            </a:pPr>
+            <a:r>
+              <a:rPr lang="en-GB" sz="1000" dirty="0">
+                <a:solidFill>
+                  <a:prstClr val="black"/>
+                </a:solidFill>
+                <a:highlight>
+                  <a:srgbClr val="FFFF00"/>
+                </a:highlight>
+              </a:rPr>
+              <a:t>NLP using spacy</a:t>
+            </a:r>
+          </a:p>
+          <a:p>
+            <a:pPr lvl="0">
+              <a:lnSpc>
+                <a:spcPct val="90000"/>
+              </a:lnSpc>
+              <a:spcAft>
+                <a:spcPts val="0"/>
+              </a:spcAft>
+            </a:pPr>
+            <a:r>
+              <a:rPr lang="en-GB" sz="1000" dirty="0">
+                <a:solidFill>
+                  <a:prstClr val="black"/>
+                </a:solidFill>
+                <a:highlight>
+                  <a:srgbClr val="FFFF00"/>
+                </a:highlight>
+              </a:rPr>
+              <a:t>Some ML - and when not to use it </a:t>
+            </a:r>
+          </a:p>
+          <a:p>
+            <a:pPr lvl="0">
+              <a:lnSpc>
+                <a:spcPct val="90000"/>
+              </a:lnSpc>
+              <a:spcAft>
+                <a:spcPts val="0"/>
+              </a:spcAft>
+            </a:pPr>
+            <a:r>
+              <a:rPr lang="en-GB" sz="1000" dirty="0">
+                <a:solidFill>
+                  <a:prstClr val="black"/>
+                </a:solidFill>
+                <a:highlight>
+                  <a:srgbClr val="FFFF00"/>
+                </a:highlight>
+              </a:rPr>
+              <a:t>Rules based NLP </a:t>
+            </a:r>
+          </a:p>
+          <a:p>
+            <a:pPr lvl="0">
+              <a:lnSpc>
+                <a:spcPct val="90000"/>
+              </a:lnSpc>
+              <a:spcAft>
+                <a:spcPts val="0"/>
+              </a:spcAft>
+            </a:pPr>
+            <a:r>
+              <a:rPr lang="en-GB" sz="1000" dirty="0">
+                <a:solidFill>
+                  <a:prstClr val="black"/>
+                </a:solidFill>
+                <a:highlight>
+                  <a:srgbClr val="FFFF00"/>
+                </a:highlight>
+              </a:rPr>
+              <a:t> </a:t>
+            </a:r>
+          </a:p>
+          <a:p>
+            <a:pPr lvl="0">
+              <a:lnSpc>
+                <a:spcPct val="90000"/>
+              </a:lnSpc>
+              <a:spcAft>
+                <a:spcPts val="0"/>
+              </a:spcAft>
+            </a:pPr>
+            <a:r>
+              <a:rPr lang="en-GB" sz="1000" dirty="0">
+                <a:solidFill>
+                  <a:prstClr val="black"/>
+                </a:solidFill>
+                <a:highlight>
+                  <a:srgbClr val="FFFF00"/>
+                </a:highlight>
+              </a:rPr>
+              <a:t>Automated file downloads &amp; navigating ONS servers / error handling</a:t>
+            </a:r>
+          </a:p>
+          <a:p>
+            <a:pPr marL="742950" lvl="1" indent="-285750">
+              <a:buFontTx/>
+              <a:buChar char="-"/>
+            </a:pPr>
+            <a:endParaRPr lang="en-GB" sz="1400" dirty="0">
+              <a:solidFill>
+                <a:prstClr val="black"/>
+              </a:solidFill>
+            </a:endParaRPr>
+          </a:p>
+          <a:p>
+            <a:pPr marL="914400" lvl="2" indent="0">
+              <a:buNone/>
+            </a:pPr>
+            <a:endParaRPr lang="en-GB" sz="1000" dirty="0">
+              <a:solidFill>
+                <a:schemeClr val="tx1"/>
+              </a:solidFill>
+            </a:endParaRPr>
+          </a:p>
+          <a:p>
+            <a:pPr marL="0" indent="0">
+              <a:buNone/>
+            </a:pPr>
+            <a:endParaRPr lang="en-US" sz="2000" dirty="0"/>
+          </a:p>
+        </p:txBody>
+      </p:sp>
+    </p:spTree>
+    <p:extLst>
+      <p:ext uri="{BB962C8B-B14F-4D97-AF65-F5344CB8AC3E}">
+        <p14:creationId xmlns:p14="http://schemas.microsoft.com/office/powerpoint/2010/main" val="626448777"/>
+      </p:ext>
+    </p:extLst>
+  </p:cSld>
+  <p:clrMapOvr>
+    <a:masterClrMapping/>
+  </p:clrMapOvr>
+</p:sld>
+</file>
+
+<file path=ppt/slides/slide7.xml><?xml version="1.0" encoding="utf-8"?>
+<p:sld xmlns:a="http://schemas.openxmlformats.org/drawingml/2006/main" xmlns:r="http://schemas.openxmlformats.org/officeDocument/2006/relationships" xmlns:p="http://schemas.openxmlformats.org/presentationml/2006/main">
+  <p:cSld>
+    <p:spTree>
+      <p:nvGrpSpPr>
+        <p:cNvPr id="1" name=""/>
+        <p:cNvGrpSpPr/>
+        <p:nvPr/>
+      </p:nvGrpSpPr>
+      <p:grpSpPr>
+        <a:xfrm>
+          <a:off x="0" y="0"/>
+          <a:ext cx="0" cy="0"/>
+          <a:chOff x="0" y="0"/>
+          <a:chExt cx="0" cy="0"/>
+        </a:xfrm>
+      </p:grpSpPr>
+      <p:sp>
+        <p:nvSpPr>
+          <p:cNvPr id="5" name="Title">
+            <a:extLst>
+              <a:ext uri="{FF2B5EF4-FFF2-40B4-BE49-F238E27FC236}">
+                <a16:creationId xmlns:a16="http://schemas.microsoft.com/office/drawing/2014/main" id="{AC5AD953-635B-2B48-B87A-4F5101B6050D}"/>
+              </a:ext>
+            </a:extLst>
+          </p:cNvPr>
+          <p:cNvSpPr>
+            <a:spLocks noGrp="1"/>
+          </p:cNvSpPr>
+          <p:nvPr>
+            <p:ph type="title"/>
+          </p:nvPr>
+        </p:nvSpPr>
+        <p:spPr>
+          <a:xfrm>
+            <a:off x="758301" y="234815"/>
+            <a:ext cx="10515600" cy="701731"/>
+          </a:xfrm>
+        </p:spPr>
+        <p:txBody>
+          <a:bodyPr/>
+          <a:lstStyle/>
+          <a:p>
+            <a:r>
+              <a:rPr lang="en-GB" sz="4400" dirty="0">
+                <a:highlight>
+                  <a:srgbClr val="FFFF00"/>
+                </a:highlight>
+              </a:rPr>
+              <a:t>What I gained – Project management</a:t>
+            </a:r>
+            <a:endParaRPr lang="en-US" sz="4400" dirty="0">
+              <a:highlight>
+                <a:srgbClr val="FFFF00"/>
+              </a:highlight>
+            </a:endParaRPr>
+          </a:p>
+        </p:txBody>
+      </p:sp>
+      <p:sp>
+        <p:nvSpPr>
+          <p:cNvPr id="6" name="Content Placeholder">
+            <a:extLst>
+              <a:ext uri="{FF2B5EF4-FFF2-40B4-BE49-F238E27FC236}">
+                <a16:creationId xmlns:a16="http://schemas.microsoft.com/office/drawing/2014/main" id="{4C842C63-75A3-F044-9F81-2C8C2B628C68}"/>
+              </a:ext>
+            </a:extLst>
+          </p:cNvPr>
+          <p:cNvSpPr>
+            <a:spLocks noGrp="1"/>
+          </p:cNvSpPr>
+          <p:nvPr>
+            <p:ph idx="1"/>
+          </p:nvPr>
+        </p:nvSpPr>
+        <p:spPr>
+          <a:xfrm>
+            <a:off x="838200" y="1034251"/>
+            <a:ext cx="10515600" cy="2301143"/>
+          </a:xfrm>
+        </p:spPr>
+        <p:txBody>
+          <a:bodyPr/>
+          <a:lstStyle/>
           <a:p>
             <a:pPr marL="285750" indent="-285750">
               <a:buFontTx/>
               <a:buChar char="-"/>
             </a:pPr>
             <a:r>
-              <a:rPr lang="en-GB" dirty="0"/>
-              <a:t>Next steps overall:</a:t>
+              <a:rPr lang="en-GB" sz="1800" dirty="0"/>
+              <a:t>Project management/user engagement</a:t>
             </a:r>
           </a:p>
           <a:p>
@@ -4000,8 +10603,12 @@
               <a:buChar char="-"/>
             </a:pPr>
             <a:r>
-              <a:rPr lang="en-GB" dirty="0"/>
-              <a:t>What else we could do with DS skills – give examples</a:t>
+              <a:rPr lang="en-GB" sz="1400" dirty="0">
+                <a:solidFill>
+                  <a:schemeClr val="tx1"/>
+                </a:solidFill>
+              </a:rPr>
+              <a:t>Wireframing</a:t>
             </a:r>
           </a:p>
           <a:p>
@@ -4010,28 +10617,12 @@
               <a:buChar char="-"/>
             </a:pPr>
             <a:r>
-              <a:rPr lang="en-GB" dirty="0"/>
-              <a:t>X-data gov possibilities for my Hansard work </a:t>
-            </a:r>
-          </a:p>
-          <a:p>
-            <a:pPr marL="1200150" lvl="2" indent="-285750">
-              <a:buFontTx/>
-              <a:buChar char="-"/>
-            </a:pPr>
-            <a:r>
-              <a:rPr lang="en-GB" dirty="0"/>
-              <a:t>Other departments may want to copy?</a:t>
-            </a:r>
-          </a:p>
-          <a:p>
-            <a:pPr marL="1200150" lvl="2" indent="-285750">
-              <a:buFontTx/>
-              <a:buChar char="-"/>
-            </a:pPr>
-            <a:r>
-              <a:rPr lang="en-GB" dirty="0"/>
-              <a:t>Go to Hansard directly – something they could build in to their site?</a:t>
+              <a:rPr lang="en-GB" sz="1400" dirty="0">
+                <a:solidFill>
+                  <a:schemeClr val="tx1"/>
+                </a:solidFill>
+              </a:rPr>
+              <a:t>Identifying user priorities</a:t>
             </a:r>
           </a:p>
           <a:p>
@@ -4040,57 +10631,483 @@
               <a:buChar char="-"/>
             </a:pPr>
             <a:r>
-              <a:rPr lang="en-GB" dirty="0"/>
-              <a:t>Michael Hodge &gt; OSR interest in identifying mentions of statistics </a:t>
-            </a:r>
-          </a:p>
-          <a:p>
-            <a:r>
-              <a:rPr lang="en-GB" dirty="0"/>
-              <a:t>Interest from other teams for similar work on other datasets</a:t>
-            </a:r>
-          </a:p>
-          <a:p>
-            <a:r>
-              <a:rPr lang="en-GB" dirty="0"/>
-              <a:t>Private sector - board reports/annual reports &gt; do ONS economic stats get mentioned?</a:t>
-            </a:r>
-          </a:p>
-          <a:p>
-            <a:r>
-              <a:rPr lang="en-GB" dirty="0"/>
-              <a:t>OSR -&gt; using </a:t>
-            </a:r>
-            <a:r>
-              <a:rPr lang="en-GB" dirty="0" err="1"/>
-              <a:t>hansard</a:t>
-            </a:r>
-            <a:r>
-              <a:rPr lang="en-GB" dirty="0"/>
-              <a:t> data to help with evaluating how stats are used (Michael Hodge). Identifying use of stats in parliament.</a:t>
-            </a:r>
-          </a:p>
-          <a:p>
-            <a:r>
-              <a:rPr lang="en-GB" dirty="0"/>
-              <a:t>Anything with quality of forecasting - still way out at the start and at end of FY find we're fine</a:t>
-            </a:r>
-          </a:p>
-          <a:p>
-            <a:r>
-              <a:rPr lang="en-GB" dirty="0"/>
-              <a:t>Vacancies - creating model that updates with the latest data each month(?)</a:t>
-            </a:r>
-          </a:p>
-          <a:p>
-            <a:endParaRPr lang="en-GB" dirty="0"/>
+              <a:rPr lang="en-GB" sz="1400" dirty="0">
+                <a:solidFill>
+                  <a:prstClr val="black"/>
+                </a:solidFill>
+                <a:highlight>
+                  <a:srgbClr val="FFFF00"/>
+                </a:highlight>
+              </a:rPr>
+              <a:t>Trello, sketch out the parts required, user testing, working in the open with users, iterative (or Agile) development, timeline management, identifying prototype scope </a:t>
+            </a:r>
+          </a:p>
+          <a:p>
+            <a:pPr marL="742950" lvl="1" indent="-285750">
+              <a:buFontTx/>
+              <a:buChar char="-"/>
+            </a:pPr>
+            <a:endParaRPr lang="en-GB" sz="1400" dirty="0">
+              <a:solidFill>
+                <a:schemeClr val="tx1"/>
+              </a:solidFill>
+            </a:endParaRPr>
+          </a:p>
+          <a:p>
+            <a:pPr marL="0" indent="0">
+              <a:buNone/>
+            </a:pPr>
+            <a:endParaRPr lang="en-US" sz="2000" dirty="0"/>
           </a:p>
         </p:txBody>
       </p:sp>
     </p:spTree>
     <p:extLst>
       <p:ext uri="{BB962C8B-B14F-4D97-AF65-F5344CB8AC3E}">
-        <p14:creationId xmlns:p14="http://schemas.microsoft.com/office/powerpoint/2010/main" val="1230815884"/>
+        <p14:creationId xmlns:p14="http://schemas.microsoft.com/office/powerpoint/2010/main" val="3623892067"/>
+      </p:ext>
+    </p:extLst>
+  </p:cSld>
+  <p:clrMapOvr>
+    <a:masterClrMapping/>
+  </p:clrMapOvr>
+</p:sld>
+</file>
+
+<file path=ppt/slides/slide8.xml><?xml version="1.0" encoding="utf-8"?>
+<p:sld xmlns:a="http://schemas.openxmlformats.org/drawingml/2006/main" xmlns:r="http://schemas.openxmlformats.org/officeDocument/2006/relationships" xmlns:p="http://schemas.openxmlformats.org/presentationml/2006/main">
+  <p:cSld>
+    <p:spTree>
+      <p:nvGrpSpPr>
+        <p:cNvPr id="1" name=""/>
+        <p:cNvGrpSpPr/>
+        <p:nvPr/>
+      </p:nvGrpSpPr>
+      <p:grpSpPr>
+        <a:xfrm>
+          <a:off x="0" y="0"/>
+          <a:ext cx="0" cy="0"/>
+          <a:chOff x="0" y="0"/>
+          <a:chExt cx="0" cy="0"/>
+        </a:xfrm>
+      </p:grpSpPr>
+      <p:sp>
+        <p:nvSpPr>
+          <p:cNvPr id="5" name="Title">
+            <a:extLst>
+              <a:ext uri="{FF2B5EF4-FFF2-40B4-BE49-F238E27FC236}">
+                <a16:creationId xmlns:a16="http://schemas.microsoft.com/office/drawing/2014/main" id="{AC5AD953-635B-2B48-B87A-4F5101B6050D}"/>
+              </a:ext>
+            </a:extLst>
+          </p:cNvPr>
+          <p:cNvSpPr>
+            <a:spLocks noGrp="1"/>
+          </p:cNvSpPr>
+          <p:nvPr>
+            <p:ph type="title"/>
+          </p:nvPr>
+        </p:nvSpPr>
+        <p:spPr>
+          <a:xfrm>
+            <a:off x="758301" y="234815"/>
+            <a:ext cx="10515600" cy="701731"/>
+          </a:xfrm>
+        </p:spPr>
+        <p:txBody>
+          <a:bodyPr/>
+          <a:lstStyle/>
+          <a:p>
+            <a:r>
+              <a:rPr lang="en-GB" sz="4400" dirty="0">
+                <a:highlight>
+                  <a:srgbClr val="FFFF00"/>
+                </a:highlight>
+              </a:rPr>
+              <a:t>What I gained – Contacts</a:t>
+            </a:r>
+            <a:endParaRPr lang="en-US" sz="4400" dirty="0">
+              <a:highlight>
+                <a:srgbClr val="FFFF00"/>
+              </a:highlight>
+            </a:endParaRPr>
+          </a:p>
+        </p:txBody>
+      </p:sp>
+      <p:sp>
+        <p:nvSpPr>
+          <p:cNvPr id="6" name="Content Placeholder">
+            <a:extLst>
+              <a:ext uri="{FF2B5EF4-FFF2-40B4-BE49-F238E27FC236}">
+                <a16:creationId xmlns:a16="http://schemas.microsoft.com/office/drawing/2014/main" id="{4C842C63-75A3-F044-9F81-2C8C2B628C68}"/>
+              </a:ext>
+            </a:extLst>
+          </p:cNvPr>
+          <p:cNvSpPr>
+            <a:spLocks noGrp="1"/>
+          </p:cNvSpPr>
+          <p:nvPr>
+            <p:ph idx="1"/>
+          </p:nvPr>
+        </p:nvSpPr>
+        <p:spPr>
+          <a:xfrm>
+            <a:off x="838200" y="1034251"/>
+            <a:ext cx="10515600" cy="1785104"/>
+          </a:xfrm>
+        </p:spPr>
+        <p:txBody>
+          <a:bodyPr/>
+          <a:lstStyle/>
+          <a:p>
+            <a:pPr marL="285750" indent="-285750">
+              <a:buFontTx/>
+              <a:buChar char="-"/>
+            </a:pPr>
+            <a:r>
+              <a:rPr lang="en-GB" sz="1800" dirty="0"/>
+              <a:t>Contacts</a:t>
+            </a:r>
+          </a:p>
+          <a:p>
+            <a:pPr marL="742950" lvl="1" indent="-285750">
+              <a:buFontTx/>
+              <a:buChar char="-"/>
+            </a:pPr>
+            <a:r>
+              <a:rPr lang="en-GB" sz="1400" dirty="0">
+                <a:solidFill>
+                  <a:schemeClr val="tx1"/>
+                </a:solidFill>
+              </a:rPr>
+              <a:t>ONS (e.g. Mitch in ESG, Michael Hodge in OSR)</a:t>
+            </a:r>
+          </a:p>
+          <a:p>
+            <a:pPr marL="742950" lvl="1" indent="-285750">
+              <a:buFontTx/>
+              <a:buChar char="-"/>
+            </a:pPr>
+            <a:r>
+              <a:rPr lang="en-GB" sz="1400" dirty="0">
+                <a:solidFill>
+                  <a:schemeClr val="tx1"/>
+                </a:solidFill>
+              </a:rPr>
+              <a:t>Cabinet Office</a:t>
+            </a:r>
+          </a:p>
+          <a:p>
+            <a:pPr marL="742950" lvl="1" indent="-285750">
+              <a:buFontTx/>
+              <a:buChar char="-"/>
+            </a:pPr>
+            <a:r>
+              <a:rPr lang="en-GB" sz="1400" dirty="0">
+                <a:solidFill>
+                  <a:schemeClr val="tx1"/>
+                </a:solidFill>
+              </a:rPr>
+              <a:t> x-gov data science slack</a:t>
+            </a:r>
+          </a:p>
+          <a:p>
+            <a:pPr marL="0" indent="0">
+              <a:buNone/>
+            </a:pPr>
+            <a:endParaRPr lang="en-US" sz="2000" dirty="0"/>
+          </a:p>
+        </p:txBody>
+      </p:sp>
+    </p:spTree>
+    <p:extLst>
+      <p:ext uri="{BB962C8B-B14F-4D97-AF65-F5344CB8AC3E}">
+        <p14:creationId xmlns:p14="http://schemas.microsoft.com/office/powerpoint/2010/main" val="1843428141"/>
+      </p:ext>
+    </p:extLst>
+  </p:cSld>
+  <p:clrMapOvr>
+    <a:masterClrMapping/>
+  </p:clrMapOvr>
+</p:sld>
+</file>
+
+<file path=ppt/slides/slide9.xml><?xml version="1.0" encoding="utf-8"?>
+<p:sld xmlns:a="http://schemas.openxmlformats.org/drawingml/2006/main" xmlns:r="http://schemas.openxmlformats.org/officeDocument/2006/relationships" xmlns:p="http://schemas.openxmlformats.org/presentationml/2006/main">
+  <p:cSld>
+    <p:spTree>
+      <p:nvGrpSpPr>
+        <p:cNvPr id="1" name=""/>
+        <p:cNvGrpSpPr/>
+        <p:nvPr/>
+      </p:nvGrpSpPr>
+      <p:grpSpPr>
+        <a:xfrm>
+          <a:off x="0" y="0"/>
+          <a:ext cx="0" cy="0"/>
+          <a:chOff x="0" y="0"/>
+          <a:chExt cx="0" cy="0"/>
+        </a:xfrm>
+      </p:grpSpPr>
+      <p:sp>
+        <p:nvSpPr>
+          <p:cNvPr id="5" name="Title">
+            <a:extLst>
+              <a:ext uri="{FF2B5EF4-FFF2-40B4-BE49-F238E27FC236}">
+                <a16:creationId xmlns:a16="http://schemas.microsoft.com/office/drawing/2014/main" id="{AC5AD953-635B-2B48-B87A-4F5101B6050D}"/>
+              </a:ext>
+            </a:extLst>
+          </p:cNvPr>
+          <p:cNvSpPr>
+            <a:spLocks noGrp="1"/>
+          </p:cNvSpPr>
+          <p:nvPr>
+            <p:ph type="title"/>
+          </p:nvPr>
+        </p:nvSpPr>
+        <p:spPr>
+          <a:xfrm>
+            <a:off x="838200" y="554411"/>
+            <a:ext cx="10515600" cy="701731"/>
+          </a:xfrm>
+        </p:spPr>
+        <p:txBody>
+          <a:bodyPr/>
+          <a:lstStyle/>
+          <a:p>
+            <a:r>
+              <a:rPr lang="en-GB" sz="4400" dirty="0">
+                <a:highlight>
+                  <a:srgbClr val="FFFF00"/>
+                </a:highlight>
+              </a:rPr>
+              <a:t>Next Steps</a:t>
+            </a:r>
+            <a:endParaRPr lang="en-US" sz="4400" dirty="0">
+              <a:highlight>
+                <a:srgbClr val="FFFF00"/>
+              </a:highlight>
+            </a:endParaRPr>
+          </a:p>
+        </p:txBody>
+      </p:sp>
+      <p:sp>
+        <p:nvSpPr>
+          <p:cNvPr id="6" name="Content Placeholder">
+            <a:extLst>
+              <a:ext uri="{FF2B5EF4-FFF2-40B4-BE49-F238E27FC236}">
+                <a16:creationId xmlns:a16="http://schemas.microsoft.com/office/drawing/2014/main" id="{4C842C63-75A3-F044-9F81-2C8C2B628C68}"/>
+              </a:ext>
+            </a:extLst>
+          </p:cNvPr>
+          <p:cNvSpPr>
+            <a:spLocks noGrp="1"/>
+          </p:cNvSpPr>
+          <p:nvPr>
+            <p:ph idx="1"/>
+          </p:nvPr>
+        </p:nvSpPr>
+        <p:spPr>
+          <a:xfrm>
+            <a:off x="838200" y="1336092"/>
+            <a:ext cx="10515600" cy="5729902"/>
+          </a:xfrm>
+        </p:spPr>
+        <p:txBody>
+          <a:bodyPr/>
+          <a:lstStyle/>
+          <a:p>
+            <a:r>
+              <a:rPr lang="en-GB" sz="2400" dirty="0"/>
+              <a:t>Productionise dashboard – weekly updates, live data</a:t>
+            </a:r>
+          </a:p>
+          <a:p>
+            <a:r>
+              <a:rPr lang="en-GB" sz="2400" dirty="0"/>
+              <a:t>Include all data from UK Parliament, plus NI Executive, Scottish Parliament &amp; Welsh Senedd </a:t>
+            </a:r>
+          </a:p>
+          <a:p>
+            <a:r>
+              <a:rPr lang="en-GB" sz="2400" dirty="0"/>
+              <a:t>Automatic identification of topics with frequent/infrequent mentions</a:t>
+            </a:r>
+            <a:endParaRPr lang="en-GB" sz="2100" dirty="0">
+              <a:solidFill>
+                <a:prstClr val="black"/>
+              </a:solidFill>
+            </a:endParaRPr>
+          </a:p>
+          <a:p>
+            <a:pPr lvl="0">
+              <a:lnSpc>
+                <a:spcPct val="90000"/>
+              </a:lnSpc>
+              <a:spcAft>
+                <a:spcPts val="0"/>
+              </a:spcAft>
+            </a:pPr>
+            <a:r>
+              <a:rPr lang="en-GB" sz="2000" dirty="0">
+                <a:solidFill>
+                  <a:prstClr val="black"/>
+                </a:solidFill>
+              </a:rPr>
+              <a:t>Looking at govt policy papers (T&amp;F group)</a:t>
+            </a:r>
+          </a:p>
+          <a:p>
+            <a:pPr marL="285750" lvl="0" indent="-285750">
+              <a:lnSpc>
+                <a:spcPct val="90000"/>
+              </a:lnSpc>
+              <a:spcAft>
+                <a:spcPts val="0"/>
+              </a:spcAft>
+              <a:buFontTx/>
+              <a:buChar char="-"/>
+            </a:pPr>
+            <a:r>
+              <a:rPr lang="en-GB" sz="2000" dirty="0">
+                <a:solidFill>
+                  <a:prstClr val="black"/>
+                </a:solidFill>
+              </a:rPr>
+              <a:t>Next steps overall:</a:t>
+            </a:r>
+          </a:p>
+          <a:p>
+            <a:pPr marL="742950" lvl="1" indent="-285750">
+              <a:spcAft>
+                <a:spcPts val="0"/>
+              </a:spcAft>
+              <a:buFontTx/>
+              <a:buChar char="-"/>
+            </a:pPr>
+            <a:r>
+              <a:rPr lang="en-GB" sz="1700" dirty="0">
+                <a:solidFill>
+                  <a:prstClr val="black"/>
+                </a:solidFill>
+              </a:rPr>
+              <a:t>What else we could do with DS skills – give examples</a:t>
+            </a:r>
+          </a:p>
+          <a:p>
+            <a:pPr marL="742950" lvl="1" indent="-285750">
+              <a:spcAft>
+                <a:spcPts val="0"/>
+              </a:spcAft>
+              <a:buFontTx/>
+              <a:buChar char="-"/>
+            </a:pPr>
+            <a:r>
+              <a:rPr lang="en-GB" sz="1700" dirty="0">
+                <a:solidFill>
+                  <a:prstClr val="black"/>
+                </a:solidFill>
+              </a:rPr>
+              <a:t>X-data gov possibilities for my Hansard work </a:t>
+            </a:r>
+          </a:p>
+          <a:p>
+            <a:pPr marL="1200150" lvl="2" indent="-285750">
+              <a:spcAft>
+                <a:spcPts val="0"/>
+              </a:spcAft>
+              <a:buFontTx/>
+              <a:buChar char="-"/>
+            </a:pPr>
+            <a:r>
+              <a:rPr lang="en-GB" sz="1400" dirty="0">
+                <a:solidFill>
+                  <a:prstClr val="black"/>
+                </a:solidFill>
+              </a:rPr>
+              <a:t>Other departments may want to copy?</a:t>
+            </a:r>
+          </a:p>
+          <a:p>
+            <a:pPr marL="1200150" lvl="2" indent="-285750">
+              <a:spcAft>
+                <a:spcPts val="0"/>
+              </a:spcAft>
+              <a:buFontTx/>
+              <a:buChar char="-"/>
+            </a:pPr>
+            <a:r>
+              <a:rPr lang="en-GB" sz="1400" dirty="0">
+                <a:solidFill>
+                  <a:prstClr val="black"/>
+                </a:solidFill>
+              </a:rPr>
+              <a:t>Go to Hansard directly – something they could build in to their site?</a:t>
+            </a:r>
+          </a:p>
+          <a:p>
+            <a:pPr lvl="0">
+              <a:lnSpc>
+                <a:spcPct val="90000"/>
+              </a:lnSpc>
+              <a:spcAft>
+                <a:spcPts val="0"/>
+              </a:spcAft>
+            </a:pPr>
+            <a:r>
+              <a:rPr lang="en-GB" sz="2000" dirty="0">
+                <a:solidFill>
+                  <a:prstClr val="black"/>
+                </a:solidFill>
+              </a:rPr>
+              <a:t>Private sector - board reports/annual reports &gt; do ONS economic stats get mentioned?</a:t>
+            </a:r>
+          </a:p>
+          <a:p>
+            <a:pPr lvl="0">
+              <a:lnSpc>
+                <a:spcPct val="90000"/>
+              </a:lnSpc>
+              <a:spcAft>
+                <a:spcPts val="0"/>
+              </a:spcAft>
+            </a:pPr>
+            <a:r>
+              <a:rPr lang="en-GB" sz="2000" dirty="0">
+                <a:solidFill>
+                  <a:prstClr val="black"/>
+                </a:solidFill>
+              </a:rPr>
+              <a:t>OSR -&gt; using </a:t>
+            </a:r>
+            <a:r>
+              <a:rPr lang="en-GB" sz="2000" dirty="0" err="1">
+                <a:solidFill>
+                  <a:prstClr val="black"/>
+                </a:solidFill>
+              </a:rPr>
+              <a:t>hansard</a:t>
+            </a:r>
+            <a:r>
+              <a:rPr lang="en-GB" sz="2000" dirty="0">
+                <a:solidFill>
+                  <a:prstClr val="black"/>
+                </a:solidFill>
+              </a:rPr>
+              <a:t> data to help with evaluating how stats are used (Michael Hodge). Identifying use of stats in parliament.</a:t>
+            </a:r>
+          </a:p>
+          <a:p>
+            <a:pPr marL="0" indent="0">
+              <a:buNone/>
+            </a:pPr>
+            <a:endParaRPr lang="en-US" dirty="0"/>
+          </a:p>
+        </p:txBody>
+      </p:sp>
+    </p:spTree>
+    <p:extLst>
+      <p:ext uri="{BB962C8B-B14F-4D97-AF65-F5344CB8AC3E}">
+        <p14:creationId xmlns:p14="http://schemas.microsoft.com/office/powerpoint/2010/main" val="2512118271"/>
       </p:ext>
     </p:extLst>
   </p:cSld>
@@ -4393,4 +11410,594 @@
     </a:ext>
   </a:extLst>
 </a:theme>
+</file>
+
+<file path=ppt/theme/theme2.xml><?xml version="1.0" encoding="utf-8"?>
+<a:theme xmlns:a="http://schemas.openxmlformats.org/drawingml/2006/main" name="1_Office Theme">
+  <a:themeElements>
+    <a:clrScheme name="Office">
+      <a:dk1>
+        <a:sysClr val="windowText" lastClr="000000"/>
+      </a:dk1>
+      <a:lt1>
+        <a:sysClr val="window" lastClr="FFFFFF"/>
+      </a:lt1>
+      <a:dk2>
+        <a:srgbClr val="44546A"/>
+      </a:dk2>
+      <a:lt2>
+        <a:srgbClr val="E7E6E6"/>
+      </a:lt2>
+      <a:accent1>
+        <a:srgbClr val="4472C4"/>
+      </a:accent1>
+      <a:accent2>
+        <a:srgbClr val="ED7D31"/>
+      </a:accent2>
+      <a:accent3>
+        <a:srgbClr val="A5A5A5"/>
+      </a:accent3>
+      <a:accent4>
+        <a:srgbClr val="FFC000"/>
+      </a:accent4>
+      <a:accent5>
+        <a:srgbClr val="5B9BD5"/>
+      </a:accent5>
+      <a:accent6>
+        <a:srgbClr val="70AD47"/>
+      </a:accent6>
+      <a:hlink>
+        <a:srgbClr val="0563C1"/>
+      </a:hlink>
+      <a:folHlink>
+        <a:srgbClr val="954F72"/>
+      </a:folHlink>
+    </a:clrScheme>
+    <a:fontScheme name="Office">
+      <a:majorFont>
+        <a:latin typeface="Calibri Light" panose="020F0302020204030204"/>
+        <a:ea typeface=""/>
+        <a:cs typeface=""/>
+        <a:font script="Jpan" typeface="游ゴシック Light"/>
+        <a:font script="Hang" typeface="맑은 고딕"/>
+        <a:font script="Hans" typeface="等线 Light"/>
+        <a:font script="Hant" typeface="新細明體"/>
+        <a:font script="Arab" typeface="Times New Roman"/>
+        <a:font script="Hebr" typeface="Times New Roman"/>
+        <a:font script="Thai" typeface="Angsana New"/>
+        <a:font script="Ethi" typeface="Nyala"/>
+        <a:font script="Beng" typeface="Vrinda"/>
+        <a:font script="Gujr" typeface="Shruti"/>
+        <a:font script="Khmr" typeface="MoolBoran"/>
+        <a:font script="Knda" typeface="Tunga"/>
+        <a:font script="Guru" typeface="Raavi"/>
+        <a:font script="Cans" typeface="Euphemia"/>
+        <a:font script="Cher" typeface="Plantagenet Cherokee"/>
+        <a:font script="Yiii" typeface="Microsoft Yi Baiti"/>
+        <a:font script="Tibt" typeface="Microsoft Himalaya"/>
+        <a:font script="Thaa" typeface="MV Boli"/>
+        <a:font script="Deva" typeface="Mangal"/>
+        <a:font script="Telu" typeface="Gautami"/>
+        <a:font script="Taml" typeface="Latha"/>
+        <a:font script="Syrc" typeface="Estrangelo Edessa"/>
+        <a:font script="Orya" typeface="Kalinga"/>
+        <a:font script="Mlym" typeface="Kartika"/>
+        <a:font script="Laoo" typeface="DokChampa"/>
+        <a:font script="Sinh" typeface="Iskoola Pota"/>
+        <a:font script="Mong" typeface="Mongolian Baiti"/>
+        <a:font script="Viet" typeface="Times New Roman"/>
+        <a:font script="Uigh" typeface="Microsoft Uighur"/>
+        <a:font script="Geor" typeface="Sylfaen"/>
+        <a:font script="Armn" typeface="Arial"/>
+        <a:font script="Bugi" typeface="Leelawadee UI"/>
+        <a:font script="Bopo" typeface="Microsoft JhengHei"/>
+        <a:font script="Java" typeface="Javanese Text"/>
+        <a:font script="Lisu" typeface="Segoe UI"/>
+        <a:font script="Mymr" typeface="Myanmar Text"/>
+        <a:font script="Nkoo" typeface="Ebrima"/>
+        <a:font script="Olck" typeface="Nirmala UI"/>
+        <a:font script="Osma" typeface="Ebrima"/>
+        <a:font script="Phag" typeface="Phagspa"/>
+        <a:font script="Syrn" typeface="Estrangelo Edessa"/>
+        <a:font script="Syrj" typeface="Estrangelo Edessa"/>
+        <a:font script="Syre" typeface="Estrangelo Edessa"/>
+        <a:font script="Sora" typeface="Nirmala UI"/>
+        <a:font script="Tale" typeface="Microsoft Tai Le"/>
+        <a:font script="Talu" typeface="Microsoft New Tai Lue"/>
+        <a:font script="Tfng" typeface="Ebrima"/>
+      </a:majorFont>
+      <a:minorFont>
+        <a:latin typeface="Calibri" panose="020F0502020204030204"/>
+        <a:ea typeface=""/>
+        <a:cs typeface=""/>
+        <a:font script="Jpan" typeface="游ゴシック"/>
+        <a:font script="Hang" typeface="맑은 고딕"/>
+        <a:font script="Hans" typeface="等线"/>
+        <a:font script="Hant" typeface="新細明體"/>
+        <a:font script="Arab" typeface="Arial"/>
+        <a:font script="Hebr" typeface="Arial"/>
+        <a:font script="Thai" typeface="Cordia New"/>
+        <a:font script="Ethi" typeface="Nyala"/>
+        <a:font script="Beng" typeface="Vrinda"/>
+        <a:font script="Gujr" typeface="Shruti"/>
+        <a:font script="Khmr" typeface="DaunPenh"/>
+        <a:font script="Knda" typeface="Tunga"/>
+        <a:font script="Guru" typeface="Raavi"/>
+        <a:font script="Cans" typeface="Euphemia"/>
+        <a:font script="Cher" typeface="Plantagenet Cherokee"/>
+        <a:font script="Yiii" typeface="Microsoft Yi Baiti"/>
+        <a:font script="Tibt" typeface="Microsoft Himalaya"/>
+        <a:font script="Thaa" typeface="MV Boli"/>
+        <a:font script="Deva" typeface="Mangal"/>
+        <a:font script="Telu" typeface="Gautami"/>
+        <a:font script="Taml" typeface="Latha"/>
+        <a:font script="Syrc" typeface="Estrangelo Edessa"/>
+        <a:font script="Orya" typeface="Kalinga"/>
+        <a:font script="Mlym" typeface="Kartika"/>
+        <a:font script="Laoo" typeface="DokChampa"/>
+        <a:font script="Sinh" typeface="Iskoola Pota"/>
+        <a:font script="Mong" typeface="Mongolian Baiti"/>
+        <a:font script="Viet" typeface="Arial"/>
+        <a:font script="Uigh" typeface="Microsoft Uighur"/>
+        <a:font script="Geor" typeface="Sylfaen"/>
+        <a:font script="Armn" typeface="Arial"/>
+        <a:font script="Bugi" typeface="Leelawadee UI"/>
+        <a:font script="Bopo" typeface="Microsoft JhengHei"/>
+        <a:font script="Java" typeface="Javanese Text"/>
+        <a:font script="Lisu" typeface="Segoe UI"/>
+        <a:font script="Mymr" typeface="Myanmar Text"/>
+        <a:font script="Nkoo" typeface="Ebrima"/>
+        <a:font script="Olck" typeface="Nirmala UI"/>
+        <a:font script="Osma" typeface="Ebrima"/>
+        <a:font script="Phag" typeface="Phagspa"/>
+        <a:font script="Syrn" typeface="Estrangelo Edessa"/>
+        <a:font script="Syrj" typeface="Estrangelo Edessa"/>
+        <a:font script="Syre" typeface="Estrangelo Edessa"/>
+        <a:font script="Sora" typeface="Nirmala UI"/>
+        <a:font script="Tale" typeface="Microsoft Tai Le"/>
+        <a:font script="Talu" typeface="Microsoft New Tai Lue"/>
+        <a:font script="Tfng" typeface="Ebrima"/>
+      </a:minorFont>
+    </a:fontScheme>
+    <a:fmtScheme name="Office">
+      <a:fillStyleLst>
+        <a:solidFill>
+          <a:schemeClr val="phClr"/>
+        </a:solidFill>
+        <a:gradFill rotWithShape="1">
+          <a:gsLst>
+            <a:gs pos="0">
+              <a:schemeClr val="phClr">
+                <a:lumMod val="110000"/>
+                <a:satMod val="105000"/>
+                <a:tint val="67000"/>
+              </a:schemeClr>
+            </a:gs>
+            <a:gs pos="50000">
+              <a:schemeClr val="phClr">
+                <a:lumMod val="105000"/>
+                <a:satMod val="103000"/>
+                <a:tint val="73000"/>
+              </a:schemeClr>
+            </a:gs>
+            <a:gs pos="100000">
+              <a:schemeClr val="phClr">
+                <a:lumMod val="105000"/>
+                <a:satMod val="109000"/>
+                <a:tint val="81000"/>
+              </a:schemeClr>
+            </a:gs>
+          </a:gsLst>
+          <a:lin ang="5400000" scaled="0"/>
+        </a:gradFill>
+        <a:gradFill rotWithShape="1">
+          <a:gsLst>
+            <a:gs pos="0">
+              <a:schemeClr val="phClr">
+                <a:satMod val="103000"/>
+                <a:lumMod val="102000"/>
+                <a:tint val="94000"/>
+              </a:schemeClr>
+            </a:gs>
+            <a:gs pos="50000">
+              <a:schemeClr val="phClr">
+                <a:satMod val="110000"/>
+                <a:lumMod val="100000"/>
+                <a:shade val="100000"/>
+              </a:schemeClr>
+            </a:gs>
+            <a:gs pos="100000">
+              <a:schemeClr val="phClr">
+                <a:lumMod val="99000"/>
+                <a:satMod val="120000"/>
+                <a:shade val="78000"/>
+              </a:schemeClr>
+            </a:gs>
+          </a:gsLst>
+          <a:lin ang="5400000" scaled="0"/>
+        </a:gradFill>
+      </a:fillStyleLst>
+      <a:lnStyleLst>
+        <a:ln w="6350" cap="flat" cmpd="sng" algn="ctr">
+          <a:solidFill>
+            <a:schemeClr val="phClr"/>
+          </a:solidFill>
+          <a:prstDash val="solid"/>
+          <a:miter lim="800000"/>
+        </a:ln>
+        <a:ln w="12700" cap="flat" cmpd="sng" algn="ctr">
+          <a:solidFill>
+            <a:schemeClr val="phClr"/>
+          </a:solidFill>
+          <a:prstDash val="solid"/>
+          <a:miter lim="800000"/>
+        </a:ln>
+        <a:ln w="19050" cap="flat" cmpd="sng" algn="ctr">
+          <a:solidFill>
+            <a:schemeClr val="phClr"/>
+          </a:solidFill>
+          <a:prstDash val="solid"/>
+          <a:miter lim="800000"/>
+        </a:ln>
+      </a:lnStyleLst>
+      <a:effectStyleLst>
+        <a:effectStyle>
+          <a:effectLst/>
+        </a:effectStyle>
+        <a:effectStyle>
+          <a:effectLst/>
+        </a:effectStyle>
+        <a:effectStyle>
+          <a:effectLst>
+            <a:outerShdw blurRad="57150" dist="19050" dir="5400000" algn="ctr" rotWithShape="0">
+              <a:srgbClr val="000000">
+                <a:alpha val="63000"/>
+              </a:srgbClr>
+            </a:outerShdw>
+          </a:effectLst>
+        </a:effectStyle>
+      </a:effectStyleLst>
+      <a:bgFillStyleLst>
+        <a:solidFill>
+          <a:schemeClr val="phClr"/>
+        </a:solidFill>
+        <a:solidFill>
+          <a:schemeClr val="phClr">
+            <a:tint val="95000"/>
+            <a:satMod val="170000"/>
+          </a:schemeClr>
+        </a:solidFill>
+        <a:gradFill rotWithShape="1">
+          <a:gsLst>
+            <a:gs pos="0">
+              <a:schemeClr val="phClr">
+                <a:tint val="93000"/>
+                <a:satMod val="150000"/>
+                <a:shade val="98000"/>
+                <a:lumMod val="102000"/>
+              </a:schemeClr>
+            </a:gs>
+            <a:gs pos="50000">
+              <a:schemeClr val="phClr">
+                <a:tint val="98000"/>
+                <a:satMod val="130000"/>
+                <a:shade val="90000"/>
+                <a:lumMod val="103000"/>
+              </a:schemeClr>
+            </a:gs>
+            <a:gs pos="100000">
+              <a:schemeClr val="phClr">
+                <a:shade val="63000"/>
+                <a:satMod val="120000"/>
+              </a:schemeClr>
+            </a:gs>
+          </a:gsLst>
+          <a:lin ang="5400000" scaled="0"/>
+        </a:gradFill>
+      </a:bgFillStyleLst>
+    </a:fmtScheme>
+  </a:themeElements>
+  <a:objectDefaults/>
+  <a:extraClrSchemeLst/>
+  <a:extLst>
+    <a:ext uri="{05A4C25C-085E-4340-85A3-A5531E510DB2}">
+      <thm15:themeFamily xmlns:thm15="http://schemas.microsoft.com/office/thememl/2012/main" name="Office Theme" id="{62F939B6-93AF-4DB8-9C6B-D6C7DFDC589F}" vid="{4A3C46E8-61CC-4603-A589-7422A47A8E4A}"/>
+    </a:ext>
+  </a:extLst>
+</a:theme>
+</file>
+
+<file path=ppt/theme/theme3.xml><?xml version="1.0" encoding="utf-8"?>
+<a:theme xmlns:a="http://schemas.openxmlformats.org/drawingml/2006/main" name="Office Theme">
+  <a:themeElements>
+    <a:clrScheme name="Office">
+      <a:dk1>
+        <a:sysClr val="windowText" lastClr="000000"/>
+      </a:dk1>
+      <a:lt1>
+        <a:sysClr val="window" lastClr="FFFFFF"/>
+      </a:lt1>
+      <a:dk2>
+        <a:srgbClr val="44546A"/>
+      </a:dk2>
+      <a:lt2>
+        <a:srgbClr val="E7E6E6"/>
+      </a:lt2>
+      <a:accent1>
+        <a:srgbClr val="4472C4"/>
+      </a:accent1>
+      <a:accent2>
+        <a:srgbClr val="ED7D31"/>
+      </a:accent2>
+      <a:accent3>
+        <a:srgbClr val="A5A5A5"/>
+      </a:accent3>
+      <a:accent4>
+        <a:srgbClr val="FFC000"/>
+      </a:accent4>
+      <a:accent5>
+        <a:srgbClr val="5B9BD5"/>
+      </a:accent5>
+      <a:accent6>
+        <a:srgbClr val="70AD47"/>
+      </a:accent6>
+      <a:hlink>
+        <a:srgbClr val="0563C1"/>
+      </a:hlink>
+      <a:folHlink>
+        <a:srgbClr val="954F72"/>
+      </a:folHlink>
+    </a:clrScheme>
+    <a:fontScheme name="Office">
+      <a:majorFont>
+        <a:latin typeface="Calibri Light" panose="020F0302020204030204"/>
+        <a:ea typeface=""/>
+        <a:cs typeface=""/>
+        <a:font script="Jpan" typeface="游ゴシック Light"/>
+        <a:font script="Hang" typeface="맑은 고딕"/>
+        <a:font script="Hans" typeface="等线 Light"/>
+        <a:font script="Hant" typeface="新細明體"/>
+        <a:font script="Arab" typeface="Times New Roman"/>
+        <a:font script="Hebr" typeface="Times New Roman"/>
+        <a:font script="Thai" typeface="Angsana New"/>
+        <a:font script="Ethi" typeface="Nyala"/>
+        <a:font script="Beng" typeface="Vrinda"/>
+        <a:font script="Gujr" typeface="Shruti"/>
+        <a:font script="Khmr" typeface="MoolBoran"/>
+        <a:font script="Knda" typeface="Tunga"/>
+        <a:font script="Guru" typeface="Raavi"/>
+        <a:font script="Cans" typeface="Euphemia"/>
+        <a:font script="Cher" typeface="Plantagenet Cherokee"/>
+        <a:font script="Yiii" typeface="Microsoft Yi Baiti"/>
+        <a:font script="Tibt" typeface="Microsoft Himalaya"/>
+        <a:font script="Thaa" typeface="MV Boli"/>
+        <a:font script="Deva" typeface="Mangal"/>
+        <a:font script="Telu" typeface="Gautami"/>
+        <a:font script="Taml" typeface="Latha"/>
+        <a:font script="Syrc" typeface="Estrangelo Edessa"/>
+        <a:font script="Orya" typeface="Kalinga"/>
+        <a:font script="Mlym" typeface="Kartika"/>
+        <a:font script="Laoo" typeface="DokChampa"/>
+        <a:font script="Sinh" typeface="Iskoola Pota"/>
+        <a:font script="Mong" typeface="Mongolian Baiti"/>
+        <a:font script="Viet" typeface="Times New Roman"/>
+        <a:font script="Uigh" typeface="Microsoft Uighur"/>
+        <a:font script="Geor" typeface="Sylfaen"/>
+        <a:font script="Armn" typeface="Arial"/>
+        <a:font script="Bugi" typeface="Leelawadee UI"/>
+        <a:font script="Bopo" typeface="Microsoft JhengHei"/>
+        <a:font script="Java" typeface="Javanese Text"/>
+        <a:font script="Lisu" typeface="Segoe UI"/>
+        <a:font script="Mymr" typeface="Myanmar Text"/>
+        <a:font script="Nkoo" typeface="Ebrima"/>
+        <a:font script="Olck" typeface="Nirmala UI"/>
+        <a:font script="Osma" typeface="Ebrima"/>
+        <a:font script="Phag" typeface="Phagspa"/>
+        <a:font script="Syrn" typeface="Estrangelo Edessa"/>
+        <a:font script="Syrj" typeface="Estrangelo Edessa"/>
+        <a:font script="Syre" typeface="Estrangelo Edessa"/>
+        <a:font script="Sora" typeface="Nirmala UI"/>
+        <a:font script="Tale" typeface="Microsoft Tai Le"/>
+        <a:font script="Talu" typeface="Microsoft New Tai Lue"/>
+        <a:font script="Tfng" typeface="Ebrima"/>
+      </a:majorFont>
+      <a:minorFont>
+        <a:latin typeface="Calibri" panose="020F0502020204030204"/>
+        <a:ea typeface=""/>
+        <a:cs typeface=""/>
+        <a:font script="Jpan" typeface="游ゴシック"/>
+        <a:font script="Hang" typeface="맑은 고딕"/>
+        <a:font script="Hans" typeface="等线"/>
+        <a:font script="Hant" typeface="新細明體"/>
+        <a:font script="Arab" typeface="Arial"/>
+        <a:font script="Hebr" typeface="Arial"/>
+        <a:font script="Thai" typeface="Cordia New"/>
+        <a:font script="Ethi" typeface="Nyala"/>
+        <a:font script="Beng" typeface="Vrinda"/>
+        <a:font script="Gujr" typeface="Shruti"/>
+        <a:font script="Khmr" typeface="DaunPenh"/>
+        <a:font script="Knda" typeface="Tunga"/>
+        <a:font script="Guru" typeface="Raavi"/>
+        <a:font script="Cans" typeface="Euphemia"/>
+        <a:font script="Cher" typeface="Plantagenet Cherokee"/>
+        <a:font script="Yiii" typeface="Microsoft Yi Baiti"/>
+        <a:font script="Tibt" typeface="Microsoft Himalaya"/>
+        <a:font script="Thaa" typeface="MV Boli"/>
+        <a:font script="Deva" typeface="Mangal"/>
+        <a:font script="Telu" typeface="Gautami"/>
+        <a:font script="Taml" typeface="Latha"/>
+        <a:font script="Syrc" typeface="Estrangelo Edessa"/>
+        <a:font script="Orya" typeface="Kalinga"/>
+        <a:font script="Mlym" typeface="Kartika"/>
+        <a:font script="Laoo" typeface="DokChampa"/>
+        <a:font script="Sinh" typeface="Iskoola Pota"/>
+        <a:font script="Mong" typeface="Mongolian Baiti"/>
+        <a:font script="Viet" typeface="Arial"/>
+        <a:font script="Uigh" typeface="Microsoft Uighur"/>
+        <a:font script="Geor" typeface="Sylfaen"/>
+        <a:font script="Armn" typeface="Arial"/>
+        <a:font script="Bugi" typeface="Leelawadee UI"/>
+        <a:font script="Bopo" typeface="Microsoft JhengHei"/>
+        <a:font script="Java" typeface="Javanese Text"/>
+        <a:font script="Lisu" typeface="Segoe UI"/>
+        <a:font script="Mymr" typeface="Myanmar Text"/>
+        <a:font script="Nkoo" typeface="Ebrima"/>
+        <a:font script="Olck" typeface="Nirmala UI"/>
+        <a:font script="Osma" typeface="Ebrima"/>
+        <a:font script="Phag" typeface="Phagspa"/>
+        <a:font script="Syrn" typeface="Estrangelo Edessa"/>
+        <a:font script="Syrj" typeface="Estrangelo Edessa"/>
+        <a:font script="Syre" typeface="Estrangelo Edessa"/>
+        <a:font script="Sora" typeface="Nirmala UI"/>
+        <a:font script="Tale" typeface="Microsoft Tai Le"/>
+        <a:font script="Talu" typeface="Microsoft New Tai Lue"/>
+        <a:font script="Tfng" typeface="Ebrima"/>
+      </a:minorFont>
+    </a:fontScheme>
+    <a:fmtScheme name="Office">
+      <a:fillStyleLst>
+        <a:solidFill>
+          <a:schemeClr val="phClr"/>
+        </a:solidFill>
+        <a:gradFill rotWithShape="1">
+          <a:gsLst>
+            <a:gs pos="0">
+              <a:schemeClr val="phClr">
+                <a:lumMod val="110000"/>
+                <a:satMod val="105000"/>
+                <a:tint val="67000"/>
+              </a:schemeClr>
+            </a:gs>
+            <a:gs pos="50000">
+              <a:schemeClr val="phClr">
+                <a:lumMod val="105000"/>
+                <a:satMod val="103000"/>
+                <a:tint val="73000"/>
+              </a:schemeClr>
+            </a:gs>
+            <a:gs pos="100000">
+              <a:schemeClr val="phClr">
+                <a:lumMod val="105000"/>
+                <a:satMod val="109000"/>
+                <a:tint val="81000"/>
+              </a:schemeClr>
+            </a:gs>
+          </a:gsLst>
+          <a:lin ang="5400000" scaled="0"/>
+        </a:gradFill>
+        <a:gradFill rotWithShape="1">
+          <a:gsLst>
+            <a:gs pos="0">
+              <a:schemeClr val="phClr">
+                <a:satMod val="103000"/>
+                <a:lumMod val="102000"/>
+                <a:tint val="94000"/>
+              </a:schemeClr>
+            </a:gs>
+            <a:gs pos="50000">
+              <a:schemeClr val="phClr">
+                <a:satMod val="110000"/>
+                <a:lumMod val="100000"/>
+                <a:shade val="100000"/>
+              </a:schemeClr>
+            </a:gs>
+            <a:gs pos="100000">
+              <a:schemeClr val="phClr">
+                <a:lumMod val="99000"/>
+                <a:satMod val="120000"/>
+                <a:shade val="78000"/>
+              </a:schemeClr>
+            </a:gs>
+          </a:gsLst>
+          <a:lin ang="5400000" scaled="0"/>
+        </a:gradFill>
+      </a:fillStyleLst>
+      <a:lnStyleLst>
+        <a:ln w="6350" cap="flat" cmpd="sng" algn="ctr">
+          <a:solidFill>
+            <a:schemeClr val="phClr"/>
+          </a:solidFill>
+          <a:prstDash val="solid"/>
+          <a:miter lim="800000"/>
+        </a:ln>
+        <a:ln w="12700" cap="flat" cmpd="sng" algn="ctr">
+          <a:solidFill>
+            <a:schemeClr val="phClr"/>
+          </a:solidFill>
+          <a:prstDash val="solid"/>
+          <a:miter lim="800000"/>
+        </a:ln>
+        <a:ln w="19050" cap="flat" cmpd="sng" algn="ctr">
+          <a:solidFill>
+            <a:schemeClr val="phClr"/>
+          </a:solidFill>
+          <a:prstDash val="solid"/>
+          <a:miter lim="800000"/>
+        </a:ln>
+      </a:lnStyleLst>
+      <a:effectStyleLst>
+        <a:effectStyle>
+          <a:effectLst/>
+        </a:effectStyle>
+        <a:effectStyle>
+          <a:effectLst/>
+        </a:effectStyle>
+        <a:effectStyle>
+          <a:effectLst>
+            <a:outerShdw blurRad="57150" dist="19050" dir="5400000" algn="ctr" rotWithShape="0">
+              <a:srgbClr val="000000">
+                <a:alpha val="63000"/>
+              </a:srgbClr>
+            </a:outerShdw>
+          </a:effectLst>
+        </a:effectStyle>
+      </a:effectStyleLst>
+      <a:bgFillStyleLst>
+        <a:solidFill>
+          <a:schemeClr val="phClr"/>
+        </a:solidFill>
+        <a:solidFill>
+          <a:schemeClr val="phClr">
+            <a:tint val="95000"/>
+            <a:satMod val="170000"/>
+          </a:schemeClr>
+        </a:solidFill>
+        <a:gradFill rotWithShape="1">
+          <a:gsLst>
+            <a:gs pos="0">
+              <a:schemeClr val="phClr">
+                <a:tint val="93000"/>
+                <a:satMod val="150000"/>
+                <a:shade val="98000"/>
+                <a:lumMod val="102000"/>
+              </a:schemeClr>
+            </a:gs>
+            <a:gs pos="50000">
+              <a:schemeClr val="phClr">
+                <a:tint val="98000"/>
+                <a:satMod val="130000"/>
+                <a:shade val="90000"/>
+                <a:lumMod val="103000"/>
+              </a:schemeClr>
+            </a:gs>
+            <a:gs pos="100000">
+              <a:schemeClr val="phClr">
+                <a:shade val="63000"/>
+                <a:satMod val="120000"/>
+              </a:schemeClr>
+            </a:gs>
+          </a:gsLst>
+          <a:lin ang="5400000" scaled="0"/>
+        </a:gradFill>
+      </a:bgFillStyleLst>
+    </a:fmtScheme>
+  </a:themeElements>
+  <a:objectDefaults/>
+  <a:extraClrSchemeLst/>
+  <a:extLst>
+    <a:ext uri="{05A4C25C-085E-4340-85A3-A5531E510DB2}">
+      <thm15:themeFamily xmlns:thm15="http://schemas.microsoft.com/office/thememl/2012/main" name="Office Theme" id="{62F939B6-93AF-4DB8-9C6B-D6C7DFDC589F}" vid="{4A3C46E8-61CC-4603-A589-7422A47A8E4A}"/>
+    </a:ext>
+  </a:extLst>
+</a:theme>
 </file>
--- a/user-engagement/fpp-presentation.pptx
+++ b/user-engagement/fpp-presentation.pptx
@@ -2,24 +2,25 @@
 <file path=ppt/presentation.xml><?xml version="1.0" encoding="utf-8"?>
 <p:presentation xmlns:a="http://schemas.openxmlformats.org/drawingml/2006/main" xmlns:r="http://schemas.openxmlformats.org/officeDocument/2006/relationships" xmlns:p="http://schemas.openxmlformats.org/presentationml/2006/main" saveSubsetFonts="1">
   <p:sldMasterIdLst>
-    <p:sldMasterId id="2147483648" r:id="rId1"/>
-    <p:sldMasterId id="2147483660" r:id="rId2"/>
+    <p:sldMasterId id="2147483660" r:id="rId1"/>
   </p:sldMasterIdLst>
   <p:notesMasterIdLst>
-    <p:notesMasterId r:id="rId14"/>
+    <p:notesMasterId r:id="rId15"/>
   </p:notesMasterIdLst>
   <p:sldIdLst>
-    <p:sldId id="417" r:id="rId3"/>
-    <p:sldId id="418" r:id="rId4"/>
-    <p:sldId id="425" r:id="rId5"/>
-    <p:sldId id="426" r:id="rId6"/>
-    <p:sldId id="420" r:id="rId7"/>
-    <p:sldId id="421" r:id="rId8"/>
-    <p:sldId id="427" r:id="rId9"/>
-    <p:sldId id="428" r:id="rId10"/>
-    <p:sldId id="422" r:id="rId11"/>
-    <p:sldId id="423" r:id="rId12"/>
-    <p:sldId id="258" r:id="rId13"/>
+    <p:sldId id="417" r:id="rId2"/>
+    <p:sldId id="418" r:id="rId3"/>
+    <p:sldId id="425" r:id="rId4"/>
+    <p:sldId id="426" r:id="rId5"/>
+    <p:sldId id="429" r:id="rId6"/>
+    <p:sldId id="431" r:id="rId7"/>
+    <p:sldId id="430" r:id="rId8"/>
+    <p:sldId id="420" r:id="rId9"/>
+    <p:sldId id="421" r:id="rId10"/>
+    <p:sldId id="427" r:id="rId11"/>
+    <p:sldId id="422" r:id="rId12"/>
+    <p:sldId id="423" r:id="rId13"/>
+    <p:sldId id="432" r:id="rId14"/>
   </p:sldIdLst>
   <p:sldSz cx="12192000" cy="6858000"/>
   <p:notesSz cx="6858000" cy="9144000"/>
@@ -208,7 +209,7 @@
           <a:p>
             <a:fld id="{DAB43238-E528-4A38-8877-220BCE7DA118}" type="datetimeFigureOut">
               <a:rPr lang="en-GB" smtClean="0"/>
-              <a:t>29/06/2021</a:t>
+              <a:t>01/07/2021</a:t>
             </a:fld>
             <a:endParaRPr lang="en-GB"/>
           </a:p>
@@ -672,7 +673,10 @@
               <a:buFontTx/>
               <a:buChar char="-"/>
             </a:pPr>
-            <a:endParaRPr lang="en-GB" dirty="0"/>
+            <a:r>
+              <a:rPr lang="en-GB" dirty="0"/>
+              <a:t>Need to mention switch to 2015-2019 dataset here!</a:t>
+            </a:r>
           </a:p>
         </p:txBody>
       </p:sp>
@@ -988,14 +992,91 @@
           <a:bodyPr/>
           <a:lstStyle/>
           <a:p>
-            <a:r>
-              <a:rPr lang="en-GB" dirty="0"/>
-              <a:t>Summarise during talk – learned A LOT. Some key highlights are… (pick out 3?) [prob: documentation / </a:t>
-            </a:r>
-            <a:r>
-              <a:rPr lang="en-GB"/>
-              <a:t>ML exposure / Git]</a:t>
-            </a:r>
+            <a:endParaRPr lang="en-GB" dirty="0"/>
+          </a:p>
+        </p:txBody>
+      </p:sp>
+      <p:sp>
+        <p:nvSpPr>
+          <p:cNvPr id="4" name="Slide Number Placeholder 3"/>
+          <p:cNvSpPr>
+            <a:spLocks noGrp="1"/>
+          </p:cNvSpPr>
+          <p:nvPr>
+            <p:ph type="sldNum" sz="quarter" idx="5"/>
+          </p:nvPr>
+        </p:nvSpPr>
+        <p:spPr/>
+        <p:txBody>
+          <a:bodyPr/>
+          <a:lstStyle/>
+          <a:p>
+            <a:fld id="{86546826-96BA-4624-A10C-6B069BA71481}" type="slidenum">
+              <a:rPr lang="en-GB" smtClean="0"/>
+              <a:t>5</a:t>
+            </a:fld>
+            <a:endParaRPr lang="en-GB"/>
+          </a:p>
+        </p:txBody>
+      </p:sp>
+    </p:spTree>
+    <p:extLst>
+      <p:ext uri="{BB962C8B-B14F-4D97-AF65-F5344CB8AC3E}">
+        <p14:creationId xmlns:p14="http://schemas.microsoft.com/office/powerpoint/2010/main" val="3310426183"/>
+      </p:ext>
+    </p:extLst>
+  </p:cSld>
+  <p:clrMapOvr>
+    <a:masterClrMapping/>
+  </p:clrMapOvr>
+</p:notes>
+</file>
+
+<file path=ppt/notesSlides/notesSlide5.xml><?xml version="1.0" encoding="utf-8"?>
+<p:notes xmlns:a="http://schemas.openxmlformats.org/drawingml/2006/main" xmlns:r="http://schemas.openxmlformats.org/officeDocument/2006/relationships" xmlns:p="http://schemas.openxmlformats.org/presentationml/2006/main">
+  <p:cSld>
+    <p:spTree>
+      <p:nvGrpSpPr>
+        <p:cNvPr id="1" name=""/>
+        <p:cNvGrpSpPr/>
+        <p:nvPr/>
+      </p:nvGrpSpPr>
+      <p:grpSpPr>
+        <a:xfrm>
+          <a:off x="0" y="0"/>
+          <a:ext cx="0" cy="0"/>
+          <a:chOff x="0" y="0"/>
+          <a:chExt cx="0" cy="0"/>
+        </a:xfrm>
+      </p:grpSpPr>
+      <p:sp>
+        <p:nvSpPr>
+          <p:cNvPr id="2" name="Slide Image Placeholder 1"/>
+          <p:cNvSpPr>
+            <a:spLocks noGrp="1" noRot="1" noChangeAspect="1"/>
+          </p:cNvSpPr>
+          <p:nvPr>
+            <p:ph type="sldImg"/>
+          </p:nvPr>
+        </p:nvSpPr>
+        <p:spPr/>
+      </p:sp>
+      <p:sp>
+        <p:nvSpPr>
+          <p:cNvPr id="3" name="Notes Placeholder 2"/>
+          <p:cNvSpPr>
+            <a:spLocks noGrp="1"/>
+          </p:cNvSpPr>
+          <p:nvPr>
+            <p:ph type="body" idx="1"/>
+          </p:nvPr>
+        </p:nvSpPr>
+        <p:spPr/>
+        <p:txBody>
+          <a:bodyPr/>
+          <a:lstStyle/>
+          <a:p>
+            <a:endParaRPr lang="en-GB" dirty="0"/>
           </a:p>
         </p:txBody>
       </p:sp>
@@ -1025,7 +1106,446 @@
     </p:spTree>
     <p:extLst>
       <p:ext uri="{BB962C8B-B14F-4D97-AF65-F5344CB8AC3E}">
+        <p14:creationId xmlns:p14="http://schemas.microsoft.com/office/powerpoint/2010/main" val="949675850"/>
+      </p:ext>
+    </p:extLst>
+  </p:cSld>
+  <p:clrMapOvr>
+    <a:masterClrMapping/>
+  </p:clrMapOvr>
+</p:notes>
+</file>
+
+<file path=ppt/notesSlides/notesSlide6.xml><?xml version="1.0" encoding="utf-8"?>
+<p:notes xmlns:a="http://schemas.openxmlformats.org/drawingml/2006/main" xmlns:r="http://schemas.openxmlformats.org/officeDocument/2006/relationships" xmlns:p="http://schemas.openxmlformats.org/presentationml/2006/main">
+  <p:cSld>
+    <p:spTree>
+      <p:nvGrpSpPr>
+        <p:cNvPr id="1" name=""/>
+        <p:cNvGrpSpPr/>
+        <p:nvPr/>
+      </p:nvGrpSpPr>
+      <p:grpSpPr>
+        <a:xfrm>
+          <a:off x="0" y="0"/>
+          <a:ext cx="0" cy="0"/>
+          <a:chOff x="0" y="0"/>
+          <a:chExt cx="0" cy="0"/>
+        </a:xfrm>
+      </p:grpSpPr>
+      <p:sp>
+        <p:nvSpPr>
+          <p:cNvPr id="2" name="Slide Image Placeholder 1"/>
+          <p:cNvSpPr>
+            <a:spLocks noGrp="1" noRot="1" noChangeAspect="1"/>
+          </p:cNvSpPr>
+          <p:nvPr>
+            <p:ph type="sldImg"/>
+          </p:nvPr>
+        </p:nvSpPr>
+        <p:spPr/>
+      </p:sp>
+      <p:sp>
+        <p:nvSpPr>
+          <p:cNvPr id="3" name="Notes Placeholder 2"/>
+          <p:cNvSpPr>
+            <a:spLocks noGrp="1"/>
+          </p:cNvSpPr>
+          <p:nvPr>
+            <p:ph type="body" idx="1"/>
+          </p:nvPr>
+        </p:nvSpPr>
+        <p:spPr/>
+        <p:txBody>
+          <a:bodyPr/>
+          <a:lstStyle/>
+          <a:p>
+            <a:r>
+              <a:rPr lang="en-GB" dirty="0"/>
+              <a:t>Dec 2018 – green = ONS decision on student loan statistics</a:t>
+            </a:r>
+          </a:p>
+          <a:p>
+            <a:r>
+              <a:rPr lang="en-GB" dirty="0"/>
+              <a:t>Dark blue = census – first shows up in late 2018, gets more frequent as census approaches</a:t>
+            </a:r>
+          </a:p>
+          <a:p>
+            <a:endParaRPr lang="en-GB" dirty="0"/>
+          </a:p>
+          <a:p>
+            <a:r>
+              <a:rPr lang="en-GB" dirty="0"/>
+              <a:t>Light blue = crime</a:t>
+            </a:r>
+          </a:p>
+          <a:p>
+            <a:r>
+              <a:rPr lang="en-GB" dirty="0"/>
+              <a:t>Light orange = economy</a:t>
+            </a:r>
+          </a:p>
+          <a:p>
+            <a:endParaRPr lang="en-GB" dirty="0"/>
+          </a:p>
+          <a:p>
+            <a:r>
+              <a:rPr lang="en-GB" dirty="0"/>
+              <a:t>Both fairly frequent.</a:t>
+            </a:r>
+          </a:p>
+        </p:txBody>
+      </p:sp>
+      <p:sp>
+        <p:nvSpPr>
+          <p:cNvPr id="4" name="Slide Number Placeholder 3"/>
+          <p:cNvSpPr>
+            <a:spLocks noGrp="1"/>
+          </p:cNvSpPr>
+          <p:nvPr>
+            <p:ph type="sldNum" sz="quarter" idx="5"/>
+          </p:nvPr>
+        </p:nvSpPr>
+        <p:spPr/>
+        <p:txBody>
+          <a:bodyPr/>
+          <a:lstStyle/>
+          <a:p>
+            <a:fld id="{86546826-96BA-4624-A10C-6B069BA71481}" type="slidenum">
+              <a:rPr lang="en-GB" smtClean="0"/>
+              <a:t>8</a:t>
+            </a:fld>
+            <a:endParaRPr lang="en-GB"/>
+          </a:p>
+        </p:txBody>
+      </p:sp>
+    </p:spTree>
+    <p:extLst>
+      <p:ext uri="{BB962C8B-B14F-4D97-AF65-F5344CB8AC3E}">
+        <p14:creationId xmlns:p14="http://schemas.microsoft.com/office/powerpoint/2010/main" val="3852155576"/>
+      </p:ext>
+    </p:extLst>
+  </p:cSld>
+  <p:clrMapOvr>
+    <a:masterClrMapping/>
+  </p:clrMapOvr>
+</p:notes>
+</file>
+
+<file path=ppt/notesSlides/notesSlide7.xml><?xml version="1.0" encoding="utf-8"?>
+<p:notes xmlns:a="http://schemas.openxmlformats.org/drawingml/2006/main" xmlns:r="http://schemas.openxmlformats.org/officeDocument/2006/relationships" xmlns:p="http://schemas.openxmlformats.org/presentationml/2006/main">
+  <p:cSld>
+    <p:spTree>
+      <p:nvGrpSpPr>
+        <p:cNvPr id="1" name=""/>
+        <p:cNvGrpSpPr/>
+        <p:nvPr/>
+      </p:nvGrpSpPr>
+      <p:grpSpPr>
+        <a:xfrm>
+          <a:off x="0" y="0"/>
+          <a:ext cx="0" cy="0"/>
+          <a:chOff x="0" y="0"/>
+          <a:chExt cx="0" cy="0"/>
+        </a:xfrm>
+      </p:grpSpPr>
+      <p:sp>
+        <p:nvSpPr>
+          <p:cNvPr id="2" name="Slide Image Placeholder 1"/>
+          <p:cNvSpPr>
+            <a:spLocks noGrp="1" noRot="1" noChangeAspect="1"/>
+          </p:cNvSpPr>
+          <p:nvPr>
+            <p:ph type="sldImg"/>
+          </p:nvPr>
+        </p:nvSpPr>
+        <p:spPr/>
+      </p:sp>
+      <p:sp>
+        <p:nvSpPr>
+          <p:cNvPr id="3" name="Notes Placeholder 2"/>
+          <p:cNvSpPr>
+            <a:spLocks noGrp="1"/>
+          </p:cNvSpPr>
+          <p:nvPr>
+            <p:ph type="body" idx="1"/>
+          </p:nvPr>
+        </p:nvSpPr>
+        <p:spPr/>
+        <p:txBody>
+          <a:bodyPr/>
+          <a:lstStyle/>
+          <a:p>
+            <a:r>
+              <a:rPr lang="en-GB" dirty="0"/>
+              <a:t>Data science</a:t>
+            </a:r>
+          </a:p>
+          <a:p>
+            <a:endParaRPr lang="en-GB" dirty="0"/>
+          </a:p>
+          <a:p>
+            <a:r>
+              <a:rPr lang="en-GB" dirty="0"/>
+              <a:t>Summarise during talk – learned A LOT. Some key highlights are… (pick out 3?) [prob: documentation / ML exposure / Git]</a:t>
+            </a:r>
+          </a:p>
+        </p:txBody>
+      </p:sp>
+      <p:sp>
+        <p:nvSpPr>
+          <p:cNvPr id="4" name="Slide Number Placeholder 3"/>
+          <p:cNvSpPr>
+            <a:spLocks noGrp="1"/>
+          </p:cNvSpPr>
+          <p:nvPr>
+            <p:ph type="sldNum" sz="quarter" idx="5"/>
+          </p:nvPr>
+        </p:nvSpPr>
+        <p:spPr/>
+        <p:txBody>
+          <a:bodyPr/>
+          <a:lstStyle/>
+          <a:p>
+            <a:fld id="{86546826-96BA-4624-A10C-6B069BA71481}" type="slidenum">
+              <a:rPr lang="en-GB" smtClean="0"/>
+              <a:t>9</a:t>
+            </a:fld>
+            <a:endParaRPr lang="en-GB"/>
+          </a:p>
+        </p:txBody>
+      </p:sp>
+    </p:spTree>
+    <p:extLst>
+      <p:ext uri="{BB962C8B-B14F-4D97-AF65-F5344CB8AC3E}">
         <p14:creationId xmlns:p14="http://schemas.microsoft.com/office/powerpoint/2010/main" val="2160320761"/>
+      </p:ext>
+    </p:extLst>
+  </p:cSld>
+  <p:clrMapOvr>
+    <a:masterClrMapping/>
+  </p:clrMapOvr>
+</p:notes>
+</file>
+
+<file path=ppt/notesSlides/notesSlide8.xml><?xml version="1.0" encoding="utf-8"?>
+<p:notes xmlns:a="http://schemas.openxmlformats.org/drawingml/2006/main" xmlns:r="http://schemas.openxmlformats.org/officeDocument/2006/relationships" xmlns:p="http://schemas.openxmlformats.org/presentationml/2006/main">
+  <p:cSld>
+    <p:spTree>
+      <p:nvGrpSpPr>
+        <p:cNvPr id="1" name=""/>
+        <p:cNvGrpSpPr/>
+        <p:nvPr/>
+      </p:nvGrpSpPr>
+      <p:grpSpPr>
+        <a:xfrm>
+          <a:off x="0" y="0"/>
+          <a:ext cx="0" cy="0"/>
+          <a:chOff x="0" y="0"/>
+          <a:chExt cx="0" cy="0"/>
+        </a:xfrm>
+      </p:grpSpPr>
+      <p:sp>
+        <p:nvSpPr>
+          <p:cNvPr id="2" name="Slide Image Placeholder 1"/>
+          <p:cNvSpPr>
+            <a:spLocks noGrp="1" noRot="1" noChangeAspect="1"/>
+          </p:cNvSpPr>
+          <p:nvPr>
+            <p:ph type="sldImg"/>
+          </p:nvPr>
+        </p:nvSpPr>
+        <p:spPr/>
+      </p:sp>
+      <p:sp>
+        <p:nvSpPr>
+          <p:cNvPr id="3" name="Notes Placeholder 2"/>
+          <p:cNvSpPr>
+            <a:spLocks noGrp="1"/>
+          </p:cNvSpPr>
+          <p:nvPr>
+            <p:ph type="body" idx="1"/>
+          </p:nvPr>
+        </p:nvSpPr>
+        <p:spPr/>
+        <p:txBody>
+          <a:bodyPr/>
+          <a:lstStyle/>
+          <a:p>
+            <a:r>
+              <a:rPr lang="en-GB" dirty="0"/>
+              <a:t>Project mgmt.</a:t>
+            </a:r>
+          </a:p>
+          <a:p>
+            <a:endParaRPr lang="en-GB" dirty="0"/>
+          </a:p>
+          <a:p>
+            <a:r>
+              <a:rPr lang="en-GB" dirty="0"/>
+              <a:t>Contacts:</a:t>
+            </a:r>
+          </a:p>
+          <a:p>
+            <a:endParaRPr lang="en-GB" dirty="0"/>
+          </a:p>
+          <a:p>
+            <a:pPr marL="171450" indent="-171450">
+              <a:buFontTx/>
+              <a:buChar char="-"/>
+            </a:pPr>
+            <a:r>
+              <a:rPr lang="en-GB" dirty="0"/>
+              <a:t>Key contacts in ONS/OSR (e.g. Mitch &amp; Michael)</a:t>
+            </a:r>
+          </a:p>
+          <a:p>
+            <a:pPr marL="171450" indent="-171450">
+              <a:buFontTx/>
+              <a:buChar char="-"/>
+            </a:pPr>
+            <a:r>
+              <a:rPr lang="en-GB" dirty="0"/>
+              <a:t>X-gov data science Slack</a:t>
+            </a:r>
+          </a:p>
+          <a:p>
+            <a:pPr marL="171450" indent="-171450">
+              <a:buFontTx/>
+              <a:buChar char="-"/>
+            </a:pPr>
+            <a:r>
+              <a:rPr lang="en-GB" dirty="0"/>
+              <a:t>DSA cohort</a:t>
+            </a:r>
+          </a:p>
+          <a:p>
+            <a:pPr marL="171450" indent="-171450">
+              <a:buFontTx/>
+              <a:buChar char="-"/>
+            </a:pPr>
+            <a:r>
+              <a:rPr lang="en-GB" dirty="0"/>
+              <a:t>Cabinet Office (James!)</a:t>
+            </a:r>
+          </a:p>
+        </p:txBody>
+      </p:sp>
+      <p:sp>
+        <p:nvSpPr>
+          <p:cNvPr id="4" name="Slide Number Placeholder 3"/>
+          <p:cNvSpPr>
+            <a:spLocks noGrp="1"/>
+          </p:cNvSpPr>
+          <p:nvPr>
+            <p:ph type="sldNum" sz="quarter" idx="5"/>
+          </p:nvPr>
+        </p:nvSpPr>
+        <p:spPr/>
+        <p:txBody>
+          <a:bodyPr/>
+          <a:lstStyle/>
+          <a:p>
+            <a:fld id="{86546826-96BA-4624-A10C-6B069BA71481}" type="slidenum">
+              <a:rPr lang="en-GB" smtClean="0"/>
+              <a:t>10</a:t>
+            </a:fld>
+            <a:endParaRPr lang="en-GB"/>
+          </a:p>
+        </p:txBody>
+      </p:sp>
+    </p:spTree>
+    <p:extLst>
+      <p:ext uri="{BB962C8B-B14F-4D97-AF65-F5344CB8AC3E}">
+        <p14:creationId xmlns:p14="http://schemas.microsoft.com/office/powerpoint/2010/main" val="2805507030"/>
+      </p:ext>
+    </p:extLst>
+  </p:cSld>
+  <p:clrMapOvr>
+    <a:masterClrMapping/>
+  </p:clrMapOvr>
+</p:notes>
+</file>
+
+<file path=ppt/notesSlides/notesSlide9.xml><?xml version="1.0" encoding="utf-8"?>
+<p:notes xmlns:a="http://schemas.openxmlformats.org/drawingml/2006/main" xmlns:r="http://schemas.openxmlformats.org/officeDocument/2006/relationships" xmlns:p="http://schemas.openxmlformats.org/presentationml/2006/main">
+  <p:cSld>
+    <p:spTree>
+      <p:nvGrpSpPr>
+        <p:cNvPr id="1" name=""/>
+        <p:cNvGrpSpPr/>
+        <p:nvPr/>
+      </p:nvGrpSpPr>
+      <p:grpSpPr>
+        <a:xfrm>
+          <a:off x="0" y="0"/>
+          <a:ext cx="0" cy="0"/>
+          <a:chOff x="0" y="0"/>
+          <a:chExt cx="0" cy="0"/>
+        </a:xfrm>
+      </p:grpSpPr>
+      <p:sp>
+        <p:nvSpPr>
+          <p:cNvPr id="2" name="Slide Image Placeholder 1"/>
+          <p:cNvSpPr>
+            <a:spLocks noGrp="1" noRot="1" noChangeAspect="1"/>
+          </p:cNvSpPr>
+          <p:nvPr>
+            <p:ph type="sldImg"/>
+          </p:nvPr>
+        </p:nvSpPr>
+        <p:spPr/>
+      </p:sp>
+      <p:sp>
+        <p:nvSpPr>
+          <p:cNvPr id="3" name="Notes Placeholder 2"/>
+          <p:cNvSpPr>
+            <a:spLocks noGrp="1"/>
+          </p:cNvSpPr>
+          <p:nvPr>
+            <p:ph type="body" idx="1"/>
+          </p:nvPr>
+        </p:nvSpPr>
+        <p:spPr/>
+        <p:txBody>
+          <a:bodyPr/>
+          <a:lstStyle/>
+          <a:p>
+            <a:r>
+              <a:rPr lang="en-GB" dirty="0"/>
+              <a:t>Say thank you for listening here!</a:t>
+            </a:r>
+          </a:p>
+        </p:txBody>
+      </p:sp>
+      <p:sp>
+        <p:nvSpPr>
+          <p:cNvPr id="4" name="Slide Number Placeholder 3"/>
+          <p:cNvSpPr>
+            <a:spLocks noGrp="1"/>
+          </p:cNvSpPr>
+          <p:nvPr>
+            <p:ph type="sldNum" sz="quarter" idx="5"/>
+          </p:nvPr>
+        </p:nvSpPr>
+        <p:spPr/>
+        <p:txBody>
+          <a:bodyPr/>
+          <a:lstStyle/>
+          <a:p>
+            <a:fld id="{86546826-96BA-4624-A10C-6B069BA71481}" type="slidenum">
+              <a:rPr lang="en-GB" smtClean="0"/>
+              <a:t>13</a:t>
+            </a:fld>
+            <a:endParaRPr lang="en-GB"/>
+          </a:p>
+        </p:txBody>
+      </p:sp>
+    </p:spTree>
+    <p:extLst>
+      <p:ext uri="{BB962C8B-B14F-4D97-AF65-F5344CB8AC3E}">
+        <p14:creationId xmlns:p14="http://schemas.microsoft.com/office/powerpoint/2010/main" val="70535464"/>
       </p:ext>
     </p:extLst>
   </p:cSld>
@@ -1057,7 +1577,7 @@
           <p:cNvPr id="2" name="Title 1">
             <a:extLst>
               <a:ext uri="{FF2B5EF4-FFF2-40B4-BE49-F238E27FC236}">
-                <a16:creationId xmlns:a16="http://schemas.microsoft.com/office/drawing/2014/main" id="{F7EC4407-11E5-455E-9C86-5323FD31E1AB}"/>
+                <a16:creationId xmlns:a16="http://schemas.microsoft.com/office/drawing/2014/main" id="{D542F4DA-3C57-492E-BA91-10C822567FAF}"/>
               </a:ext>
             </a:extLst>
           </p:cNvPr>
@@ -1095,7 +1615,7 @@
           <p:cNvPr id="3" name="Subtitle 2">
             <a:extLst>
               <a:ext uri="{FF2B5EF4-FFF2-40B4-BE49-F238E27FC236}">
-                <a16:creationId xmlns:a16="http://schemas.microsoft.com/office/drawing/2014/main" id="{F9B455F9-4115-4AFE-9687-3602359C1428}"/>
+                <a16:creationId xmlns:a16="http://schemas.microsoft.com/office/drawing/2014/main" id="{93824668-68BB-4321-893A-21B5C74B68A7}"/>
               </a:ext>
             </a:extLst>
           </p:cNvPr>
@@ -1166,7 +1686,7 @@
           <p:cNvPr id="4" name="Date Placeholder 3">
             <a:extLst>
               <a:ext uri="{FF2B5EF4-FFF2-40B4-BE49-F238E27FC236}">
-                <a16:creationId xmlns:a16="http://schemas.microsoft.com/office/drawing/2014/main" id="{46C53E9D-A010-43C7-BFB6-3E788C416D68}"/>
+                <a16:creationId xmlns:a16="http://schemas.microsoft.com/office/drawing/2014/main" id="{260577F3-D26D-482F-8C54-E0D394B15177}"/>
               </a:ext>
             </a:extLst>
           </p:cNvPr>
@@ -1182,9 +1702,9 @@
           <a:bodyPr/>
           <a:lstStyle/>
           <a:p>
-            <a:fld id="{CAAB38E9-6A6F-4A20-AE79-6273898C48E9}" type="datetimeFigureOut">
+            <a:fld id="{E4A62EDC-D5D1-49C5-B313-6E6F916DA0E0}" type="datetimeFigureOut">
               <a:rPr lang="en-GB" smtClean="0"/>
-              <a:t>29/06/2021</a:t>
+              <a:t>01/07/2021</a:t>
             </a:fld>
             <a:endParaRPr lang="en-GB"/>
           </a:p>
@@ -1195,7 +1715,7 @@
           <p:cNvPr id="5" name="Footer Placeholder 4">
             <a:extLst>
               <a:ext uri="{FF2B5EF4-FFF2-40B4-BE49-F238E27FC236}">
-                <a16:creationId xmlns:a16="http://schemas.microsoft.com/office/drawing/2014/main" id="{8253DE89-9C47-40E6-BFF7-175F4901D6C0}"/>
+                <a16:creationId xmlns:a16="http://schemas.microsoft.com/office/drawing/2014/main" id="{50A0905B-0C15-43EE-A9DF-6BBACC5EF026}"/>
               </a:ext>
             </a:extLst>
           </p:cNvPr>
@@ -1220,7 +1740,7 @@
           <p:cNvPr id="6" name="Slide Number Placeholder 5">
             <a:extLst>
               <a:ext uri="{FF2B5EF4-FFF2-40B4-BE49-F238E27FC236}">
-                <a16:creationId xmlns:a16="http://schemas.microsoft.com/office/drawing/2014/main" id="{1193E0B9-229F-468A-8371-D6F1CB151EE7}"/>
+                <a16:creationId xmlns:a16="http://schemas.microsoft.com/office/drawing/2014/main" id="{7EC80981-F939-48A9-BD25-D4E8225DAF53}"/>
               </a:ext>
             </a:extLst>
           </p:cNvPr>
@@ -1236,7 +1756,7 @@
           <a:bodyPr/>
           <a:lstStyle/>
           <a:p>
-            <a:fld id="{7AD12C93-308F-4A63-94C1-7FBC571C532D}" type="slidenum">
+            <a:fld id="{8479ABEB-CDBB-4AA8-AA24-8D8980FAD85B}" type="slidenum">
               <a:rPr lang="en-GB" smtClean="0"/>
               <a:t>‹#›</a:t>
             </a:fld>
@@ -1247,7 +1767,7 @@
     </p:spTree>
     <p:extLst>
       <p:ext uri="{BB962C8B-B14F-4D97-AF65-F5344CB8AC3E}">
-        <p14:creationId xmlns:p14="http://schemas.microsoft.com/office/powerpoint/2010/main" val="2239393544"/>
+        <p14:creationId xmlns:p14="http://schemas.microsoft.com/office/powerpoint/2010/main" val="212891230"/>
       </p:ext>
     </p:extLst>
   </p:cSld>
@@ -1279,7 +1799,7 @@
           <p:cNvPr id="2" name="Title 1">
             <a:extLst>
               <a:ext uri="{FF2B5EF4-FFF2-40B4-BE49-F238E27FC236}">
-                <a16:creationId xmlns:a16="http://schemas.microsoft.com/office/drawing/2014/main" id="{99DB1046-61D3-4F8B-9EA9-684D572E19D6}"/>
+                <a16:creationId xmlns:a16="http://schemas.microsoft.com/office/drawing/2014/main" id="{0AB0683B-37F8-4244-8CFC-26CCC29B9154}"/>
               </a:ext>
             </a:extLst>
           </p:cNvPr>
@@ -1308,7 +1828,7 @@
           <p:cNvPr id="3" name="Vertical Text Placeholder 2">
             <a:extLst>
               <a:ext uri="{FF2B5EF4-FFF2-40B4-BE49-F238E27FC236}">
-                <a16:creationId xmlns:a16="http://schemas.microsoft.com/office/drawing/2014/main" id="{051CFF18-1C99-4572-B97F-06E33F770B6C}"/>
+                <a16:creationId xmlns:a16="http://schemas.microsoft.com/office/drawing/2014/main" id="{DB31B56A-0D00-4E74-8A1B-5D12EF3DECCF}"/>
               </a:ext>
             </a:extLst>
           </p:cNvPr>
@@ -1366,7 +1886,7 @@
           <p:cNvPr id="4" name="Date Placeholder 3">
             <a:extLst>
               <a:ext uri="{FF2B5EF4-FFF2-40B4-BE49-F238E27FC236}">
-                <a16:creationId xmlns:a16="http://schemas.microsoft.com/office/drawing/2014/main" id="{F89282EC-254D-4A1B-A9AE-9C6A632E3284}"/>
+                <a16:creationId xmlns:a16="http://schemas.microsoft.com/office/drawing/2014/main" id="{A07C4831-4B15-4FE3-8F16-0505B45A686B}"/>
               </a:ext>
             </a:extLst>
           </p:cNvPr>
@@ -1382,9 +1902,9 @@
           <a:bodyPr/>
           <a:lstStyle/>
           <a:p>
-            <a:fld id="{CAAB38E9-6A6F-4A20-AE79-6273898C48E9}" type="datetimeFigureOut">
+            <a:fld id="{E4A62EDC-D5D1-49C5-B313-6E6F916DA0E0}" type="datetimeFigureOut">
               <a:rPr lang="en-GB" smtClean="0"/>
-              <a:t>29/06/2021</a:t>
+              <a:t>01/07/2021</a:t>
             </a:fld>
             <a:endParaRPr lang="en-GB"/>
           </a:p>
@@ -1395,7 +1915,7 @@
           <p:cNvPr id="5" name="Footer Placeholder 4">
             <a:extLst>
               <a:ext uri="{FF2B5EF4-FFF2-40B4-BE49-F238E27FC236}">
-                <a16:creationId xmlns:a16="http://schemas.microsoft.com/office/drawing/2014/main" id="{E8A7A908-5C17-4DCE-A5F4-43DEDD5904D3}"/>
+                <a16:creationId xmlns:a16="http://schemas.microsoft.com/office/drawing/2014/main" id="{836A1236-BE64-4C70-AB8D-B987B4078856}"/>
               </a:ext>
             </a:extLst>
           </p:cNvPr>
@@ -1420,7 +1940,7 @@
           <p:cNvPr id="6" name="Slide Number Placeholder 5">
             <a:extLst>
               <a:ext uri="{FF2B5EF4-FFF2-40B4-BE49-F238E27FC236}">
-                <a16:creationId xmlns:a16="http://schemas.microsoft.com/office/drawing/2014/main" id="{7245FCCA-F914-4BAE-83B3-7FD1B1B81CE0}"/>
+                <a16:creationId xmlns:a16="http://schemas.microsoft.com/office/drawing/2014/main" id="{0D30CDB9-B80A-4B60-A37D-96E1E103B9A3}"/>
               </a:ext>
             </a:extLst>
           </p:cNvPr>
@@ -1436,7 +1956,7 @@
           <a:bodyPr/>
           <a:lstStyle/>
           <a:p>
-            <a:fld id="{7AD12C93-308F-4A63-94C1-7FBC571C532D}" type="slidenum">
+            <a:fld id="{8479ABEB-CDBB-4AA8-AA24-8D8980FAD85B}" type="slidenum">
               <a:rPr lang="en-GB" smtClean="0"/>
               <a:t>‹#›</a:t>
             </a:fld>
@@ -1447,7 +1967,7 @@
     </p:spTree>
     <p:extLst>
       <p:ext uri="{BB962C8B-B14F-4D97-AF65-F5344CB8AC3E}">
-        <p14:creationId xmlns:p14="http://schemas.microsoft.com/office/powerpoint/2010/main" val="1838071930"/>
+        <p14:creationId xmlns:p14="http://schemas.microsoft.com/office/powerpoint/2010/main" val="1304525428"/>
       </p:ext>
     </p:extLst>
   </p:cSld>
@@ -1479,7 +1999,7 @@
           <p:cNvPr id="2" name="Vertical Title 1">
             <a:extLst>
               <a:ext uri="{FF2B5EF4-FFF2-40B4-BE49-F238E27FC236}">
-                <a16:creationId xmlns:a16="http://schemas.microsoft.com/office/drawing/2014/main" id="{7B1B4B73-6C18-43CE-9863-08BC82E8DADD}"/>
+                <a16:creationId xmlns:a16="http://schemas.microsoft.com/office/drawing/2014/main" id="{019E2F85-3088-4B7E-AC61-888270651BD6}"/>
               </a:ext>
             </a:extLst>
           </p:cNvPr>
@@ -1513,7 +2033,7 @@
           <p:cNvPr id="3" name="Vertical Text Placeholder 2">
             <a:extLst>
               <a:ext uri="{FF2B5EF4-FFF2-40B4-BE49-F238E27FC236}">
-                <a16:creationId xmlns:a16="http://schemas.microsoft.com/office/drawing/2014/main" id="{747C36FB-E234-48D6-86B9-8FF07EFA440A}"/>
+                <a16:creationId xmlns:a16="http://schemas.microsoft.com/office/drawing/2014/main" id="{5B565029-9658-4AC5-BFFA-9F08D9B097ED}"/>
               </a:ext>
             </a:extLst>
           </p:cNvPr>
@@ -1576,7 +2096,7 @@
           <p:cNvPr id="4" name="Date Placeholder 3">
             <a:extLst>
               <a:ext uri="{FF2B5EF4-FFF2-40B4-BE49-F238E27FC236}">
-                <a16:creationId xmlns:a16="http://schemas.microsoft.com/office/drawing/2014/main" id="{345B4822-7E98-4E98-985C-4C36D663D6CD}"/>
+                <a16:creationId xmlns:a16="http://schemas.microsoft.com/office/drawing/2014/main" id="{67168CD8-BC74-4CCE-81B2-5685290E389E}"/>
               </a:ext>
             </a:extLst>
           </p:cNvPr>
@@ -1592,9 +2112,9 @@
           <a:bodyPr/>
           <a:lstStyle/>
           <a:p>
-            <a:fld id="{CAAB38E9-6A6F-4A20-AE79-6273898C48E9}" type="datetimeFigureOut">
+            <a:fld id="{E4A62EDC-D5D1-49C5-B313-6E6F916DA0E0}" type="datetimeFigureOut">
               <a:rPr lang="en-GB" smtClean="0"/>
-              <a:t>29/06/2021</a:t>
+              <a:t>01/07/2021</a:t>
             </a:fld>
             <a:endParaRPr lang="en-GB"/>
           </a:p>
@@ -1605,7 +2125,7 @@
           <p:cNvPr id="5" name="Footer Placeholder 4">
             <a:extLst>
               <a:ext uri="{FF2B5EF4-FFF2-40B4-BE49-F238E27FC236}">
-                <a16:creationId xmlns:a16="http://schemas.microsoft.com/office/drawing/2014/main" id="{5105CFF4-D435-44D1-90AF-671EE099C6B2}"/>
+                <a16:creationId xmlns:a16="http://schemas.microsoft.com/office/drawing/2014/main" id="{EA8EEFD2-09DE-400E-A247-FE394A677122}"/>
               </a:ext>
             </a:extLst>
           </p:cNvPr>
@@ -1630,7 +2150,7 @@
           <p:cNvPr id="6" name="Slide Number Placeholder 5">
             <a:extLst>
               <a:ext uri="{FF2B5EF4-FFF2-40B4-BE49-F238E27FC236}">
-                <a16:creationId xmlns:a16="http://schemas.microsoft.com/office/drawing/2014/main" id="{13E8321E-5653-474A-B16D-2225EDEA3C44}"/>
+                <a16:creationId xmlns:a16="http://schemas.microsoft.com/office/drawing/2014/main" id="{21571627-54E0-4C3F-93A8-B641848E2F86}"/>
               </a:ext>
             </a:extLst>
           </p:cNvPr>
@@ -1646,7 +2166,7 @@
           <a:bodyPr/>
           <a:lstStyle/>
           <a:p>
-            <a:fld id="{7AD12C93-308F-4A63-94C1-7FBC571C532D}" type="slidenum">
+            <a:fld id="{8479ABEB-CDBB-4AA8-AA24-8D8980FAD85B}" type="slidenum">
               <a:rPr lang="en-GB" smtClean="0"/>
               <a:t>‹#›</a:t>
             </a:fld>
@@ -1657,7 +2177,7 @@
     </p:spTree>
     <p:extLst>
       <p:ext uri="{BB962C8B-B14F-4D97-AF65-F5344CB8AC3E}">
-        <p14:creationId xmlns:p14="http://schemas.microsoft.com/office/powerpoint/2010/main" val="3929897503"/>
+        <p14:creationId xmlns:p14="http://schemas.microsoft.com/office/powerpoint/2010/main" val="4157328867"/>
       </p:ext>
     </p:extLst>
   </p:cSld>
@@ -1668,8 +2188,16 @@
 </file>
 
 <file path=ppt/slideLayouts/slideLayout12.xml><?xml version="1.0" encoding="utf-8"?>
-<p:sldLayout xmlns:a="http://schemas.openxmlformats.org/drawingml/2006/main" xmlns:r="http://schemas.openxmlformats.org/officeDocument/2006/relationships" xmlns:p="http://schemas.openxmlformats.org/presentationml/2006/main" type="title" preserve="1">
-  <p:cSld name="Title Slide">
+<p:sldLayout xmlns:a="http://schemas.openxmlformats.org/drawingml/2006/main" xmlns:r="http://schemas.openxmlformats.org/officeDocument/2006/relationships" xmlns:p="http://schemas.openxmlformats.org/presentationml/2006/main" showMasterSp="0" userDrawn="1">
+  <p:cSld name="Section slide teal">
+    <p:bg>
+      <p:bgPr>
+        <a:solidFill>
+          <a:srgbClr val="008080"/>
+        </a:solidFill>
+        <a:effectLst/>
+      </p:bgPr>
+    </p:bg>
     <p:spTree>
       <p:nvGrpSpPr>
         <p:cNvPr id="1" name=""/>
@@ -1686,70 +2214,184 @@
       </p:grpSpPr>
       <p:sp>
         <p:nvSpPr>
-          <p:cNvPr id="2" name="Title 1">
-            <a:extLst>
-              <a:ext uri="{FF2B5EF4-FFF2-40B4-BE49-F238E27FC236}">
-                <a16:creationId xmlns:a16="http://schemas.microsoft.com/office/drawing/2014/main" id="{D542F4DA-3C57-492E-BA91-10C822567FAF}"/>
-              </a:ext>
-            </a:extLst>
-          </p:cNvPr>
-          <p:cNvSpPr>
-            <a:spLocks noGrp="1"/>
-          </p:cNvSpPr>
-          <p:nvPr>
-            <p:ph type="ctrTitle"/>
-          </p:nvPr>
-        </p:nvSpPr>
-        <p:spPr>
-          <a:xfrm>
-            <a:off x="1524000" y="1122363"/>
-            <a:ext cx="9144000" cy="2387600"/>
-          </a:xfrm>
-        </p:spPr>
-        <p:txBody>
-          <a:bodyPr anchor="b"/>
+          <p:cNvPr id="8" name="Slide Number Placeholder">
+            <a:extLst>
+              <a:ext uri="{FF2B5EF4-FFF2-40B4-BE49-F238E27FC236}">
+                <a16:creationId xmlns:a16="http://schemas.microsoft.com/office/drawing/2014/main" id="{BAA1490B-BB3E-0748-BA6A-B8586696578B}"/>
+              </a:ext>
+            </a:extLst>
+          </p:cNvPr>
+          <p:cNvSpPr>
+            <a:spLocks noGrp="1"/>
+          </p:cNvSpPr>
+          <p:nvPr>
+            <p:ph type="sldNum" sz="quarter" idx="4"/>
+          </p:nvPr>
+        </p:nvSpPr>
+        <p:spPr>
+          <a:xfrm>
+            <a:off x="4662087" y="6250891"/>
+            <a:ext cx="2867826" cy="365125"/>
+          </a:xfrm>
+          <a:prstGeom prst="rect">
+            <a:avLst/>
+          </a:prstGeom>
+        </p:spPr>
+        <p:txBody>
+          <a:bodyPr/>
           <a:lstStyle>
-            <a:lvl1pPr algn="ctr">
-              <a:defRPr sz="6000"/>
+            <a:lvl1pPr>
+              <a:defRPr sz="2000">
+                <a:solidFill>
+                  <a:schemeClr val="bg1"/>
+                </a:solidFill>
+              </a:defRPr>
             </a:lvl1pPr>
           </a:lstStyle>
           <a:p>
-            <a:r>
-              <a:rPr lang="en-US"/>
-              <a:t>Click to edit Master title style</a:t>
-            </a:r>
-            <a:endParaRPr lang="en-GB"/>
-          </a:p>
-        </p:txBody>
-      </p:sp>
-      <p:sp>
-        <p:nvSpPr>
-          <p:cNvPr id="3" name="Subtitle 2">
-            <a:extLst>
-              <a:ext uri="{FF2B5EF4-FFF2-40B4-BE49-F238E27FC236}">
-                <a16:creationId xmlns:a16="http://schemas.microsoft.com/office/drawing/2014/main" id="{93824668-68BB-4321-893A-21B5C74B68A7}"/>
-              </a:ext>
-            </a:extLst>
-          </p:cNvPr>
-          <p:cNvSpPr>
-            <a:spLocks noGrp="1"/>
-          </p:cNvSpPr>
-          <p:nvPr>
-            <p:ph type="subTitle" idx="1"/>
-          </p:nvPr>
-        </p:nvSpPr>
-        <p:spPr>
-          <a:xfrm>
-            <a:off x="1524000" y="3602038"/>
-            <a:ext cx="9144000" cy="1655762"/>
-          </a:xfrm>
-        </p:spPr>
-        <p:txBody>
-          <a:bodyPr/>
+            <a:pPr algn="ctr"/>
+            <a:fld id="{232417FB-2EF4-EC49-BC13-97513C37E9E5}" type="slidenum">
+              <a:rPr lang="en-US" smtClean="0"/>
+              <a:pPr algn="ctr"/>
+              <a:t>‹#›</a:t>
+            </a:fld>
+            <a:endParaRPr lang="en-US" dirty="0"/>
+          </a:p>
+        </p:txBody>
+      </p:sp>
+      <p:sp>
+        <p:nvSpPr>
+          <p:cNvPr id="9" name="Footer Placeholder">
+            <a:extLst>
+              <a:ext uri="{FF2B5EF4-FFF2-40B4-BE49-F238E27FC236}">
+                <a16:creationId xmlns:a16="http://schemas.microsoft.com/office/drawing/2014/main" id="{61622BCB-5999-744E-B77D-08F504F71E8B}"/>
+              </a:ext>
+            </a:extLst>
+          </p:cNvPr>
+          <p:cNvSpPr>
+            <a:spLocks noGrp="1"/>
+          </p:cNvSpPr>
+          <p:nvPr>
+            <p:ph type="ftr" sz="quarter" idx="3"/>
+          </p:nvPr>
+        </p:nvSpPr>
+        <p:spPr>
+          <a:xfrm>
+            <a:off x="7529913" y="6250890"/>
+            <a:ext cx="3842030" cy="365125"/>
+          </a:xfrm>
+          <a:prstGeom prst="rect">
+            <a:avLst/>
+          </a:prstGeom>
+        </p:spPr>
+        <p:txBody>
+          <a:bodyPr vert="horz" lIns="91440" tIns="45720" rIns="0" bIns="45720" rtlCol="0" anchor="t" anchorCtr="0"/>
           <a:lstStyle>
-            <a:lvl1pPr marL="0" indent="0" algn="ctr">
+            <a:lvl1pPr algn="r">
+              <a:defRPr sz="2000" b="1">
+                <a:solidFill>
+                  <a:schemeClr val="bg1"/>
+                </a:solidFill>
+              </a:defRPr>
+            </a:lvl1pPr>
+          </a:lstStyle>
+          <a:p>
+            <a:endParaRPr lang="en-US" dirty="0"/>
+          </a:p>
+        </p:txBody>
+      </p:sp>
+      <p:sp>
+        <p:nvSpPr>
+          <p:cNvPr id="17" name="Title">
+            <a:extLst>
+              <a:ext uri="{FF2B5EF4-FFF2-40B4-BE49-F238E27FC236}">
+                <a16:creationId xmlns:a16="http://schemas.microsoft.com/office/drawing/2014/main" id="{1FFF5308-8243-A94B-81A6-3885912D01F0}"/>
+              </a:ext>
+            </a:extLst>
+          </p:cNvPr>
+          <p:cNvSpPr>
+            <a:spLocks noGrp="1"/>
+          </p:cNvSpPr>
+          <p:nvPr>
+            <p:ph type="title" hasCustomPrompt="1"/>
+          </p:nvPr>
+        </p:nvSpPr>
+        <p:spPr>
+          <a:xfrm>
+            <a:off x="838200" y="2769528"/>
+            <a:ext cx="10515600" cy="1052596"/>
+          </a:xfrm>
+          <a:prstGeom prst="rect">
+            <a:avLst/>
+          </a:prstGeom>
+        </p:spPr>
+        <p:txBody>
+          <a:bodyPr lIns="0" tIns="0" rIns="0" bIns="0" anchor="t" anchorCtr="0">
+            <a:spAutoFit/>
+          </a:bodyPr>
+          <a:lstStyle>
+            <a:lvl1pPr algn="l">
+              <a:defRPr sz="7200">
+                <a:solidFill>
+                  <a:schemeClr val="bg1"/>
+                </a:solidFill>
+              </a:defRPr>
+            </a:lvl1pPr>
+          </a:lstStyle>
+          <a:p>
+            <a:r>
+              <a:rPr lang="en-US" dirty="0"/>
+              <a:t>Section slide</a:t>
+            </a:r>
+          </a:p>
+        </p:txBody>
+      </p:sp>
+      <p:sp>
+        <p:nvSpPr>
+          <p:cNvPr id="16" name="Subtitle">
+            <a:extLst>
+              <a:ext uri="{FF2B5EF4-FFF2-40B4-BE49-F238E27FC236}">
+                <a16:creationId xmlns:a16="http://schemas.microsoft.com/office/drawing/2014/main" id="{5903921C-6D50-A849-B477-5BE38F246FF8}"/>
+              </a:ext>
+            </a:extLst>
+          </p:cNvPr>
+          <p:cNvSpPr>
+            <a:spLocks noGrp="1"/>
+          </p:cNvSpPr>
+          <p:nvPr>
+            <p:ph type="subTitle" idx="1" hasCustomPrompt="1"/>
+          </p:nvPr>
+        </p:nvSpPr>
+        <p:spPr>
+          <a:xfrm>
+            <a:off x="838200" y="3916872"/>
+            <a:ext cx="10515600" cy="1655762"/>
+          </a:xfrm>
+          <a:prstGeom prst="rect">
+            <a:avLst/>
+          </a:prstGeom>
+        </p:spPr>
+        <p:txBody>
+          <a:bodyPr tIns="72000" bIns="0" anchor="t" anchorCtr="0">
+            <a:normAutofit/>
+          </a:bodyPr>
+          <a:lstStyle>
+            <a:lvl1pPr marL="0" indent="0" algn="l">
+              <a:lnSpc>
+                <a:spcPts val="3800"/>
+              </a:lnSpc>
+              <a:spcBef>
+                <a:spcPts val="0"/>
+              </a:spcBef>
+              <a:spcAft>
+                <a:spcPts val="1000"/>
+              </a:spcAft>
               <a:buNone/>
-              <a:defRPr sz="2400"/>
+              <a:defRPr sz="3200">
+                <a:solidFill>
+                  <a:schemeClr val="bg1"/>
+                </a:solidFill>
+              </a:defRPr>
             </a:lvl1pPr>
             <a:lvl2pPr marL="457200" indent="0" algn="ctr">
               <a:buNone/>
@@ -1786,100 +2428,89 @@
           </a:lstStyle>
           <a:p>
             <a:r>
-              <a:rPr lang="en-US"/>
-              <a:t>Click to edit Master subtitle style</a:t>
-            </a:r>
-            <a:endParaRPr lang="en-GB"/>
-          </a:p>
-        </p:txBody>
-      </p:sp>
-      <p:sp>
-        <p:nvSpPr>
-          <p:cNvPr id="4" name="Date Placeholder 3">
-            <a:extLst>
-              <a:ext uri="{FF2B5EF4-FFF2-40B4-BE49-F238E27FC236}">
-                <a16:creationId xmlns:a16="http://schemas.microsoft.com/office/drawing/2014/main" id="{260577F3-D26D-482F-8C54-E0D394B15177}"/>
-              </a:ext>
-            </a:extLst>
-          </p:cNvPr>
-          <p:cNvSpPr>
-            <a:spLocks noGrp="1"/>
-          </p:cNvSpPr>
-          <p:nvPr>
-            <p:ph type="dt" sz="half" idx="10"/>
-          </p:nvPr>
-        </p:nvSpPr>
-        <p:spPr/>
-        <p:txBody>
-          <a:bodyPr/>
-          <a:lstStyle/>
-          <a:p>
-            <a:fld id="{E4A62EDC-D5D1-49C5-B313-6E6F916DA0E0}" type="datetimeFigureOut">
-              <a:rPr lang="en-GB" smtClean="0"/>
-              <a:t>29/06/2021</a:t>
-            </a:fld>
-            <a:endParaRPr lang="en-GB"/>
-          </a:p>
-        </p:txBody>
-      </p:sp>
-      <p:sp>
-        <p:nvSpPr>
-          <p:cNvPr id="5" name="Footer Placeholder 4">
-            <a:extLst>
-              <a:ext uri="{FF2B5EF4-FFF2-40B4-BE49-F238E27FC236}">
-                <a16:creationId xmlns:a16="http://schemas.microsoft.com/office/drawing/2014/main" id="{50A0905B-0C15-43EE-A9DF-6BBACC5EF026}"/>
-              </a:ext>
-            </a:extLst>
-          </p:cNvPr>
-          <p:cNvSpPr>
-            <a:spLocks noGrp="1"/>
-          </p:cNvSpPr>
-          <p:nvPr>
-            <p:ph type="ftr" sz="quarter" idx="11"/>
-          </p:nvPr>
-        </p:nvSpPr>
-        <p:spPr/>
-        <p:txBody>
-          <a:bodyPr/>
-          <a:lstStyle/>
-          <a:p>
-            <a:endParaRPr lang="en-GB"/>
-          </a:p>
-        </p:txBody>
-      </p:sp>
-      <p:sp>
-        <p:nvSpPr>
-          <p:cNvPr id="6" name="Slide Number Placeholder 5">
-            <a:extLst>
-              <a:ext uri="{FF2B5EF4-FFF2-40B4-BE49-F238E27FC236}">
-                <a16:creationId xmlns:a16="http://schemas.microsoft.com/office/drawing/2014/main" id="{7EC80981-F939-48A9-BD25-D4E8225DAF53}"/>
-              </a:ext>
-            </a:extLst>
-          </p:cNvPr>
-          <p:cNvSpPr>
-            <a:spLocks noGrp="1"/>
-          </p:cNvSpPr>
-          <p:nvPr>
-            <p:ph type="sldNum" sz="quarter" idx="12"/>
-          </p:nvPr>
-        </p:nvSpPr>
-        <p:spPr/>
-        <p:txBody>
-          <a:bodyPr/>
-          <a:lstStyle/>
-          <a:p>
-            <a:fld id="{8479ABEB-CDBB-4AA8-AA24-8D8980FAD85B}" type="slidenum">
-              <a:rPr lang="en-GB" smtClean="0"/>
-              <a:t>‹#›</a:t>
-            </a:fld>
-            <a:endParaRPr lang="en-GB"/>
-          </a:p>
-        </p:txBody>
-      </p:sp>
+              <a:rPr lang="en-US" dirty="0"/>
+              <a:t>Subtitle</a:t>
+            </a:r>
+          </a:p>
+        </p:txBody>
+      </p:sp>
+      <p:cxnSp>
+        <p:nvCxnSpPr>
+          <p:cNvPr id="10" name="Line">
+            <a:extLst>
+              <a:ext uri="{FF2B5EF4-FFF2-40B4-BE49-F238E27FC236}">
+                <a16:creationId xmlns:a16="http://schemas.microsoft.com/office/drawing/2014/main" id="{9BEE2D9E-3E87-ED40-89C2-DBA774F1F211}"/>
+              </a:ext>
+            </a:extLst>
+          </p:cNvPr>
+          <p:cNvCxnSpPr>
+            <a:cxnSpLocks/>
+          </p:cNvCxnSpPr>
+          <p:nvPr userDrawn="1"/>
+        </p:nvCxnSpPr>
+        <p:spPr>
+          <a:xfrm>
+            <a:off x="823943" y="6055339"/>
+            <a:ext cx="10548000" cy="0"/>
+          </a:xfrm>
+          <a:prstGeom prst="line">
+            <a:avLst/>
+          </a:prstGeom>
+          <a:ln w="12700">
+            <a:solidFill>
+              <a:schemeClr val="bg1"/>
+            </a:solidFill>
+          </a:ln>
+        </p:spPr>
+        <p:style>
+          <a:lnRef idx="1">
+            <a:schemeClr val="accent1"/>
+          </a:lnRef>
+          <a:fillRef idx="0">
+            <a:schemeClr val="accent1"/>
+          </a:fillRef>
+          <a:effectRef idx="0">
+            <a:schemeClr val="accent1"/>
+          </a:effectRef>
+          <a:fontRef idx="minor">
+            <a:schemeClr val="tx1"/>
+          </a:fontRef>
+        </p:style>
+      </p:cxnSp>
+      <p:pic>
+        <p:nvPicPr>
+          <p:cNvPr id="11" name="Logo">
+            <a:extLst>
+              <a:ext uri="{FF2B5EF4-FFF2-40B4-BE49-F238E27FC236}">
+                <a16:creationId xmlns:a16="http://schemas.microsoft.com/office/drawing/2014/main" id="{2015EA9F-8838-304C-B7BC-0CE52FD5BE54}"/>
+              </a:ext>
+            </a:extLst>
+          </p:cNvPr>
+          <p:cNvPicPr>
+            <a:picLocks noChangeAspect="1"/>
+          </p:cNvPicPr>
+          <p:nvPr userDrawn="1"/>
+        </p:nvPicPr>
+        <p:blipFill>
+          <a:blip r:embed="rId2"/>
+          <a:stretch>
+            <a:fillRect/>
+          </a:stretch>
+        </p:blipFill>
+        <p:spPr>
+          <a:xfrm>
+            <a:off x="767166" y="6230570"/>
+            <a:ext cx="3489869" cy="408624"/>
+          </a:xfrm>
+          <a:prstGeom prst="rect">
+            <a:avLst/>
+          </a:prstGeom>
+        </p:spPr>
+      </p:pic>
     </p:spTree>
     <p:extLst>
       <p:ext uri="{BB962C8B-B14F-4D97-AF65-F5344CB8AC3E}">
-        <p14:creationId xmlns:p14="http://schemas.microsoft.com/office/powerpoint/2010/main" val="212891230"/>
+        <p14:creationId xmlns:p14="http://schemas.microsoft.com/office/powerpoint/2010/main" val="2944561053"/>
       </p:ext>
     </p:extLst>
   </p:cSld>
@@ -1890,6 +2521,379 @@
 </file>
 
 <file path=ppt/slideLayouts/slideLayout13.xml><?xml version="1.0" encoding="utf-8"?>
+<p:sldLayout xmlns:a="http://schemas.openxmlformats.org/drawingml/2006/main" xmlns:r="http://schemas.openxmlformats.org/officeDocument/2006/relationships" xmlns:p="http://schemas.openxmlformats.org/presentationml/2006/main" showMasterSp="0" userDrawn="1">
+  <p:cSld name="6_Single column title and content">
+    <p:bg>
+      <p:bgPr>
+        <a:solidFill>
+          <a:srgbClr val="008080">
+            <a:alpha val="9804"/>
+          </a:srgbClr>
+        </a:solidFill>
+        <a:effectLst/>
+      </p:bgPr>
+    </p:bg>
+    <p:spTree>
+      <p:nvGrpSpPr>
+        <p:cNvPr id="1" name=""/>
+        <p:cNvGrpSpPr/>
+        <p:nvPr/>
+      </p:nvGrpSpPr>
+      <p:grpSpPr>
+        <a:xfrm>
+          <a:off x="0" y="0"/>
+          <a:ext cx="0" cy="0"/>
+          <a:chOff x="0" y="0"/>
+          <a:chExt cx="0" cy="0"/>
+        </a:xfrm>
+      </p:grpSpPr>
+      <p:sp>
+        <p:nvSpPr>
+          <p:cNvPr id="8" name="Rectangle">
+            <a:extLst>
+              <a:ext uri="{FF2B5EF4-FFF2-40B4-BE49-F238E27FC236}">
+                <a16:creationId xmlns:a16="http://schemas.microsoft.com/office/drawing/2014/main" id="{CAB7C50D-A92E-F542-A579-D6ACCE3E0F84}"/>
+              </a:ext>
+            </a:extLst>
+          </p:cNvPr>
+          <p:cNvSpPr/>
+          <p:nvPr userDrawn="1"/>
+        </p:nvSpPr>
+        <p:spPr>
+          <a:xfrm>
+            <a:off x="0" y="6037942"/>
+            <a:ext cx="12192000" cy="820058"/>
+          </a:xfrm>
+          <a:prstGeom prst="rect">
+            <a:avLst/>
+          </a:prstGeom>
+          <a:solidFill>
+            <a:srgbClr val="008080"/>
+          </a:solidFill>
+          <a:ln>
+            <a:noFill/>
+          </a:ln>
+        </p:spPr>
+        <p:style>
+          <a:lnRef idx="2">
+            <a:schemeClr val="accent1">
+              <a:shade val="50000"/>
+            </a:schemeClr>
+          </a:lnRef>
+          <a:fillRef idx="1">
+            <a:schemeClr val="accent1"/>
+          </a:fillRef>
+          <a:effectRef idx="0">
+            <a:schemeClr val="accent1"/>
+          </a:effectRef>
+          <a:fontRef idx="minor">
+            <a:schemeClr val="lt1"/>
+          </a:fontRef>
+        </p:style>
+        <p:txBody>
+          <a:bodyPr rtlCol="0" anchor="ctr"/>
+          <a:lstStyle/>
+          <a:p>
+            <a:pPr algn="ctr"/>
+            <a:endParaRPr lang="en-US"/>
+          </a:p>
+        </p:txBody>
+      </p:sp>
+      <p:sp>
+        <p:nvSpPr>
+          <p:cNvPr id="13" name="Slide Number Placeholder">
+            <a:extLst>
+              <a:ext uri="{FF2B5EF4-FFF2-40B4-BE49-F238E27FC236}">
+                <a16:creationId xmlns:a16="http://schemas.microsoft.com/office/drawing/2014/main" id="{AB8A9106-B24D-064D-974C-C8C4B2C84B82}"/>
+              </a:ext>
+            </a:extLst>
+          </p:cNvPr>
+          <p:cNvSpPr>
+            <a:spLocks noGrp="1"/>
+          </p:cNvSpPr>
+          <p:nvPr>
+            <p:ph type="sldNum" sz="quarter" idx="4"/>
+          </p:nvPr>
+        </p:nvSpPr>
+        <p:spPr>
+          <a:xfrm>
+            <a:off x="4662087" y="6250891"/>
+            <a:ext cx="2867826" cy="365125"/>
+          </a:xfrm>
+          <a:prstGeom prst="rect">
+            <a:avLst/>
+          </a:prstGeom>
+        </p:spPr>
+        <p:txBody>
+          <a:bodyPr/>
+          <a:lstStyle>
+            <a:lvl1pPr>
+              <a:defRPr sz="2000">
+                <a:solidFill>
+                  <a:schemeClr val="bg1"/>
+                </a:solidFill>
+              </a:defRPr>
+            </a:lvl1pPr>
+          </a:lstStyle>
+          <a:p>
+            <a:pPr algn="ctr"/>
+            <a:fld id="{232417FB-2EF4-EC49-BC13-97513C37E9E5}" type="slidenum">
+              <a:rPr lang="en-US" smtClean="0"/>
+              <a:pPr algn="ctr"/>
+              <a:t>‹#›</a:t>
+            </a:fld>
+            <a:endParaRPr lang="en-US" dirty="0"/>
+          </a:p>
+        </p:txBody>
+      </p:sp>
+      <p:sp>
+        <p:nvSpPr>
+          <p:cNvPr id="14" name="Footer Placeholder">
+            <a:extLst>
+              <a:ext uri="{FF2B5EF4-FFF2-40B4-BE49-F238E27FC236}">
+                <a16:creationId xmlns:a16="http://schemas.microsoft.com/office/drawing/2014/main" id="{EC4B6832-9A04-854F-9075-DF58CE992FA7}"/>
+              </a:ext>
+            </a:extLst>
+          </p:cNvPr>
+          <p:cNvSpPr>
+            <a:spLocks noGrp="1"/>
+          </p:cNvSpPr>
+          <p:nvPr>
+            <p:ph type="ftr" sz="quarter" idx="3"/>
+          </p:nvPr>
+        </p:nvSpPr>
+        <p:spPr>
+          <a:xfrm>
+            <a:off x="7529913" y="6250890"/>
+            <a:ext cx="3842030" cy="365125"/>
+          </a:xfrm>
+          <a:prstGeom prst="rect">
+            <a:avLst/>
+          </a:prstGeom>
+        </p:spPr>
+        <p:txBody>
+          <a:bodyPr vert="horz" lIns="91440" tIns="45720" rIns="0" bIns="45720" rtlCol="0" anchor="t" anchorCtr="0"/>
+          <a:lstStyle>
+            <a:lvl1pPr algn="r">
+              <a:defRPr sz="2000" b="1">
+                <a:solidFill>
+                  <a:schemeClr val="bg1"/>
+                </a:solidFill>
+              </a:defRPr>
+            </a:lvl1pPr>
+          </a:lstStyle>
+          <a:p>
+            <a:endParaRPr lang="en-US" dirty="0"/>
+          </a:p>
+        </p:txBody>
+      </p:sp>
+      <p:sp>
+        <p:nvSpPr>
+          <p:cNvPr id="9" name="Title">
+            <a:extLst>
+              <a:ext uri="{FF2B5EF4-FFF2-40B4-BE49-F238E27FC236}">
+                <a16:creationId xmlns:a16="http://schemas.microsoft.com/office/drawing/2014/main" id="{2ABAF583-29A6-2E47-8107-77BF62EAA799}"/>
+              </a:ext>
+            </a:extLst>
+          </p:cNvPr>
+          <p:cNvSpPr>
+            <a:spLocks noGrp="1"/>
+          </p:cNvSpPr>
+          <p:nvPr>
+            <p:ph type="title" hasCustomPrompt="1"/>
+          </p:nvPr>
+        </p:nvSpPr>
+        <p:spPr>
+          <a:xfrm>
+            <a:off x="838200" y="642127"/>
+            <a:ext cx="10515600" cy="526298"/>
+          </a:xfrm>
+          <a:prstGeom prst="rect">
+            <a:avLst/>
+          </a:prstGeom>
+        </p:spPr>
+        <p:txBody>
+          <a:bodyPr wrap="square">
+            <a:spAutoFit/>
+          </a:bodyPr>
+          <a:lstStyle>
+            <a:lvl1pPr>
+              <a:defRPr sz="3600" baseline="0"/>
+            </a:lvl1pPr>
+          </a:lstStyle>
+          <a:p>
+            <a:r>
+              <a:rPr lang="en-US" dirty="0"/>
+              <a:t>Add your heading here</a:t>
+            </a:r>
+          </a:p>
+        </p:txBody>
+      </p:sp>
+      <p:sp>
+        <p:nvSpPr>
+          <p:cNvPr id="11" name="Content Placeholder">
+            <a:extLst>
+              <a:ext uri="{FF2B5EF4-FFF2-40B4-BE49-F238E27FC236}">
+                <a16:creationId xmlns:a16="http://schemas.microsoft.com/office/drawing/2014/main" id="{84E6AC44-311B-3642-9476-91E530FC2417}"/>
+              </a:ext>
+            </a:extLst>
+          </p:cNvPr>
+          <p:cNvSpPr>
+            <a:spLocks noGrp="1"/>
+          </p:cNvSpPr>
+          <p:nvPr>
+            <p:ph idx="1" hasCustomPrompt="1"/>
+          </p:nvPr>
+        </p:nvSpPr>
+        <p:spPr>
+          <a:xfrm>
+            <a:off x="838200" y="1424324"/>
+            <a:ext cx="10515600" cy="2298001"/>
+          </a:xfrm>
+          <a:prstGeom prst="rect">
+            <a:avLst/>
+          </a:prstGeom>
+        </p:spPr>
+        <p:txBody>
+          <a:bodyPr wrap="square" lIns="0" tIns="0" rIns="0" bIns="0" anchor="t" anchorCtr="0">
+            <a:spAutoFit/>
+          </a:bodyPr>
+          <a:lstStyle>
+            <a:lvl1pPr>
+              <a:lnSpc>
+                <a:spcPct val="110000"/>
+              </a:lnSpc>
+              <a:spcAft>
+                <a:spcPts val="500"/>
+              </a:spcAft>
+              <a:defRPr sz="3200">
+                <a:solidFill>
+                  <a:schemeClr val="tx1"/>
+                </a:solidFill>
+              </a:defRPr>
+            </a:lvl1pPr>
+            <a:lvl2pPr>
+              <a:spcAft>
+                <a:spcPts val="500"/>
+              </a:spcAft>
+              <a:defRPr sz="2800">
+                <a:solidFill>
+                  <a:schemeClr val="tx2"/>
+                </a:solidFill>
+              </a:defRPr>
+            </a:lvl2pPr>
+            <a:lvl3pPr>
+              <a:spcAft>
+                <a:spcPts val="500"/>
+              </a:spcAft>
+              <a:defRPr sz="2400">
+                <a:solidFill>
+                  <a:schemeClr val="tx2"/>
+                </a:solidFill>
+              </a:defRPr>
+            </a:lvl3pPr>
+            <a:lvl4pPr>
+              <a:spcAft>
+                <a:spcPts val="500"/>
+              </a:spcAft>
+              <a:defRPr sz="2000">
+                <a:solidFill>
+                  <a:schemeClr val="tx2"/>
+                </a:solidFill>
+              </a:defRPr>
+            </a:lvl4pPr>
+            <a:lvl5pPr>
+              <a:spcAft>
+                <a:spcPts val="500"/>
+              </a:spcAft>
+              <a:defRPr sz="1800">
+                <a:solidFill>
+                  <a:schemeClr val="tx2"/>
+                </a:solidFill>
+              </a:defRPr>
+            </a:lvl5pPr>
+          </a:lstStyle>
+          <a:p>
+            <a:pPr lvl="0"/>
+            <a:r>
+              <a:rPr lang="en-US" dirty="0"/>
+              <a:t>Single column</a:t>
+            </a:r>
+          </a:p>
+          <a:p>
+            <a:pPr lvl="1"/>
+            <a:r>
+              <a:rPr lang="en-US" dirty="0"/>
+              <a:t>Second level</a:t>
+            </a:r>
+          </a:p>
+          <a:p>
+            <a:pPr lvl="2"/>
+            <a:r>
+              <a:rPr lang="en-US" dirty="0"/>
+              <a:t>Third level</a:t>
+            </a:r>
+          </a:p>
+          <a:p>
+            <a:pPr lvl="3"/>
+            <a:r>
+              <a:rPr lang="en-US" dirty="0"/>
+              <a:t>Fourth level</a:t>
+            </a:r>
+          </a:p>
+          <a:p>
+            <a:pPr lvl="4"/>
+            <a:r>
+              <a:rPr lang="en-US" dirty="0"/>
+              <a:t>Fifth level</a:t>
+            </a:r>
+          </a:p>
+        </p:txBody>
+      </p:sp>
+      <p:pic>
+        <p:nvPicPr>
+          <p:cNvPr id="12" name="Logo">
+            <a:extLst>
+              <a:ext uri="{FF2B5EF4-FFF2-40B4-BE49-F238E27FC236}">
+                <a16:creationId xmlns:a16="http://schemas.microsoft.com/office/drawing/2014/main" id="{81051DAF-865D-C24C-A7D1-F9539C5AEDA7}"/>
+              </a:ext>
+            </a:extLst>
+          </p:cNvPr>
+          <p:cNvPicPr>
+            <a:picLocks noChangeAspect="1"/>
+          </p:cNvPicPr>
+          <p:nvPr userDrawn="1"/>
+        </p:nvPicPr>
+        <p:blipFill>
+          <a:blip r:embed="rId2"/>
+          <a:stretch>
+            <a:fillRect/>
+          </a:stretch>
+        </p:blipFill>
+        <p:spPr>
+          <a:xfrm>
+            <a:off x="767166" y="6230570"/>
+            <a:ext cx="3489869" cy="408624"/>
+          </a:xfrm>
+          <a:prstGeom prst="rect">
+            <a:avLst/>
+          </a:prstGeom>
+        </p:spPr>
+      </p:pic>
+    </p:spTree>
+    <p:extLst>
+      <p:ext uri="{BB962C8B-B14F-4D97-AF65-F5344CB8AC3E}">
+        <p14:creationId xmlns:p14="http://schemas.microsoft.com/office/powerpoint/2010/main" val="311713660"/>
+      </p:ext>
+    </p:extLst>
+  </p:cSld>
+  <p:clrMapOvr>
+    <a:masterClrMapping/>
+  </p:clrMapOvr>
+</p:sldLayout>
+</file>
+
+<file path=ppt/slideLayouts/slideLayout2.xml><?xml version="1.0" encoding="utf-8"?>
 <p:sldLayout xmlns:a="http://schemas.openxmlformats.org/drawingml/2006/main" xmlns:r="http://schemas.openxmlformats.org/officeDocument/2006/relationships" xmlns:p="http://schemas.openxmlformats.org/presentationml/2006/main" type="obj" preserve="1">
   <p:cSld name="Title and Content">
     <p:spTree>
@@ -2016,7 +3020,7 @@
           <a:p>
             <a:fld id="{E4A62EDC-D5D1-49C5-B313-6E6F916DA0E0}" type="datetimeFigureOut">
               <a:rPr lang="en-GB" smtClean="0"/>
-              <a:t>29/06/2021</a:t>
+              <a:t>01/07/2021</a:t>
             </a:fld>
             <a:endParaRPr lang="en-GB"/>
           </a:p>
@@ -2089,7 +3093,7 @@
 </p:sldLayout>
 </file>
 
-<file path=ppt/slideLayouts/slideLayout14.xml><?xml version="1.0" encoding="utf-8"?>
+<file path=ppt/slideLayouts/slideLayout3.xml><?xml version="1.0" encoding="utf-8"?>
 <p:sldLayout xmlns:a="http://schemas.openxmlformats.org/drawingml/2006/main" xmlns:r="http://schemas.openxmlformats.org/officeDocument/2006/relationships" xmlns:p="http://schemas.openxmlformats.org/presentationml/2006/main" type="secHead" preserve="1">
   <p:cSld name="Section Header">
     <p:spTree>
@@ -2292,7 +3296,7 @@
           <a:p>
             <a:fld id="{E4A62EDC-D5D1-49C5-B313-6E6F916DA0E0}" type="datetimeFigureOut">
               <a:rPr lang="en-GB" smtClean="0"/>
-              <a:t>29/06/2021</a:t>
+              <a:t>01/07/2021</a:t>
             </a:fld>
             <a:endParaRPr lang="en-GB"/>
           </a:p>
@@ -2365,7 +3369,7 @@
 </p:sldLayout>
 </file>
 
-<file path=ppt/slideLayouts/slideLayout15.xml><?xml version="1.0" encoding="utf-8"?>
+<file path=ppt/slideLayouts/slideLayout4.xml><?xml version="1.0" encoding="utf-8"?>
 <p:sldLayout xmlns:a="http://schemas.openxmlformats.org/drawingml/2006/main" xmlns:r="http://schemas.openxmlformats.org/officeDocument/2006/relationships" xmlns:p="http://schemas.openxmlformats.org/presentationml/2006/main" type="twoObj" preserve="1">
   <p:cSld name="Two Content">
     <p:spTree>
@@ -2560,7 +3564,7 @@
           <a:p>
             <a:fld id="{E4A62EDC-D5D1-49C5-B313-6E6F916DA0E0}" type="datetimeFigureOut">
               <a:rPr lang="en-GB" smtClean="0"/>
-              <a:t>29/06/2021</a:t>
+              <a:t>01/07/2021</a:t>
             </a:fld>
             <a:endParaRPr lang="en-GB"/>
           </a:p>
@@ -2633,7 +3637,7 @@
 </p:sldLayout>
 </file>
 
-<file path=ppt/slideLayouts/slideLayout16.xml><?xml version="1.0" encoding="utf-8"?>
+<file path=ppt/slideLayouts/slideLayout5.xml><?xml version="1.0" encoding="utf-8"?>
 <p:sldLayout xmlns:a="http://schemas.openxmlformats.org/drawingml/2006/main" xmlns:r="http://schemas.openxmlformats.org/officeDocument/2006/relationships" xmlns:p="http://schemas.openxmlformats.org/presentationml/2006/main" type="twoTxTwoObj" preserve="1">
   <p:cSld name="Comparison">
     <p:spTree>
@@ -2975,7 +3979,7 @@
           <a:p>
             <a:fld id="{E4A62EDC-D5D1-49C5-B313-6E6F916DA0E0}" type="datetimeFigureOut">
               <a:rPr lang="en-GB" smtClean="0"/>
-              <a:t>29/06/2021</a:t>
+              <a:t>01/07/2021</a:t>
             </a:fld>
             <a:endParaRPr lang="en-GB"/>
           </a:p>
@@ -3048,7 +4052,7 @@
 </p:sldLayout>
 </file>
 
-<file path=ppt/slideLayouts/slideLayout17.xml><?xml version="1.0" encoding="utf-8"?>
+<file path=ppt/slideLayouts/slideLayout6.xml><?xml version="1.0" encoding="utf-8"?>
 <p:sldLayout xmlns:a="http://schemas.openxmlformats.org/drawingml/2006/main" xmlns:r="http://schemas.openxmlformats.org/officeDocument/2006/relationships" xmlns:p="http://schemas.openxmlformats.org/presentationml/2006/main" type="titleOnly" preserve="1">
   <p:cSld name="Title Only">
     <p:spTree>
@@ -3117,7 +4121,7 @@
           <a:p>
             <a:fld id="{E4A62EDC-D5D1-49C5-B313-6E6F916DA0E0}" type="datetimeFigureOut">
               <a:rPr lang="en-GB" smtClean="0"/>
-              <a:t>29/06/2021</a:t>
+              <a:t>01/07/2021</a:t>
             </a:fld>
             <a:endParaRPr lang="en-GB"/>
           </a:p>
@@ -3190,7 +4194,7 @@
 </p:sldLayout>
 </file>
 
-<file path=ppt/slideLayouts/slideLayout18.xml><?xml version="1.0" encoding="utf-8"?>
+<file path=ppt/slideLayouts/slideLayout7.xml><?xml version="1.0" encoding="utf-8"?>
 <p:sldLayout xmlns:a="http://schemas.openxmlformats.org/drawingml/2006/main" xmlns:r="http://schemas.openxmlformats.org/officeDocument/2006/relationships" xmlns:p="http://schemas.openxmlformats.org/presentationml/2006/main" type="blank" preserve="1">
   <p:cSld name="Blank">
     <p:spTree>
@@ -3230,7 +4234,7 @@
           <a:p>
             <a:fld id="{E4A62EDC-D5D1-49C5-B313-6E6F916DA0E0}" type="datetimeFigureOut">
               <a:rPr lang="en-GB" smtClean="0"/>
-              <a:t>29/06/2021</a:t>
+              <a:t>01/07/2021</a:t>
             </a:fld>
             <a:endParaRPr lang="en-GB"/>
           </a:p>
@@ -3303,7 +4307,7 @@
 </p:sldLayout>
 </file>
 
-<file path=ppt/slideLayouts/slideLayout19.xml><?xml version="1.0" encoding="utf-8"?>
+<file path=ppt/slideLayouts/slideLayout8.xml><?xml version="1.0" encoding="utf-8"?>
 <p:sldLayout xmlns:a="http://schemas.openxmlformats.org/drawingml/2006/main" xmlns:r="http://schemas.openxmlformats.org/officeDocument/2006/relationships" xmlns:p="http://schemas.openxmlformats.org/presentationml/2006/main" type="objTx" preserve="1">
   <p:cSld name="Content with Caption">
     <p:spTree>
@@ -3543,7 +4547,7 @@
           <a:p>
             <a:fld id="{E4A62EDC-D5D1-49C5-B313-6E6F916DA0E0}" type="datetimeFigureOut">
               <a:rPr lang="en-GB" smtClean="0"/>
-              <a:t>29/06/2021</a:t>
+              <a:t>01/07/2021</a:t>
             </a:fld>
             <a:endParaRPr lang="en-GB"/>
           </a:p>
@@ -3616,207 +4620,7 @@
 </p:sldLayout>
 </file>
 
-<file path=ppt/slideLayouts/slideLayout2.xml><?xml version="1.0" encoding="utf-8"?>
-<p:sldLayout xmlns:a="http://schemas.openxmlformats.org/drawingml/2006/main" xmlns:r="http://schemas.openxmlformats.org/officeDocument/2006/relationships" xmlns:p="http://schemas.openxmlformats.org/presentationml/2006/main" type="obj" preserve="1">
-  <p:cSld name="Title and Content">
-    <p:spTree>
-      <p:nvGrpSpPr>
-        <p:cNvPr id="1" name=""/>
-        <p:cNvGrpSpPr/>
-        <p:nvPr/>
-      </p:nvGrpSpPr>
-      <p:grpSpPr>
-        <a:xfrm>
-          <a:off x="0" y="0"/>
-          <a:ext cx="0" cy="0"/>
-          <a:chOff x="0" y="0"/>
-          <a:chExt cx="0" cy="0"/>
-        </a:xfrm>
-      </p:grpSpPr>
-      <p:sp>
-        <p:nvSpPr>
-          <p:cNvPr id="2" name="Title 1">
-            <a:extLst>
-              <a:ext uri="{FF2B5EF4-FFF2-40B4-BE49-F238E27FC236}">
-                <a16:creationId xmlns:a16="http://schemas.microsoft.com/office/drawing/2014/main" id="{6E496C31-9914-455C-984E-4746075ACEE2}"/>
-              </a:ext>
-            </a:extLst>
-          </p:cNvPr>
-          <p:cNvSpPr>
-            <a:spLocks noGrp="1"/>
-          </p:cNvSpPr>
-          <p:nvPr>
-            <p:ph type="title"/>
-          </p:nvPr>
-        </p:nvSpPr>
-        <p:spPr/>
-        <p:txBody>
-          <a:bodyPr/>
-          <a:lstStyle/>
-          <a:p>
-            <a:r>
-              <a:rPr lang="en-US"/>
-              <a:t>Click to edit Master title style</a:t>
-            </a:r>
-            <a:endParaRPr lang="en-GB"/>
-          </a:p>
-        </p:txBody>
-      </p:sp>
-      <p:sp>
-        <p:nvSpPr>
-          <p:cNvPr id="3" name="Content Placeholder 2">
-            <a:extLst>
-              <a:ext uri="{FF2B5EF4-FFF2-40B4-BE49-F238E27FC236}">
-                <a16:creationId xmlns:a16="http://schemas.microsoft.com/office/drawing/2014/main" id="{3209A81E-08D9-480C-9384-285CC3F522CF}"/>
-              </a:ext>
-            </a:extLst>
-          </p:cNvPr>
-          <p:cNvSpPr>
-            <a:spLocks noGrp="1"/>
-          </p:cNvSpPr>
-          <p:nvPr>
-            <p:ph idx="1"/>
-          </p:nvPr>
-        </p:nvSpPr>
-        <p:spPr/>
-        <p:txBody>
-          <a:bodyPr/>
-          <a:lstStyle/>
-          <a:p>
-            <a:pPr lvl="0"/>
-            <a:r>
-              <a:rPr lang="en-US"/>
-              <a:t>Click to edit Master text styles</a:t>
-            </a:r>
-          </a:p>
-          <a:p>
-            <a:pPr lvl="1"/>
-            <a:r>
-              <a:rPr lang="en-US"/>
-              <a:t>Second level</a:t>
-            </a:r>
-          </a:p>
-          <a:p>
-            <a:pPr lvl="2"/>
-            <a:r>
-              <a:rPr lang="en-US"/>
-              <a:t>Third level</a:t>
-            </a:r>
-          </a:p>
-          <a:p>
-            <a:pPr lvl="3"/>
-            <a:r>
-              <a:rPr lang="en-US"/>
-              <a:t>Fourth level</a:t>
-            </a:r>
-          </a:p>
-          <a:p>
-            <a:pPr lvl="4"/>
-            <a:r>
-              <a:rPr lang="en-US"/>
-              <a:t>Fifth level</a:t>
-            </a:r>
-            <a:endParaRPr lang="en-GB"/>
-          </a:p>
-        </p:txBody>
-      </p:sp>
-      <p:sp>
-        <p:nvSpPr>
-          <p:cNvPr id="4" name="Date Placeholder 3">
-            <a:extLst>
-              <a:ext uri="{FF2B5EF4-FFF2-40B4-BE49-F238E27FC236}">
-                <a16:creationId xmlns:a16="http://schemas.microsoft.com/office/drawing/2014/main" id="{EF981599-3411-4DA2-A88E-9A94239136D8}"/>
-              </a:ext>
-            </a:extLst>
-          </p:cNvPr>
-          <p:cNvSpPr>
-            <a:spLocks noGrp="1"/>
-          </p:cNvSpPr>
-          <p:nvPr>
-            <p:ph type="dt" sz="half" idx="10"/>
-          </p:nvPr>
-        </p:nvSpPr>
-        <p:spPr/>
-        <p:txBody>
-          <a:bodyPr/>
-          <a:lstStyle/>
-          <a:p>
-            <a:fld id="{CAAB38E9-6A6F-4A20-AE79-6273898C48E9}" type="datetimeFigureOut">
-              <a:rPr lang="en-GB" smtClean="0"/>
-              <a:t>29/06/2021</a:t>
-            </a:fld>
-            <a:endParaRPr lang="en-GB"/>
-          </a:p>
-        </p:txBody>
-      </p:sp>
-      <p:sp>
-        <p:nvSpPr>
-          <p:cNvPr id="5" name="Footer Placeholder 4">
-            <a:extLst>
-              <a:ext uri="{FF2B5EF4-FFF2-40B4-BE49-F238E27FC236}">
-                <a16:creationId xmlns:a16="http://schemas.microsoft.com/office/drawing/2014/main" id="{827A6C73-9BC9-44C5-887E-1C207EEB573B}"/>
-              </a:ext>
-            </a:extLst>
-          </p:cNvPr>
-          <p:cNvSpPr>
-            <a:spLocks noGrp="1"/>
-          </p:cNvSpPr>
-          <p:nvPr>
-            <p:ph type="ftr" sz="quarter" idx="11"/>
-          </p:nvPr>
-        </p:nvSpPr>
-        <p:spPr/>
-        <p:txBody>
-          <a:bodyPr/>
-          <a:lstStyle/>
-          <a:p>
-            <a:endParaRPr lang="en-GB"/>
-          </a:p>
-        </p:txBody>
-      </p:sp>
-      <p:sp>
-        <p:nvSpPr>
-          <p:cNvPr id="6" name="Slide Number Placeholder 5">
-            <a:extLst>
-              <a:ext uri="{FF2B5EF4-FFF2-40B4-BE49-F238E27FC236}">
-                <a16:creationId xmlns:a16="http://schemas.microsoft.com/office/drawing/2014/main" id="{D9414DC5-1AE8-40D2-85D9-909F1A59A1E1}"/>
-              </a:ext>
-            </a:extLst>
-          </p:cNvPr>
-          <p:cNvSpPr>
-            <a:spLocks noGrp="1"/>
-          </p:cNvSpPr>
-          <p:nvPr>
-            <p:ph type="sldNum" sz="quarter" idx="12"/>
-          </p:nvPr>
-        </p:nvSpPr>
-        <p:spPr/>
-        <p:txBody>
-          <a:bodyPr/>
-          <a:lstStyle/>
-          <a:p>
-            <a:fld id="{7AD12C93-308F-4A63-94C1-7FBC571C532D}" type="slidenum">
-              <a:rPr lang="en-GB" smtClean="0"/>
-              <a:t>‹#›</a:t>
-            </a:fld>
-            <a:endParaRPr lang="en-GB"/>
-          </a:p>
-        </p:txBody>
-      </p:sp>
-    </p:spTree>
-    <p:extLst>
-      <p:ext uri="{BB962C8B-B14F-4D97-AF65-F5344CB8AC3E}">
-        <p14:creationId xmlns:p14="http://schemas.microsoft.com/office/powerpoint/2010/main" val="497923168"/>
-      </p:ext>
-    </p:extLst>
-  </p:cSld>
-  <p:clrMapOvr>
-    <a:masterClrMapping/>
-  </p:clrMapOvr>
-</p:sldLayout>
-</file>
-
-<file path=ppt/slideLayouts/slideLayout20.xml><?xml version="1.0" encoding="utf-8"?>
+<file path=ppt/slideLayouts/slideLayout9.xml><?xml version="1.0" encoding="utf-8"?>
 <p:sldLayout xmlns:a="http://schemas.openxmlformats.org/drawingml/2006/main" xmlns:r="http://schemas.openxmlformats.org/officeDocument/2006/relationships" xmlns:p="http://schemas.openxmlformats.org/presentationml/2006/main" type="picTx" preserve="1">
   <p:cSld name="Picture with Caption">
     <p:spTree>
@@ -4032,7 +4836,7 @@
           <a:p>
             <a:fld id="{E4A62EDC-D5D1-49C5-B313-6E6F916DA0E0}" type="datetimeFigureOut">
               <a:rPr lang="en-GB" smtClean="0"/>
-              <a:t>29/06/2021</a:t>
+              <a:t>01/07/2021</a:t>
             </a:fld>
             <a:endParaRPr lang="en-GB"/>
           </a:p>
@@ -4096,2938 +4900,6 @@
     <p:extLst>
       <p:ext uri="{BB962C8B-B14F-4D97-AF65-F5344CB8AC3E}">
         <p14:creationId xmlns:p14="http://schemas.microsoft.com/office/powerpoint/2010/main" val="3516090829"/>
-      </p:ext>
-    </p:extLst>
-  </p:cSld>
-  <p:clrMapOvr>
-    <a:masterClrMapping/>
-  </p:clrMapOvr>
-</p:sldLayout>
-</file>
-
-<file path=ppt/slideLayouts/slideLayout21.xml><?xml version="1.0" encoding="utf-8"?>
-<p:sldLayout xmlns:a="http://schemas.openxmlformats.org/drawingml/2006/main" xmlns:r="http://schemas.openxmlformats.org/officeDocument/2006/relationships" xmlns:p="http://schemas.openxmlformats.org/presentationml/2006/main" type="vertTx" preserve="1">
-  <p:cSld name="Title and Vertical Text">
-    <p:spTree>
-      <p:nvGrpSpPr>
-        <p:cNvPr id="1" name=""/>
-        <p:cNvGrpSpPr/>
-        <p:nvPr/>
-      </p:nvGrpSpPr>
-      <p:grpSpPr>
-        <a:xfrm>
-          <a:off x="0" y="0"/>
-          <a:ext cx="0" cy="0"/>
-          <a:chOff x="0" y="0"/>
-          <a:chExt cx="0" cy="0"/>
-        </a:xfrm>
-      </p:grpSpPr>
-      <p:sp>
-        <p:nvSpPr>
-          <p:cNvPr id="2" name="Title 1">
-            <a:extLst>
-              <a:ext uri="{FF2B5EF4-FFF2-40B4-BE49-F238E27FC236}">
-                <a16:creationId xmlns:a16="http://schemas.microsoft.com/office/drawing/2014/main" id="{0AB0683B-37F8-4244-8CFC-26CCC29B9154}"/>
-              </a:ext>
-            </a:extLst>
-          </p:cNvPr>
-          <p:cNvSpPr>
-            <a:spLocks noGrp="1"/>
-          </p:cNvSpPr>
-          <p:nvPr>
-            <p:ph type="title"/>
-          </p:nvPr>
-        </p:nvSpPr>
-        <p:spPr/>
-        <p:txBody>
-          <a:bodyPr/>
-          <a:lstStyle/>
-          <a:p>
-            <a:r>
-              <a:rPr lang="en-US"/>
-              <a:t>Click to edit Master title style</a:t>
-            </a:r>
-            <a:endParaRPr lang="en-GB"/>
-          </a:p>
-        </p:txBody>
-      </p:sp>
-      <p:sp>
-        <p:nvSpPr>
-          <p:cNvPr id="3" name="Vertical Text Placeholder 2">
-            <a:extLst>
-              <a:ext uri="{FF2B5EF4-FFF2-40B4-BE49-F238E27FC236}">
-                <a16:creationId xmlns:a16="http://schemas.microsoft.com/office/drawing/2014/main" id="{DB31B56A-0D00-4E74-8A1B-5D12EF3DECCF}"/>
-              </a:ext>
-            </a:extLst>
-          </p:cNvPr>
-          <p:cNvSpPr>
-            <a:spLocks noGrp="1"/>
-          </p:cNvSpPr>
-          <p:nvPr>
-            <p:ph type="body" orient="vert" idx="1"/>
-          </p:nvPr>
-        </p:nvSpPr>
-        <p:spPr/>
-        <p:txBody>
-          <a:bodyPr vert="eaVert"/>
-          <a:lstStyle/>
-          <a:p>
-            <a:pPr lvl="0"/>
-            <a:r>
-              <a:rPr lang="en-US"/>
-              <a:t>Click to edit Master text styles</a:t>
-            </a:r>
-          </a:p>
-          <a:p>
-            <a:pPr lvl="1"/>
-            <a:r>
-              <a:rPr lang="en-US"/>
-              <a:t>Second level</a:t>
-            </a:r>
-          </a:p>
-          <a:p>
-            <a:pPr lvl="2"/>
-            <a:r>
-              <a:rPr lang="en-US"/>
-              <a:t>Third level</a:t>
-            </a:r>
-          </a:p>
-          <a:p>
-            <a:pPr lvl="3"/>
-            <a:r>
-              <a:rPr lang="en-US"/>
-              <a:t>Fourth level</a:t>
-            </a:r>
-          </a:p>
-          <a:p>
-            <a:pPr lvl="4"/>
-            <a:r>
-              <a:rPr lang="en-US"/>
-              <a:t>Fifth level</a:t>
-            </a:r>
-            <a:endParaRPr lang="en-GB"/>
-          </a:p>
-        </p:txBody>
-      </p:sp>
-      <p:sp>
-        <p:nvSpPr>
-          <p:cNvPr id="4" name="Date Placeholder 3">
-            <a:extLst>
-              <a:ext uri="{FF2B5EF4-FFF2-40B4-BE49-F238E27FC236}">
-                <a16:creationId xmlns:a16="http://schemas.microsoft.com/office/drawing/2014/main" id="{A07C4831-4B15-4FE3-8F16-0505B45A686B}"/>
-              </a:ext>
-            </a:extLst>
-          </p:cNvPr>
-          <p:cNvSpPr>
-            <a:spLocks noGrp="1"/>
-          </p:cNvSpPr>
-          <p:nvPr>
-            <p:ph type="dt" sz="half" idx="10"/>
-          </p:nvPr>
-        </p:nvSpPr>
-        <p:spPr/>
-        <p:txBody>
-          <a:bodyPr/>
-          <a:lstStyle/>
-          <a:p>
-            <a:fld id="{E4A62EDC-D5D1-49C5-B313-6E6F916DA0E0}" type="datetimeFigureOut">
-              <a:rPr lang="en-GB" smtClean="0"/>
-              <a:t>29/06/2021</a:t>
-            </a:fld>
-            <a:endParaRPr lang="en-GB"/>
-          </a:p>
-        </p:txBody>
-      </p:sp>
-      <p:sp>
-        <p:nvSpPr>
-          <p:cNvPr id="5" name="Footer Placeholder 4">
-            <a:extLst>
-              <a:ext uri="{FF2B5EF4-FFF2-40B4-BE49-F238E27FC236}">
-                <a16:creationId xmlns:a16="http://schemas.microsoft.com/office/drawing/2014/main" id="{836A1236-BE64-4C70-AB8D-B987B4078856}"/>
-              </a:ext>
-            </a:extLst>
-          </p:cNvPr>
-          <p:cNvSpPr>
-            <a:spLocks noGrp="1"/>
-          </p:cNvSpPr>
-          <p:nvPr>
-            <p:ph type="ftr" sz="quarter" idx="11"/>
-          </p:nvPr>
-        </p:nvSpPr>
-        <p:spPr/>
-        <p:txBody>
-          <a:bodyPr/>
-          <a:lstStyle/>
-          <a:p>
-            <a:endParaRPr lang="en-GB"/>
-          </a:p>
-        </p:txBody>
-      </p:sp>
-      <p:sp>
-        <p:nvSpPr>
-          <p:cNvPr id="6" name="Slide Number Placeholder 5">
-            <a:extLst>
-              <a:ext uri="{FF2B5EF4-FFF2-40B4-BE49-F238E27FC236}">
-                <a16:creationId xmlns:a16="http://schemas.microsoft.com/office/drawing/2014/main" id="{0D30CDB9-B80A-4B60-A37D-96E1E103B9A3}"/>
-              </a:ext>
-            </a:extLst>
-          </p:cNvPr>
-          <p:cNvSpPr>
-            <a:spLocks noGrp="1"/>
-          </p:cNvSpPr>
-          <p:nvPr>
-            <p:ph type="sldNum" sz="quarter" idx="12"/>
-          </p:nvPr>
-        </p:nvSpPr>
-        <p:spPr/>
-        <p:txBody>
-          <a:bodyPr/>
-          <a:lstStyle/>
-          <a:p>
-            <a:fld id="{8479ABEB-CDBB-4AA8-AA24-8D8980FAD85B}" type="slidenum">
-              <a:rPr lang="en-GB" smtClean="0"/>
-              <a:t>‹#›</a:t>
-            </a:fld>
-            <a:endParaRPr lang="en-GB"/>
-          </a:p>
-        </p:txBody>
-      </p:sp>
-    </p:spTree>
-    <p:extLst>
-      <p:ext uri="{BB962C8B-B14F-4D97-AF65-F5344CB8AC3E}">
-        <p14:creationId xmlns:p14="http://schemas.microsoft.com/office/powerpoint/2010/main" val="1304525428"/>
-      </p:ext>
-    </p:extLst>
-  </p:cSld>
-  <p:clrMapOvr>
-    <a:masterClrMapping/>
-  </p:clrMapOvr>
-</p:sldLayout>
-</file>
-
-<file path=ppt/slideLayouts/slideLayout22.xml><?xml version="1.0" encoding="utf-8"?>
-<p:sldLayout xmlns:a="http://schemas.openxmlformats.org/drawingml/2006/main" xmlns:r="http://schemas.openxmlformats.org/officeDocument/2006/relationships" xmlns:p="http://schemas.openxmlformats.org/presentationml/2006/main" type="vertTitleAndTx" preserve="1">
-  <p:cSld name="Vertical Title and Text">
-    <p:spTree>
-      <p:nvGrpSpPr>
-        <p:cNvPr id="1" name=""/>
-        <p:cNvGrpSpPr/>
-        <p:nvPr/>
-      </p:nvGrpSpPr>
-      <p:grpSpPr>
-        <a:xfrm>
-          <a:off x="0" y="0"/>
-          <a:ext cx="0" cy="0"/>
-          <a:chOff x="0" y="0"/>
-          <a:chExt cx="0" cy="0"/>
-        </a:xfrm>
-      </p:grpSpPr>
-      <p:sp>
-        <p:nvSpPr>
-          <p:cNvPr id="2" name="Vertical Title 1">
-            <a:extLst>
-              <a:ext uri="{FF2B5EF4-FFF2-40B4-BE49-F238E27FC236}">
-                <a16:creationId xmlns:a16="http://schemas.microsoft.com/office/drawing/2014/main" id="{019E2F85-3088-4B7E-AC61-888270651BD6}"/>
-              </a:ext>
-            </a:extLst>
-          </p:cNvPr>
-          <p:cNvSpPr>
-            <a:spLocks noGrp="1"/>
-          </p:cNvSpPr>
-          <p:nvPr>
-            <p:ph type="title" orient="vert"/>
-          </p:nvPr>
-        </p:nvSpPr>
-        <p:spPr>
-          <a:xfrm>
-            <a:off x="8724900" y="365125"/>
-            <a:ext cx="2628900" cy="5811838"/>
-          </a:xfrm>
-        </p:spPr>
-        <p:txBody>
-          <a:bodyPr vert="eaVert"/>
-          <a:lstStyle/>
-          <a:p>
-            <a:r>
-              <a:rPr lang="en-US"/>
-              <a:t>Click to edit Master title style</a:t>
-            </a:r>
-            <a:endParaRPr lang="en-GB"/>
-          </a:p>
-        </p:txBody>
-      </p:sp>
-      <p:sp>
-        <p:nvSpPr>
-          <p:cNvPr id="3" name="Vertical Text Placeholder 2">
-            <a:extLst>
-              <a:ext uri="{FF2B5EF4-FFF2-40B4-BE49-F238E27FC236}">
-                <a16:creationId xmlns:a16="http://schemas.microsoft.com/office/drawing/2014/main" id="{5B565029-9658-4AC5-BFFA-9F08D9B097ED}"/>
-              </a:ext>
-            </a:extLst>
-          </p:cNvPr>
-          <p:cNvSpPr>
-            <a:spLocks noGrp="1"/>
-          </p:cNvSpPr>
-          <p:nvPr>
-            <p:ph type="body" orient="vert" idx="1"/>
-          </p:nvPr>
-        </p:nvSpPr>
-        <p:spPr>
-          <a:xfrm>
-            <a:off x="838200" y="365125"/>
-            <a:ext cx="7734300" cy="5811838"/>
-          </a:xfrm>
-        </p:spPr>
-        <p:txBody>
-          <a:bodyPr vert="eaVert"/>
-          <a:lstStyle/>
-          <a:p>
-            <a:pPr lvl="0"/>
-            <a:r>
-              <a:rPr lang="en-US"/>
-              <a:t>Click to edit Master text styles</a:t>
-            </a:r>
-          </a:p>
-          <a:p>
-            <a:pPr lvl="1"/>
-            <a:r>
-              <a:rPr lang="en-US"/>
-              <a:t>Second level</a:t>
-            </a:r>
-          </a:p>
-          <a:p>
-            <a:pPr lvl="2"/>
-            <a:r>
-              <a:rPr lang="en-US"/>
-              <a:t>Third level</a:t>
-            </a:r>
-          </a:p>
-          <a:p>
-            <a:pPr lvl="3"/>
-            <a:r>
-              <a:rPr lang="en-US"/>
-              <a:t>Fourth level</a:t>
-            </a:r>
-          </a:p>
-          <a:p>
-            <a:pPr lvl="4"/>
-            <a:r>
-              <a:rPr lang="en-US"/>
-              <a:t>Fifth level</a:t>
-            </a:r>
-            <a:endParaRPr lang="en-GB"/>
-          </a:p>
-        </p:txBody>
-      </p:sp>
-      <p:sp>
-        <p:nvSpPr>
-          <p:cNvPr id="4" name="Date Placeholder 3">
-            <a:extLst>
-              <a:ext uri="{FF2B5EF4-FFF2-40B4-BE49-F238E27FC236}">
-                <a16:creationId xmlns:a16="http://schemas.microsoft.com/office/drawing/2014/main" id="{67168CD8-BC74-4CCE-81B2-5685290E389E}"/>
-              </a:ext>
-            </a:extLst>
-          </p:cNvPr>
-          <p:cNvSpPr>
-            <a:spLocks noGrp="1"/>
-          </p:cNvSpPr>
-          <p:nvPr>
-            <p:ph type="dt" sz="half" idx="10"/>
-          </p:nvPr>
-        </p:nvSpPr>
-        <p:spPr/>
-        <p:txBody>
-          <a:bodyPr/>
-          <a:lstStyle/>
-          <a:p>
-            <a:fld id="{E4A62EDC-D5D1-49C5-B313-6E6F916DA0E0}" type="datetimeFigureOut">
-              <a:rPr lang="en-GB" smtClean="0"/>
-              <a:t>29/06/2021</a:t>
-            </a:fld>
-            <a:endParaRPr lang="en-GB"/>
-          </a:p>
-        </p:txBody>
-      </p:sp>
-      <p:sp>
-        <p:nvSpPr>
-          <p:cNvPr id="5" name="Footer Placeholder 4">
-            <a:extLst>
-              <a:ext uri="{FF2B5EF4-FFF2-40B4-BE49-F238E27FC236}">
-                <a16:creationId xmlns:a16="http://schemas.microsoft.com/office/drawing/2014/main" id="{EA8EEFD2-09DE-400E-A247-FE394A677122}"/>
-              </a:ext>
-            </a:extLst>
-          </p:cNvPr>
-          <p:cNvSpPr>
-            <a:spLocks noGrp="1"/>
-          </p:cNvSpPr>
-          <p:nvPr>
-            <p:ph type="ftr" sz="quarter" idx="11"/>
-          </p:nvPr>
-        </p:nvSpPr>
-        <p:spPr/>
-        <p:txBody>
-          <a:bodyPr/>
-          <a:lstStyle/>
-          <a:p>
-            <a:endParaRPr lang="en-GB"/>
-          </a:p>
-        </p:txBody>
-      </p:sp>
-      <p:sp>
-        <p:nvSpPr>
-          <p:cNvPr id="6" name="Slide Number Placeholder 5">
-            <a:extLst>
-              <a:ext uri="{FF2B5EF4-FFF2-40B4-BE49-F238E27FC236}">
-                <a16:creationId xmlns:a16="http://schemas.microsoft.com/office/drawing/2014/main" id="{21571627-54E0-4C3F-93A8-B641848E2F86}"/>
-              </a:ext>
-            </a:extLst>
-          </p:cNvPr>
-          <p:cNvSpPr>
-            <a:spLocks noGrp="1"/>
-          </p:cNvSpPr>
-          <p:nvPr>
-            <p:ph type="sldNum" sz="quarter" idx="12"/>
-          </p:nvPr>
-        </p:nvSpPr>
-        <p:spPr/>
-        <p:txBody>
-          <a:bodyPr/>
-          <a:lstStyle/>
-          <a:p>
-            <a:fld id="{8479ABEB-CDBB-4AA8-AA24-8D8980FAD85B}" type="slidenum">
-              <a:rPr lang="en-GB" smtClean="0"/>
-              <a:t>‹#›</a:t>
-            </a:fld>
-            <a:endParaRPr lang="en-GB"/>
-          </a:p>
-        </p:txBody>
-      </p:sp>
-    </p:spTree>
-    <p:extLst>
-      <p:ext uri="{BB962C8B-B14F-4D97-AF65-F5344CB8AC3E}">
-        <p14:creationId xmlns:p14="http://schemas.microsoft.com/office/powerpoint/2010/main" val="4157328867"/>
-      </p:ext>
-    </p:extLst>
-  </p:cSld>
-  <p:clrMapOvr>
-    <a:masterClrMapping/>
-  </p:clrMapOvr>
-</p:sldLayout>
-</file>
-
-<file path=ppt/slideLayouts/slideLayout23.xml><?xml version="1.0" encoding="utf-8"?>
-<p:sldLayout xmlns:a="http://schemas.openxmlformats.org/drawingml/2006/main" xmlns:r="http://schemas.openxmlformats.org/officeDocument/2006/relationships" xmlns:p="http://schemas.openxmlformats.org/presentationml/2006/main" showMasterSp="0" userDrawn="1">
-  <p:cSld name="Section slide teal">
-    <p:bg>
-      <p:bgPr>
-        <a:solidFill>
-          <a:srgbClr val="008080"/>
-        </a:solidFill>
-        <a:effectLst/>
-      </p:bgPr>
-    </p:bg>
-    <p:spTree>
-      <p:nvGrpSpPr>
-        <p:cNvPr id="1" name=""/>
-        <p:cNvGrpSpPr/>
-        <p:nvPr/>
-      </p:nvGrpSpPr>
-      <p:grpSpPr>
-        <a:xfrm>
-          <a:off x="0" y="0"/>
-          <a:ext cx="0" cy="0"/>
-          <a:chOff x="0" y="0"/>
-          <a:chExt cx="0" cy="0"/>
-        </a:xfrm>
-      </p:grpSpPr>
-      <p:sp>
-        <p:nvSpPr>
-          <p:cNvPr id="8" name="Slide Number Placeholder">
-            <a:extLst>
-              <a:ext uri="{FF2B5EF4-FFF2-40B4-BE49-F238E27FC236}">
-                <a16:creationId xmlns:a16="http://schemas.microsoft.com/office/drawing/2014/main" id="{BAA1490B-BB3E-0748-BA6A-B8586696578B}"/>
-              </a:ext>
-            </a:extLst>
-          </p:cNvPr>
-          <p:cNvSpPr>
-            <a:spLocks noGrp="1"/>
-          </p:cNvSpPr>
-          <p:nvPr>
-            <p:ph type="sldNum" sz="quarter" idx="4"/>
-          </p:nvPr>
-        </p:nvSpPr>
-        <p:spPr>
-          <a:xfrm>
-            <a:off x="4662087" y="6250891"/>
-            <a:ext cx="2867826" cy="365125"/>
-          </a:xfrm>
-          <a:prstGeom prst="rect">
-            <a:avLst/>
-          </a:prstGeom>
-        </p:spPr>
-        <p:txBody>
-          <a:bodyPr/>
-          <a:lstStyle>
-            <a:lvl1pPr>
-              <a:defRPr sz="2000">
-                <a:solidFill>
-                  <a:schemeClr val="bg1"/>
-                </a:solidFill>
-              </a:defRPr>
-            </a:lvl1pPr>
-          </a:lstStyle>
-          <a:p>
-            <a:pPr algn="ctr"/>
-            <a:fld id="{232417FB-2EF4-EC49-BC13-97513C37E9E5}" type="slidenum">
-              <a:rPr lang="en-US" smtClean="0"/>
-              <a:pPr algn="ctr"/>
-              <a:t>‹#›</a:t>
-            </a:fld>
-            <a:endParaRPr lang="en-US" dirty="0"/>
-          </a:p>
-        </p:txBody>
-      </p:sp>
-      <p:sp>
-        <p:nvSpPr>
-          <p:cNvPr id="9" name="Footer Placeholder">
-            <a:extLst>
-              <a:ext uri="{FF2B5EF4-FFF2-40B4-BE49-F238E27FC236}">
-                <a16:creationId xmlns:a16="http://schemas.microsoft.com/office/drawing/2014/main" id="{61622BCB-5999-744E-B77D-08F504F71E8B}"/>
-              </a:ext>
-            </a:extLst>
-          </p:cNvPr>
-          <p:cNvSpPr>
-            <a:spLocks noGrp="1"/>
-          </p:cNvSpPr>
-          <p:nvPr>
-            <p:ph type="ftr" sz="quarter" idx="3"/>
-          </p:nvPr>
-        </p:nvSpPr>
-        <p:spPr>
-          <a:xfrm>
-            <a:off x="7529913" y="6250890"/>
-            <a:ext cx="3842030" cy="365125"/>
-          </a:xfrm>
-          <a:prstGeom prst="rect">
-            <a:avLst/>
-          </a:prstGeom>
-        </p:spPr>
-        <p:txBody>
-          <a:bodyPr vert="horz" lIns="91440" tIns="45720" rIns="0" bIns="45720" rtlCol="0" anchor="t" anchorCtr="0"/>
-          <a:lstStyle>
-            <a:lvl1pPr algn="r">
-              <a:defRPr sz="2000" b="1">
-                <a:solidFill>
-                  <a:schemeClr val="bg1"/>
-                </a:solidFill>
-              </a:defRPr>
-            </a:lvl1pPr>
-          </a:lstStyle>
-          <a:p>
-            <a:endParaRPr lang="en-US" dirty="0"/>
-          </a:p>
-        </p:txBody>
-      </p:sp>
-      <p:sp>
-        <p:nvSpPr>
-          <p:cNvPr id="17" name="Title">
-            <a:extLst>
-              <a:ext uri="{FF2B5EF4-FFF2-40B4-BE49-F238E27FC236}">
-                <a16:creationId xmlns:a16="http://schemas.microsoft.com/office/drawing/2014/main" id="{1FFF5308-8243-A94B-81A6-3885912D01F0}"/>
-              </a:ext>
-            </a:extLst>
-          </p:cNvPr>
-          <p:cNvSpPr>
-            <a:spLocks noGrp="1"/>
-          </p:cNvSpPr>
-          <p:nvPr>
-            <p:ph type="title" hasCustomPrompt="1"/>
-          </p:nvPr>
-        </p:nvSpPr>
-        <p:spPr>
-          <a:xfrm>
-            <a:off x="838200" y="2769528"/>
-            <a:ext cx="10515600" cy="1052596"/>
-          </a:xfrm>
-          <a:prstGeom prst="rect">
-            <a:avLst/>
-          </a:prstGeom>
-        </p:spPr>
-        <p:txBody>
-          <a:bodyPr lIns="0" tIns="0" rIns="0" bIns="0" anchor="t" anchorCtr="0">
-            <a:spAutoFit/>
-          </a:bodyPr>
-          <a:lstStyle>
-            <a:lvl1pPr algn="l">
-              <a:defRPr sz="7200">
-                <a:solidFill>
-                  <a:schemeClr val="bg1"/>
-                </a:solidFill>
-              </a:defRPr>
-            </a:lvl1pPr>
-          </a:lstStyle>
-          <a:p>
-            <a:r>
-              <a:rPr lang="en-US" dirty="0"/>
-              <a:t>Section slide</a:t>
-            </a:r>
-          </a:p>
-        </p:txBody>
-      </p:sp>
-      <p:sp>
-        <p:nvSpPr>
-          <p:cNvPr id="16" name="Subtitle">
-            <a:extLst>
-              <a:ext uri="{FF2B5EF4-FFF2-40B4-BE49-F238E27FC236}">
-                <a16:creationId xmlns:a16="http://schemas.microsoft.com/office/drawing/2014/main" id="{5903921C-6D50-A849-B477-5BE38F246FF8}"/>
-              </a:ext>
-            </a:extLst>
-          </p:cNvPr>
-          <p:cNvSpPr>
-            <a:spLocks noGrp="1"/>
-          </p:cNvSpPr>
-          <p:nvPr>
-            <p:ph type="subTitle" idx="1" hasCustomPrompt="1"/>
-          </p:nvPr>
-        </p:nvSpPr>
-        <p:spPr>
-          <a:xfrm>
-            <a:off x="838200" y="3916872"/>
-            <a:ext cx="10515600" cy="1655762"/>
-          </a:xfrm>
-          <a:prstGeom prst="rect">
-            <a:avLst/>
-          </a:prstGeom>
-        </p:spPr>
-        <p:txBody>
-          <a:bodyPr tIns="72000" bIns="0" anchor="t" anchorCtr="0">
-            <a:normAutofit/>
-          </a:bodyPr>
-          <a:lstStyle>
-            <a:lvl1pPr marL="0" indent="0" algn="l">
-              <a:lnSpc>
-                <a:spcPts val="3800"/>
-              </a:lnSpc>
-              <a:spcBef>
-                <a:spcPts val="0"/>
-              </a:spcBef>
-              <a:spcAft>
-                <a:spcPts val="1000"/>
-              </a:spcAft>
-              <a:buNone/>
-              <a:defRPr sz="3200">
-                <a:solidFill>
-                  <a:schemeClr val="bg1"/>
-                </a:solidFill>
-              </a:defRPr>
-            </a:lvl1pPr>
-            <a:lvl2pPr marL="457200" indent="0" algn="ctr">
-              <a:buNone/>
-              <a:defRPr sz="2000"/>
-            </a:lvl2pPr>
-            <a:lvl3pPr marL="914400" indent="0" algn="ctr">
-              <a:buNone/>
-              <a:defRPr sz="1800"/>
-            </a:lvl3pPr>
-            <a:lvl4pPr marL="1371600" indent="0" algn="ctr">
-              <a:buNone/>
-              <a:defRPr sz="1600"/>
-            </a:lvl4pPr>
-            <a:lvl5pPr marL="1828800" indent="0" algn="ctr">
-              <a:buNone/>
-              <a:defRPr sz="1600"/>
-            </a:lvl5pPr>
-            <a:lvl6pPr marL="2286000" indent="0" algn="ctr">
-              <a:buNone/>
-              <a:defRPr sz="1600"/>
-            </a:lvl6pPr>
-            <a:lvl7pPr marL="2743200" indent="0" algn="ctr">
-              <a:buNone/>
-              <a:defRPr sz="1600"/>
-            </a:lvl7pPr>
-            <a:lvl8pPr marL="3200400" indent="0" algn="ctr">
-              <a:buNone/>
-              <a:defRPr sz="1600"/>
-            </a:lvl8pPr>
-            <a:lvl9pPr marL="3657600" indent="0" algn="ctr">
-              <a:buNone/>
-              <a:defRPr sz="1600"/>
-            </a:lvl9pPr>
-          </a:lstStyle>
-          <a:p>
-            <a:r>
-              <a:rPr lang="en-US" dirty="0"/>
-              <a:t>Subtitle</a:t>
-            </a:r>
-          </a:p>
-        </p:txBody>
-      </p:sp>
-      <p:cxnSp>
-        <p:nvCxnSpPr>
-          <p:cNvPr id="10" name="Line">
-            <a:extLst>
-              <a:ext uri="{FF2B5EF4-FFF2-40B4-BE49-F238E27FC236}">
-                <a16:creationId xmlns:a16="http://schemas.microsoft.com/office/drawing/2014/main" id="{9BEE2D9E-3E87-ED40-89C2-DBA774F1F211}"/>
-              </a:ext>
-            </a:extLst>
-          </p:cNvPr>
-          <p:cNvCxnSpPr>
-            <a:cxnSpLocks/>
-          </p:cNvCxnSpPr>
-          <p:nvPr userDrawn="1"/>
-        </p:nvCxnSpPr>
-        <p:spPr>
-          <a:xfrm>
-            <a:off x="823943" y="6055339"/>
-            <a:ext cx="10548000" cy="0"/>
-          </a:xfrm>
-          <a:prstGeom prst="line">
-            <a:avLst/>
-          </a:prstGeom>
-          <a:ln w="12700">
-            <a:solidFill>
-              <a:schemeClr val="bg1"/>
-            </a:solidFill>
-          </a:ln>
-        </p:spPr>
-        <p:style>
-          <a:lnRef idx="1">
-            <a:schemeClr val="accent1"/>
-          </a:lnRef>
-          <a:fillRef idx="0">
-            <a:schemeClr val="accent1"/>
-          </a:fillRef>
-          <a:effectRef idx="0">
-            <a:schemeClr val="accent1"/>
-          </a:effectRef>
-          <a:fontRef idx="minor">
-            <a:schemeClr val="tx1"/>
-          </a:fontRef>
-        </p:style>
-      </p:cxnSp>
-      <p:pic>
-        <p:nvPicPr>
-          <p:cNvPr id="11" name="Logo">
-            <a:extLst>
-              <a:ext uri="{FF2B5EF4-FFF2-40B4-BE49-F238E27FC236}">
-                <a16:creationId xmlns:a16="http://schemas.microsoft.com/office/drawing/2014/main" id="{2015EA9F-8838-304C-B7BC-0CE52FD5BE54}"/>
-              </a:ext>
-            </a:extLst>
-          </p:cNvPr>
-          <p:cNvPicPr>
-            <a:picLocks noChangeAspect="1"/>
-          </p:cNvPicPr>
-          <p:nvPr userDrawn="1"/>
-        </p:nvPicPr>
-        <p:blipFill>
-          <a:blip r:embed="rId2"/>
-          <a:stretch>
-            <a:fillRect/>
-          </a:stretch>
-        </p:blipFill>
-        <p:spPr>
-          <a:xfrm>
-            <a:off x="767166" y="6230570"/>
-            <a:ext cx="3489869" cy="408624"/>
-          </a:xfrm>
-          <a:prstGeom prst="rect">
-            <a:avLst/>
-          </a:prstGeom>
-        </p:spPr>
-      </p:pic>
-    </p:spTree>
-    <p:extLst>
-      <p:ext uri="{BB962C8B-B14F-4D97-AF65-F5344CB8AC3E}">
-        <p14:creationId xmlns:p14="http://schemas.microsoft.com/office/powerpoint/2010/main" val="2944561053"/>
-      </p:ext>
-    </p:extLst>
-  </p:cSld>
-  <p:clrMapOvr>
-    <a:masterClrMapping/>
-  </p:clrMapOvr>
-</p:sldLayout>
-</file>
-
-<file path=ppt/slideLayouts/slideLayout24.xml><?xml version="1.0" encoding="utf-8"?>
-<p:sldLayout xmlns:a="http://schemas.openxmlformats.org/drawingml/2006/main" xmlns:r="http://schemas.openxmlformats.org/officeDocument/2006/relationships" xmlns:p="http://schemas.openxmlformats.org/presentationml/2006/main" showMasterSp="0" userDrawn="1">
-  <p:cSld name="6_Single column title and content">
-    <p:bg>
-      <p:bgPr>
-        <a:solidFill>
-          <a:srgbClr val="008080">
-            <a:alpha val="9804"/>
-          </a:srgbClr>
-        </a:solidFill>
-        <a:effectLst/>
-      </p:bgPr>
-    </p:bg>
-    <p:spTree>
-      <p:nvGrpSpPr>
-        <p:cNvPr id="1" name=""/>
-        <p:cNvGrpSpPr/>
-        <p:nvPr/>
-      </p:nvGrpSpPr>
-      <p:grpSpPr>
-        <a:xfrm>
-          <a:off x="0" y="0"/>
-          <a:ext cx="0" cy="0"/>
-          <a:chOff x="0" y="0"/>
-          <a:chExt cx="0" cy="0"/>
-        </a:xfrm>
-      </p:grpSpPr>
-      <p:sp>
-        <p:nvSpPr>
-          <p:cNvPr id="8" name="Rectangle">
-            <a:extLst>
-              <a:ext uri="{FF2B5EF4-FFF2-40B4-BE49-F238E27FC236}">
-                <a16:creationId xmlns:a16="http://schemas.microsoft.com/office/drawing/2014/main" id="{CAB7C50D-A92E-F542-A579-D6ACCE3E0F84}"/>
-              </a:ext>
-            </a:extLst>
-          </p:cNvPr>
-          <p:cNvSpPr/>
-          <p:nvPr userDrawn="1"/>
-        </p:nvSpPr>
-        <p:spPr>
-          <a:xfrm>
-            <a:off x="0" y="6037942"/>
-            <a:ext cx="12192000" cy="820058"/>
-          </a:xfrm>
-          <a:prstGeom prst="rect">
-            <a:avLst/>
-          </a:prstGeom>
-          <a:solidFill>
-            <a:srgbClr val="008080"/>
-          </a:solidFill>
-          <a:ln>
-            <a:noFill/>
-          </a:ln>
-        </p:spPr>
-        <p:style>
-          <a:lnRef idx="2">
-            <a:schemeClr val="accent1">
-              <a:shade val="50000"/>
-            </a:schemeClr>
-          </a:lnRef>
-          <a:fillRef idx="1">
-            <a:schemeClr val="accent1"/>
-          </a:fillRef>
-          <a:effectRef idx="0">
-            <a:schemeClr val="accent1"/>
-          </a:effectRef>
-          <a:fontRef idx="minor">
-            <a:schemeClr val="lt1"/>
-          </a:fontRef>
-        </p:style>
-        <p:txBody>
-          <a:bodyPr rtlCol="0" anchor="ctr"/>
-          <a:lstStyle/>
-          <a:p>
-            <a:pPr algn="ctr"/>
-            <a:endParaRPr lang="en-US"/>
-          </a:p>
-        </p:txBody>
-      </p:sp>
-      <p:sp>
-        <p:nvSpPr>
-          <p:cNvPr id="13" name="Slide Number Placeholder">
-            <a:extLst>
-              <a:ext uri="{FF2B5EF4-FFF2-40B4-BE49-F238E27FC236}">
-                <a16:creationId xmlns:a16="http://schemas.microsoft.com/office/drawing/2014/main" id="{AB8A9106-B24D-064D-974C-C8C4B2C84B82}"/>
-              </a:ext>
-            </a:extLst>
-          </p:cNvPr>
-          <p:cNvSpPr>
-            <a:spLocks noGrp="1"/>
-          </p:cNvSpPr>
-          <p:nvPr>
-            <p:ph type="sldNum" sz="quarter" idx="4"/>
-          </p:nvPr>
-        </p:nvSpPr>
-        <p:spPr>
-          <a:xfrm>
-            <a:off x="4662087" y="6250891"/>
-            <a:ext cx="2867826" cy="365125"/>
-          </a:xfrm>
-          <a:prstGeom prst="rect">
-            <a:avLst/>
-          </a:prstGeom>
-        </p:spPr>
-        <p:txBody>
-          <a:bodyPr/>
-          <a:lstStyle>
-            <a:lvl1pPr>
-              <a:defRPr sz="2000">
-                <a:solidFill>
-                  <a:schemeClr val="bg1"/>
-                </a:solidFill>
-              </a:defRPr>
-            </a:lvl1pPr>
-          </a:lstStyle>
-          <a:p>
-            <a:pPr algn="ctr"/>
-            <a:fld id="{232417FB-2EF4-EC49-BC13-97513C37E9E5}" type="slidenum">
-              <a:rPr lang="en-US" smtClean="0"/>
-              <a:pPr algn="ctr"/>
-              <a:t>‹#›</a:t>
-            </a:fld>
-            <a:endParaRPr lang="en-US" dirty="0"/>
-          </a:p>
-        </p:txBody>
-      </p:sp>
-      <p:sp>
-        <p:nvSpPr>
-          <p:cNvPr id="14" name="Footer Placeholder">
-            <a:extLst>
-              <a:ext uri="{FF2B5EF4-FFF2-40B4-BE49-F238E27FC236}">
-                <a16:creationId xmlns:a16="http://schemas.microsoft.com/office/drawing/2014/main" id="{EC4B6832-9A04-854F-9075-DF58CE992FA7}"/>
-              </a:ext>
-            </a:extLst>
-          </p:cNvPr>
-          <p:cNvSpPr>
-            <a:spLocks noGrp="1"/>
-          </p:cNvSpPr>
-          <p:nvPr>
-            <p:ph type="ftr" sz="quarter" idx="3"/>
-          </p:nvPr>
-        </p:nvSpPr>
-        <p:spPr>
-          <a:xfrm>
-            <a:off x="7529913" y="6250890"/>
-            <a:ext cx="3842030" cy="365125"/>
-          </a:xfrm>
-          <a:prstGeom prst="rect">
-            <a:avLst/>
-          </a:prstGeom>
-        </p:spPr>
-        <p:txBody>
-          <a:bodyPr vert="horz" lIns="91440" tIns="45720" rIns="0" bIns="45720" rtlCol="0" anchor="t" anchorCtr="0"/>
-          <a:lstStyle>
-            <a:lvl1pPr algn="r">
-              <a:defRPr sz="2000" b="1">
-                <a:solidFill>
-                  <a:schemeClr val="bg1"/>
-                </a:solidFill>
-              </a:defRPr>
-            </a:lvl1pPr>
-          </a:lstStyle>
-          <a:p>
-            <a:endParaRPr lang="en-US" dirty="0"/>
-          </a:p>
-        </p:txBody>
-      </p:sp>
-      <p:sp>
-        <p:nvSpPr>
-          <p:cNvPr id="9" name="Title">
-            <a:extLst>
-              <a:ext uri="{FF2B5EF4-FFF2-40B4-BE49-F238E27FC236}">
-                <a16:creationId xmlns:a16="http://schemas.microsoft.com/office/drawing/2014/main" id="{2ABAF583-29A6-2E47-8107-77BF62EAA799}"/>
-              </a:ext>
-            </a:extLst>
-          </p:cNvPr>
-          <p:cNvSpPr>
-            <a:spLocks noGrp="1"/>
-          </p:cNvSpPr>
-          <p:nvPr>
-            <p:ph type="title" hasCustomPrompt="1"/>
-          </p:nvPr>
-        </p:nvSpPr>
-        <p:spPr>
-          <a:xfrm>
-            <a:off x="838200" y="642127"/>
-            <a:ext cx="10515600" cy="526298"/>
-          </a:xfrm>
-          <a:prstGeom prst="rect">
-            <a:avLst/>
-          </a:prstGeom>
-        </p:spPr>
-        <p:txBody>
-          <a:bodyPr wrap="square">
-            <a:spAutoFit/>
-          </a:bodyPr>
-          <a:lstStyle>
-            <a:lvl1pPr>
-              <a:defRPr sz="3600" baseline="0"/>
-            </a:lvl1pPr>
-          </a:lstStyle>
-          <a:p>
-            <a:r>
-              <a:rPr lang="en-US" dirty="0"/>
-              <a:t>Add your heading here</a:t>
-            </a:r>
-          </a:p>
-        </p:txBody>
-      </p:sp>
-      <p:sp>
-        <p:nvSpPr>
-          <p:cNvPr id="11" name="Content Placeholder">
-            <a:extLst>
-              <a:ext uri="{FF2B5EF4-FFF2-40B4-BE49-F238E27FC236}">
-                <a16:creationId xmlns:a16="http://schemas.microsoft.com/office/drawing/2014/main" id="{84E6AC44-311B-3642-9476-91E530FC2417}"/>
-              </a:ext>
-            </a:extLst>
-          </p:cNvPr>
-          <p:cNvSpPr>
-            <a:spLocks noGrp="1"/>
-          </p:cNvSpPr>
-          <p:nvPr>
-            <p:ph idx="1" hasCustomPrompt="1"/>
-          </p:nvPr>
-        </p:nvSpPr>
-        <p:spPr>
-          <a:xfrm>
-            <a:off x="838200" y="1424324"/>
-            <a:ext cx="10515600" cy="2298001"/>
-          </a:xfrm>
-          <a:prstGeom prst="rect">
-            <a:avLst/>
-          </a:prstGeom>
-        </p:spPr>
-        <p:txBody>
-          <a:bodyPr wrap="square" lIns="0" tIns="0" rIns="0" bIns="0" anchor="t" anchorCtr="0">
-            <a:spAutoFit/>
-          </a:bodyPr>
-          <a:lstStyle>
-            <a:lvl1pPr>
-              <a:lnSpc>
-                <a:spcPct val="110000"/>
-              </a:lnSpc>
-              <a:spcAft>
-                <a:spcPts val="500"/>
-              </a:spcAft>
-              <a:defRPr sz="3200">
-                <a:solidFill>
-                  <a:schemeClr val="tx1"/>
-                </a:solidFill>
-              </a:defRPr>
-            </a:lvl1pPr>
-            <a:lvl2pPr>
-              <a:spcAft>
-                <a:spcPts val="500"/>
-              </a:spcAft>
-              <a:defRPr sz="2800">
-                <a:solidFill>
-                  <a:schemeClr val="tx2"/>
-                </a:solidFill>
-              </a:defRPr>
-            </a:lvl2pPr>
-            <a:lvl3pPr>
-              <a:spcAft>
-                <a:spcPts val="500"/>
-              </a:spcAft>
-              <a:defRPr sz="2400">
-                <a:solidFill>
-                  <a:schemeClr val="tx2"/>
-                </a:solidFill>
-              </a:defRPr>
-            </a:lvl3pPr>
-            <a:lvl4pPr>
-              <a:spcAft>
-                <a:spcPts val="500"/>
-              </a:spcAft>
-              <a:defRPr sz="2000">
-                <a:solidFill>
-                  <a:schemeClr val="tx2"/>
-                </a:solidFill>
-              </a:defRPr>
-            </a:lvl4pPr>
-            <a:lvl5pPr>
-              <a:spcAft>
-                <a:spcPts val="500"/>
-              </a:spcAft>
-              <a:defRPr sz="1800">
-                <a:solidFill>
-                  <a:schemeClr val="tx2"/>
-                </a:solidFill>
-              </a:defRPr>
-            </a:lvl5pPr>
-          </a:lstStyle>
-          <a:p>
-            <a:pPr lvl="0"/>
-            <a:r>
-              <a:rPr lang="en-US" dirty="0"/>
-              <a:t>Single column</a:t>
-            </a:r>
-          </a:p>
-          <a:p>
-            <a:pPr lvl="1"/>
-            <a:r>
-              <a:rPr lang="en-US" dirty="0"/>
-              <a:t>Second level</a:t>
-            </a:r>
-          </a:p>
-          <a:p>
-            <a:pPr lvl="2"/>
-            <a:r>
-              <a:rPr lang="en-US" dirty="0"/>
-              <a:t>Third level</a:t>
-            </a:r>
-          </a:p>
-          <a:p>
-            <a:pPr lvl="3"/>
-            <a:r>
-              <a:rPr lang="en-US" dirty="0"/>
-              <a:t>Fourth level</a:t>
-            </a:r>
-          </a:p>
-          <a:p>
-            <a:pPr lvl="4"/>
-            <a:r>
-              <a:rPr lang="en-US" dirty="0"/>
-              <a:t>Fifth level</a:t>
-            </a:r>
-          </a:p>
-        </p:txBody>
-      </p:sp>
-      <p:pic>
-        <p:nvPicPr>
-          <p:cNvPr id="12" name="Logo">
-            <a:extLst>
-              <a:ext uri="{FF2B5EF4-FFF2-40B4-BE49-F238E27FC236}">
-                <a16:creationId xmlns:a16="http://schemas.microsoft.com/office/drawing/2014/main" id="{81051DAF-865D-C24C-A7D1-F9539C5AEDA7}"/>
-              </a:ext>
-            </a:extLst>
-          </p:cNvPr>
-          <p:cNvPicPr>
-            <a:picLocks noChangeAspect="1"/>
-          </p:cNvPicPr>
-          <p:nvPr userDrawn="1"/>
-        </p:nvPicPr>
-        <p:blipFill>
-          <a:blip r:embed="rId2"/>
-          <a:stretch>
-            <a:fillRect/>
-          </a:stretch>
-        </p:blipFill>
-        <p:spPr>
-          <a:xfrm>
-            <a:off x="767166" y="6230570"/>
-            <a:ext cx="3489869" cy="408624"/>
-          </a:xfrm>
-          <a:prstGeom prst="rect">
-            <a:avLst/>
-          </a:prstGeom>
-        </p:spPr>
-      </p:pic>
-    </p:spTree>
-    <p:extLst>
-      <p:ext uri="{BB962C8B-B14F-4D97-AF65-F5344CB8AC3E}">
-        <p14:creationId xmlns:p14="http://schemas.microsoft.com/office/powerpoint/2010/main" val="311713660"/>
-      </p:ext>
-    </p:extLst>
-  </p:cSld>
-  <p:clrMapOvr>
-    <a:masterClrMapping/>
-  </p:clrMapOvr>
-</p:sldLayout>
-</file>
-
-<file path=ppt/slideLayouts/slideLayout3.xml><?xml version="1.0" encoding="utf-8"?>
-<p:sldLayout xmlns:a="http://schemas.openxmlformats.org/drawingml/2006/main" xmlns:r="http://schemas.openxmlformats.org/officeDocument/2006/relationships" xmlns:p="http://schemas.openxmlformats.org/presentationml/2006/main" type="secHead" preserve="1">
-  <p:cSld name="Section Header">
-    <p:spTree>
-      <p:nvGrpSpPr>
-        <p:cNvPr id="1" name=""/>
-        <p:cNvGrpSpPr/>
-        <p:nvPr/>
-      </p:nvGrpSpPr>
-      <p:grpSpPr>
-        <a:xfrm>
-          <a:off x="0" y="0"/>
-          <a:ext cx="0" cy="0"/>
-          <a:chOff x="0" y="0"/>
-          <a:chExt cx="0" cy="0"/>
-        </a:xfrm>
-      </p:grpSpPr>
-      <p:sp>
-        <p:nvSpPr>
-          <p:cNvPr id="2" name="Title 1">
-            <a:extLst>
-              <a:ext uri="{FF2B5EF4-FFF2-40B4-BE49-F238E27FC236}">
-                <a16:creationId xmlns:a16="http://schemas.microsoft.com/office/drawing/2014/main" id="{8F94F8D2-866E-4C08-A0B0-CACDBFD45E99}"/>
-              </a:ext>
-            </a:extLst>
-          </p:cNvPr>
-          <p:cNvSpPr>
-            <a:spLocks noGrp="1"/>
-          </p:cNvSpPr>
-          <p:nvPr>
-            <p:ph type="title"/>
-          </p:nvPr>
-        </p:nvSpPr>
-        <p:spPr>
-          <a:xfrm>
-            <a:off x="831850" y="1709738"/>
-            <a:ext cx="10515600" cy="2852737"/>
-          </a:xfrm>
-        </p:spPr>
-        <p:txBody>
-          <a:bodyPr anchor="b"/>
-          <a:lstStyle>
-            <a:lvl1pPr>
-              <a:defRPr sz="6000"/>
-            </a:lvl1pPr>
-          </a:lstStyle>
-          <a:p>
-            <a:r>
-              <a:rPr lang="en-US"/>
-              <a:t>Click to edit Master title style</a:t>
-            </a:r>
-            <a:endParaRPr lang="en-GB"/>
-          </a:p>
-        </p:txBody>
-      </p:sp>
-      <p:sp>
-        <p:nvSpPr>
-          <p:cNvPr id="3" name="Text Placeholder 2">
-            <a:extLst>
-              <a:ext uri="{FF2B5EF4-FFF2-40B4-BE49-F238E27FC236}">
-                <a16:creationId xmlns:a16="http://schemas.microsoft.com/office/drawing/2014/main" id="{354B9F83-7F09-49E5-9E86-F6C12B40A5E3}"/>
-              </a:ext>
-            </a:extLst>
-          </p:cNvPr>
-          <p:cNvSpPr>
-            <a:spLocks noGrp="1"/>
-          </p:cNvSpPr>
-          <p:nvPr>
-            <p:ph type="body" idx="1"/>
-          </p:nvPr>
-        </p:nvSpPr>
-        <p:spPr>
-          <a:xfrm>
-            <a:off x="831850" y="4589463"/>
-            <a:ext cx="10515600" cy="1500187"/>
-          </a:xfrm>
-        </p:spPr>
-        <p:txBody>
-          <a:bodyPr/>
-          <a:lstStyle>
-            <a:lvl1pPr marL="0" indent="0">
-              <a:buNone/>
-              <a:defRPr sz="2400">
-                <a:solidFill>
-                  <a:schemeClr val="tx1">
-                    <a:tint val="75000"/>
-                  </a:schemeClr>
-                </a:solidFill>
-              </a:defRPr>
-            </a:lvl1pPr>
-            <a:lvl2pPr marL="457200" indent="0">
-              <a:buNone/>
-              <a:defRPr sz="2000">
-                <a:solidFill>
-                  <a:schemeClr val="tx1">
-                    <a:tint val="75000"/>
-                  </a:schemeClr>
-                </a:solidFill>
-              </a:defRPr>
-            </a:lvl2pPr>
-            <a:lvl3pPr marL="914400" indent="0">
-              <a:buNone/>
-              <a:defRPr sz="1800">
-                <a:solidFill>
-                  <a:schemeClr val="tx1">
-                    <a:tint val="75000"/>
-                  </a:schemeClr>
-                </a:solidFill>
-              </a:defRPr>
-            </a:lvl3pPr>
-            <a:lvl4pPr marL="1371600" indent="0">
-              <a:buNone/>
-              <a:defRPr sz="1600">
-                <a:solidFill>
-                  <a:schemeClr val="tx1">
-                    <a:tint val="75000"/>
-                  </a:schemeClr>
-                </a:solidFill>
-              </a:defRPr>
-            </a:lvl4pPr>
-            <a:lvl5pPr marL="1828800" indent="0">
-              <a:buNone/>
-              <a:defRPr sz="1600">
-                <a:solidFill>
-                  <a:schemeClr val="tx1">
-                    <a:tint val="75000"/>
-                  </a:schemeClr>
-                </a:solidFill>
-              </a:defRPr>
-            </a:lvl5pPr>
-            <a:lvl6pPr marL="2286000" indent="0">
-              <a:buNone/>
-              <a:defRPr sz="1600">
-                <a:solidFill>
-                  <a:schemeClr val="tx1">
-                    <a:tint val="75000"/>
-                  </a:schemeClr>
-                </a:solidFill>
-              </a:defRPr>
-            </a:lvl6pPr>
-            <a:lvl7pPr marL="2743200" indent="0">
-              <a:buNone/>
-              <a:defRPr sz="1600">
-                <a:solidFill>
-                  <a:schemeClr val="tx1">
-                    <a:tint val="75000"/>
-                  </a:schemeClr>
-                </a:solidFill>
-              </a:defRPr>
-            </a:lvl7pPr>
-            <a:lvl8pPr marL="3200400" indent="0">
-              <a:buNone/>
-              <a:defRPr sz="1600">
-                <a:solidFill>
-                  <a:schemeClr val="tx1">
-                    <a:tint val="75000"/>
-                  </a:schemeClr>
-                </a:solidFill>
-              </a:defRPr>
-            </a:lvl8pPr>
-            <a:lvl9pPr marL="3657600" indent="0">
-              <a:buNone/>
-              <a:defRPr sz="1600">
-                <a:solidFill>
-                  <a:schemeClr val="tx1">
-                    <a:tint val="75000"/>
-                  </a:schemeClr>
-                </a:solidFill>
-              </a:defRPr>
-            </a:lvl9pPr>
-          </a:lstStyle>
-          <a:p>
-            <a:pPr lvl="0"/>
-            <a:r>
-              <a:rPr lang="en-US"/>
-              <a:t>Click to edit Master text styles</a:t>
-            </a:r>
-          </a:p>
-        </p:txBody>
-      </p:sp>
-      <p:sp>
-        <p:nvSpPr>
-          <p:cNvPr id="4" name="Date Placeholder 3">
-            <a:extLst>
-              <a:ext uri="{FF2B5EF4-FFF2-40B4-BE49-F238E27FC236}">
-                <a16:creationId xmlns:a16="http://schemas.microsoft.com/office/drawing/2014/main" id="{0D9B9DCC-E62F-42B4-A74A-F1FC74AFA89F}"/>
-              </a:ext>
-            </a:extLst>
-          </p:cNvPr>
-          <p:cNvSpPr>
-            <a:spLocks noGrp="1"/>
-          </p:cNvSpPr>
-          <p:nvPr>
-            <p:ph type="dt" sz="half" idx="10"/>
-          </p:nvPr>
-        </p:nvSpPr>
-        <p:spPr/>
-        <p:txBody>
-          <a:bodyPr/>
-          <a:lstStyle/>
-          <a:p>
-            <a:fld id="{CAAB38E9-6A6F-4A20-AE79-6273898C48E9}" type="datetimeFigureOut">
-              <a:rPr lang="en-GB" smtClean="0"/>
-              <a:t>29/06/2021</a:t>
-            </a:fld>
-            <a:endParaRPr lang="en-GB"/>
-          </a:p>
-        </p:txBody>
-      </p:sp>
-      <p:sp>
-        <p:nvSpPr>
-          <p:cNvPr id="5" name="Footer Placeholder 4">
-            <a:extLst>
-              <a:ext uri="{FF2B5EF4-FFF2-40B4-BE49-F238E27FC236}">
-                <a16:creationId xmlns:a16="http://schemas.microsoft.com/office/drawing/2014/main" id="{8A27F265-8102-46AD-B1D2-C381B3D9E645}"/>
-              </a:ext>
-            </a:extLst>
-          </p:cNvPr>
-          <p:cNvSpPr>
-            <a:spLocks noGrp="1"/>
-          </p:cNvSpPr>
-          <p:nvPr>
-            <p:ph type="ftr" sz="quarter" idx="11"/>
-          </p:nvPr>
-        </p:nvSpPr>
-        <p:spPr/>
-        <p:txBody>
-          <a:bodyPr/>
-          <a:lstStyle/>
-          <a:p>
-            <a:endParaRPr lang="en-GB"/>
-          </a:p>
-        </p:txBody>
-      </p:sp>
-      <p:sp>
-        <p:nvSpPr>
-          <p:cNvPr id="6" name="Slide Number Placeholder 5">
-            <a:extLst>
-              <a:ext uri="{FF2B5EF4-FFF2-40B4-BE49-F238E27FC236}">
-                <a16:creationId xmlns:a16="http://schemas.microsoft.com/office/drawing/2014/main" id="{F63CE405-9B2A-4109-A3C8-0500FD93AEF8}"/>
-              </a:ext>
-            </a:extLst>
-          </p:cNvPr>
-          <p:cNvSpPr>
-            <a:spLocks noGrp="1"/>
-          </p:cNvSpPr>
-          <p:nvPr>
-            <p:ph type="sldNum" sz="quarter" idx="12"/>
-          </p:nvPr>
-        </p:nvSpPr>
-        <p:spPr/>
-        <p:txBody>
-          <a:bodyPr/>
-          <a:lstStyle/>
-          <a:p>
-            <a:fld id="{7AD12C93-308F-4A63-94C1-7FBC571C532D}" type="slidenum">
-              <a:rPr lang="en-GB" smtClean="0"/>
-              <a:t>‹#›</a:t>
-            </a:fld>
-            <a:endParaRPr lang="en-GB"/>
-          </a:p>
-        </p:txBody>
-      </p:sp>
-    </p:spTree>
-    <p:extLst>
-      <p:ext uri="{BB962C8B-B14F-4D97-AF65-F5344CB8AC3E}">
-        <p14:creationId xmlns:p14="http://schemas.microsoft.com/office/powerpoint/2010/main" val="3735075662"/>
-      </p:ext>
-    </p:extLst>
-  </p:cSld>
-  <p:clrMapOvr>
-    <a:masterClrMapping/>
-  </p:clrMapOvr>
-</p:sldLayout>
-</file>
-
-<file path=ppt/slideLayouts/slideLayout4.xml><?xml version="1.0" encoding="utf-8"?>
-<p:sldLayout xmlns:a="http://schemas.openxmlformats.org/drawingml/2006/main" xmlns:r="http://schemas.openxmlformats.org/officeDocument/2006/relationships" xmlns:p="http://schemas.openxmlformats.org/presentationml/2006/main" type="twoObj" preserve="1">
-  <p:cSld name="Two Content">
-    <p:spTree>
-      <p:nvGrpSpPr>
-        <p:cNvPr id="1" name=""/>
-        <p:cNvGrpSpPr/>
-        <p:nvPr/>
-      </p:nvGrpSpPr>
-      <p:grpSpPr>
-        <a:xfrm>
-          <a:off x="0" y="0"/>
-          <a:ext cx="0" cy="0"/>
-          <a:chOff x="0" y="0"/>
-          <a:chExt cx="0" cy="0"/>
-        </a:xfrm>
-      </p:grpSpPr>
-      <p:sp>
-        <p:nvSpPr>
-          <p:cNvPr id="2" name="Title 1">
-            <a:extLst>
-              <a:ext uri="{FF2B5EF4-FFF2-40B4-BE49-F238E27FC236}">
-                <a16:creationId xmlns:a16="http://schemas.microsoft.com/office/drawing/2014/main" id="{2D09B943-C5A2-4EE7-A89F-B7499E15059C}"/>
-              </a:ext>
-            </a:extLst>
-          </p:cNvPr>
-          <p:cNvSpPr>
-            <a:spLocks noGrp="1"/>
-          </p:cNvSpPr>
-          <p:nvPr>
-            <p:ph type="title"/>
-          </p:nvPr>
-        </p:nvSpPr>
-        <p:spPr/>
-        <p:txBody>
-          <a:bodyPr/>
-          <a:lstStyle/>
-          <a:p>
-            <a:r>
-              <a:rPr lang="en-US"/>
-              <a:t>Click to edit Master title style</a:t>
-            </a:r>
-            <a:endParaRPr lang="en-GB"/>
-          </a:p>
-        </p:txBody>
-      </p:sp>
-      <p:sp>
-        <p:nvSpPr>
-          <p:cNvPr id="3" name="Content Placeholder 2">
-            <a:extLst>
-              <a:ext uri="{FF2B5EF4-FFF2-40B4-BE49-F238E27FC236}">
-                <a16:creationId xmlns:a16="http://schemas.microsoft.com/office/drawing/2014/main" id="{FD412898-8087-4B1E-86EB-F14F7DA1E386}"/>
-              </a:ext>
-            </a:extLst>
-          </p:cNvPr>
-          <p:cNvSpPr>
-            <a:spLocks noGrp="1"/>
-          </p:cNvSpPr>
-          <p:nvPr>
-            <p:ph sz="half" idx="1"/>
-          </p:nvPr>
-        </p:nvSpPr>
-        <p:spPr>
-          <a:xfrm>
-            <a:off x="838200" y="1825625"/>
-            <a:ext cx="5181600" cy="4351338"/>
-          </a:xfrm>
-        </p:spPr>
-        <p:txBody>
-          <a:bodyPr/>
-          <a:lstStyle/>
-          <a:p>
-            <a:pPr lvl="0"/>
-            <a:r>
-              <a:rPr lang="en-US"/>
-              <a:t>Click to edit Master text styles</a:t>
-            </a:r>
-          </a:p>
-          <a:p>
-            <a:pPr lvl="1"/>
-            <a:r>
-              <a:rPr lang="en-US"/>
-              <a:t>Second level</a:t>
-            </a:r>
-          </a:p>
-          <a:p>
-            <a:pPr lvl="2"/>
-            <a:r>
-              <a:rPr lang="en-US"/>
-              <a:t>Third level</a:t>
-            </a:r>
-          </a:p>
-          <a:p>
-            <a:pPr lvl="3"/>
-            <a:r>
-              <a:rPr lang="en-US"/>
-              <a:t>Fourth level</a:t>
-            </a:r>
-          </a:p>
-          <a:p>
-            <a:pPr lvl="4"/>
-            <a:r>
-              <a:rPr lang="en-US"/>
-              <a:t>Fifth level</a:t>
-            </a:r>
-            <a:endParaRPr lang="en-GB"/>
-          </a:p>
-        </p:txBody>
-      </p:sp>
-      <p:sp>
-        <p:nvSpPr>
-          <p:cNvPr id="4" name="Content Placeholder 3">
-            <a:extLst>
-              <a:ext uri="{FF2B5EF4-FFF2-40B4-BE49-F238E27FC236}">
-                <a16:creationId xmlns:a16="http://schemas.microsoft.com/office/drawing/2014/main" id="{002C2CBC-3CCE-430B-9A5F-25033C9481DE}"/>
-              </a:ext>
-            </a:extLst>
-          </p:cNvPr>
-          <p:cNvSpPr>
-            <a:spLocks noGrp="1"/>
-          </p:cNvSpPr>
-          <p:nvPr>
-            <p:ph sz="half" idx="2"/>
-          </p:nvPr>
-        </p:nvSpPr>
-        <p:spPr>
-          <a:xfrm>
-            <a:off x="6172200" y="1825625"/>
-            <a:ext cx="5181600" cy="4351338"/>
-          </a:xfrm>
-        </p:spPr>
-        <p:txBody>
-          <a:bodyPr/>
-          <a:lstStyle/>
-          <a:p>
-            <a:pPr lvl="0"/>
-            <a:r>
-              <a:rPr lang="en-US"/>
-              <a:t>Click to edit Master text styles</a:t>
-            </a:r>
-          </a:p>
-          <a:p>
-            <a:pPr lvl="1"/>
-            <a:r>
-              <a:rPr lang="en-US"/>
-              <a:t>Second level</a:t>
-            </a:r>
-          </a:p>
-          <a:p>
-            <a:pPr lvl="2"/>
-            <a:r>
-              <a:rPr lang="en-US"/>
-              <a:t>Third level</a:t>
-            </a:r>
-          </a:p>
-          <a:p>
-            <a:pPr lvl="3"/>
-            <a:r>
-              <a:rPr lang="en-US"/>
-              <a:t>Fourth level</a:t>
-            </a:r>
-          </a:p>
-          <a:p>
-            <a:pPr lvl="4"/>
-            <a:r>
-              <a:rPr lang="en-US"/>
-              <a:t>Fifth level</a:t>
-            </a:r>
-            <a:endParaRPr lang="en-GB"/>
-          </a:p>
-        </p:txBody>
-      </p:sp>
-      <p:sp>
-        <p:nvSpPr>
-          <p:cNvPr id="5" name="Date Placeholder 4">
-            <a:extLst>
-              <a:ext uri="{FF2B5EF4-FFF2-40B4-BE49-F238E27FC236}">
-                <a16:creationId xmlns:a16="http://schemas.microsoft.com/office/drawing/2014/main" id="{0AD8D7B9-DACA-4C3F-954C-E3D7220FD913}"/>
-              </a:ext>
-            </a:extLst>
-          </p:cNvPr>
-          <p:cNvSpPr>
-            <a:spLocks noGrp="1"/>
-          </p:cNvSpPr>
-          <p:nvPr>
-            <p:ph type="dt" sz="half" idx="10"/>
-          </p:nvPr>
-        </p:nvSpPr>
-        <p:spPr/>
-        <p:txBody>
-          <a:bodyPr/>
-          <a:lstStyle/>
-          <a:p>
-            <a:fld id="{CAAB38E9-6A6F-4A20-AE79-6273898C48E9}" type="datetimeFigureOut">
-              <a:rPr lang="en-GB" smtClean="0"/>
-              <a:t>29/06/2021</a:t>
-            </a:fld>
-            <a:endParaRPr lang="en-GB"/>
-          </a:p>
-        </p:txBody>
-      </p:sp>
-      <p:sp>
-        <p:nvSpPr>
-          <p:cNvPr id="6" name="Footer Placeholder 5">
-            <a:extLst>
-              <a:ext uri="{FF2B5EF4-FFF2-40B4-BE49-F238E27FC236}">
-                <a16:creationId xmlns:a16="http://schemas.microsoft.com/office/drawing/2014/main" id="{796085C6-4AA0-4199-AEAE-DE27F6EB491B}"/>
-              </a:ext>
-            </a:extLst>
-          </p:cNvPr>
-          <p:cNvSpPr>
-            <a:spLocks noGrp="1"/>
-          </p:cNvSpPr>
-          <p:nvPr>
-            <p:ph type="ftr" sz="quarter" idx="11"/>
-          </p:nvPr>
-        </p:nvSpPr>
-        <p:spPr/>
-        <p:txBody>
-          <a:bodyPr/>
-          <a:lstStyle/>
-          <a:p>
-            <a:endParaRPr lang="en-GB"/>
-          </a:p>
-        </p:txBody>
-      </p:sp>
-      <p:sp>
-        <p:nvSpPr>
-          <p:cNvPr id="7" name="Slide Number Placeholder 6">
-            <a:extLst>
-              <a:ext uri="{FF2B5EF4-FFF2-40B4-BE49-F238E27FC236}">
-                <a16:creationId xmlns:a16="http://schemas.microsoft.com/office/drawing/2014/main" id="{83EA2D58-560E-4D33-9579-11E5ED38BB08}"/>
-              </a:ext>
-            </a:extLst>
-          </p:cNvPr>
-          <p:cNvSpPr>
-            <a:spLocks noGrp="1"/>
-          </p:cNvSpPr>
-          <p:nvPr>
-            <p:ph type="sldNum" sz="quarter" idx="12"/>
-          </p:nvPr>
-        </p:nvSpPr>
-        <p:spPr/>
-        <p:txBody>
-          <a:bodyPr/>
-          <a:lstStyle/>
-          <a:p>
-            <a:fld id="{7AD12C93-308F-4A63-94C1-7FBC571C532D}" type="slidenum">
-              <a:rPr lang="en-GB" smtClean="0"/>
-              <a:t>‹#›</a:t>
-            </a:fld>
-            <a:endParaRPr lang="en-GB"/>
-          </a:p>
-        </p:txBody>
-      </p:sp>
-    </p:spTree>
-    <p:extLst>
-      <p:ext uri="{BB962C8B-B14F-4D97-AF65-F5344CB8AC3E}">
-        <p14:creationId xmlns:p14="http://schemas.microsoft.com/office/powerpoint/2010/main" val="1022326064"/>
-      </p:ext>
-    </p:extLst>
-  </p:cSld>
-  <p:clrMapOvr>
-    <a:masterClrMapping/>
-  </p:clrMapOvr>
-</p:sldLayout>
-</file>
-
-<file path=ppt/slideLayouts/slideLayout5.xml><?xml version="1.0" encoding="utf-8"?>
-<p:sldLayout xmlns:a="http://schemas.openxmlformats.org/drawingml/2006/main" xmlns:r="http://schemas.openxmlformats.org/officeDocument/2006/relationships" xmlns:p="http://schemas.openxmlformats.org/presentationml/2006/main" type="twoTxTwoObj" preserve="1">
-  <p:cSld name="Comparison">
-    <p:spTree>
-      <p:nvGrpSpPr>
-        <p:cNvPr id="1" name=""/>
-        <p:cNvGrpSpPr/>
-        <p:nvPr/>
-      </p:nvGrpSpPr>
-      <p:grpSpPr>
-        <a:xfrm>
-          <a:off x="0" y="0"/>
-          <a:ext cx="0" cy="0"/>
-          <a:chOff x="0" y="0"/>
-          <a:chExt cx="0" cy="0"/>
-        </a:xfrm>
-      </p:grpSpPr>
-      <p:sp>
-        <p:nvSpPr>
-          <p:cNvPr id="2" name="Title 1">
-            <a:extLst>
-              <a:ext uri="{FF2B5EF4-FFF2-40B4-BE49-F238E27FC236}">
-                <a16:creationId xmlns:a16="http://schemas.microsoft.com/office/drawing/2014/main" id="{78FA1CD5-BBD2-45BC-BBC8-A837427CDCCD}"/>
-              </a:ext>
-            </a:extLst>
-          </p:cNvPr>
-          <p:cNvSpPr>
-            <a:spLocks noGrp="1"/>
-          </p:cNvSpPr>
-          <p:nvPr>
-            <p:ph type="title"/>
-          </p:nvPr>
-        </p:nvSpPr>
-        <p:spPr>
-          <a:xfrm>
-            <a:off x="839788" y="365125"/>
-            <a:ext cx="10515600" cy="1325563"/>
-          </a:xfrm>
-        </p:spPr>
-        <p:txBody>
-          <a:bodyPr/>
-          <a:lstStyle/>
-          <a:p>
-            <a:r>
-              <a:rPr lang="en-US"/>
-              <a:t>Click to edit Master title style</a:t>
-            </a:r>
-            <a:endParaRPr lang="en-GB"/>
-          </a:p>
-        </p:txBody>
-      </p:sp>
-      <p:sp>
-        <p:nvSpPr>
-          <p:cNvPr id="3" name="Text Placeholder 2">
-            <a:extLst>
-              <a:ext uri="{FF2B5EF4-FFF2-40B4-BE49-F238E27FC236}">
-                <a16:creationId xmlns:a16="http://schemas.microsoft.com/office/drawing/2014/main" id="{AAC232B6-BF9C-4446-8E66-079892F27CCA}"/>
-              </a:ext>
-            </a:extLst>
-          </p:cNvPr>
-          <p:cNvSpPr>
-            <a:spLocks noGrp="1"/>
-          </p:cNvSpPr>
-          <p:nvPr>
-            <p:ph type="body" idx="1"/>
-          </p:nvPr>
-        </p:nvSpPr>
-        <p:spPr>
-          <a:xfrm>
-            <a:off x="839788" y="1681163"/>
-            <a:ext cx="5157787" cy="823912"/>
-          </a:xfrm>
-        </p:spPr>
-        <p:txBody>
-          <a:bodyPr anchor="b"/>
-          <a:lstStyle>
-            <a:lvl1pPr marL="0" indent="0">
-              <a:buNone/>
-              <a:defRPr sz="2400" b="1"/>
-            </a:lvl1pPr>
-            <a:lvl2pPr marL="457200" indent="0">
-              <a:buNone/>
-              <a:defRPr sz="2000" b="1"/>
-            </a:lvl2pPr>
-            <a:lvl3pPr marL="914400" indent="0">
-              <a:buNone/>
-              <a:defRPr sz="1800" b="1"/>
-            </a:lvl3pPr>
-            <a:lvl4pPr marL="1371600" indent="0">
-              <a:buNone/>
-              <a:defRPr sz="1600" b="1"/>
-            </a:lvl4pPr>
-            <a:lvl5pPr marL="1828800" indent="0">
-              <a:buNone/>
-              <a:defRPr sz="1600" b="1"/>
-            </a:lvl5pPr>
-            <a:lvl6pPr marL="2286000" indent="0">
-              <a:buNone/>
-              <a:defRPr sz="1600" b="1"/>
-            </a:lvl6pPr>
-            <a:lvl7pPr marL="2743200" indent="0">
-              <a:buNone/>
-              <a:defRPr sz="1600" b="1"/>
-            </a:lvl7pPr>
-            <a:lvl8pPr marL="3200400" indent="0">
-              <a:buNone/>
-              <a:defRPr sz="1600" b="1"/>
-            </a:lvl8pPr>
-            <a:lvl9pPr marL="3657600" indent="0">
-              <a:buNone/>
-              <a:defRPr sz="1600" b="1"/>
-            </a:lvl9pPr>
-          </a:lstStyle>
-          <a:p>
-            <a:pPr lvl="0"/>
-            <a:r>
-              <a:rPr lang="en-US"/>
-              <a:t>Click to edit Master text styles</a:t>
-            </a:r>
-          </a:p>
-        </p:txBody>
-      </p:sp>
-      <p:sp>
-        <p:nvSpPr>
-          <p:cNvPr id="4" name="Content Placeholder 3">
-            <a:extLst>
-              <a:ext uri="{FF2B5EF4-FFF2-40B4-BE49-F238E27FC236}">
-                <a16:creationId xmlns:a16="http://schemas.microsoft.com/office/drawing/2014/main" id="{407E2996-996C-4B3C-9F09-882DC1AA8E4D}"/>
-              </a:ext>
-            </a:extLst>
-          </p:cNvPr>
-          <p:cNvSpPr>
-            <a:spLocks noGrp="1"/>
-          </p:cNvSpPr>
-          <p:nvPr>
-            <p:ph sz="half" idx="2"/>
-          </p:nvPr>
-        </p:nvSpPr>
-        <p:spPr>
-          <a:xfrm>
-            <a:off x="839788" y="2505075"/>
-            <a:ext cx="5157787" cy="3684588"/>
-          </a:xfrm>
-        </p:spPr>
-        <p:txBody>
-          <a:bodyPr/>
-          <a:lstStyle/>
-          <a:p>
-            <a:pPr lvl="0"/>
-            <a:r>
-              <a:rPr lang="en-US"/>
-              <a:t>Click to edit Master text styles</a:t>
-            </a:r>
-          </a:p>
-          <a:p>
-            <a:pPr lvl="1"/>
-            <a:r>
-              <a:rPr lang="en-US"/>
-              <a:t>Second level</a:t>
-            </a:r>
-          </a:p>
-          <a:p>
-            <a:pPr lvl="2"/>
-            <a:r>
-              <a:rPr lang="en-US"/>
-              <a:t>Third level</a:t>
-            </a:r>
-          </a:p>
-          <a:p>
-            <a:pPr lvl="3"/>
-            <a:r>
-              <a:rPr lang="en-US"/>
-              <a:t>Fourth level</a:t>
-            </a:r>
-          </a:p>
-          <a:p>
-            <a:pPr lvl="4"/>
-            <a:r>
-              <a:rPr lang="en-US"/>
-              <a:t>Fifth level</a:t>
-            </a:r>
-            <a:endParaRPr lang="en-GB"/>
-          </a:p>
-        </p:txBody>
-      </p:sp>
-      <p:sp>
-        <p:nvSpPr>
-          <p:cNvPr id="5" name="Text Placeholder 4">
-            <a:extLst>
-              <a:ext uri="{FF2B5EF4-FFF2-40B4-BE49-F238E27FC236}">
-                <a16:creationId xmlns:a16="http://schemas.microsoft.com/office/drawing/2014/main" id="{D63F657D-F5D8-45C8-9A5F-DF73236AA389}"/>
-              </a:ext>
-            </a:extLst>
-          </p:cNvPr>
-          <p:cNvSpPr>
-            <a:spLocks noGrp="1"/>
-          </p:cNvSpPr>
-          <p:nvPr>
-            <p:ph type="body" sz="quarter" idx="3"/>
-          </p:nvPr>
-        </p:nvSpPr>
-        <p:spPr>
-          <a:xfrm>
-            <a:off x="6172200" y="1681163"/>
-            <a:ext cx="5183188" cy="823912"/>
-          </a:xfrm>
-        </p:spPr>
-        <p:txBody>
-          <a:bodyPr anchor="b"/>
-          <a:lstStyle>
-            <a:lvl1pPr marL="0" indent="0">
-              <a:buNone/>
-              <a:defRPr sz="2400" b="1"/>
-            </a:lvl1pPr>
-            <a:lvl2pPr marL="457200" indent="0">
-              <a:buNone/>
-              <a:defRPr sz="2000" b="1"/>
-            </a:lvl2pPr>
-            <a:lvl3pPr marL="914400" indent="0">
-              <a:buNone/>
-              <a:defRPr sz="1800" b="1"/>
-            </a:lvl3pPr>
-            <a:lvl4pPr marL="1371600" indent="0">
-              <a:buNone/>
-              <a:defRPr sz="1600" b="1"/>
-            </a:lvl4pPr>
-            <a:lvl5pPr marL="1828800" indent="0">
-              <a:buNone/>
-              <a:defRPr sz="1600" b="1"/>
-            </a:lvl5pPr>
-            <a:lvl6pPr marL="2286000" indent="0">
-              <a:buNone/>
-              <a:defRPr sz="1600" b="1"/>
-            </a:lvl6pPr>
-            <a:lvl7pPr marL="2743200" indent="0">
-              <a:buNone/>
-              <a:defRPr sz="1600" b="1"/>
-            </a:lvl7pPr>
-            <a:lvl8pPr marL="3200400" indent="0">
-              <a:buNone/>
-              <a:defRPr sz="1600" b="1"/>
-            </a:lvl8pPr>
-            <a:lvl9pPr marL="3657600" indent="0">
-              <a:buNone/>
-              <a:defRPr sz="1600" b="1"/>
-            </a:lvl9pPr>
-          </a:lstStyle>
-          <a:p>
-            <a:pPr lvl="0"/>
-            <a:r>
-              <a:rPr lang="en-US"/>
-              <a:t>Click to edit Master text styles</a:t>
-            </a:r>
-          </a:p>
-        </p:txBody>
-      </p:sp>
-      <p:sp>
-        <p:nvSpPr>
-          <p:cNvPr id="6" name="Content Placeholder 5">
-            <a:extLst>
-              <a:ext uri="{FF2B5EF4-FFF2-40B4-BE49-F238E27FC236}">
-                <a16:creationId xmlns:a16="http://schemas.microsoft.com/office/drawing/2014/main" id="{68AAE336-BF15-4EE6-83C5-BB7811F991C7}"/>
-              </a:ext>
-            </a:extLst>
-          </p:cNvPr>
-          <p:cNvSpPr>
-            <a:spLocks noGrp="1"/>
-          </p:cNvSpPr>
-          <p:nvPr>
-            <p:ph sz="quarter" idx="4"/>
-          </p:nvPr>
-        </p:nvSpPr>
-        <p:spPr>
-          <a:xfrm>
-            <a:off x="6172200" y="2505075"/>
-            <a:ext cx="5183188" cy="3684588"/>
-          </a:xfrm>
-        </p:spPr>
-        <p:txBody>
-          <a:bodyPr/>
-          <a:lstStyle/>
-          <a:p>
-            <a:pPr lvl="0"/>
-            <a:r>
-              <a:rPr lang="en-US"/>
-              <a:t>Click to edit Master text styles</a:t>
-            </a:r>
-          </a:p>
-          <a:p>
-            <a:pPr lvl="1"/>
-            <a:r>
-              <a:rPr lang="en-US"/>
-              <a:t>Second level</a:t>
-            </a:r>
-          </a:p>
-          <a:p>
-            <a:pPr lvl="2"/>
-            <a:r>
-              <a:rPr lang="en-US"/>
-              <a:t>Third level</a:t>
-            </a:r>
-          </a:p>
-          <a:p>
-            <a:pPr lvl="3"/>
-            <a:r>
-              <a:rPr lang="en-US"/>
-              <a:t>Fourth level</a:t>
-            </a:r>
-          </a:p>
-          <a:p>
-            <a:pPr lvl="4"/>
-            <a:r>
-              <a:rPr lang="en-US"/>
-              <a:t>Fifth level</a:t>
-            </a:r>
-            <a:endParaRPr lang="en-GB"/>
-          </a:p>
-        </p:txBody>
-      </p:sp>
-      <p:sp>
-        <p:nvSpPr>
-          <p:cNvPr id="7" name="Date Placeholder 6">
-            <a:extLst>
-              <a:ext uri="{FF2B5EF4-FFF2-40B4-BE49-F238E27FC236}">
-                <a16:creationId xmlns:a16="http://schemas.microsoft.com/office/drawing/2014/main" id="{AF2985F9-A881-4F4D-BD81-039B43E303F6}"/>
-              </a:ext>
-            </a:extLst>
-          </p:cNvPr>
-          <p:cNvSpPr>
-            <a:spLocks noGrp="1"/>
-          </p:cNvSpPr>
-          <p:nvPr>
-            <p:ph type="dt" sz="half" idx="10"/>
-          </p:nvPr>
-        </p:nvSpPr>
-        <p:spPr/>
-        <p:txBody>
-          <a:bodyPr/>
-          <a:lstStyle/>
-          <a:p>
-            <a:fld id="{CAAB38E9-6A6F-4A20-AE79-6273898C48E9}" type="datetimeFigureOut">
-              <a:rPr lang="en-GB" smtClean="0"/>
-              <a:t>29/06/2021</a:t>
-            </a:fld>
-            <a:endParaRPr lang="en-GB"/>
-          </a:p>
-        </p:txBody>
-      </p:sp>
-      <p:sp>
-        <p:nvSpPr>
-          <p:cNvPr id="8" name="Footer Placeholder 7">
-            <a:extLst>
-              <a:ext uri="{FF2B5EF4-FFF2-40B4-BE49-F238E27FC236}">
-                <a16:creationId xmlns:a16="http://schemas.microsoft.com/office/drawing/2014/main" id="{3CD2C481-1AA1-414C-AC01-CB9FA738DF45}"/>
-              </a:ext>
-            </a:extLst>
-          </p:cNvPr>
-          <p:cNvSpPr>
-            <a:spLocks noGrp="1"/>
-          </p:cNvSpPr>
-          <p:nvPr>
-            <p:ph type="ftr" sz="quarter" idx="11"/>
-          </p:nvPr>
-        </p:nvSpPr>
-        <p:spPr/>
-        <p:txBody>
-          <a:bodyPr/>
-          <a:lstStyle/>
-          <a:p>
-            <a:endParaRPr lang="en-GB"/>
-          </a:p>
-        </p:txBody>
-      </p:sp>
-      <p:sp>
-        <p:nvSpPr>
-          <p:cNvPr id="9" name="Slide Number Placeholder 8">
-            <a:extLst>
-              <a:ext uri="{FF2B5EF4-FFF2-40B4-BE49-F238E27FC236}">
-                <a16:creationId xmlns:a16="http://schemas.microsoft.com/office/drawing/2014/main" id="{D7CBFD38-FAE4-4220-B22F-3576E59B8DD4}"/>
-              </a:ext>
-            </a:extLst>
-          </p:cNvPr>
-          <p:cNvSpPr>
-            <a:spLocks noGrp="1"/>
-          </p:cNvSpPr>
-          <p:nvPr>
-            <p:ph type="sldNum" sz="quarter" idx="12"/>
-          </p:nvPr>
-        </p:nvSpPr>
-        <p:spPr/>
-        <p:txBody>
-          <a:bodyPr/>
-          <a:lstStyle/>
-          <a:p>
-            <a:fld id="{7AD12C93-308F-4A63-94C1-7FBC571C532D}" type="slidenum">
-              <a:rPr lang="en-GB" smtClean="0"/>
-              <a:t>‹#›</a:t>
-            </a:fld>
-            <a:endParaRPr lang="en-GB"/>
-          </a:p>
-        </p:txBody>
-      </p:sp>
-    </p:spTree>
-    <p:extLst>
-      <p:ext uri="{BB962C8B-B14F-4D97-AF65-F5344CB8AC3E}">
-        <p14:creationId xmlns:p14="http://schemas.microsoft.com/office/powerpoint/2010/main" val="706308750"/>
-      </p:ext>
-    </p:extLst>
-  </p:cSld>
-  <p:clrMapOvr>
-    <a:masterClrMapping/>
-  </p:clrMapOvr>
-</p:sldLayout>
-</file>
-
-<file path=ppt/slideLayouts/slideLayout6.xml><?xml version="1.0" encoding="utf-8"?>
-<p:sldLayout xmlns:a="http://schemas.openxmlformats.org/drawingml/2006/main" xmlns:r="http://schemas.openxmlformats.org/officeDocument/2006/relationships" xmlns:p="http://schemas.openxmlformats.org/presentationml/2006/main" type="titleOnly" preserve="1">
-  <p:cSld name="Title Only">
-    <p:spTree>
-      <p:nvGrpSpPr>
-        <p:cNvPr id="1" name=""/>
-        <p:cNvGrpSpPr/>
-        <p:nvPr/>
-      </p:nvGrpSpPr>
-      <p:grpSpPr>
-        <a:xfrm>
-          <a:off x="0" y="0"/>
-          <a:ext cx="0" cy="0"/>
-          <a:chOff x="0" y="0"/>
-          <a:chExt cx="0" cy="0"/>
-        </a:xfrm>
-      </p:grpSpPr>
-      <p:sp>
-        <p:nvSpPr>
-          <p:cNvPr id="2" name="Title 1">
-            <a:extLst>
-              <a:ext uri="{FF2B5EF4-FFF2-40B4-BE49-F238E27FC236}">
-                <a16:creationId xmlns:a16="http://schemas.microsoft.com/office/drawing/2014/main" id="{DA76D57F-F8FE-4FAD-95F1-7658956CF7CC}"/>
-              </a:ext>
-            </a:extLst>
-          </p:cNvPr>
-          <p:cNvSpPr>
-            <a:spLocks noGrp="1"/>
-          </p:cNvSpPr>
-          <p:nvPr>
-            <p:ph type="title"/>
-          </p:nvPr>
-        </p:nvSpPr>
-        <p:spPr/>
-        <p:txBody>
-          <a:bodyPr/>
-          <a:lstStyle/>
-          <a:p>
-            <a:r>
-              <a:rPr lang="en-US"/>
-              <a:t>Click to edit Master title style</a:t>
-            </a:r>
-            <a:endParaRPr lang="en-GB"/>
-          </a:p>
-        </p:txBody>
-      </p:sp>
-      <p:sp>
-        <p:nvSpPr>
-          <p:cNvPr id="3" name="Date Placeholder 2">
-            <a:extLst>
-              <a:ext uri="{FF2B5EF4-FFF2-40B4-BE49-F238E27FC236}">
-                <a16:creationId xmlns:a16="http://schemas.microsoft.com/office/drawing/2014/main" id="{5B53A8C5-4A0A-4F23-BBF8-D5EA5E7E8059}"/>
-              </a:ext>
-            </a:extLst>
-          </p:cNvPr>
-          <p:cNvSpPr>
-            <a:spLocks noGrp="1"/>
-          </p:cNvSpPr>
-          <p:nvPr>
-            <p:ph type="dt" sz="half" idx="10"/>
-          </p:nvPr>
-        </p:nvSpPr>
-        <p:spPr/>
-        <p:txBody>
-          <a:bodyPr/>
-          <a:lstStyle/>
-          <a:p>
-            <a:fld id="{CAAB38E9-6A6F-4A20-AE79-6273898C48E9}" type="datetimeFigureOut">
-              <a:rPr lang="en-GB" smtClean="0"/>
-              <a:t>29/06/2021</a:t>
-            </a:fld>
-            <a:endParaRPr lang="en-GB"/>
-          </a:p>
-        </p:txBody>
-      </p:sp>
-      <p:sp>
-        <p:nvSpPr>
-          <p:cNvPr id="4" name="Footer Placeholder 3">
-            <a:extLst>
-              <a:ext uri="{FF2B5EF4-FFF2-40B4-BE49-F238E27FC236}">
-                <a16:creationId xmlns:a16="http://schemas.microsoft.com/office/drawing/2014/main" id="{B1E93CBC-B6F9-46E5-BC08-2E0329B2A149}"/>
-              </a:ext>
-            </a:extLst>
-          </p:cNvPr>
-          <p:cNvSpPr>
-            <a:spLocks noGrp="1"/>
-          </p:cNvSpPr>
-          <p:nvPr>
-            <p:ph type="ftr" sz="quarter" idx="11"/>
-          </p:nvPr>
-        </p:nvSpPr>
-        <p:spPr/>
-        <p:txBody>
-          <a:bodyPr/>
-          <a:lstStyle/>
-          <a:p>
-            <a:endParaRPr lang="en-GB"/>
-          </a:p>
-        </p:txBody>
-      </p:sp>
-      <p:sp>
-        <p:nvSpPr>
-          <p:cNvPr id="5" name="Slide Number Placeholder 4">
-            <a:extLst>
-              <a:ext uri="{FF2B5EF4-FFF2-40B4-BE49-F238E27FC236}">
-                <a16:creationId xmlns:a16="http://schemas.microsoft.com/office/drawing/2014/main" id="{7AB0BA1F-4470-4DFD-85CA-52ED428DC22F}"/>
-              </a:ext>
-            </a:extLst>
-          </p:cNvPr>
-          <p:cNvSpPr>
-            <a:spLocks noGrp="1"/>
-          </p:cNvSpPr>
-          <p:nvPr>
-            <p:ph type="sldNum" sz="quarter" idx="12"/>
-          </p:nvPr>
-        </p:nvSpPr>
-        <p:spPr/>
-        <p:txBody>
-          <a:bodyPr/>
-          <a:lstStyle/>
-          <a:p>
-            <a:fld id="{7AD12C93-308F-4A63-94C1-7FBC571C532D}" type="slidenum">
-              <a:rPr lang="en-GB" smtClean="0"/>
-              <a:t>‹#›</a:t>
-            </a:fld>
-            <a:endParaRPr lang="en-GB"/>
-          </a:p>
-        </p:txBody>
-      </p:sp>
-    </p:spTree>
-    <p:extLst>
-      <p:ext uri="{BB962C8B-B14F-4D97-AF65-F5344CB8AC3E}">
-        <p14:creationId xmlns:p14="http://schemas.microsoft.com/office/powerpoint/2010/main" val="3367391597"/>
-      </p:ext>
-    </p:extLst>
-  </p:cSld>
-  <p:clrMapOvr>
-    <a:masterClrMapping/>
-  </p:clrMapOvr>
-</p:sldLayout>
-</file>
-
-<file path=ppt/slideLayouts/slideLayout7.xml><?xml version="1.0" encoding="utf-8"?>
-<p:sldLayout xmlns:a="http://schemas.openxmlformats.org/drawingml/2006/main" xmlns:r="http://schemas.openxmlformats.org/officeDocument/2006/relationships" xmlns:p="http://schemas.openxmlformats.org/presentationml/2006/main" type="blank" preserve="1">
-  <p:cSld name="Blank">
-    <p:spTree>
-      <p:nvGrpSpPr>
-        <p:cNvPr id="1" name=""/>
-        <p:cNvGrpSpPr/>
-        <p:nvPr/>
-      </p:nvGrpSpPr>
-      <p:grpSpPr>
-        <a:xfrm>
-          <a:off x="0" y="0"/>
-          <a:ext cx="0" cy="0"/>
-          <a:chOff x="0" y="0"/>
-          <a:chExt cx="0" cy="0"/>
-        </a:xfrm>
-      </p:grpSpPr>
-      <p:sp>
-        <p:nvSpPr>
-          <p:cNvPr id="2" name="Date Placeholder 1">
-            <a:extLst>
-              <a:ext uri="{FF2B5EF4-FFF2-40B4-BE49-F238E27FC236}">
-                <a16:creationId xmlns:a16="http://schemas.microsoft.com/office/drawing/2014/main" id="{26335E79-CFE0-4935-8082-BD1BDB1B4BCA}"/>
-              </a:ext>
-            </a:extLst>
-          </p:cNvPr>
-          <p:cNvSpPr>
-            <a:spLocks noGrp="1"/>
-          </p:cNvSpPr>
-          <p:nvPr>
-            <p:ph type="dt" sz="half" idx="10"/>
-          </p:nvPr>
-        </p:nvSpPr>
-        <p:spPr/>
-        <p:txBody>
-          <a:bodyPr/>
-          <a:lstStyle/>
-          <a:p>
-            <a:fld id="{CAAB38E9-6A6F-4A20-AE79-6273898C48E9}" type="datetimeFigureOut">
-              <a:rPr lang="en-GB" smtClean="0"/>
-              <a:t>29/06/2021</a:t>
-            </a:fld>
-            <a:endParaRPr lang="en-GB"/>
-          </a:p>
-        </p:txBody>
-      </p:sp>
-      <p:sp>
-        <p:nvSpPr>
-          <p:cNvPr id="3" name="Footer Placeholder 2">
-            <a:extLst>
-              <a:ext uri="{FF2B5EF4-FFF2-40B4-BE49-F238E27FC236}">
-                <a16:creationId xmlns:a16="http://schemas.microsoft.com/office/drawing/2014/main" id="{4818FE64-1656-43F9-968C-936688E71FE9}"/>
-              </a:ext>
-            </a:extLst>
-          </p:cNvPr>
-          <p:cNvSpPr>
-            <a:spLocks noGrp="1"/>
-          </p:cNvSpPr>
-          <p:nvPr>
-            <p:ph type="ftr" sz="quarter" idx="11"/>
-          </p:nvPr>
-        </p:nvSpPr>
-        <p:spPr/>
-        <p:txBody>
-          <a:bodyPr/>
-          <a:lstStyle/>
-          <a:p>
-            <a:endParaRPr lang="en-GB"/>
-          </a:p>
-        </p:txBody>
-      </p:sp>
-      <p:sp>
-        <p:nvSpPr>
-          <p:cNvPr id="4" name="Slide Number Placeholder 3">
-            <a:extLst>
-              <a:ext uri="{FF2B5EF4-FFF2-40B4-BE49-F238E27FC236}">
-                <a16:creationId xmlns:a16="http://schemas.microsoft.com/office/drawing/2014/main" id="{F9794825-D637-46BC-B8A9-9EE6E65B6E5B}"/>
-              </a:ext>
-            </a:extLst>
-          </p:cNvPr>
-          <p:cNvSpPr>
-            <a:spLocks noGrp="1"/>
-          </p:cNvSpPr>
-          <p:nvPr>
-            <p:ph type="sldNum" sz="quarter" idx="12"/>
-          </p:nvPr>
-        </p:nvSpPr>
-        <p:spPr/>
-        <p:txBody>
-          <a:bodyPr/>
-          <a:lstStyle/>
-          <a:p>
-            <a:fld id="{7AD12C93-308F-4A63-94C1-7FBC571C532D}" type="slidenum">
-              <a:rPr lang="en-GB" smtClean="0"/>
-              <a:t>‹#›</a:t>
-            </a:fld>
-            <a:endParaRPr lang="en-GB"/>
-          </a:p>
-        </p:txBody>
-      </p:sp>
-    </p:spTree>
-    <p:extLst>
-      <p:ext uri="{BB962C8B-B14F-4D97-AF65-F5344CB8AC3E}">
-        <p14:creationId xmlns:p14="http://schemas.microsoft.com/office/powerpoint/2010/main" val="3854795263"/>
-      </p:ext>
-    </p:extLst>
-  </p:cSld>
-  <p:clrMapOvr>
-    <a:masterClrMapping/>
-  </p:clrMapOvr>
-</p:sldLayout>
-</file>
-
-<file path=ppt/slideLayouts/slideLayout8.xml><?xml version="1.0" encoding="utf-8"?>
-<p:sldLayout xmlns:a="http://schemas.openxmlformats.org/drawingml/2006/main" xmlns:r="http://schemas.openxmlformats.org/officeDocument/2006/relationships" xmlns:p="http://schemas.openxmlformats.org/presentationml/2006/main" type="objTx" preserve="1">
-  <p:cSld name="Content with Caption">
-    <p:spTree>
-      <p:nvGrpSpPr>
-        <p:cNvPr id="1" name=""/>
-        <p:cNvGrpSpPr/>
-        <p:nvPr/>
-      </p:nvGrpSpPr>
-      <p:grpSpPr>
-        <a:xfrm>
-          <a:off x="0" y="0"/>
-          <a:ext cx="0" cy="0"/>
-          <a:chOff x="0" y="0"/>
-          <a:chExt cx="0" cy="0"/>
-        </a:xfrm>
-      </p:grpSpPr>
-      <p:sp>
-        <p:nvSpPr>
-          <p:cNvPr id="2" name="Title 1">
-            <a:extLst>
-              <a:ext uri="{FF2B5EF4-FFF2-40B4-BE49-F238E27FC236}">
-                <a16:creationId xmlns:a16="http://schemas.microsoft.com/office/drawing/2014/main" id="{E9EE7E83-7E2A-4312-957B-2B0B909520BF}"/>
-              </a:ext>
-            </a:extLst>
-          </p:cNvPr>
-          <p:cNvSpPr>
-            <a:spLocks noGrp="1"/>
-          </p:cNvSpPr>
-          <p:nvPr>
-            <p:ph type="title"/>
-          </p:nvPr>
-        </p:nvSpPr>
-        <p:spPr>
-          <a:xfrm>
-            <a:off x="839788" y="457200"/>
-            <a:ext cx="3932237" cy="1600200"/>
-          </a:xfrm>
-        </p:spPr>
-        <p:txBody>
-          <a:bodyPr anchor="b"/>
-          <a:lstStyle>
-            <a:lvl1pPr>
-              <a:defRPr sz="3200"/>
-            </a:lvl1pPr>
-          </a:lstStyle>
-          <a:p>
-            <a:r>
-              <a:rPr lang="en-US"/>
-              <a:t>Click to edit Master title style</a:t>
-            </a:r>
-            <a:endParaRPr lang="en-GB"/>
-          </a:p>
-        </p:txBody>
-      </p:sp>
-      <p:sp>
-        <p:nvSpPr>
-          <p:cNvPr id="3" name="Content Placeholder 2">
-            <a:extLst>
-              <a:ext uri="{FF2B5EF4-FFF2-40B4-BE49-F238E27FC236}">
-                <a16:creationId xmlns:a16="http://schemas.microsoft.com/office/drawing/2014/main" id="{95A789BA-AD38-4EC1-92F4-AB6FACD5871E}"/>
-              </a:ext>
-            </a:extLst>
-          </p:cNvPr>
-          <p:cNvSpPr>
-            <a:spLocks noGrp="1"/>
-          </p:cNvSpPr>
-          <p:nvPr>
-            <p:ph idx="1"/>
-          </p:nvPr>
-        </p:nvSpPr>
-        <p:spPr>
-          <a:xfrm>
-            <a:off x="5183188" y="987425"/>
-            <a:ext cx="6172200" cy="4873625"/>
-          </a:xfrm>
-        </p:spPr>
-        <p:txBody>
-          <a:bodyPr/>
-          <a:lstStyle>
-            <a:lvl1pPr>
-              <a:defRPr sz="3200"/>
-            </a:lvl1pPr>
-            <a:lvl2pPr>
-              <a:defRPr sz="2800"/>
-            </a:lvl2pPr>
-            <a:lvl3pPr>
-              <a:defRPr sz="2400"/>
-            </a:lvl3pPr>
-            <a:lvl4pPr>
-              <a:defRPr sz="2000"/>
-            </a:lvl4pPr>
-            <a:lvl5pPr>
-              <a:defRPr sz="2000"/>
-            </a:lvl5pPr>
-            <a:lvl6pPr>
-              <a:defRPr sz="2000"/>
-            </a:lvl6pPr>
-            <a:lvl7pPr>
-              <a:defRPr sz="2000"/>
-            </a:lvl7pPr>
-            <a:lvl8pPr>
-              <a:defRPr sz="2000"/>
-            </a:lvl8pPr>
-            <a:lvl9pPr>
-              <a:defRPr sz="2000"/>
-            </a:lvl9pPr>
-          </a:lstStyle>
-          <a:p>
-            <a:pPr lvl="0"/>
-            <a:r>
-              <a:rPr lang="en-US"/>
-              <a:t>Click to edit Master text styles</a:t>
-            </a:r>
-          </a:p>
-          <a:p>
-            <a:pPr lvl="1"/>
-            <a:r>
-              <a:rPr lang="en-US"/>
-              <a:t>Second level</a:t>
-            </a:r>
-          </a:p>
-          <a:p>
-            <a:pPr lvl="2"/>
-            <a:r>
-              <a:rPr lang="en-US"/>
-              <a:t>Third level</a:t>
-            </a:r>
-          </a:p>
-          <a:p>
-            <a:pPr lvl="3"/>
-            <a:r>
-              <a:rPr lang="en-US"/>
-              <a:t>Fourth level</a:t>
-            </a:r>
-          </a:p>
-          <a:p>
-            <a:pPr lvl="4"/>
-            <a:r>
-              <a:rPr lang="en-US"/>
-              <a:t>Fifth level</a:t>
-            </a:r>
-            <a:endParaRPr lang="en-GB"/>
-          </a:p>
-        </p:txBody>
-      </p:sp>
-      <p:sp>
-        <p:nvSpPr>
-          <p:cNvPr id="4" name="Text Placeholder 3">
-            <a:extLst>
-              <a:ext uri="{FF2B5EF4-FFF2-40B4-BE49-F238E27FC236}">
-                <a16:creationId xmlns:a16="http://schemas.microsoft.com/office/drawing/2014/main" id="{DBCE419D-BD10-4C7F-B64E-FBA99D59FF50}"/>
-              </a:ext>
-            </a:extLst>
-          </p:cNvPr>
-          <p:cNvSpPr>
-            <a:spLocks noGrp="1"/>
-          </p:cNvSpPr>
-          <p:nvPr>
-            <p:ph type="body" sz="half" idx="2"/>
-          </p:nvPr>
-        </p:nvSpPr>
-        <p:spPr>
-          <a:xfrm>
-            <a:off x="839788" y="2057400"/>
-            <a:ext cx="3932237" cy="3811588"/>
-          </a:xfrm>
-        </p:spPr>
-        <p:txBody>
-          <a:bodyPr/>
-          <a:lstStyle>
-            <a:lvl1pPr marL="0" indent="0">
-              <a:buNone/>
-              <a:defRPr sz="1600"/>
-            </a:lvl1pPr>
-            <a:lvl2pPr marL="457200" indent="0">
-              <a:buNone/>
-              <a:defRPr sz="1400"/>
-            </a:lvl2pPr>
-            <a:lvl3pPr marL="914400" indent="0">
-              <a:buNone/>
-              <a:defRPr sz="1200"/>
-            </a:lvl3pPr>
-            <a:lvl4pPr marL="1371600" indent="0">
-              <a:buNone/>
-              <a:defRPr sz="1000"/>
-            </a:lvl4pPr>
-            <a:lvl5pPr marL="1828800" indent="0">
-              <a:buNone/>
-              <a:defRPr sz="1000"/>
-            </a:lvl5pPr>
-            <a:lvl6pPr marL="2286000" indent="0">
-              <a:buNone/>
-              <a:defRPr sz="1000"/>
-            </a:lvl6pPr>
-            <a:lvl7pPr marL="2743200" indent="0">
-              <a:buNone/>
-              <a:defRPr sz="1000"/>
-            </a:lvl7pPr>
-            <a:lvl8pPr marL="3200400" indent="0">
-              <a:buNone/>
-              <a:defRPr sz="1000"/>
-            </a:lvl8pPr>
-            <a:lvl9pPr marL="3657600" indent="0">
-              <a:buNone/>
-              <a:defRPr sz="1000"/>
-            </a:lvl9pPr>
-          </a:lstStyle>
-          <a:p>
-            <a:pPr lvl="0"/>
-            <a:r>
-              <a:rPr lang="en-US"/>
-              <a:t>Click to edit Master text styles</a:t>
-            </a:r>
-          </a:p>
-        </p:txBody>
-      </p:sp>
-      <p:sp>
-        <p:nvSpPr>
-          <p:cNvPr id="5" name="Date Placeholder 4">
-            <a:extLst>
-              <a:ext uri="{FF2B5EF4-FFF2-40B4-BE49-F238E27FC236}">
-                <a16:creationId xmlns:a16="http://schemas.microsoft.com/office/drawing/2014/main" id="{FF616CFB-4EC9-484C-A023-EE3CF05DBA61}"/>
-              </a:ext>
-            </a:extLst>
-          </p:cNvPr>
-          <p:cNvSpPr>
-            <a:spLocks noGrp="1"/>
-          </p:cNvSpPr>
-          <p:nvPr>
-            <p:ph type="dt" sz="half" idx="10"/>
-          </p:nvPr>
-        </p:nvSpPr>
-        <p:spPr/>
-        <p:txBody>
-          <a:bodyPr/>
-          <a:lstStyle/>
-          <a:p>
-            <a:fld id="{CAAB38E9-6A6F-4A20-AE79-6273898C48E9}" type="datetimeFigureOut">
-              <a:rPr lang="en-GB" smtClean="0"/>
-              <a:t>29/06/2021</a:t>
-            </a:fld>
-            <a:endParaRPr lang="en-GB"/>
-          </a:p>
-        </p:txBody>
-      </p:sp>
-      <p:sp>
-        <p:nvSpPr>
-          <p:cNvPr id="6" name="Footer Placeholder 5">
-            <a:extLst>
-              <a:ext uri="{FF2B5EF4-FFF2-40B4-BE49-F238E27FC236}">
-                <a16:creationId xmlns:a16="http://schemas.microsoft.com/office/drawing/2014/main" id="{F0041CC3-AF51-4270-A848-96AD93443989}"/>
-              </a:ext>
-            </a:extLst>
-          </p:cNvPr>
-          <p:cNvSpPr>
-            <a:spLocks noGrp="1"/>
-          </p:cNvSpPr>
-          <p:nvPr>
-            <p:ph type="ftr" sz="quarter" idx="11"/>
-          </p:nvPr>
-        </p:nvSpPr>
-        <p:spPr/>
-        <p:txBody>
-          <a:bodyPr/>
-          <a:lstStyle/>
-          <a:p>
-            <a:endParaRPr lang="en-GB"/>
-          </a:p>
-        </p:txBody>
-      </p:sp>
-      <p:sp>
-        <p:nvSpPr>
-          <p:cNvPr id="7" name="Slide Number Placeholder 6">
-            <a:extLst>
-              <a:ext uri="{FF2B5EF4-FFF2-40B4-BE49-F238E27FC236}">
-                <a16:creationId xmlns:a16="http://schemas.microsoft.com/office/drawing/2014/main" id="{6FBC3AE7-CD67-4B3B-819A-893E273A4038}"/>
-              </a:ext>
-            </a:extLst>
-          </p:cNvPr>
-          <p:cNvSpPr>
-            <a:spLocks noGrp="1"/>
-          </p:cNvSpPr>
-          <p:nvPr>
-            <p:ph type="sldNum" sz="quarter" idx="12"/>
-          </p:nvPr>
-        </p:nvSpPr>
-        <p:spPr/>
-        <p:txBody>
-          <a:bodyPr/>
-          <a:lstStyle/>
-          <a:p>
-            <a:fld id="{7AD12C93-308F-4A63-94C1-7FBC571C532D}" type="slidenum">
-              <a:rPr lang="en-GB" smtClean="0"/>
-              <a:t>‹#›</a:t>
-            </a:fld>
-            <a:endParaRPr lang="en-GB"/>
-          </a:p>
-        </p:txBody>
-      </p:sp>
-    </p:spTree>
-    <p:extLst>
-      <p:ext uri="{BB962C8B-B14F-4D97-AF65-F5344CB8AC3E}">
-        <p14:creationId xmlns:p14="http://schemas.microsoft.com/office/powerpoint/2010/main" val="3580517177"/>
-      </p:ext>
-    </p:extLst>
-  </p:cSld>
-  <p:clrMapOvr>
-    <a:masterClrMapping/>
-  </p:clrMapOvr>
-</p:sldLayout>
-</file>
-
-<file path=ppt/slideLayouts/slideLayout9.xml><?xml version="1.0" encoding="utf-8"?>
-<p:sldLayout xmlns:a="http://schemas.openxmlformats.org/drawingml/2006/main" xmlns:r="http://schemas.openxmlformats.org/officeDocument/2006/relationships" xmlns:p="http://schemas.openxmlformats.org/presentationml/2006/main" type="picTx" preserve="1">
-  <p:cSld name="Picture with Caption">
-    <p:spTree>
-      <p:nvGrpSpPr>
-        <p:cNvPr id="1" name=""/>
-        <p:cNvGrpSpPr/>
-        <p:nvPr/>
-      </p:nvGrpSpPr>
-      <p:grpSpPr>
-        <a:xfrm>
-          <a:off x="0" y="0"/>
-          <a:ext cx="0" cy="0"/>
-          <a:chOff x="0" y="0"/>
-          <a:chExt cx="0" cy="0"/>
-        </a:xfrm>
-      </p:grpSpPr>
-      <p:sp>
-        <p:nvSpPr>
-          <p:cNvPr id="2" name="Title 1">
-            <a:extLst>
-              <a:ext uri="{FF2B5EF4-FFF2-40B4-BE49-F238E27FC236}">
-                <a16:creationId xmlns:a16="http://schemas.microsoft.com/office/drawing/2014/main" id="{49EC1DE7-FBAD-47FC-A68F-270C2E36997A}"/>
-              </a:ext>
-            </a:extLst>
-          </p:cNvPr>
-          <p:cNvSpPr>
-            <a:spLocks noGrp="1"/>
-          </p:cNvSpPr>
-          <p:nvPr>
-            <p:ph type="title"/>
-          </p:nvPr>
-        </p:nvSpPr>
-        <p:spPr>
-          <a:xfrm>
-            <a:off x="839788" y="457200"/>
-            <a:ext cx="3932237" cy="1600200"/>
-          </a:xfrm>
-        </p:spPr>
-        <p:txBody>
-          <a:bodyPr anchor="b"/>
-          <a:lstStyle>
-            <a:lvl1pPr>
-              <a:defRPr sz="3200"/>
-            </a:lvl1pPr>
-          </a:lstStyle>
-          <a:p>
-            <a:r>
-              <a:rPr lang="en-US"/>
-              <a:t>Click to edit Master title style</a:t>
-            </a:r>
-            <a:endParaRPr lang="en-GB"/>
-          </a:p>
-        </p:txBody>
-      </p:sp>
-      <p:sp>
-        <p:nvSpPr>
-          <p:cNvPr id="3" name="Picture Placeholder 2">
-            <a:extLst>
-              <a:ext uri="{FF2B5EF4-FFF2-40B4-BE49-F238E27FC236}">
-                <a16:creationId xmlns:a16="http://schemas.microsoft.com/office/drawing/2014/main" id="{52BCA65F-FC8E-4C09-91E9-71BBBBB27AC4}"/>
-              </a:ext>
-            </a:extLst>
-          </p:cNvPr>
-          <p:cNvSpPr>
-            <a:spLocks noGrp="1"/>
-          </p:cNvSpPr>
-          <p:nvPr>
-            <p:ph type="pic" idx="1"/>
-          </p:nvPr>
-        </p:nvSpPr>
-        <p:spPr>
-          <a:xfrm>
-            <a:off x="5183188" y="987425"/>
-            <a:ext cx="6172200" cy="4873625"/>
-          </a:xfrm>
-        </p:spPr>
-        <p:txBody>
-          <a:bodyPr/>
-          <a:lstStyle>
-            <a:lvl1pPr marL="0" indent="0">
-              <a:buNone/>
-              <a:defRPr sz="3200"/>
-            </a:lvl1pPr>
-            <a:lvl2pPr marL="457200" indent="0">
-              <a:buNone/>
-              <a:defRPr sz="2800"/>
-            </a:lvl2pPr>
-            <a:lvl3pPr marL="914400" indent="0">
-              <a:buNone/>
-              <a:defRPr sz="2400"/>
-            </a:lvl3pPr>
-            <a:lvl4pPr marL="1371600" indent="0">
-              <a:buNone/>
-              <a:defRPr sz="2000"/>
-            </a:lvl4pPr>
-            <a:lvl5pPr marL="1828800" indent="0">
-              <a:buNone/>
-              <a:defRPr sz="2000"/>
-            </a:lvl5pPr>
-            <a:lvl6pPr marL="2286000" indent="0">
-              <a:buNone/>
-              <a:defRPr sz="2000"/>
-            </a:lvl6pPr>
-            <a:lvl7pPr marL="2743200" indent="0">
-              <a:buNone/>
-              <a:defRPr sz="2000"/>
-            </a:lvl7pPr>
-            <a:lvl8pPr marL="3200400" indent="0">
-              <a:buNone/>
-              <a:defRPr sz="2000"/>
-            </a:lvl8pPr>
-            <a:lvl9pPr marL="3657600" indent="0">
-              <a:buNone/>
-              <a:defRPr sz="2000"/>
-            </a:lvl9pPr>
-          </a:lstStyle>
-          <a:p>
-            <a:endParaRPr lang="en-GB"/>
-          </a:p>
-        </p:txBody>
-      </p:sp>
-      <p:sp>
-        <p:nvSpPr>
-          <p:cNvPr id="4" name="Text Placeholder 3">
-            <a:extLst>
-              <a:ext uri="{FF2B5EF4-FFF2-40B4-BE49-F238E27FC236}">
-                <a16:creationId xmlns:a16="http://schemas.microsoft.com/office/drawing/2014/main" id="{20139764-E446-4078-9E06-EBADE2122C3D}"/>
-              </a:ext>
-            </a:extLst>
-          </p:cNvPr>
-          <p:cNvSpPr>
-            <a:spLocks noGrp="1"/>
-          </p:cNvSpPr>
-          <p:nvPr>
-            <p:ph type="body" sz="half" idx="2"/>
-          </p:nvPr>
-        </p:nvSpPr>
-        <p:spPr>
-          <a:xfrm>
-            <a:off x="839788" y="2057400"/>
-            <a:ext cx="3932237" cy="3811588"/>
-          </a:xfrm>
-        </p:spPr>
-        <p:txBody>
-          <a:bodyPr/>
-          <a:lstStyle>
-            <a:lvl1pPr marL="0" indent="0">
-              <a:buNone/>
-              <a:defRPr sz="1600"/>
-            </a:lvl1pPr>
-            <a:lvl2pPr marL="457200" indent="0">
-              <a:buNone/>
-              <a:defRPr sz="1400"/>
-            </a:lvl2pPr>
-            <a:lvl3pPr marL="914400" indent="0">
-              <a:buNone/>
-              <a:defRPr sz="1200"/>
-            </a:lvl3pPr>
-            <a:lvl4pPr marL="1371600" indent="0">
-              <a:buNone/>
-              <a:defRPr sz="1000"/>
-            </a:lvl4pPr>
-            <a:lvl5pPr marL="1828800" indent="0">
-              <a:buNone/>
-              <a:defRPr sz="1000"/>
-            </a:lvl5pPr>
-            <a:lvl6pPr marL="2286000" indent="0">
-              <a:buNone/>
-              <a:defRPr sz="1000"/>
-            </a:lvl6pPr>
-            <a:lvl7pPr marL="2743200" indent="0">
-              <a:buNone/>
-              <a:defRPr sz="1000"/>
-            </a:lvl7pPr>
-            <a:lvl8pPr marL="3200400" indent="0">
-              <a:buNone/>
-              <a:defRPr sz="1000"/>
-            </a:lvl8pPr>
-            <a:lvl9pPr marL="3657600" indent="0">
-              <a:buNone/>
-              <a:defRPr sz="1000"/>
-            </a:lvl9pPr>
-          </a:lstStyle>
-          <a:p>
-            <a:pPr lvl="0"/>
-            <a:r>
-              <a:rPr lang="en-US"/>
-              <a:t>Click to edit Master text styles</a:t>
-            </a:r>
-          </a:p>
-        </p:txBody>
-      </p:sp>
-      <p:sp>
-        <p:nvSpPr>
-          <p:cNvPr id="5" name="Date Placeholder 4">
-            <a:extLst>
-              <a:ext uri="{FF2B5EF4-FFF2-40B4-BE49-F238E27FC236}">
-                <a16:creationId xmlns:a16="http://schemas.microsoft.com/office/drawing/2014/main" id="{48707326-A738-495D-A9A2-E466150EF797}"/>
-              </a:ext>
-            </a:extLst>
-          </p:cNvPr>
-          <p:cNvSpPr>
-            <a:spLocks noGrp="1"/>
-          </p:cNvSpPr>
-          <p:nvPr>
-            <p:ph type="dt" sz="half" idx="10"/>
-          </p:nvPr>
-        </p:nvSpPr>
-        <p:spPr/>
-        <p:txBody>
-          <a:bodyPr/>
-          <a:lstStyle/>
-          <a:p>
-            <a:fld id="{CAAB38E9-6A6F-4A20-AE79-6273898C48E9}" type="datetimeFigureOut">
-              <a:rPr lang="en-GB" smtClean="0"/>
-              <a:t>29/06/2021</a:t>
-            </a:fld>
-            <a:endParaRPr lang="en-GB"/>
-          </a:p>
-        </p:txBody>
-      </p:sp>
-      <p:sp>
-        <p:nvSpPr>
-          <p:cNvPr id="6" name="Footer Placeholder 5">
-            <a:extLst>
-              <a:ext uri="{FF2B5EF4-FFF2-40B4-BE49-F238E27FC236}">
-                <a16:creationId xmlns:a16="http://schemas.microsoft.com/office/drawing/2014/main" id="{CF5A6F0E-B6C9-4BE1-8727-D6362AA77759}"/>
-              </a:ext>
-            </a:extLst>
-          </p:cNvPr>
-          <p:cNvSpPr>
-            <a:spLocks noGrp="1"/>
-          </p:cNvSpPr>
-          <p:nvPr>
-            <p:ph type="ftr" sz="quarter" idx="11"/>
-          </p:nvPr>
-        </p:nvSpPr>
-        <p:spPr/>
-        <p:txBody>
-          <a:bodyPr/>
-          <a:lstStyle/>
-          <a:p>
-            <a:endParaRPr lang="en-GB"/>
-          </a:p>
-        </p:txBody>
-      </p:sp>
-      <p:sp>
-        <p:nvSpPr>
-          <p:cNvPr id="7" name="Slide Number Placeholder 6">
-            <a:extLst>
-              <a:ext uri="{FF2B5EF4-FFF2-40B4-BE49-F238E27FC236}">
-                <a16:creationId xmlns:a16="http://schemas.microsoft.com/office/drawing/2014/main" id="{AFCF488A-D000-4023-AD51-D241B55E7401}"/>
-              </a:ext>
-            </a:extLst>
-          </p:cNvPr>
-          <p:cNvSpPr>
-            <a:spLocks noGrp="1"/>
-          </p:cNvSpPr>
-          <p:nvPr>
-            <p:ph type="sldNum" sz="quarter" idx="12"/>
-          </p:nvPr>
-        </p:nvSpPr>
-        <p:spPr/>
-        <p:txBody>
-          <a:bodyPr/>
-          <a:lstStyle/>
-          <a:p>
-            <a:fld id="{7AD12C93-308F-4A63-94C1-7FBC571C532D}" type="slidenum">
-              <a:rPr lang="en-GB" smtClean="0"/>
-              <a:t>‹#›</a:t>
-            </a:fld>
-            <a:endParaRPr lang="en-GB"/>
-          </a:p>
-        </p:txBody>
-      </p:sp>
-    </p:spTree>
-    <p:extLst>
-      <p:ext uri="{BB962C8B-B14F-4D97-AF65-F5344CB8AC3E}">
-        <p14:creationId xmlns:p14="http://schemas.microsoft.com/office/powerpoint/2010/main" val="3362843790"/>
       </p:ext>
     </p:extLst>
   </p:cSld>
@@ -7064,7 +4936,7 @@
           <p:cNvPr id="2" name="Title Placeholder 1">
             <a:extLst>
               <a:ext uri="{FF2B5EF4-FFF2-40B4-BE49-F238E27FC236}">
-                <a16:creationId xmlns:a16="http://schemas.microsoft.com/office/drawing/2014/main" id="{6655C811-F61D-4FD9-AE65-44B722016484}"/>
+                <a16:creationId xmlns:a16="http://schemas.microsoft.com/office/drawing/2014/main" id="{3AE39E93-B5D2-4CDD-A745-8FFA8D2FC121}"/>
               </a:ext>
             </a:extLst>
           </p:cNvPr>
@@ -7103,7 +4975,7 @@
           <p:cNvPr id="3" name="Text Placeholder 2">
             <a:extLst>
               <a:ext uri="{FF2B5EF4-FFF2-40B4-BE49-F238E27FC236}">
-                <a16:creationId xmlns:a16="http://schemas.microsoft.com/office/drawing/2014/main" id="{BB4447CD-8E54-4158-8DB7-CC0BAAA4DF21}"/>
+                <a16:creationId xmlns:a16="http://schemas.microsoft.com/office/drawing/2014/main" id="{474C09DD-1292-4E1C-BF3B-EC2232B28D24}"/>
               </a:ext>
             </a:extLst>
           </p:cNvPr>
@@ -7171,7 +5043,7 @@
           <p:cNvPr id="4" name="Date Placeholder 3">
             <a:extLst>
               <a:ext uri="{FF2B5EF4-FFF2-40B4-BE49-F238E27FC236}">
-                <a16:creationId xmlns:a16="http://schemas.microsoft.com/office/drawing/2014/main" id="{55F51E05-7D99-4370-B464-94780585F600}"/>
+                <a16:creationId xmlns:a16="http://schemas.microsoft.com/office/drawing/2014/main" id="{DC8B07D1-0CC4-4212-B50C-F69585D2F702}"/>
               </a:ext>
             </a:extLst>
           </p:cNvPr>
@@ -7205,579 +5077,9 @@
             </a:lvl1pPr>
           </a:lstStyle>
           <a:p>
-            <a:fld id="{CAAB38E9-6A6F-4A20-AE79-6273898C48E9}" type="datetimeFigureOut">
-              <a:rPr lang="en-GB" smtClean="0"/>
-              <a:t>29/06/2021</a:t>
-            </a:fld>
-            <a:endParaRPr lang="en-GB"/>
-          </a:p>
-        </p:txBody>
-      </p:sp>
-      <p:sp>
-        <p:nvSpPr>
-          <p:cNvPr id="5" name="Footer Placeholder 4">
-            <a:extLst>
-              <a:ext uri="{FF2B5EF4-FFF2-40B4-BE49-F238E27FC236}">
-                <a16:creationId xmlns:a16="http://schemas.microsoft.com/office/drawing/2014/main" id="{F2CE7E1A-2775-4C8D-9BC9-DCD1014DD0E1}"/>
-              </a:ext>
-            </a:extLst>
-          </p:cNvPr>
-          <p:cNvSpPr>
-            <a:spLocks noGrp="1"/>
-          </p:cNvSpPr>
-          <p:nvPr>
-            <p:ph type="ftr" sz="quarter" idx="3"/>
-          </p:nvPr>
-        </p:nvSpPr>
-        <p:spPr>
-          <a:xfrm>
-            <a:off x="4038600" y="6356350"/>
-            <a:ext cx="4114800" cy="365125"/>
-          </a:xfrm>
-          <a:prstGeom prst="rect">
-            <a:avLst/>
-          </a:prstGeom>
-        </p:spPr>
-        <p:txBody>
-          <a:bodyPr vert="horz" lIns="91440" tIns="45720" rIns="91440" bIns="45720" rtlCol="0" anchor="ctr"/>
-          <a:lstStyle>
-            <a:lvl1pPr algn="ctr">
-              <a:defRPr sz="1200">
-                <a:solidFill>
-                  <a:schemeClr val="tx1">
-                    <a:tint val="75000"/>
-                  </a:schemeClr>
-                </a:solidFill>
-              </a:defRPr>
-            </a:lvl1pPr>
-          </a:lstStyle>
-          <a:p>
-            <a:endParaRPr lang="en-GB"/>
-          </a:p>
-        </p:txBody>
-      </p:sp>
-      <p:sp>
-        <p:nvSpPr>
-          <p:cNvPr id="6" name="Slide Number Placeholder 5">
-            <a:extLst>
-              <a:ext uri="{FF2B5EF4-FFF2-40B4-BE49-F238E27FC236}">
-                <a16:creationId xmlns:a16="http://schemas.microsoft.com/office/drawing/2014/main" id="{C2AF6091-F9E5-4DFF-94AE-7C2F6CFDFB4D}"/>
-              </a:ext>
-            </a:extLst>
-          </p:cNvPr>
-          <p:cNvSpPr>
-            <a:spLocks noGrp="1"/>
-          </p:cNvSpPr>
-          <p:nvPr>
-            <p:ph type="sldNum" sz="quarter" idx="4"/>
-          </p:nvPr>
-        </p:nvSpPr>
-        <p:spPr>
-          <a:xfrm>
-            <a:off x="8610600" y="6356350"/>
-            <a:ext cx="2743200" cy="365125"/>
-          </a:xfrm>
-          <a:prstGeom prst="rect">
-            <a:avLst/>
-          </a:prstGeom>
-        </p:spPr>
-        <p:txBody>
-          <a:bodyPr vert="horz" lIns="91440" tIns="45720" rIns="91440" bIns="45720" rtlCol="0" anchor="ctr"/>
-          <a:lstStyle>
-            <a:lvl1pPr algn="r">
-              <a:defRPr sz="1200">
-                <a:solidFill>
-                  <a:schemeClr val="tx1">
-                    <a:tint val="75000"/>
-                  </a:schemeClr>
-                </a:solidFill>
-              </a:defRPr>
-            </a:lvl1pPr>
-          </a:lstStyle>
-          <a:p>
-            <a:fld id="{7AD12C93-308F-4A63-94C1-7FBC571C532D}" type="slidenum">
-              <a:rPr lang="en-GB" smtClean="0"/>
-              <a:t>‹#›</a:t>
-            </a:fld>
-            <a:endParaRPr lang="en-GB"/>
-          </a:p>
-        </p:txBody>
-      </p:sp>
-    </p:spTree>
-    <p:extLst>
-      <p:ext uri="{BB962C8B-B14F-4D97-AF65-F5344CB8AC3E}">
-        <p14:creationId xmlns:p14="http://schemas.microsoft.com/office/powerpoint/2010/main" val="4124174782"/>
-      </p:ext>
-    </p:extLst>
-  </p:cSld>
-  <p:clrMap bg1="lt1" tx1="dk1" bg2="lt2" tx2="dk2" accent1="accent1" accent2="accent2" accent3="accent3" accent4="accent4" accent5="accent5" accent6="accent6" hlink="hlink" folHlink="folHlink"/>
-  <p:sldLayoutIdLst>
-    <p:sldLayoutId id="2147483649" r:id="rId1"/>
-    <p:sldLayoutId id="2147483650" r:id="rId2"/>
-    <p:sldLayoutId id="2147483651" r:id="rId3"/>
-    <p:sldLayoutId id="2147483652" r:id="rId4"/>
-    <p:sldLayoutId id="2147483653" r:id="rId5"/>
-    <p:sldLayoutId id="2147483654" r:id="rId6"/>
-    <p:sldLayoutId id="2147483655" r:id="rId7"/>
-    <p:sldLayoutId id="2147483656" r:id="rId8"/>
-    <p:sldLayoutId id="2147483657" r:id="rId9"/>
-    <p:sldLayoutId id="2147483658" r:id="rId10"/>
-    <p:sldLayoutId id="2147483659" r:id="rId11"/>
-  </p:sldLayoutIdLst>
-  <p:txStyles>
-    <p:titleStyle>
-      <a:lvl1pPr algn="l" defTabSz="914400" rtl="0" eaLnBrk="1" latinLnBrk="0" hangingPunct="1">
-        <a:lnSpc>
-          <a:spcPct val="90000"/>
-        </a:lnSpc>
-        <a:spcBef>
-          <a:spcPct val="0"/>
-        </a:spcBef>
-        <a:buNone/>
-        <a:defRPr sz="4400" kern="1200">
-          <a:solidFill>
-            <a:schemeClr val="tx1"/>
-          </a:solidFill>
-          <a:latin typeface="+mj-lt"/>
-          <a:ea typeface="+mj-ea"/>
-          <a:cs typeface="+mj-cs"/>
-        </a:defRPr>
-      </a:lvl1pPr>
-    </p:titleStyle>
-    <p:bodyStyle>
-      <a:lvl1pPr marL="228600" indent="-228600" algn="l" defTabSz="914400" rtl="0" eaLnBrk="1" latinLnBrk="0" hangingPunct="1">
-        <a:lnSpc>
-          <a:spcPct val="90000"/>
-        </a:lnSpc>
-        <a:spcBef>
-          <a:spcPts val="1000"/>
-        </a:spcBef>
-        <a:buFont typeface="Arial" panose="020B0604020202020204" pitchFamily="34" charset="0"/>
-        <a:buChar char="•"/>
-        <a:defRPr sz="2800" kern="1200">
-          <a:solidFill>
-            <a:schemeClr val="tx1"/>
-          </a:solidFill>
-          <a:latin typeface="+mn-lt"/>
-          <a:ea typeface="+mn-ea"/>
-          <a:cs typeface="+mn-cs"/>
-        </a:defRPr>
-      </a:lvl1pPr>
-      <a:lvl2pPr marL="685800" indent="-228600" algn="l" defTabSz="914400" rtl="0" eaLnBrk="1" latinLnBrk="0" hangingPunct="1">
-        <a:lnSpc>
-          <a:spcPct val="90000"/>
-        </a:lnSpc>
-        <a:spcBef>
-          <a:spcPts val="500"/>
-        </a:spcBef>
-        <a:buFont typeface="Arial" panose="020B0604020202020204" pitchFamily="34" charset="0"/>
-        <a:buChar char="•"/>
-        <a:defRPr sz="2400" kern="1200">
-          <a:solidFill>
-            <a:schemeClr val="tx1"/>
-          </a:solidFill>
-          <a:latin typeface="+mn-lt"/>
-          <a:ea typeface="+mn-ea"/>
-          <a:cs typeface="+mn-cs"/>
-        </a:defRPr>
-      </a:lvl2pPr>
-      <a:lvl3pPr marL="1143000" indent="-228600" algn="l" defTabSz="914400" rtl="0" eaLnBrk="1" latinLnBrk="0" hangingPunct="1">
-        <a:lnSpc>
-          <a:spcPct val="90000"/>
-        </a:lnSpc>
-        <a:spcBef>
-          <a:spcPts val="500"/>
-        </a:spcBef>
-        <a:buFont typeface="Arial" panose="020B0604020202020204" pitchFamily="34" charset="0"/>
-        <a:buChar char="•"/>
-        <a:defRPr sz="2000" kern="1200">
-          <a:solidFill>
-            <a:schemeClr val="tx1"/>
-          </a:solidFill>
-          <a:latin typeface="+mn-lt"/>
-          <a:ea typeface="+mn-ea"/>
-          <a:cs typeface="+mn-cs"/>
-        </a:defRPr>
-      </a:lvl3pPr>
-      <a:lvl4pPr marL="1600200" indent="-228600" algn="l" defTabSz="914400" rtl="0" eaLnBrk="1" latinLnBrk="0" hangingPunct="1">
-        <a:lnSpc>
-          <a:spcPct val="90000"/>
-        </a:lnSpc>
-        <a:spcBef>
-          <a:spcPts val="500"/>
-        </a:spcBef>
-        <a:buFont typeface="Arial" panose="020B0604020202020204" pitchFamily="34" charset="0"/>
-        <a:buChar char="•"/>
-        <a:defRPr sz="1800" kern="1200">
-          <a:solidFill>
-            <a:schemeClr val="tx1"/>
-          </a:solidFill>
-          <a:latin typeface="+mn-lt"/>
-          <a:ea typeface="+mn-ea"/>
-          <a:cs typeface="+mn-cs"/>
-        </a:defRPr>
-      </a:lvl4pPr>
-      <a:lvl5pPr marL="2057400" indent="-228600" algn="l" defTabSz="914400" rtl="0" eaLnBrk="1" latinLnBrk="0" hangingPunct="1">
-        <a:lnSpc>
-          <a:spcPct val="90000"/>
-        </a:lnSpc>
-        <a:spcBef>
-          <a:spcPts val="500"/>
-        </a:spcBef>
-        <a:buFont typeface="Arial" panose="020B0604020202020204" pitchFamily="34" charset="0"/>
-        <a:buChar char="•"/>
-        <a:defRPr sz="1800" kern="1200">
-          <a:solidFill>
-            <a:schemeClr val="tx1"/>
-          </a:solidFill>
-          <a:latin typeface="+mn-lt"/>
-          <a:ea typeface="+mn-ea"/>
-          <a:cs typeface="+mn-cs"/>
-        </a:defRPr>
-      </a:lvl5pPr>
-      <a:lvl6pPr marL="2514600" indent="-228600" algn="l" defTabSz="914400" rtl="0" eaLnBrk="1" latinLnBrk="0" hangingPunct="1">
-        <a:lnSpc>
-          <a:spcPct val="90000"/>
-        </a:lnSpc>
-        <a:spcBef>
-          <a:spcPts val="500"/>
-        </a:spcBef>
-        <a:buFont typeface="Arial" panose="020B0604020202020204" pitchFamily="34" charset="0"/>
-        <a:buChar char="•"/>
-        <a:defRPr sz="1800" kern="1200">
-          <a:solidFill>
-            <a:schemeClr val="tx1"/>
-          </a:solidFill>
-          <a:latin typeface="+mn-lt"/>
-          <a:ea typeface="+mn-ea"/>
-          <a:cs typeface="+mn-cs"/>
-        </a:defRPr>
-      </a:lvl6pPr>
-      <a:lvl7pPr marL="2971800" indent="-228600" algn="l" defTabSz="914400" rtl="0" eaLnBrk="1" latinLnBrk="0" hangingPunct="1">
-        <a:lnSpc>
-          <a:spcPct val="90000"/>
-        </a:lnSpc>
-        <a:spcBef>
-          <a:spcPts val="500"/>
-        </a:spcBef>
-        <a:buFont typeface="Arial" panose="020B0604020202020204" pitchFamily="34" charset="0"/>
-        <a:buChar char="•"/>
-        <a:defRPr sz="1800" kern="1200">
-          <a:solidFill>
-            <a:schemeClr val="tx1"/>
-          </a:solidFill>
-          <a:latin typeface="+mn-lt"/>
-          <a:ea typeface="+mn-ea"/>
-          <a:cs typeface="+mn-cs"/>
-        </a:defRPr>
-      </a:lvl7pPr>
-      <a:lvl8pPr marL="3429000" indent="-228600" algn="l" defTabSz="914400" rtl="0" eaLnBrk="1" latinLnBrk="0" hangingPunct="1">
-        <a:lnSpc>
-          <a:spcPct val="90000"/>
-        </a:lnSpc>
-        <a:spcBef>
-          <a:spcPts val="500"/>
-        </a:spcBef>
-        <a:buFont typeface="Arial" panose="020B0604020202020204" pitchFamily="34" charset="0"/>
-        <a:buChar char="•"/>
-        <a:defRPr sz="1800" kern="1200">
-          <a:solidFill>
-            <a:schemeClr val="tx1"/>
-          </a:solidFill>
-          <a:latin typeface="+mn-lt"/>
-          <a:ea typeface="+mn-ea"/>
-          <a:cs typeface="+mn-cs"/>
-        </a:defRPr>
-      </a:lvl8pPr>
-      <a:lvl9pPr marL="3886200" indent="-228600" algn="l" defTabSz="914400" rtl="0" eaLnBrk="1" latinLnBrk="0" hangingPunct="1">
-        <a:lnSpc>
-          <a:spcPct val="90000"/>
-        </a:lnSpc>
-        <a:spcBef>
-          <a:spcPts val="500"/>
-        </a:spcBef>
-        <a:buFont typeface="Arial" panose="020B0604020202020204" pitchFamily="34" charset="0"/>
-        <a:buChar char="•"/>
-        <a:defRPr sz="1800" kern="1200">
-          <a:solidFill>
-            <a:schemeClr val="tx1"/>
-          </a:solidFill>
-          <a:latin typeface="+mn-lt"/>
-          <a:ea typeface="+mn-ea"/>
-          <a:cs typeface="+mn-cs"/>
-        </a:defRPr>
-      </a:lvl9pPr>
-    </p:bodyStyle>
-    <p:otherStyle>
-      <a:defPPr>
-        <a:defRPr lang="en-US"/>
-      </a:defPPr>
-      <a:lvl1pPr marL="0" algn="l" defTabSz="914400" rtl="0" eaLnBrk="1" latinLnBrk="0" hangingPunct="1">
-        <a:defRPr sz="1800" kern="1200">
-          <a:solidFill>
-            <a:schemeClr val="tx1"/>
-          </a:solidFill>
-          <a:latin typeface="+mn-lt"/>
-          <a:ea typeface="+mn-ea"/>
-          <a:cs typeface="+mn-cs"/>
-        </a:defRPr>
-      </a:lvl1pPr>
-      <a:lvl2pPr marL="457200" algn="l" defTabSz="914400" rtl="0" eaLnBrk="1" latinLnBrk="0" hangingPunct="1">
-        <a:defRPr sz="1800" kern="1200">
-          <a:solidFill>
-            <a:schemeClr val="tx1"/>
-          </a:solidFill>
-          <a:latin typeface="+mn-lt"/>
-          <a:ea typeface="+mn-ea"/>
-          <a:cs typeface="+mn-cs"/>
-        </a:defRPr>
-      </a:lvl2pPr>
-      <a:lvl3pPr marL="914400" algn="l" defTabSz="914400" rtl="0" eaLnBrk="1" latinLnBrk="0" hangingPunct="1">
-        <a:defRPr sz="1800" kern="1200">
-          <a:solidFill>
-            <a:schemeClr val="tx1"/>
-          </a:solidFill>
-          <a:latin typeface="+mn-lt"/>
-          <a:ea typeface="+mn-ea"/>
-          <a:cs typeface="+mn-cs"/>
-        </a:defRPr>
-      </a:lvl3pPr>
-      <a:lvl4pPr marL="1371600" algn="l" defTabSz="914400" rtl="0" eaLnBrk="1" latinLnBrk="0" hangingPunct="1">
-        <a:defRPr sz="1800" kern="1200">
-          <a:solidFill>
-            <a:schemeClr val="tx1"/>
-          </a:solidFill>
-          <a:latin typeface="+mn-lt"/>
-          <a:ea typeface="+mn-ea"/>
-          <a:cs typeface="+mn-cs"/>
-        </a:defRPr>
-      </a:lvl4pPr>
-      <a:lvl5pPr marL="1828800" algn="l" defTabSz="914400" rtl="0" eaLnBrk="1" latinLnBrk="0" hangingPunct="1">
-        <a:defRPr sz="1800" kern="1200">
-          <a:solidFill>
-            <a:schemeClr val="tx1"/>
-          </a:solidFill>
-          <a:latin typeface="+mn-lt"/>
-          <a:ea typeface="+mn-ea"/>
-          <a:cs typeface="+mn-cs"/>
-        </a:defRPr>
-      </a:lvl5pPr>
-      <a:lvl6pPr marL="2286000" algn="l" defTabSz="914400" rtl="0" eaLnBrk="1" latinLnBrk="0" hangingPunct="1">
-        <a:defRPr sz="1800" kern="1200">
-          <a:solidFill>
-            <a:schemeClr val="tx1"/>
-          </a:solidFill>
-          <a:latin typeface="+mn-lt"/>
-          <a:ea typeface="+mn-ea"/>
-          <a:cs typeface="+mn-cs"/>
-        </a:defRPr>
-      </a:lvl6pPr>
-      <a:lvl7pPr marL="2743200" algn="l" defTabSz="914400" rtl="0" eaLnBrk="1" latinLnBrk="0" hangingPunct="1">
-        <a:defRPr sz="1800" kern="1200">
-          <a:solidFill>
-            <a:schemeClr val="tx1"/>
-          </a:solidFill>
-          <a:latin typeface="+mn-lt"/>
-          <a:ea typeface="+mn-ea"/>
-          <a:cs typeface="+mn-cs"/>
-        </a:defRPr>
-      </a:lvl7pPr>
-      <a:lvl8pPr marL="3200400" algn="l" defTabSz="914400" rtl="0" eaLnBrk="1" latinLnBrk="0" hangingPunct="1">
-        <a:defRPr sz="1800" kern="1200">
-          <a:solidFill>
-            <a:schemeClr val="tx1"/>
-          </a:solidFill>
-          <a:latin typeface="+mn-lt"/>
-          <a:ea typeface="+mn-ea"/>
-          <a:cs typeface="+mn-cs"/>
-        </a:defRPr>
-      </a:lvl8pPr>
-      <a:lvl9pPr marL="3657600" algn="l" defTabSz="914400" rtl="0" eaLnBrk="1" latinLnBrk="0" hangingPunct="1">
-        <a:defRPr sz="1800" kern="1200">
-          <a:solidFill>
-            <a:schemeClr val="tx1"/>
-          </a:solidFill>
-          <a:latin typeface="+mn-lt"/>
-          <a:ea typeface="+mn-ea"/>
-          <a:cs typeface="+mn-cs"/>
-        </a:defRPr>
-      </a:lvl9pPr>
-    </p:otherStyle>
-  </p:txStyles>
-</p:sldMaster>
-</file>
-
-<file path=ppt/slideMasters/slideMaster2.xml><?xml version="1.0" encoding="utf-8"?>
-<p:sldMaster xmlns:a="http://schemas.openxmlformats.org/drawingml/2006/main" xmlns:r="http://schemas.openxmlformats.org/officeDocument/2006/relationships" xmlns:p="http://schemas.openxmlformats.org/presentationml/2006/main">
-  <p:cSld>
-    <p:bg>
-      <p:bgRef idx="1001">
-        <a:schemeClr val="bg1"/>
-      </p:bgRef>
-    </p:bg>
-    <p:spTree>
-      <p:nvGrpSpPr>
-        <p:cNvPr id="1" name=""/>
-        <p:cNvGrpSpPr/>
-        <p:nvPr/>
-      </p:nvGrpSpPr>
-      <p:grpSpPr>
-        <a:xfrm>
-          <a:off x="0" y="0"/>
-          <a:ext cx="0" cy="0"/>
-          <a:chOff x="0" y="0"/>
-          <a:chExt cx="0" cy="0"/>
-        </a:xfrm>
-      </p:grpSpPr>
-      <p:sp>
-        <p:nvSpPr>
-          <p:cNvPr id="2" name="Title Placeholder 1">
-            <a:extLst>
-              <a:ext uri="{FF2B5EF4-FFF2-40B4-BE49-F238E27FC236}">
-                <a16:creationId xmlns:a16="http://schemas.microsoft.com/office/drawing/2014/main" id="{3AE39E93-B5D2-4CDD-A745-8FFA8D2FC121}"/>
-              </a:ext>
-            </a:extLst>
-          </p:cNvPr>
-          <p:cNvSpPr>
-            <a:spLocks noGrp="1"/>
-          </p:cNvSpPr>
-          <p:nvPr>
-            <p:ph type="title"/>
-          </p:nvPr>
-        </p:nvSpPr>
-        <p:spPr>
-          <a:xfrm>
-            <a:off x="838200" y="365125"/>
-            <a:ext cx="10515600" cy="1325563"/>
-          </a:xfrm>
-          <a:prstGeom prst="rect">
-            <a:avLst/>
-          </a:prstGeom>
-        </p:spPr>
-        <p:txBody>
-          <a:bodyPr vert="horz" lIns="91440" tIns="45720" rIns="91440" bIns="45720" rtlCol="0" anchor="ctr">
-            <a:normAutofit/>
-          </a:bodyPr>
-          <a:lstStyle/>
-          <a:p>
-            <a:r>
-              <a:rPr lang="en-US"/>
-              <a:t>Click to edit Master title style</a:t>
-            </a:r>
-            <a:endParaRPr lang="en-GB"/>
-          </a:p>
-        </p:txBody>
-      </p:sp>
-      <p:sp>
-        <p:nvSpPr>
-          <p:cNvPr id="3" name="Text Placeholder 2">
-            <a:extLst>
-              <a:ext uri="{FF2B5EF4-FFF2-40B4-BE49-F238E27FC236}">
-                <a16:creationId xmlns:a16="http://schemas.microsoft.com/office/drawing/2014/main" id="{474C09DD-1292-4E1C-BF3B-EC2232B28D24}"/>
-              </a:ext>
-            </a:extLst>
-          </p:cNvPr>
-          <p:cNvSpPr>
-            <a:spLocks noGrp="1"/>
-          </p:cNvSpPr>
-          <p:nvPr>
-            <p:ph type="body" idx="1"/>
-          </p:nvPr>
-        </p:nvSpPr>
-        <p:spPr>
-          <a:xfrm>
-            <a:off x="838200" y="1825625"/>
-            <a:ext cx="10515600" cy="4351338"/>
-          </a:xfrm>
-          <a:prstGeom prst="rect">
-            <a:avLst/>
-          </a:prstGeom>
-        </p:spPr>
-        <p:txBody>
-          <a:bodyPr vert="horz" lIns="91440" tIns="45720" rIns="91440" bIns="45720" rtlCol="0">
-            <a:normAutofit/>
-          </a:bodyPr>
-          <a:lstStyle/>
-          <a:p>
-            <a:pPr lvl="0"/>
-            <a:r>
-              <a:rPr lang="en-US"/>
-              <a:t>Click to edit Master text styles</a:t>
-            </a:r>
-          </a:p>
-          <a:p>
-            <a:pPr lvl="1"/>
-            <a:r>
-              <a:rPr lang="en-US"/>
-              <a:t>Second level</a:t>
-            </a:r>
-          </a:p>
-          <a:p>
-            <a:pPr lvl="2"/>
-            <a:r>
-              <a:rPr lang="en-US"/>
-              <a:t>Third level</a:t>
-            </a:r>
-          </a:p>
-          <a:p>
-            <a:pPr lvl="3"/>
-            <a:r>
-              <a:rPr lang="en-US"/>
-              <a:t>Fourth level</a:t>
-            </a:r>
-          </a:p>
-          <a:p>
-            <a:pPr lvl="4"/>
-            <a:r>
-              <a:rPr lang="en-US"/>
-              <a:t>Fifth level</a:t>
-            </a:r>
-            <a:endParaRPr lang="en-GB"/>
-          </a:p>
-        </p:txBody>
-      </p:sp>
-      <p:sp>
-        <p:nvSpPr>
-          <p:cNvPr id="4" name="Date Placeholder 3">
-            <a:extLst>
-              <a:ext uri="{FF2B5EF4-FFF2-40B4-BE49-F238E27FC236}">
-                <a16:creationId xmlns:a16="http://schemas.microsoft.com/office/drawing/2014/main" id="{DC8B07D1-0CC4-4212-B50C-F69585D2F702}"/>
-              </a:ext>
-            </a:extLst>
-          </p:cNvPr>
-          <p:cNvSpPr>
-            <a:spLocks noGrp="1"/>
-          </p:cNvSpPr>
-          <p:nvPr>
-            <p:ph type="dt" sz="half" idx="2"/>
-          </p:nvPr>
-        </p:nvSpPr>
-        <p:spPr>
-          <a:xfrm>
-            <a:off x="838200" y="6356350"/>
-            <a:ext cx="2743200" cy="365125"/>
-          </a:xfrm>
-          <a:prstGeom prst="rect">
-            <a:avLst/>
-          </a:prstGeom>
-        </p:spPr>
-        <p:txBody>
-          <a:bodyPr vert="horz" lIns="91440" tIns="45720" rIns="91440" bIns="45720" rtlCol="0" anchor="ctr"/>
-          <a:lstStyle>
-            <a:lvl1pPr algn="l">
-              <a:defRPr sz="1200">
-                <a:solidFill>
-                  <a:schemeClr val="tx1">
-                    <a:tint val="75000"/>
-                  </a:schemeClr>
-                </a:solidFill>
-              </a:defRPr>
-            </a:lvl1pPr>
-          </a:lstStyle>
-          <a:p>
             <a:fld id="{E4A62EDC-D5D1-49C5-B313-6E6F916DA0E0}" type="datetimeFigureOut">
               <a:rPr lang="en-GB" smtClean="0"/>
-              <a:t>29/06/2021</a:t>
+              <a:t>01/07/2021</a:t>
             </a:fld>
             <a:endParaRPr lang="en-GB"/>
           </a:p>
@@ -8495,8 +5797,8 @@
         </p:nvSpPr>
         <p:spPr>
           <a:xfrm>
-            <a:off x="838200" y="609811"/>
-            <a:ext cx="10515600" cy="590931"/>
+            <a:off x="758301" y="234815"/>
+            <a:ext cx="10515600" cy="701731"/>
           </a:xfrm>
         </p:spPr>
         <p:txBody>
@@ -8504,136 +5806,218 @@
           <a:lstStyle/>
           <a:p>
             <a:r>
-              <a:rPr lang="en-GB" dirty="0">
-                <a:highlight>
-                  <a:srgbClr val="FFFF00"/>
-                </a:highlight>
+              <a:rPr lang="en-GB" sz="4400" dirty="0"/>
+              <a:t>What I learned</a:t>
+            </a:r>
+            <a:endParaRPr lang="en-US" sz="4400" dirty="0"/>
+          </a:p>
+        </p:txBody>
+      </p:sp>
+      <p:sp>
+        <p:nvSpPr>
+          <p:cNvPr id="6" name="Content Placeholder">
+            <a:extLst>
+              <a:ext uri="{FF2B5EF4-FFF2-40B4-BE49-F238E27FC236}">
+                <a16:creationId xmlns:a16="http://schemas.microsoft.com/office/drawing/2014/main" id="{4C842C63-75A3-F044-9F81-2C8C2B628C68}"/>
+              </a:ext>
+            </a:extLst>
+          </p:cNvPr>
+          <p:cNvSpPr>
+            <a:spLocks noGrp="1"/>
+          </p:cNvSpPr>
+          <p:nvPr>
+            <p:ph idx="1"/>
+          </p:nvPr>
+        </p:nvSpPr>
+        <p:spPr>
+          <a:xfrm>
+            <a:off x="838200" y="1307797"/>
+            <a:ext cx="5383491" cy="4189865"/>
+          </a:xfrm>
+        </p:spPr>
+        <p:txBody>
+          <a:bodyPr/>
+          <a:lstStyle/>
+          <a:p>
+            <a:pPr marL="0" indent="0">
+              <a:buNone/>
+            </a:pPr>
+            <a:r>
+              <a:rPr lang="en-GB" sz="2400" dirty="0"/>
+              <a:t>Project management</a:t>
+            </a:r>
+          </a:p>
+          <a:p>
+            <a:pPr marL="742950" lvl="1" indent="-285750">
+              <a:buFontTx/>
+              <a:buChar char="-"/>
+            </a:pPr>
+            <a:r>
+              <a:rPr lang="en-GB" sz="1800" dirty="0">
+                <a:solidFill>
+                  <a:schemeClr val="tx1"/>
+                </a:solidFill>
               </a:rPr>
-              <a:t>Applying Data Science techniques to other problems</a:t>
-            </a:r>
-            <a:endParaRPr lang="en-US" dirty="0">
-              <a:highlight>
-                <a:srgbClr val="FFFF00"/>
-              </a:highlight>
-            </a:endParaRPr>
-          </a:p>
-        </p:txBody>
-      </p:sp>
-      <p:sp>
-        <p:nvSpPr>
-          <p:cNvPr id="6" name="Content Placeholder">
-            <a:extLst>
-              <a:ext uri="{FF2B5EF4-FFF2-40B4-BE49-F238E27FC236}">
-                <a16:creationId xmlns:a16="http://schemas.microsoft.com/office/drawing/2014/main" id="{4C842C63-75A3-F044-9F81-2C8C2B628C68}"/>
-              </a:ext>
-            </a:extLst>
-          </p:cNvPr>
-          <p:cNvSpPr>
-            <a:spLocks noGrp="1"/>
-          </p:cNvSpPr>
-          <p:nvPr>
-            <p:ph idx="1"/>
-          </p:nvPr>
-        </p:nvSpPr>
-        <p:spPr>
-          <a:xfrm>
-            <a:off x="838200" y="2020088"/>
-            <a:ext cx="10515600" cy="3822713"/>
-          </a:xfrm>
-        </p:spPr>
-        <p:txBody>
-          <a:bodyPr/>
-          <a:lstStyle/>
-          <a:p>
-            <a:pPr lvl="0">
-              <a:lnSpc>
-                <a:spcPct val="90000"/>
-              </a:lnSpc>
-              <a:spcAft>
-                <a:spcPts val="0"/>
-              </a:spcAft>
+              <a:t>Using GitHub to manage a Data Science project</a:t>
+            </a:r>
+          </a:p>
+          <a:p>
+            <a:pPr marL="742950" lvl="1" indent="-285750">
+              <a:buFontTx/>
+              <a:buChar char="-"/>
             </a:pPr>
             <a:r>
-              <a:rPr lang="en-GB" sz="2000" dirty="0">
+              <a:rPr lang="en-GB" sz="1800" dirty="0">
+                <a:solidFill>
+                  <a:schemeClr val="tx1"/>
+                </a:solidFill>
+              </a:rPr>
+              <a:t>Further experience with Agile development practices </a:t>
+            </a:r>
+          </a:p>
+          <a:p>
+            <a:pPr marL="742950" lvl="1" indent="-285750">
+              <a:buFontTx/>
+              <a:buChar char="-"/>
+            </a:pPr>
+            <a:r>
+              <a:rPr lang="en-GB" sz="1800" dirty="0">
+                <a:solidFill>
+                  <a:schemeClr val="tx1"/>
+                </a:solidFill>
+              </a:rPr>
+              <a:t>Asynchronous working</a:t>
+            </a:r>
+          </a:p>
+          <a:p>
+            <a:pPr marL="742950" lvl="1" indent="-285750">
+              <a:buFontTx/>
+              <a:buChar char="-"/>
+            </a:pPr>
+            <a:r>
+              <a:rPr lang="en-GB" sz="1800" dirty="0">
+                <a:solidFill>
+                  <a:schemeClr val="tx1"/>
+                </a:solidFill>
+              </a:rPr>
+              <a:t>Scoping realistic aims for prototype</a:t>
+            </a:r>
+          </a:p>
+          <a:p>
+            <a:pPr marL="742950" lvl="1" indent="-285750">
+              <a:buFontTx/>
+              <a:buChar char="-"/>
+            </a:pPr>
+            <a:r>
+              <a:rPr lang="en-GB" sz="1800" dirty="0">
+                <a:solidFill>
+                  <a:schemeClr val="tx1"/>
+                </a:solidFill>
+              </a:rPr>
+              <a:t>Importance of early user engagement</a:t>
+            </a:r>
+          </a:p>
+          <a:p>
+            <a:pPr marL="742950" lvl="1" indent="-285750">
+              <a:buFontTx/>
+              <a:buChar char="-"/>
+            </a:pPr>
+            <a:r>
+              <a:rPr lang="en-GB" sz="1800" dirty="0">
+                <a:solidFill>
+                  <a:schemeClr val="tx1"/>
+                </a:solidFill>
+              </a:rPr>
+              <a:t>Wireframing product very early on </a:t>
+            </a:r>
+          </a:p>
+          <a:p>
+            <a:pPr marL="742950" lvl="1" indent="-285750">
+              <a:buFontTx/>
+              <a:buChar char="-"/>
+            </a:pPr>
+            <a:r>
+              <a:rPr lang="en-GB" sz="1800" dirty="0">
+                <a:solidFill>
+                  <a:schemeClr val="tx1"/>
+                </a:solidFill>
+              </a:rPr>
+              <a:t>Identifying user priorities</a:t>
+            </a:r>
+          </a:p>
+          <a:p>
+            <a:pPr marL="742950" lvl="1" indent="-285750">
+              <a:buFontTx/>
+              <a:buChar char="-"/>
+            </a:pPr>
+            <a:r>
+              <a:rPr lang="en-GB" sz="1800" dirty="0">
                 <a:solidFill>
                   <a:prstClr val="black"/>
                 </a:solidFill>
               </a:rPr>
-              <a:t>Interest from other teams for similar work on other datasets</a:t>
-            </a:r>
-          </a:p>
-          <a:p>
-            <a:r>
-              <a:rPr lang="en-GB" sz="1200" dirty="0"/>
-              <a:t>[28/05 16:34] Hanratty, Mathew  1. What are our key stakeholders are talking about? We have been looking at pulling together manual reports on what our key stakeholders are talking about on Twitter (and what's gaining traction), any consultations they have open, any new research released etc. We're expected to track the activity of c.30 organisations and we're struggling to see how we can scale this work. Is there a way we can automate this? There's lots of sources, but it's largely collating stuff in the public domain.</a:t>
-            </a:r>
-          </a:p>
-          <a:p>
-            <a:r>
-              <a:rPr lang="en-GB" sz="1200" dirty="0"/>
-              <a:t>[28/05 16:34] Hanratty, Mathew  2. Contacts. We frequently need to pull together stakeholder lists based on professions/job titles, often within government. LinkedIn is often a great source of information, but a time-consuming task. Is there something we could build to pull together a list of all Permanent Secretaries across government for example?</a:t>
-            </a:r>
-          </a:p>
-          <a:p>
-            <a:pPr lvl="1">
-              <a:spcAft>
-                <a:spcPts val="0"/>
-              </a:spcAft>
-            </a:pPr>
-            <a:endParaRPr lang="en-GB" sz="1600" dirty="0">
-              <a:solidFill>
-                <a:prstClr val="black"/>
-              </a:solidFill>
-            </a:endParaRPr>
-          </a:p>
-          <a:p>
-            <a:pPr lvl="0">
-              <a:lnSpc>
-                <a:spcPct val="90000"/>
-              </a:lnSpc>
-              <a:spcAft>
-                <a:spcPts val="0"/>
-              </a:spcAft>
-            </a:pPr>
-            <a:r>
-              <a:rPr lang="en-GB" sz="2000" dirty="0">
-                <a:solidFill>
-                  <a:prstClr val="black"/>
-                </a:solidFill>
-              </a:rPr>
-              <a:t>Anything with quality of forecasting - still way out at the start and at end of FY find we're fine</a:t>
-            </a:r>
-          </a:p>
-          <a:p>
-            <a:pPr lvl="0">
-              <a:lnSpc>
-                <a:spcPct val="90000"/>
-              </a:lnSpc>
-              <a:spcAft>
-                <a:spcPts val="0"/>
-              </a:spcAft>
-            </a:pPr>
-            <a:r>
-              <a:rPr lang="en-GB" sz="2000" dirty="0">
-                <a:solidFill>
-                  <a:prstClr val="black"/>
-                </a:solidFill>
-              </a:rPr>
-              <a:t>Vacancies - creating model that updates with the latest data each month(?)</a:t>
+              <a:t>User testing &amp; working in the open with users</a:t>
             </a:r>
           </a:p>
           <a:p>
             <a:pPr marL="0" indent="0">
               <a:buNone/>
             </a:pPr>
-            <a:endParaRPr lang="en-US" dirty="0"/>
-          </a:p>
-        </p:txBody>
-      </p:sp>
+            <a:endParaRPr lang="en-US" sz="2000" dirty="0"/>
+          </a:p>
+        </p:txBody>
+      </p:sp>
+      <p:pic>
+        <p:nvPicPr>
+          <p:cNvPr id="1026" name="Picture 2">
+            <a:extLst>
+              <a:ext uri="{FF2B5EF4-FFF2-40B4-BE49-F238E27FC236}">
+                <a16:creationId xmlns:a16="http://schemas.microsoft.com/office/drawing/2014/main" id="{034DB595-24EB-492B-9693-83DDC39A70FE}"/>
+              </a:ext>
+            </a:extLst>
+          </p:cNvPr>
+          <p:cNvPicPr>
+            <a:picLocks noChangeAspect="1" noChangeArrowheads="1"/>
+          </p:cNvPicPr>
+          <p:nvPr/>
+        </p:nvPicPr>
+        <p:blipFill>
+          <a:blip r:embed="rId3">
+            <a:extLst>
+              <a:ext uri="{28A0092B-C50C-407E-A947-70E740481C1C}">
+                <a14:useLocalDpi xmlns:a14="http://schemas.microsoft.com/office/drawing/2010/main" val="0"/>
+              </a:ext>
+            </a:extLst>
+          </a:blip>
+          <a:srcRect/>
+          <a:stretch>
+            <a:fillRect/>
+          </a:stretch>
+        </p:blipFill>
+        <p:spPr bwMode="auto">
+          <a:xfrm>
+            <a:off x="6221691" y="1708019"/>
+            <a:ext cx="5715000" cy="2857500"/>
+          </a:xfrm>
+          <a:prstGeom prst="rect">
+            <a:avLst/>
+          </a:prstGeom>
+          <a:noFill/>
+          <a:extLst>
+            <a:ext uri="{909E8E84-426E-40DD-AFC4-6F175D3DCCD1}">
+              <a14:hiddenFill xmlns:a14="http://schemas.microsoft.com/office/drawing/2010/main">
+                <a:solidFill>
+                  <a:srgbClr val="FFFFFF"/>
+                </a:solidFill>
+              </a14:hiddenFill>
+            </a:ext>
+          </a:extLst>
+        </p:spPr>
+      </p:pic>
     </p:spTree>
     <p:extLst>
       <p:ext uri="{BB962C8B-B14F-4D97-AF65-F5344CB8AC3E}">
-        <p14:creationId xmlns:p14="http://schemas.microsoft.com/office/powerpoint/2010/main" val="2212693413"/>
+        <p14:creationId xmlns:p14="http://schemas.microsoft.com/office/powerpoint/2010/main" val="3623892067"/>
       </p:ext>
     </p:extLst>
   </p:cSld>
@@ -8662,10 +6046,10 @@
       </p:grpSpPr>
       <p:sp>
         <p:nvSpPr>
-          <p:cNvPr id="2" name="Title 1">
-            <a:extLst>
-              <a:ext uri="{FF2B5EF4-FFF2-40B4-BE49-F238E27FC236}">
-                <a16:creationId xmlns:a16="http://schemas.microsoft.com/office/drawing/2014/main" id="{B0F100FA-59D9-4F0B-B6B3-04F29CA19C49}"/>
+          <p:cNvPr id="5" name="Title">
+            <a:extLst>
+              <a:ext uri="{FF2B5EF4-FFF2-40B4-BE49-F238E27FC236}">
+                <a16:creationId xmlns:a16="http://schemas.microsoft.com/office/drawing/2014/main" id="{AC5AD953-635B-2B48-B87A-4F5101B6050D}"/>
               </a:ext>
             </a:extLst>
           </p:cNvPr>
@@ -8676,21 +6060,30 @@
             <p:ph type="title"/>
           </p:nvPr>
         </p:nvSpPr>
-        <p:spPr/>
+        <p:spPr>
+          <a:xfrm>
+            <a:off x="838200" y="284829"/>
+            <a:ext cx="10515600" cy="701731"/>
+          </a:xfrm>
+        </p:spPr>
         <p:txBody>
           <a:bodyPr/>
           <a:lstStyle/>
           <a:p>
-            <a:endParaRPr lang="en-GB"/>
-          </a:p>
-        </p:txBody>
-      </p:sp>
-      <p:sp>
-        <p:nvSpPr>
-          <p:cNvPr id="3" name="Content Placeholder 2">
-            <a:extLst>
-              <a:ext uri="{FF2B5EF4-FFF2-40B4-BE49-F238E27FC236}">
-                <a16:creationId xmlns:a16="http://schemas.microsoft.com/office/drawing/2014/main" id="{8EB09008-9B19-4E05-A946-426DA3DD2573}"/>
+            <a:r>
+              <a:rPr lang="en-GB" sz="4400" dirty="0"/>
+              <a:t>What next?</a:t>
+            </a:r>
+            <a:endParaRPr lang="en-US" sz="4400" dirty="0"/>
+          </a:p>
+        </p:txBody>
+      </p:sp>
+      <p:sp>
+        <p:nvSpPr>
+          <p:cNvPr id="6" name="Content Placeholder">
+            <a:extLst>
+              <a:ext uri="{FF2B5EF4-FFF2-40B4-BE49-F238E27FC236}">
+                <a16:creationId xmlns:a16="http://schemas.microsoft.com/office/drawing/2014/main" id="{4C842C63-75A3-F044-9F81-2C8C2B628C68}"/>
               </a:ext>
             </a:extLst>
           </p:cNvPr>
@@ -8701,27 +6094,623 @@
             <p:ph idx="1"/>
           </p:nvPr>
         </p:nvSpPr>
-        <p:spPr/>
+        <p:spPr>
+          <a:xfrm>
+            <a:off x="838200" y="1540279"/>
+            <a:ext cx="10515600" cy="4064831"/>
+          </a:xfrm>
+        </p:spPr>
         <p:txBody>
           <a:bodyPr/>
           <a:lstStyle/>
           <a:p>
             <a:r>
-              <a:rPr lang="en-GB" dirty="0"/>
-              <a:t>Add some joke about wizards for Rhys!</a:t>
-            </a:r>
+              <a:rPr lang="en-GB" sz="2000" dirty="0"/>
+              <a:t>Productionise dashboard – weekly updates, live data</a:t>
+            </a:r>
+          </a:p>
+          <a:p>
+            <a:r>
+              <a:rPr lang="en-GB" sz="2000" dirty="0"/>
+              <a:t>Include all data from UK Parliament, then add in NI Executive, Scottish Parliament &amp; Welsh Senedd </a:t>
+            </a:r>
+          </a:p>
+          <a:p>
+            <a:r>
+              <a:rPr lang="en-GB" sz="2000" dirty="0"/>
+              <a:t>Automatic identification of topics with frequent/infrequent mentions</a:t>
+            </a:r>
+            <a:endParaRPr lang="en-GB" sz="2000" dirty="0">
+              <a:solidFill>
+                <a:prstClr val="black"/>
+              </a:solidFill>
+            </a:endParaRPr>
+          </a:p>
+          <a:p>
+            <a:pPr>
+              <a:lnSpc>
+                <a:spcPct val="90000"/>
+              </a:lnSpc>
+              <a:spcAft>
+                <a:spcPts val="0"/>
+              </a:spcAft>
+            </a:pPr>
+            <a:r>
+              <a:rPr lang="en-GB" sz="2000" dirty="0">
+                <a:solidFill>
+                  <a:prstClr val="black"/>
+                </a:solidFill>
+              </a:rPr>
+              <a:t>Link up with OSR to look at how we might evaluate how our stats are used in parliament </a:t>
+            </a:r>
+          </a:p>
+          <a:p>
+            <a:pPr>
+              <a:lnSpc>
+                <a:spcPct val="90000"/>
+              </a:lnSpc>
+              <a:spcAft>
+                <a:spcPts val="0"/>
+              </a:spcAft>
+            </a:pPr>
+            <a:r>
+              <a:rPr lang="en-GB" sz="2000" dirty="0">
+                <a:solidFill>
+                  <a:prstClr val="black"/>
+                </a:solidFill>
+              </a:rPr>
+              <a:t>Expand approach to include govt policy papers </a:t>
+            </a:r>
+          </a:p>
+          <a:p>
+            <a:pPr>
+              <a:spcAft>
+                <a:spcPts val="0"/>
+              </a:spcAft>
+            </a:pPr>
+            <a:r>
+              <a:rPr lang="en-GB" sz="2100" dirty="0">
+                <a:solidFill>
+                  <a:prstClr val="black"/>
+                </a:solidFill>
+              </a:rPr>
+              <a:t>X-gov possibilities </a:t>
+            </a:r>
+          </a:p>
+          <a:p>
+            <a:pPr lvl="1">
+              <a:spcAft>
+                <a:spcPts val="0"/>
+              </a:spcAft>
+            </a:pPr>
+            <a:r>
+              <a:rPr lang="en-GB" sz="1400" dirty="0">
+                <a:solidFill>
+                  <a:prstClr val="black"/>
+                </a:solidFill>
+              </a:rPr>
+              <a:t>Could be adapted to suit other government departments</a:t>
+            </a:r>
+          </a:p>
+          <a:p>
+            <a:pPr lvl="0">
+              <a:lnSpc>
+                <a:spcPct val="90000"/>
+              </a:lnSpc>
+              <a:spcAft>
+                <a:spcPts val="0"/>
+              </a:spcAft>
+            </a:pPr>
+            <a:r>
+              <a:rPr lang="en-GB" sz="2000" dirty="0">
+                <a:solidFill>
+                  <a:prstClr val="black"/>
+                </a:solidFill>
+              </a:rPr>
+              <a:t>Evaluating use of our economic stats in private sector - board reports/annual reports</a:t>
+            </a:r>
+          </a:p>
+          <a:p>
+            <a:pPr marL="0" indent="0">
+              <a:buNone/>
+            </a:pPr>
+            <a:endParaRPr lang="en-US" dirty="0"/>
           </a:p>
         </p:txBody>
       </p:sp>
     </p:spTree>
     <p:extLst>
       <p:ext uri="{BB962C8B-B14F-4D97-AF65-F5344CB8AC3E}">
-        <p14:creationId xmlns:p14="http://schemas.microsoft.com/office/powerpoint/2010/main" val="2254089530"/>
+        <p14:creationId xmlns:p14="http://schemas.microsoft.com/office/powerpoint/2010/main" val="2512118271"/>
       </p:ext>
     </p:extLst>
   </p:cSld>
   <p:clrMapOvr>
     <a:masterClrMapping/>
+  </p:clrMapOvr>
+</p:sld>
+</file>
+
+<file path=ppt/slides/slide12.xml><?xml version="1.0" encoding="utf-8"?>
+<p:sld xmlns:a="http://schemas.openxmlformats.org/drawingml/2006/main" xmlns:r="http://schemas.openxmlformats.org/officeDocument/2006/relationships" xmlns:p="http://schemas.openxmlformats.org/presentationml/2006/main">
+  <p:cSld>
+    <p:spTree>
+      <p:nvGrpSpPr>
+        <p:cNvPr id="1" name=""/>
+        <p:cNvGrpSpPr/>
+        <p:nvPr/>
+      </p:nvGrpSpPr>
+      <p:grpSpPr>
+        <a:xfrm>
+          <a:off x="0" y="0"/>
+          <a:ext cx="0" cy="0"/>
+          <a:chOff x="0" y="0"/>
+          <a:chExt cx="0" cy="0"/>
+        </a:xfrm>
+      </p:grpSpPr>
+      <p:sp>
+        <p:nvSpPr>
+          <p:cNvPr id="5" name="Title">
+            <a:extLst>
+              <a:ext uri="{FF2B5EF4-FFF2-40B4-BE49-F238E27FC236}">
+                <a16:creationId xmlns:a16="http://schemas.microsoft.com/office/drawing/2014/main" id="{AC5AD953-635B-2B48-B87A-4F5101B6050D}"/>
+              </a:ext>
+            </a:extLst>
+          </p:cNvPr>
+          <p:cNvSpPr>
+            <a:spLocks noGrp="1"/>
+          </p:cNvSpPr>
+          <p:nvPr>
+            <p:ph type="title"/>
+          </p:nvPr>
+        </p:nvSpPr>
+        <p:spPr>
+          <a:xfrm>
+            <a:off x="838200" y="360512"/>
+            <a:ext cx="10515600" cy="1089529"/>
+          </a:xfrm>
+        </p:spPr>
+        <p:txBody>
+          <a:bodyPr/>
+          <a:lstStyle/>
+          <a:p>
+            <a:r>
+              <a:rPr lang="en-GB" dirty="0"/>
+              <a:t>Applying Data Science techniques to </a:t>
+            </a:r>
+            <a:br>
+              <a:rPr lang="en-GB" dirty="0"/>
+            </a:br>
+            <a:r>
+              <a:rPr lang="en-GB" dirty="0"/>
+              <a:t>other corporate data problems</a:t>
+            </a:r>
+            <a:endParaRPr lang="en-US" dirty="0"/>
+          </a:p>
+        </p:txBody>
+      </p:sp>
+      <p:sp>
+        <p:nvSpPr>
+          <p:cNvPr id="6" name="Content Placeholder">
+            <a:extLst>
+              <a:ext uri="{FF2B5EF4-FFF2-40B4-BE49-F238E27FC236}">
+                <a16:creationId xmlns:a16="http://schemas.microsoft.com/office/drawing/2014/main" id="{4C842C63-75A3-F044-9F81-2C8C2B628C68}"/>
+              </a:ext>
+            </a:extLst>
+          </p:cNvPr>
+          <p:cNvSpPr>
+            <a:spLocks noGrp="1"/>
+          </p:cNvSpPr>
+          <p:nvPr>
+            <p:ph idx="1"/>
+          </p:nvPr>
+        </p:nvSpPr>
+        <p:spPr>
+          <a:xfrm>
+            <a:off x="838200" y="2197641"/>
+            <a:ext cx="10515600" cy="3013551"/>
+          </a:xfrm>
+        </p:spPr>
+        <p:txBody>
+          <a:bodyPr/>
+          <a:lstStyle/>
+          <a:p>
+            <a:pPr lvl="0">
+              <a:lnSpc>
+                <a:spcPct val="90000"/>
+              </a:lnSpc>
+              <a:spcAft>
+                <a:spcPts val="0"/>
+              </a:spcAft>
+            </a:pPr>
+            <a:r>
+              <a:rPr lang="en-GB" sz="2400" dirty="0">
+                <a:solidFill>
+                  <a:prstClr val="black"/>
+                </a:solidFill>
+              </a:rPr>
+              <a:t>Interest from other teams for similar NLP work on other datasets</a:t>
+            </a:r>
+          </a:p>
+          <a:p>
+            <a:pPr lvl="1">
+              <a:spcAft>
+                <a:spcPts val="0"/>
+              </a:spcAft>
+            </a:pPr>
+            <a:r>
+              <a:rPr lang="en-GB" sz="1800" dirty="0">
+                <a:solidFill>
+                  <a:prstClr val="black"/>
+                </a:solidFill>
+              </a:rPr>
+              <a:t>External Affairs</a:t>
+            </a:r>
+          </a:p>
+          <a:p>
+            <a:pPr lvl="2">
+              <a:spcAft>
+                <a:spcPts val="0"/>
+              </a:spcAft>
+            </a:pPr>
+            <a:r>
+              <a:rPr lang="en-GB" sz="1400" dirty="0">
+                <a:solidFill>
+                  <a:prstClr val="black"/>
+                </a:solidFill>
+              </a:rPr>
+              <a:t>Monitoring what key stakeholders are talking about – collating information in public domain (e.g. Twitter, public consultations)</a:t>
+            </a:r>
+          </a:p>
+          <a:p>
+            <a:pPr lvl="2">
+              <a:spcAft>
+                <a:spcPts val="0"/>
+              </a:spcAft>
+            </a:pPr>
+            <a:r>
+              <a:rPr lang="en-GB" sz="1400" dirty="0">
+                <a:solidFill>
+                  <a:prstClr val="black"/>
+                </a:solidFill>
+              </a:rPr>
+              <a:t>Scraping LinkedIn to identify stakeholders across government </a:t>
+            </a:r>
+          </a:p>
+          <a:p>
+            <a:pPr lvl="0">
+              <a:lnSpc>
+                <a:spcPct val="90000"/>
+              </a:lnSpc>
+              <a:spcAft>
+                <a:spcPts val="0"/>
+              </a:spcAft>
+            </a:pPr>
+            <a:endParaRPr lang="en-GB" sz="2000" dirty="0">
+              <a:solidFill>
+                <a:prstClr val="black"/>
+              </a:solidFill>
+            </a:endParaRPr>
+          </a:p>
+          <a:p>
+            <a:pPr lvl="0">
+              <a:lnSpc>
+                <a:spcPct val="90000"/>
+              </a:lnSpc>
+              <a:spcAft>
+                <a:spcPts val="0"/>
+              </a:spcAft>
+            </a:pPr>
+            <a:r>
+              <a:rPr lang="en-GB" sz="2000" dirty="0">
+                <a:solidFill>
+                  <a:prstClr val="black"/>
+                </a:solidFill>
+              </a:rPr>
+              <a:t>Finance team</a:t>
+            </a:r>
+          </a:p>
+          <a:p>
+            <a:pPr lvl="1">
+              <a:spcAft>
+                <a:spcPts val="0"/>
+              </a:spcAft>
+            </a:pPr>
+            <a:r>
+              <a:rPr lang="en-GB" sz="1600" dirty="0">
+                <a:solidFill>
+                  <a:prstClr val="black"/>
+                </a:solidFill>
+              </a:rPr>
+              <a:t>Improving quality of financial forecasting – ML approach could be useful here</a:t>
+            </a:r>
+          </a:p>
+          <a:p>
+            <a:pPr lvl="1">
+              <a:spcAft>
+                <a:spcPts val="0"/>
+              </a:spcAft>
+            </a:pPr>
+            <a:r>
+              <a:rPr lang="en-GB" sz="1600" dirty="0">
+                <a:solidFill>
+                  <a:prstClr val="black"/>
+                </a:solidFill>
+              </a:rPr>
+              <a:t>Forecasting vacancies – opportunity for development of model that utilises most recent data</a:t>
+            </a:r>
+          </a:p>
+          <a:p>
+            <a:pPr lvl="1">
+              <a:spcAft>
+                <a:spcPts val="0"/>
+              </a:spcAft>
+            </a:pPr>
+            <a:endParaRPr lang="en-GB" sz="1600" dirty="0">
+              <a:solidFill>
+                <a:prstClr val="black"/>
+              </a:solidFill>
+            </a:endParaRPr>
+          </a:p>
+          <a:p>
+            <a:pPr lvl="1">
+              <a:spcAft>
+                <a:spcPts val="0"/>
+              </a:spcAft>
+            </a:pPr>
+            <a:endParaRPr lang="en-GB" sz="1600" dirty="0">
+              <a:solidFill>
+                <a:prstClr val="black"/>
+              </a:solidFill>
+            </a:endParaRPr>
+          </a:p>
+          <a:p>
+            <a:pPr lvl="1">
+              <a:spcAft>
+                <a:spcPts val="0"/>
+              </a:spcAft>
+            </a:pPr>
+            <a:endParaRPr lang="en-GB" sz="1600" dirty="0">
+              <a:solidFill>
+                <a:prstClr val="black"/>
+              </a:solidFill>
+            </a:endParaRPr>
+          </a:p>
+          <a:p>
+            <a:pPr lvl="1">
+              <a:spcAft>
+                <a:spcPts val="0"/>
+              </a:spcAft>
+            </a:pPr>
+            <a:endParaRPr lang="en-US" dirty="0"/>
+          </a:p>
+        </p:txBody>
+      </p:sp>
+    </p:spTree>
+    <p:extLst>
+      <p:ext uri="{BB962C8B-B14F-4D97-AF65-F5344CB8AC3E}">
+        <p14:creationId xmlns:p14="http://schemas.microsoft.com/office/powerpoint/2010/main" val="2212693413"/>
+      </p:ext>
+    </p:extLst>
+  </p:cSld>
+  <p:clrMapOvr>
+    <a:masterClrMapping/>
+  </p:clrMapOvr>
+</p:sld>
+</file>
+
+<file path=ppt/slides/slide13.xml><?xml version="1.0" encoding="utf-8"?>
+<p:sld xmlns:a="http://schemas.openxmlformats.org/drawingml/2006/main" xmlns:r="http://schemas.openxmlformats.org/officeDocument/2006/relationships" xmlns:p="http://schemas.openxmlformats.org/presentationml/2006/main">
+  <p:cSld>
+    <p:bg>
+      <p:bgPr>
+        <a:solidFill>
+          <a:srgbClr val="000000"/>
+        </a:solidFill>
+        <a:effectLst/>
+      </p:bgPr>
+    </p:bg>
+    <p:spTree>
+      <p:nvGrpSpPr>
+        <p:cNvPr id="1" name=""/>
+        <p:cNvGrpSpPr/>
+        <p:nvPr/>
+      </p:nvGrpSpPr>
+      <p:grpSpPr>
+        <a:xfrm>
+          <a:off x="0" y="0"/>
+          <a:ext cx="0" cy="0"/>
+          <a:chOff x="0" y="0"/>
+          <a:chExt cx="0" cy="0"/>
+        </a:xfrm>
+      </p:grpSpPr>
+      <p:sp>
+        <p:nvSpPr>
+          <p:cNvPr id="1028" name="Rectangle 70">
+            <a:extLst>
+              <a:ext uri="{FF2B5EF4-FFF2-40B4-BE49-F238E27FC236}">
+                <a16:creationId xmlns:a16="http://schemas.microsoft.com/office/drawing/2014/main" id="{71B2258F-86CA-4D4D-8270-BC05FCDEBFB3}"/>
+              </a:ext>
+              <a:ext uri="{C183D7F6-B498-43B3-948B-1728B52AA6E4}">
+                <adec:decorative xmlns:adec="http://schemas.microsoft.com/office/drawing/2017/decorative" val="1"/>
+              </a:ext>
+            </a:extLst>
+          </p:cNvPr>
+          <p:cNvSpPr>
+            <a:spLocks noGrp="1" noRot="1" noChangeAspect="1" noMove="1" noResize="1" noEditPoints="1" noAdjustHandles="1" noChangeArrowheads="1" noChangeShapeType="1" noTextEdit="1"/>
+          </p:cNvSpPr>
+          <p:nvPr>
+            <p:extLst>
+              <p:ext uri="{386F3935-93C4-4BCD-93E2-E3B085C9AB24}">
+                <p16:designElem xmlns:p16="http://schemas.microsoft.com/office/powerpoint/2015/main" val="1"/>
+              </p:ext>
+            </p:extLst>
+          </p:nvPr>
+        </p:nvSpPr>
+        <p:spPr>
+          <a:xfrm>
+            <a:off x="0" y="0"/>
+            <a:ext cx="12192000" cy="6857999"/>
+          </a:xfrm>
+          <a:prstGeom prst="rect">
+            <a:avLst/>
+          </a:prstGeom>
+          <a:solidFill>
+            <a:srgbClr val="000000"/>
+          </a:solidFill>
+          <a:ln>
+            <a:noFill/>
+          </a:ln>
+        </p:spPr>
+        <p:style>
+          <a:lnRef idx="2">
+            <a:schemeClr val="accent1">
+              <a:shade val="50000"/>
+            </a:schemeClr>
+          </a:lnRef>
+          <a:fillRef idx="1">
+            <a:schemeClr val="accent1"/>
+          </a:fillRef>
+          <a:effectRef idx="0">
+            <a:schemeClr val="accent1"/>
+          </a:effectRef>
+          <a:fontRef idx="minor">
+            <a:schemeClr val="lt1"/>
+          </a:fontRef>
+        </p:style>
+        <p:txBody>
+          <a:bodyPr rtlCol="0" anchor="ctr"/>
+          <a:lstStyle/>
+          <a:p>
+            <a:pPr marL="0" marR="0" lvl="0" indent="0" algn="ctr" defTabSz="914400" rtl="0" eaLnBrk="1" fontAlgn="auto" latinLnBrk="0" hangingPunct="1">
+              <a:lnSpc>
+                <a:spcPct val="100000"/>
+              </a:lnSpc>
+              <a:spcBef>
+                <a:spcPts val="0"/>
+              </a:spcBef>
+              <a:spcAft>
+                <a:spcPts val="0"/>
+              </a:spcAft>
+              <a:buClrTx/>
+              <a:buSzTx/>
+              <a:buFontTx/>
+              <a:buNone/>
+              <a:tabLst/>
+              <a:defRPr/>
+            </a:pPr>
+            <a:endParaRPr kumimoji="0" lang="en-US" sz="1800" b="0" i="0" u="none" strike="noStrike" kern="1200" cap="none" spc="0" normalizeH="0" baseline="0" noProof="0">
+              <a:ln>
+                <a:noFill/>
+              </a:ln>
+              <a:solidFill>
+                <a:prstClr val="white"/>
+              </a:solidFill>
+              <a:effectLst/>
+              <a:uLnTx/>
+              <a:uFillTx/>
+              <a:latin typeface="Calibri" panose="020F0502020204030204"/>
+              <a:ea typeface="+mn-ea"/>
+              <a:cs typeface="+mn-cs"/>
+            </a:endParaRPr>
+          </a:p>
+        </p:txBody>
+      </p:sp>
+      <p:pic>
+        <p:nvPicPr>
+          <p:cNvPr id="1026" name="Picture 2">
+            <a:extLst>
+              <a:ext uri="{FF2B5EF4-FFF2-40B4-BE49-F238E27FC236}">
+                <a16:creationId xmlns:a16="http://schemas.microsoft.com/office/drawing/2014/main" id="{331C74C1-849E-4164-A55B-AA439CE711FE}"/>
+              </a:ext>
+            </a:extLst>
+          </p:cNvPr>
+          <p:cNvPicPr>
+            <a:picLocks noChangeAspect="1" noChangeArrowheads="1"/>
+          </p:cNvPicPr>
+          <p:nvPr/>
+        </p:nvPicPr>
+        <p:blipFill rotWithShape="1">
+          <a:blip r:embed="rId3">
+            <a:alphaModFix amt="50000"/>
+            <a:extLst>
+              <a:ext uri="{28A0092B-C50C-407E-A947-70E740481C1C}">
+                <a14:useLocalDpi xmlns:a14="http://schemas.microsoft.com/office/drawing/2010/main" val="0"/>
+              </a:ext>
+            </a:extLst>
+          </a:blip>
+          <a:srcRect t="6959" b="8771"/>
+          <a:stretch/>
+        </p:blipFill>
+        <p:spPr bwMode="auto">
+          <a:xfrm>
+            <a:off x="20" y="1"/>
+            <a:ext cx="12191980" cy="6857999"/>
+          </a:xfrm>
+          <a:prstGeom prst="rect">
+            <a:avLst/>
+          </a:prstGeom>
+          <a:noFill/>
+          <a:extLst>
+            <a:ext uri="{909E8E84-426E-40DD-AFC4-6F175D3DCCD1}">
+              <a14:hiddenFill xmlns:a14="http://schemas.microsoft.com/office/drawing/2010/main">
+                <a:solidFill>
+                  <a:srgbClr val="FFFFFF"/>
+                </a:solidFill>
+              </a14:hiddenFill>
+            </a:ext>
+          </a:extLst>
+        </p:spPr>
+      </p:pic>
+      <p:sp>
+        <p:nvSpPr>
+          <p:cNvPr id="4" name="Title">
+            <a:extLst>
+              <a:ext uri="{FF2B5EF4-FFF2-40B4-BE49-F238E27FC236}">
+                <a16:creationId xmlns:a16="http://schemas.microsoft.com/office/drawing/2014/main" id="{21123C75-479C-234B-9645-E08CF5BA2050}"/>
+              </a:ext>
+            </a:extLst>
+          </p:cNvPr>
+          <p:cNvSpPr>
+            <a:spLocks noGrp="1"/>
+          </p:cNvSpPr>
+          <p:nvPr>
+            <p:ph type="title"/>
+          </p:nvPr>
+        </p:nvSpPr>
+        <p:spPr>
+          <a:xfrm>
+            <a:off x="1524000" y="1600200"/>
+            <a:ext cx="9144000" cy="2098830"/>
+          </a:xfrm>
+        </p:spPr>
+        <p:txBody>
+          <a:bodyPr vert="horz" lIns="91440" tIns="45720" rIns="91440" bIns="45720" rtlCol="0" anchor="b">
+            <a:normAutofit/>
+          </a:bodyPr>
+          <a:lstStyle/>
+          <a:p>
+            <a:pPr algn="ctr"/>
+            <a:r>
+              <a:rPr lang="en-US" sz="6000" dirty="0">
+                <a:solidFill>
+                  <a:srgbClr val="FFFFFF"/>
+                </a:solidFill>
+              </a:rPr>
+              <a:t>Questions?</a:t>
+            </a:r>
+          </a:p>
+        </p:txBody>
+      </p:sp>
+    </p:spTree>
+    <p:extLst>
+      <p:ext uri="{BB962C8B-B14F-4D97-AF65-F5344CB8AC3E}">
+        <p14:creationId xmlns:p14="http://schemas.microsoft.com/office/powerpoint/2010/main" val="147585059"/>
+      </p:ext>
+    </p:extLst>
+  </p:cSld>
+  <p:clrMapOvr>
+    <a:overrideClrMapping bg1="dk1" tx1="lt1" bg2="dk2" tx2="lt2" accent1="accent1" accent2="accent2" accent3="accent3" accent4="accent4" accent5="accent5" accent6="accent6" hlink="hlink" folHlink="folHlink"/>
   </p:clrMapOvr>
 </p:sld>
 </file>
@@ -8761,7 +6750,7 @@
         </p:nvSpPr>
         <p:spPr>
           <a:xfrm>
-            <a:off x="838200" y="554411"/>
+            <a:off x="838200" y="314714"/>
             <a:ext cx="10515600" cy="701731"/>
           </a:xfrm>
         </p:spPr>
@@ -8796,7 +6785,7 @@
         <p:spPr>
           <a:xfrm>
             <a:off x="820057" y="1540138"/>
-            <a:ext cx="10515600" cy="3653949"/>
+            <a:ext cx="10515600" cy="4320285"/>
           </a:xfrm>
         </p:spPr>
         <p:txBody>
@@ -8823,7 +6812,13 @@
           <a:p>
             <a:r>
               <a:rPr lang="en-GB" sz="2800" dirty="0"/>
-              <a:t>Provide information to Parliamentary team at ONS via interactive dashboard – intended to replace existing paid service</a:t>
+              <a:t>Provide information to Parliamentary team at ONS via interactive dashboard – aiming to replace paid service (c£10k)</a:t>
+            </a:r>
+          </a:p>
+          <a:p>
+            <a:r>
+              <a:rPr lang="en-GB" sz="2800" dirty="0"/>
+              <a:t>Develop my data science skills!</a:t>
             </a:r>
           </a:p>
           <a:p>
@@ -8879,7 +6874,7 @@
         </p:nvSpPr>
         <p:spPr>
           <a:xfrm>
-            <a:off x="838200" y="554411"/>
+            <a:off x="820057" y="234815"/>
             <a:ext cx="10515600" cy="701731"/>
           </a:xfrm>
         </p:spPr>
@@ -9970,7 +7965,7 @@
         </p:nvSpPr>
         <p:spPr>
           <a:xfrm>
-            <a:off x="838200" y="554411"/>
+            <a:off x="838200" y="165661"/>
             <a:ext cx="10515600" cy="701731"/>
           </a:xfrm>
         </p:spPr>
@@ -9979,10 +7974,9 @@
           <a:lstStyle/>
           <a:p>
             <a:r>
-              <a:rPr lang="en-GB" sz="4400" dirty="0"/>
-              <a:t>Outcome</a:t>
-            </a:r>
-            <a:endParaRPr lang="en-US" sz="4400" dirty="0"/>
+              <a:rPr lang="en-US" sz="4400" dirty="0"/>
+              <a:t>Topic Classification</a:t>
+            </a:r>
           </a:p>
         </p:txBody>
       </p:sp>
@@ -10005,7 +7999,7 @@
         <p:spPr>
           <a:xfrm>
             <a:off x="838200" y="1336092"/>
-            <a:ext cx="10515600" cy="3112262"/>
+            <a:ext cx="10515600" cy="3846309"/>
           </a:xfrm>
         </p:spPr>
         <p:txBody>
@@ -10013,12 +8007,8 @@
           <a:lstStyle/>
           <a:p>
             <a:r>
-              <a:rPr lang="en-GB" sz="2800" dirty="0">
-                <a:highlight>
-                  <a:srgbClr val="FFFF00"/>
-                </a:highlight>
-              </a:rPr>
-              <a:t>Show dashboard (5yr summary)</a:t>
+              <a:rPr lang="en-GB" sz="2800" dirty="0"/>
+              <a:t>Machine Learning </a:t>
             </a:r>
           </a:p>
           <a:p>
@@ -10027,44 +8017,41 @@
                 <a:solidFill>
                   <a:schemeClr val="tx1"/>
                 </a:solidFill>
-                <a:highlight>
-                  <a:srgbClr val="FFFF00"/>
-                </a:highlight>
               </a:rPr>
-              <a:t>Show graphs</a:t>
-            </a:r>
-          </a:p>
-          <a:p>
-            <a:r>
-              <a:rPr lang="en-GB" sz="2800" dirty="0">
-                <a:highlight>
-                  <a:srgbClr val="FFFF00"/>
-                </a:highlight>
-              </a:rPr>
-              <a:t>Show BANs (mentions by party, most regular mention-er)</a:t>
+              <a:t>Rules-based system</a:t>
+            </a:r>
+          </a:p>
+          <a:p>
+            <a:r>
+              <a:rPr lang="en-GB" sz="2800" dirty="0"/>
+              <a:t>Debate titles vs speeches vs both</a:t>
             </a:r>
             <a:endParaRPr lang="en-GB" sz="2800" dirty="0">
               <a:solidFill>
                 <a:schemeClr val="tx1"/>
               </a:solidFill>
-              <a:highlight>
-                <a:srgbClr val="FFFF00"/>
-              </a:highlight>
             </a:endParaRPr>
           </a:p>
           <a:p>
             <a:r>
-              <a:rPr lang="en-GB" sz="2400" dirty="0"/>
-              <a:t>Once fully implemented, saving of</a:t>
-            </a:r>
-            <a:r>
-              <a:rPr lang="en-GB" sz="2400" dirty="0">
+              <a:rPr lang="en-GB" sz="2800" dirty="0"/>
+              <a:t>Evaluation</a:t>
+            </a:r>
+          </a:p>
+          <a:p>
+            <a:r>
+              <a:rPr lang="en-GB" sz="2800" dirty="0">
                 <a:solidFill>
                   <a:schemeClr val="tx1"/>
                 </a:solidFill>
               </a:rPr>
-              <a:t> c£10k per annum</a:t>
-            </a:r>
+              <a:t>Further development</a:t>
+            </a:r>
+            <a:endParaRPr lang="en-GB" sz="2400" dirty="0">
+              <a:solidFill>
+                <a:schemeClr val="tx1"/>
+              </a:solidFill>
+            </a:endParaRPr>
           </a:p>
           <a:p>
             <a:pPr marL="0" indent="0">
@@ -10074,10 +8061,105 @@
           </a:p>
         </p:txBody>
       </p:sp>
+      <p:pic>
+        <p:nvPicPr>
+          <p:cNvPr id="4" name="Picture 10">
+            <a:extLst>
+              <a:ext uri="{FF2B5EF4-FFF2-40B4-BE49-F238E27FC236}">
+                <a16:creationId xmlns:a16="http://schemas.microsoft.com/office/drawing/2014/main" id="{B1F2472B-B794-4F12-8E6E-3958DE0E7967}"/>
+              </a:ext>
+            </a:extLst>
+          </p:cNvPr>
+          <p:cNvPicPr>
+            <a:picLocks noChangeAspect="1" noChangeArrowheads="1"/>
+          </p:cNvPicPr>
+          <p:nvPr/>
+        </p:nvPicPr>
+        <p:blipFill>
+          <a:blip r:embed="rId3">
+            <a:extLst>
+              <a:ext uri="{28A0092B-C50C-407E-A947-70E740481C1C}">
+                <a14:useLocalDpi xmlns:a14="http://schemas.microsoft.com/office/drawing/2010/main" val="0"/>
+              </a:ext>
+            </a:extLst>
+          </a:blip>
+          <a:srcRect/>
+          <a:stretch>
+            <a:fillRect/>
+          </a:stretch>
+        </p:blipFill>
+        <p:spPr bwMode="auto">
+          <a:xfrm>
+            <a:off x="6501752" y="1571761"/>
+            <a:ext cx="4471027" cy="2805777"/>
+          </a:xfrm>
+          <a:prstGeom prst="rect">
+            <a:avLst/>
+          </a:prstGeom>
+          <a:noFill/>
+          <a:extLst>
+            <a:ext uri="{909E8E84-426E-40DD-AFC4-6F175D3DCCD1}">
+              <a14:hiddenFill xmlns:a14="http://schemas.microsoft.com/office/drawing/2010/main">
+                <a:solidFill>
+                  <a:srgbClr val="FFFFFF"/>
+                </a:solidFill>
+              </a14:hiddenFill>
+            </a:ext>
+          </a:extLst>
+        </p:spPr>
+      </p:pic>
+      <p:sp>
+        <p:nvSpPr>
+          <p:cNvPr id="7" name="Rectangle 6">
+            <a:extLst>
+              <a:ext uri="{FF2B5EF4-FFF2-40B4-BE49-F238E27FC236}">
+                <a16:creationId xmlns:a16="http://schemas.microsoft.com/office/drawing/2014/main" id="{36D58B35-D205-4B28-93F0-528AE9A3E269}"/>
+              </a:ext>
+            </a:extLst>
+          </p:cNvPr>
+          <p:cNvSpPr/>
+          <p:nvPr/>
+        </p:nvSpPr>
+        <p:spPr>
+          <a:xfrm>
+            <a:off x="6501750" y="1568259"/>
+            <a:ext cx="4471027" cy="2805777"/>
+          </a:xfrm>
+          <a:prstGeom prst="rect">
+            <a:avLst/>
+          </a:prstGeom>
+          <a:noFill/>
+          <a:ln w="28575"/>
+        </p:spPr>
+        <p:style>
+          <a:lnRef idx="2">
+            <a:schemeClr val="dk1">
+              <a:shade val="50000"/>
+            </a:schemeClr>
+          </a:lnRef>
+          <a:fillRef idx="1">
+            <a:schemeClr val="dk1"/>
+          </a:fillRef>
+          <a:effectRef idx="0">
+            <a:schemeClr val="dk1"/>
+          </a:effectRef>
+          <a:fontRef idx="minor">
+            <a:schemeClr val="lt1"/>
+          </a:fontRef>
+        </p:style>
+        <p:txBody>
+          <a:bodyPr rtlCol="0" anchor="ctr"/>
+          <a:lstStyle/>
+          <a:p>
+            <a:pPr algn="ctr"/>
+            <a:endParaRPr lang="en-GB"/>
+          </a:p>
+        </p:txBody>
+      </p:sp>
     </p:spTree>
     <p:extLst>
       <p:ext uri="{BB962C8B-B14F-4D97-AF65-F5344CB8AC3E}">
-        <p14:creationId xmlns:p14="http://schemas.microsoft.com/office/powerpoint/2010/main" val="3251235026"/>
+        <p14:creationId xmlns:p14="http://schemas.microsoft.com/office/powerpoint/2010/main" val="3202105594"/>
       </p:ext>
     </p:extLst>
   </p:cSld>
@@ -10104,6 +8186,36 @@
           <a:chExt cx="0" cy="0"/>
         </a:xfrm>
       </p:grpSpPr>
+      <p:pic>
+        <p:nvPicPr>
+          <p:cNvPr id="11" name="Picture 10">
+            <a:extLst>
+              <a:ext uri="{FF2B5EF4-FFF2-40B4-BE49-F238E27FC236}">
+                <a16:creationId xmlns:a16="http://schemas.microsoft.com/office/drawing/2014/main" id="{635D8BB8-0107-4BDD-A358-CB4757654267}"/>
+              </a:ext>
+            </a:extLst>
+          </p:cNvPr>
+          <p:cNvPicPr>
+            <a:picLocks noChangeAspect="1"/>
+          </p:cNvPicPr>
+          <p:nvPr/>
+        </p:nvPicPr>
+        <p:blipFill>
+          <a:blip r:embed="rId3"/>
+          <a:stretch>
+            <a:fillRect/>
+          </a:stretch>
+        </p:blipFill>
+        <p:spPr>
+          <a:xfrm>
+            <a:off x="6777541" y="506027"/>
+            <a:ext cx="5162925" cy="5231103"/>
+          </a:xfrm>
+          <a:prstGeom prst="rect">
+            <a:avLst/>
+          </a:prstGeom>
+        </p:spPr>
+      </p:pic>
       <p:sp>
         <p:nvSpPr>
           <p:cNvPr id="5" name="Title">
@@ -10122,7 +8234,7 @@
         </p:nvSpPr>
         <p:spPr>
           <a:xfrm>
-            <a:off x="758301" y="234815"/>
+            <a:off x="838200" y="225937"/>
             <a:ext cx="10515600" cy="701731"/>
           </a:xfrm>
         </p:spPr>
@@ -10131,369 +8243,481 @@
           <a:lstStyle/>
           <a:p>
             <a:r>
-              <a:rPr lang="en-GB" sz="4400" dirty="0">
-                <a:highlight>
-                  <a:srgbClr val="FFFF00"/>
-                </a:highlight>
+              <a:rPr lang="en-GB" sz="4400" dirty="0"/>
+              <a:t>Mentions in 2015-2019</a:t>
+            </a:r>
+            <a:endParaRPr lang="en-US" sz="4400" dirty="0"/>
+          </a:p>
+        </p:txBody>
+      </p:sp>
+      <p:sp>
+        <p:nvSpPr>
+          <p:cNvPr id="2" name="TextBox 1">
+            <a:extLst>
+              <a:ext uri="{FF2B5EF4-FFF2-40B4-BE49-F238E27FC236}">
+                <a16:creationId xmlns:a16="http://schemas.microsoft.com/office/drawing/2014/main" id="{24BB09D7-6D20-4311-8D24-9E653CDAB3F7}"/>
+              </a:ext>
+            </a:extLst>
+          </p:cNvPr>
+          <p:cNvSpPr txBox="1"/>
+          <p:nvPr/>
+        </p:nvSpPr>
+        <p:spPr>
+          <a:xfrm>
+            <a:off x="1382508" y="1308743"/>
+            <a:ext cx="3613211" cy="984885"/>
+          </a:xfrm>
+          <a:prstGeom prst="rect">
+            <a:avLst/>
+          </a:prstGeom>
+          <a:noFill/>
+        </p:spPr>
+        <p:txBody>
+          <a:bodyPr wrap="square" rtlCol="0">
+            <a:spAutoFit/>
+          </a:bodyPr>
+          <a:lstStyle/>
+          <a:p>
+            <a:r>
+              <a:rPr lang="en-GB" sz="4000" dirty="0"/>
+              <a:t>379,963 </a:t>
+            </a:r>
+          </a:p>
+          <a:p>
+            <a:r>
+              <a:rPr lang="en-GB" dirty="0"/>
+              <a:t>total speeches</a:t>
+            </a:r>
+          </a:p>
+        </p:txBody>
+      </p:sp>
+      <p:sp>
+        <p:nvSpPr>
+          <p:cNvPr id="6" name="TextBox 5">
+            <a:extLst>
+              <a:ext uri="{FF2B5EF4-FFF2-40B4-BE49-F238E27FC236}">
+                <a16:creationId xmlns:a16="http://schemas.microsoft.com/office/drawing/2014/main" id="{15DE67B1-8288-411E-A249-8DFE83E10AB0}"/>
+              </a:ext>
+            </a:extLst>
+          </p:cNvPr>
+          <p:cNvSpPr txBox="1"/>
+          <p:nvPr/>
+        </p:nvSpPr>
+        <p:spPr>
+          <a:xfrm>
+            <a:off x="1382508" y="2718322"/>
+            <a:ext cx="4364117" cy="984885"/>
+          </a:xfrm>
+          <a:prstGeom prst="rect">
+            <a:avLst/>
+          </a:prstGeom>
+          <a:noFill/>
+        </p:spPr>
+        <p:txBody>
+          <a:bodyPr wrap="square" rtlCol="0">
+            <a:spAutoFit/>
+          </a:bodyPr>
+          <a:lstStyle/>
+          <a:p>
+            <a:r>
+              <a:rPr lang="en-GB" sz="4000" dirty="0"/>
+              <a:t>1,008 </a:t>
+            </a:r>
+          </a:p>
+          <a:p>
+            <a:r>
+              <a:rPr lang="en-GB" dirty="0"/>
+              <a:t>Speeches mentioned ONS/UKSA/OSR</a:t>
+            </a:r>
+          </a:p>
+        </p:txBody>
+      </p:sp>
+      <p:sp>
+        <p:nvSpPr>
+          <p:cNvPr id="8" name="TextBox 7">
+            <a:extLst>
+              <a:ext uri="{FF2B5EF4-FFF2-40B4-BE49-F238E27FC236}">
+                <a16:creationId xmlns:a16="http://schemas.microsoft.com/office/drawing/2014/main" id="{93F32C7D-F370-4296-9485-63B1EEF7D2F0}"/>
+              </a:ext>
+            </a:extLst>
+          </p:cNvPr>
+          <p:cNvSpPr txBox="1"/>
+          <p:nvPr/>
+        </p:nvSpPr>
+        <p:spPr>
+          <a:xfrm>
+            <a:off x="1382508" y="4010374"/>
+            <a:ext cx="4576263" cy="1538883"/>
+          </a:xfrm>
+          <a:prstGeom prst="rect">
+            <a:avLst/>
+          </a:prstGeom>
+          <a:noFill/>
+        </p:spPr>
+        <p:txBody>
+          <a:bodyPr wrap="square" rtlCol="0">
+            <a:spAutoFit/>
+          </a:bodyPr>
+          <a:lstStyle/>
+          <a:p>
+            <a:r>
+              <a:rPr lang="en-GB" sz="4000" dirty="0"/>
+              <a:t>&lt;0.01% </a:t>
+            </a:r>
+          </a:p>
+          <a:p>
+            <a:r>
+              <a:rPr lang="en-GB" dirty="0"/>
+              <a:t>of speeches mentioned us by name… but use of our statistics likely to be much more frequent</a:t>
+            </a:r>
+          </a:p>
+        </p:txBody>
+      </p:sp>
+      <p:pic>
+        <p:nvPicPr>
+          <p:cNvPr id="3" name="Picture 2">
+            <a:extLst>
+              <a:ext uri="{FF2B5EF4-FFF2-40B4-BE49-F238E27FC236}">
+                <a16:creationId xmlns:a16="http://schemas.microsoft.com/office/drawing/2014/main" id="{F077F962-06E3-4893-9981-8DB7A70B013D}"/>
+              </a:ext>
+            </a:extLst>
+          </p:cNvPr>
+          <p:cNvPicPr>
+            <a:picLocks noChangeAspect="1"/>
+          </p:cNvPicPr>
+          <p:nvPr/>
+        </p:nvPicPr>
+        <p:blipFill>
+          <a:blip r:embed="rId4"/>
+          <a:stretch>
+            <a:fillRect/>
+          </a:stretch>
+        </p:blipFill>
+        <p:spPr>
+          <a:xfrm>
+            <a:off x="7075130" y="1445401"/>
+            <a:ext cx="1161502" cy="1050125"/>
+          </a:xfrm>
+          <a:prstGeom prst="rect">
+            <a:avLst/>
+          </a:prstGeom>
+        </p:spPr>
+      </p:pic>
+      <p:pic>
+        <p:nvPicPr>
+          <p:cNvPr id="9" name="Picture 8">
+            <a:extLst>
+              <a:ext uri="{FF2B5EF4-FFF2-40B4-BE49-F238E27FC236}">
+                <a16:creationId xmlns:a16="http://schemas.microsoft.com/office/drawing/2014/main" id="{C41A371E-AA24-4E4E-AEF0-7AAA49AB94B5}"/>
+              </a:ext>
+            </a:extLst>
+          </p:cNvPr>
+          <p:cNvPicPr>
+            <a:picLocks noChangeAspect="1"/>
+          </p:cNvPicPr>
+          <p:nvPr/>
+        </p:nvPicPr>
+        <p:blipFill>
+          <a:blip r:embed="rId5"/>
+          <a:stretch>
+            <a:fillRect/>
+          </a:stretch>
+        </p:blipFill>
+        <p:spPr>
+          <a:xfrm>
+            <a:off x="7075130" y="2820057"/>
+            <a:ext cx="1161502" cy="1050125"/>
+          </a:xfrm>
+          <a:prstGeom prst="rect">
+            <a:avLst/>
+          </a:prstGeom>
+        </p:spPr>
+      </p:pic>
+      <p:pic>
+        <p:nvPicPr>
+          <p:cNvPr id="10" name="Picture 9">
+            <a:extLst>
+              <a:ext uri="{FF2B5EF4-FFF2-40B4-BE49-F238E27FC236}">
+                <a16:creationId xmlns:a16="http://schemas.microsoft.com/office/drawing/2014/main" id="{5EE7B358-85C1-40DF-A9C2-41C6A742E035}"/>
+              </a:ext>
+            </a:extLst>
+          </p:cNvPr>
+          <p:cNvPicPr>
+            <a:picLocks noChangeAspect="1"/>
+          </p:cNvPicPr>
+          <p:nvPr/>
+        </p:nvPicPr>
+        <p:blipFill>
+          <a:blip r:embed="rId6"/>
+          <a:stretch>
+            <a:fillRect/>
+          </a:stretch>
+        </p:blipFill>
+        <p:spPr>
+          <a:xfrm>
+            <a:off x="7075130" y="4336769"/>
+            <a:ext cx="1161502" cy="1050125"/>
+          </a:xfrm>
+          <a:prstGeom prst="rect">
+            <a:avLst/>
+          </a:prstGeom>
+        </p:spPr>
+      </p:pic>
+      <p:sp>
+        <p:nvSpPr>
+          <p:cNvPr id="12" name="TextBox 11">
+            <a:extLst>
+              <a:ext uri="{FF2B5EF4-FFF2-40B4-BE49-F238E27FC236}">
+                <a16:creationId xmlns:a16="http://schemas.microsoft.com/office/drawing/2014/main" id="{4531F1E0-3C75-4E1C-A332-0352834B528C}"/>
+              </a:ext>
+            </a:extLst>
+          </p:cNvPr>
+          <p:cNvSpPr txBox="1"/>
+          <p:nvPr/>
+        </p:nvSpPr>
+        <p:spPr>
+          <a:xfrm>
+            <a:off x="8374423" y="1647297"/>
+            <a:ext cx="3370734" cy="646331"/>
+          </a:xfrm>
+          <a:prstGeom prst="rect">
+            <a:avLst/>
+          </a:prstGeom>
+          <a:noFill/>
+        </p:spPr>
+        <p:txBody>
+          <a:bodyPr wrap="square" rtlCol="0">
+            <a:spAutoFit/>
+          </a:bodyPr>
+          <a:lstStyle/>
+          <a:p>
+            <a:r>
+              <a:rPr lang="en-GB" dirty="0">
+                <a:solidFill>
+                  <a:schemeClr val="bg1"/>
+                </a:solidFill>
+                <a:latin typeface="Georgia" panose="02040502050405020303" pitchFamily="18" charset="0"/>
               </a:rPr>
-              <a:t>What I gained – Data science</a:t>
-            </a:r>
-            <a:endParaRPr lang="en-US" sz="4400" dirty="0">
-              <a:highlight>
-                <a:srgbClr val="FFFF00"/>
-              </a:highlight>
+              <a:t>Rt Hon James Brokenshire MP</a:t>
+            </a:r>
+          </a:p>
+          <a:p>
+            <a:r>
+              <a:rPr lang="en-GB" b="1" dirty="0">
+                <a:solidFill>
+                  <a:schemeClr val="bg1"/>
+                </a:solidFill>
+                <a:latin typeface="Georgia" panose="02040502050405020303" pitchFamily="18" charset="0"/>
+              </a:rPr>
+              <a:t>20</a:t>
+            </a:r>
+          </a:p>
+        </p:txBody>
+      </p:sp>
+      <p:sp>
+        <p:nvSpPr>
+          <p:cNvPr id="13" name="TextBox 12">
+            <a:extLst>
+              <a:ext uri="{FF2B5EF4-FFF2-40B4-BE49-F238E27FC236}">
+                <a16:creationId xmlns:a16="http://schemas.microsoft.com/office/drawing/2014/main" id="{8AAD36AA-0165-4180-80D2-42C7085D9884}"/>
+              </a:ext>
+            </a:extLst>
+          </p:cNvPr>
+          <p:cNvSpPr txBox="1"/>
+          <p:nvPr/>
+        </p:nvSpPr>
+        <p:spPr>
+          <a:xfrm>
+            <a:off x="8374423" y="3019948"/>
+            <a:ext cx="2435069" cy="646331"/>
+          </a:xfrm>
+          <a:prstGeom prst="rect">
+            <a:avLst/>
+          </a:prstGeom>
+          <a:noFill/>
+        </p:spPr>
+        <p:txBody>
+          <a:bodyPr wrap="square" rtlCol="0">
+            <a:spAutoFit/>
+          </a:bodyPr>
+          <a:lstStyle/>
+          <a:p>
+            <a:r>
+              <a:rPr lang="en-GB" dirty="0">
+                <a:solidFill>
+                  <a:schemeClr val="bg1"/>
+                </a:solidFill>
+                <a:latin typeface="Georgia" panose="02040502050405020303" pitchFamily="18" charset="0"/>
+              </a:rPr>
+              <a:t>Sir William Cash MP</a:t>
+            </a:r>
+          </a:p>
+          <a:p>
+            <a:r>
+              <a:rPr lang="en-GB" b="1" dirty="0">
+                <a:solidFill>
+                  <a:schemeClr val="bg1"/>
+                </a:solidFill>
+                <a:latin typeface="Georgia" panose="02040502050405020303" pitchFamily="18" charset="0"/>
+              </a:rPr>
+              <a:t>12</a:t>
+            </a:r>
+          </a:p>
+        </p:txBody>
+      </p:sp>
+      <p:sp>
+        <p:nvSpPr>
+          <p:cNvPr id="14" name="TextBox 13">
+            <a:extLst>
+              <a:ext uri="{FF2B5EF4-FFF2-40B4-BE49-F238E27FC236}">
+                <a16:creationId xmlns:a16="http://schemas.microsoft.com/office/drawing/2014/main" id="{64BD2160-2993-4092-8BF4-EF8A14719D0F}"/>
+              </a:ext>
+            </a:extLst>
+          </p:cNvPr>
+          <p:cNvSpPr txBox="1"/>
+          <p:nvPr/>
+        </p:nvSpPr>
+        <p:spPr>
+          <a:xfrm>
+            <a:off x="8374423" y="4564373"/>
+            <a:ext cx="2435069" cy="646331"/>
+          </a:xfrm>
+          <a:prstGeom prst="rect">
+            <a:avLst/>
+          </a:prstGeom>
+          <a:noFill/>
+        </p:spPr>
+        <p:txBody>
+          <a:bodyPr wrap="square" rtlCol="0">
+            <a:spAutoFit/>
+          </a:bodyPr>
+          <a:lstStyle/>
+          <a:p>
+            <a:r>
+              <a:rPr lang="en-GB" dirty="0">
+                <a:solidFill>
+                  <a:schemeClr val="bg1"/>
+                </a:solidFill>
+                <a:latin typeface="Georgia" panose="02040502050405020303" pitchFamily="18" charset="0"/>
+              </a:rPr>
+              <a:t>Jack Dromey MP</a:t>
+            </a:r>
+          </a:p>
+          <a:p>
+            <a:r>
+              <a:rPr lang="en-GB" b="1" dirty="0">
+                <a:solidFill>
+                  <a:schemeClr val="bg1"/>
+                </a:solidFill>
+                <a:latin typeface="Georgia" panose="02040502050405020303" pitchFamily="18" charset="0"/>
+              </a:rPr>
+              <a:t>11</a:t>
+            </a:r>
+          </a:p>
+        </p:txBody>
+      </p:sp>
+      <p:sp>
+        <p:nvSpPr>
+          <p:cNvPr id="16" name="TextBox 15">
+            <a:extLst>
+              <a:ext uri="{FF2B5EF4-FFF2-40B4-BE49-F238E27FC236}">
+                <a16:creationId xmlns:a16="http://schemas.microsoft.com/office/drawing/2014/main" id="{86EC72C6-551B-49B0-86BF-0B6B44216CA2}"/>
+              </a:ext>
+            </a:extLst>
+          </p:cNvPr>
+          <p:cNvSpPr txBox="1"/>
+          <p:nvPr/>
+        </p:nvSpPr>
+        <p:spPr>
+          <a:xfrm>
+            <a:off x="7397689" y="791629"/>
+            <a:ext cx="3956112" cy="369332"/>
+          </a:xfrm>
+          <a:prstGeom prst="rect">
+            <a:avLst/>
+          </a:prstGeom>
+          <a:noFill/>
+        </p:spPr>
+        <p:txBody>
+          <a:bodyPr wrap="square" rtlCol="0">
+            <a:spAutoFit/>
+          </a:bodyPr>
+          <a:lstStyle/>
+          <a:p>
+            <a:r>
+              <a:rPr lang="en-GB" u="sng" dirty="0">
+                <a:solidFill>
+                  <a:schemeClr val="bg1"/>
+                </a:solidFill>
+                <a:latin typeface="Georgia" panose="02040502050405020303" pitchFamily="18" charset="0"/>
+              </a:rPr>
+              <a:t>UK House of Commons leaderboard</a:t>
+            </a:r>
+            <a:endParaRPr lang="en-GB" b="1" u="sng" dirty="0">
+              <a:solidFill>
+                <a:schemeClr val="bg1"/>
+              </a:solidFill>
+              <a:latin typeface="Georgia" panose="02040502050405020303" pitchFamily="18" charset="0"/>
             </a:endParaRPr>
           </a:p>
         </p:txBody>
       </p:sp>
       <p:sp>
         <p:nvSpPr>
-          <p:cNvPr id="6" name="Content Placeholder">
-            <a:extLst>
-              <a:ext uri="{FF2B5EF4-FFF2-40B4-BE49-F238E27FC236}">
-                <a16:creationId xmlns:a16="http://schemas.microsoft.com/office/drawing/2014/main" id="{4C842C63-75A3-F044-9F81-2C8C2B628C68}"/>
-              </a:ext>
-            </a:extLst>
-          </p:cNvPr>
-          <p:cNvSpPr>
-            <a:spLocks noGrp="1"/>
-          </p:cNvSpPr>
-          <p:nvPr>
-            <p:ph idx="1"/>
-          </p:nvPr>
-        </p:nvSpPr>
-        <p:spPr>
-          <a:xfrm>
-            <a:off x="838200" y="1034251"/>
-            <a:ext cx="10515600" cy="6007799"/>
-          </a:xfrm>
-        </p:spPr>
-        <p:txBody>
-          <a:bodyPr/>
-          <a:lstStyle/>
-          <a:p>
-            <a:pPr marL="285750" indent="-285750">
-              <a:buFontTx/>
-              <a:buChar char="-"/>
-            </a:pPr>
-            <a:r>
-              <a:rPr lang="en-GB" sz="1800" dirty="0"/>
-              <a:t>Data science</a:t>
-            </a:r>
-          </a:p>
-          <a:p>
-            <a:pPr marL="742950" lvl="1" indent="-285750">
-              <a:buFontTx/>
-              <a:buChar char="-"/>
-            </a:pPr>
-            <a:r>
-              <a:rPr lang="en-GB" sz="1400" dirty="0">
-                <a:solidFill>
-                  <a:schemeClr val="tx1"/>
-                </a:solidFill>
-              </a:rPr>
-              <a:t>Coding</a:t>
-            </a:r>
-          </a:p>
-          <a:p>
-            <a:pPr marL="742950" lvl="1" indent="-285750">
-              <a:buFontTx/>
-              <a:buChar char="-"/>
-            </a:pPr>
-            <a:r>
-              <a:rPr lang="en-GB" sz="1400" dirty="0">
-                <a:solidFill>
-                  <a:schemeClr val="tx1"/>
-                </a:solidFill>
-              </a:rPr>
-              <a:t>Git</a:t>
-            </a:r>
-          </a:p>
-          <a:p>
-            <a:pPr marL="742950" lvl="1" indent="-285750">
-              <a:buFontTx/>
-              <a:buChar char="-"/>
-            </a:pPr>
-            <a:r>
-              <a:rPr lang="en-GB" sz="1400" dirty="0">
-                <a:solidFill>
-                  <a:schemeClr val="tx1"/>
-                </a:solidFill>
-              </a:rPr>
-              <a:t>Documentation – reading &amp; writing</a:t>
-            </a:r>
-          </a:p>
-          <a:p>
-            <a:pPr marL="742950" lvl="1" indent="-285750">
-              <a:buFontTx/>
-              <a:buChar char="-"/>
-            </a:pPr>
-            <a:r>
-              <a:rPr lang="en-GB" sz="1400" dirty="0">
-                <a:solidFill>
-                  <a:schemeClr val="tx1"/>
-                </a:solidFill>
-              </a:rPr>
-              <a:t>NLP</a:t>
-            </a:r>
-          </a:p>
-          <a:p>
-            <a:pPr marL="742950" lvl="1" indent="-285750">
-              <a:buFontTx/>
-              <a:buChar char="-"/>
-            </a:pPr>
-            <a:r>
-              <a:rPr lang="en-GB" sz="1400" dirty="0">
-                <a:solidFill>
-                  <a:schemeClr val="tx1"/>
-                </a:solidFill>
-              </a:rPr>
-              <a:t>Machine Learning modelling </a:t>
-            </a:r>
-          </a:p>
-          <a:p>
-            <a:pPr marL="742950" lvl="1" indent="-285750">
-              <a:buFontTx/>
-              <a:buChar char="-"/>
-            </a:pPr>
-            <a:r>
-              <a:rPr lang="en-GB" sz="1400" dirty="0">
-                <a:solidFill>
-                  <a:schemeClr val="tx1"/>
-                </a:solidFill>
-              </a:rPr>
-              <a:t>Evaluating approaches </a:t>
-            </a:r>
-          </a:p>
-          <a:p>
-            <a:pPr marL="1200150" lvl="2" indent="-285750">
-              <a:buFontTx/>
-              <a:buChar char="-"/>
-            </a:pPr>
-            <a:r>
-              <a:rPr lang="en-GB" sz="1000" dirty="0">
-                <a:solidFill>
-                  <a:schemeClr val="tx1"/>
-                </a:solidFill>
-              </a:rPr>
-              <a:t>rules vs ML</a:t>
-            </a:r>
-          </a:p>
-          <a:p>
-            <a:pPr marL="1200150" lvl="2" indent="-285750">
-              <a:buFontTx/>
-              <a:buChar char="-"/>
-            </a:pPr>
-            <a:r>
-              <a:rPr lang="en-GB" sz="1000" dirty="0">
-                <a:solidFill>
-                  <a:prstClr val="black"/>
-                </a:solidFill>
-              </a:rPr>
-              <a:t>False positives, false negatives etc. </a:t>
-            </a:r>
-          </a:p>
-          <a:p>
-            <a:pPr lvl="0">
-              <a:lnSpc>
-                <a:spcPct val="90000"/>
-              </a:lnSpc>
-              <a:spcAft>
-                <a:spcPts val="0"/>
-              </a:spcAft>
-            </a:pPr>
-            <a:r>
-              <a:rPr lang="en-GB" sz="1000" dirty="0">
-                <a:solidFill>
-                  <a:prstClr val="black"/>
-                </a:solidFill>
-                <a:highlight>
-                  <a:srgbClr val="FFFF00"/>
-                </a:highlight>
-              </a:rPr>
-              <a:t>- Packages / Languages / Functionality </a:t>
-            </a:r>
-          </a:p>
-          <a:p>
-            <a:pPr lvl="0">
-              <a:lnSpc>
-                <a:spcPct val="90000"/>
-              </a:lnSpc>
-              <a:spcAft>
-                <a:spcPts val="0"/>
-              </a:spcAft>
-            </a:pPr>
-            <a:r>
-              <a:rPr lang="en-GB" sz="1000" dirty="0">
-                <a:solidFill>
-                  <a:prstClr val="black"/>
-                </a:solidFill>
-                <a:highlight>
-                  <a:srgbClr val="FFFF00"/>
-                </a:highlight>
-              </a:rPr>
-              <a:t>Pandas, data science functionality </a:t>
-            </a:r>
-          </a:p>
-          <a:p>
-            <a:pPr lvl="0">
-              <a:lnSpc>
-                <a:spcPct val="90000"/>
-              </a:lnSpc>
-              <a:spcAft>
-                <a:spcPts val="0"/>
-              </a:spcAft>
-            </a:pPr>
-            <a:r>
-              <a:rPr lang="en-GB" sz="1000" dirty="0">
-                <a:solidFill>
-                  <a:prstClr val="black"/>
-                </a:solidFill>
-                <a:highlight>
-                  <a:srgbClr val="FFFF00"/>
-                </a:highlight>
-              </a:rPr>
-              <a:t>Manipulating DFs </a:t>
-            </a:r>
-          </a:p>
-          <a:p>
-            <a:pPr lvl="0">
-              <a:lnSpc>
-                <a:spcPct val="90000"/>
-              </a:lnSpc>
-              <a:spcAft>
-                <a:spcPts val="0"/>
-              </a:spcAft>
-            </a:pPr>
-            <a:r>
-              <a:rPr lang="en-GB" sz="1000" dirty="0">
-                <a:solidFill>
-                  <a:prstClr val="black"/>
-                </a:solidFill>
-                <a:highlight>
-                  <a:srgbClr val="FFFF00"/>
-                </a:highlight>
-              </a:rPr>
-              <a:t>NLP using spacy</a:t>
-            </a:r>
-          </a:p>
-          <a:p>
-            <a:pPr lvl="0">
-              <a:lnSpc>
-                <a:spcPct val="90000"/>
-              </a:lnSpc>
-              <a:spcAft>
-                <a:spcPts val="0"/>
-              </a:spcAft>
-            </a:pPr>
-            <a:r>
-              <a:rPr lang="en-GB" sz="1000" dirty="0">
-                <a:solidFill>
-                  <a:prstClr val="black"/>
-                </a:solidFill>
-                <a:highlight>
-                  <a:srgbClr val="FFFF00"/>
-                </a:highlight>
-              </a:rPr>
-              <a:t>Some ML - and when not to use it </a:t>
-            </a:r>
-          </a:p>
-          <a:p>
-            <a:pPr lvl="0">
-              <a:lnSpc>
-                <a:spcPct val="90000"/>
-              </a:lnSpc>
-              <a:spcAft>
-                <a:spcPts val="0"/>
-              </a:spcAft>
-            </a:pPr>
-            <a:r>
-              <a:rPr lang="en-GB" sz="1000" dirty="0">
-                <a:solidFill>
-                  <a:prstClr val="black"/>
-                </a:solidFill>
-                <a:highlight>
-                  <a:srgbClr val="FFFF00"/>
-                </a:highlight>
-              </a:rPr>
-              <a:t>Rules based NLP </a:t>
-            </a:r>
-          </a:p>
-          <a:p>
-            <a:pPr lvl="0">
-              <a:lnSpc>
-                <a:spcPct val="90000"/>
-              </a:lnSpc>
-              <a:spcAft>
-                <a:spcPts val="0"/>
-              </a:spcAft>
-            </a:pPr>
-            <a:r>
-              <a:rPr lang="en-GB" sz="1000" dirty="0">
-                <a:solidFill>
-                  <a:prstClr val="black"/>
-                </a:solidFill>
-                <a:highlight>
-                  <a:srgbClr val="FFFF00"/>
-                </a:highlight>
-              </a:rPr>
-              <a:t> </a:t>
-            </a:r>
-          </a:p>
-          <a:p>
-            <a:pPr lvl="0">
-              <a:lnSpc>
-                <a:spcPct val="90000"/>
-              </a:lnSpc>
-              <a:spcAft>
-                <a:spcPts val="0"/>
-              </a:spcAft>
-            </a:pPr>
-            <a:r>
-              <a:rPr lang="en-GB" sz="1000" dirty="0">
-                <a:solidFill>
-                  <a:prstClr val="black"/>
-                </a:solidFill>
-                <a:highlight>
-                  <a:srgbClr val="FFFF00"/>
-                </a:highlight>
-              </a:rPr>
-              <a:t>Automated file downloads &amp; navigating ONS servers / error handling</a:t>
-            </a:r>
-          </a:p>
-          <a:p>
-            <a:pPr marL="742950" lvl="1" indent="-285750">
-              <a:buFontTx/>
-              <a:buChar char="-"/>
-            </a:pPr>
-            <a:endParaRPr lang="en-GB" sz="1400" dirty="0">
-              <a:solidFill>
-                <a:prstClr val="black"/>
-              </a:solidFill>
-            </a:endParaRPr>
-          </a:p>
-          <a:p>
-            <a:pPr marL="914400" lvl="2" indent="0">
-              <a:buNone/>
-            </a:pPr>
-            <a:endParaRPr lang="en-GB" sz="1000" dirty="0">
-              <a:solidFill>
-                <a:schemeClr val="tx1"/>
-              </a:solidFill>
-            </a:endParaRPr>
-          </a:p>
-          <a:p>
-            <a:pPr marL="0" indent="0">
-              <a:buNone/>
-            </a:pPr>
-            <a:endParaRPr lang="en-US" sz="2000" dirty="0"/>
+          <p:cNvPr id="15" name="Rectangle 14">
+            <a:extLst>
+              <a:ext uri="{FF2B5EF4-FFF2-40B4-BE49-F238E27FC236}">
+                <a16:creationId xmlns:a16="http://schemas.microsoft.com/office/drawing/2014/main" id="{086DC88E-E9C1-4586-801C-49A8F27A131B}"/>
+              </a:ext>
+            </a:extLst>
+          </p:cNvPr>
+          <p:cNvSpPr/>
+          <p:nvPr/>
+        </p:nvSpPr>
+        <p:spPr>
+          <a:xfrm>
+            <a:off x="6777540" y="506027"/>
+            <a:ext cx="5162925" cy="5231103"/>
+          </a:xfrm>
+          <a:prstGeom prst="rect">
+            <a:avLst/>
+          </a:prstGeom>
+          <a:noFill/>
+          <a:ln w="57150">
+            <a:solidFill>
+              <a:srgbClr val="FFD700"/>
+            </a:solidFill>
+          </a:ln>
+        </p:spPr>
+        <p:style>
+          <a:lnRef idx="2">
+            <a:schemeClr val="dk1">
+              <a:shade val="50000"/>
+            </a:schemeClr>
+          </a:lnRef>
+          <a:fillRef idx="1">
+            <a:schemeClr val="dk1"/>
+          </a:fillRef>
+          <a:effectRef idx="0">
+            <a:schemeClr val="dk1"/>
+          </a:effectRef>
+          <a:fontRef idx="minor">
+            <a:schemeClr val="lt1"/>
+          </a:fontRef>
+        </p:style>
+        <p:txBody>
+          <a:bodyPr rtlCol="0" anchor="ctr"/>
+          <a:lstStyle/>
+          <a:p>
+            <a:pPr algn="ctr"/>
+            <a:endParaRPr lang="en-GB"/>
           </a:p>
         </p:txBody>
       </p:sp>
     </p:spTree>
     <p:extLst>
       <p:ext uri="{BB962C8B-B14F-4D97-AF65-F5344CB8AC3E}">
-        <p14:creationId xmlns:p14="http://schemas.microsoft.com/office/powerpoint/2010/main" val="626448777"/>
+        <p14:creationId xmlns:p14="http://schemas.microsoft.com/office/powerpoint/2010/main" val="2463647032"/>
       </p:ext>
     </p:extLst>
   </p:cSld>
@@ -10538,7 +8762,7 @@
         </p:nvSpPr>
         <p:spPr>
           <a:xfrm>
-            <a:off x="758301" y="234815"/>
+            <a:off x="838200" y="225937"/>
             <a:ext cx="10515600" cy="701731"/>
           </a:xfrm>
         </p:spPr>
@@ -10547,124 +8771,256 @@
           <a:lstStyle/>
           <a:p>
             <a:r>
-              <a:rPr lang="en-GB" sz="4400" dirty="0">
-                <a:highlight>
-                  <a:srgbClr val="FFFF00"/>
-                </a:highlight>
-              </a:rPr>
-              <a:t>What I gained – Project management</a:t>
-            </a:r>
-            <a:endParaRPr lang="en-US" sz="4400" dirty="0">
-              <a:highlight>
-                <a:srgbClr val="FFFF00"/>
-              </a:highlight>
-            </a:endParaRPr>
-          </a:p>
-        </p:txBody>
-      </p:sp>
-      <p:sp>
-        <p:nvSpPr>
-          <p:cNvPr id="6" name="Content Placeholder">
-            <a:extLst>
-              <a:ext uri="{FF2B5EF4-FFF2-40B4-BE49-F238E27FC236}">
-                <a16:creationId xmlns:a16="http://schemas.microsoft.com/office/drawing/2014/main" id="{4C842C63-75A3-F044-9F81-2C8C2B628C68}"/>
-              </a:ext>
-            </a:extLst>
-          </p:cNvPr>
-          <p:cNvSpPr>
-            <a:spLocks noGrp="1"/>
-          </p:cNvSpPr>
-          <p:nvPr>
-            <p:ph idx="1"/>
-          </p:nvPr>
-        </p:nvSpPr>
-        <p:spPr>
-          <a:xfrm>
-            <a:off x="838200" y="1034251"/>
-            <a:ext cx="10515600" cy="2301143"/>
-          </a:xfrm>
-        </p:spPr>
-        <p:txBody>
-          <a:bodyPr/>
-          <a:lstStyle/>
-          <a:p>
-            <a:pPr marL="285750" indent="-285750">
-              <a:buFontTx/>
-              <a:buChar char="-"/>
-            </a:pPr>
-            <a:r>
-              <a:rPr lang="en-GB" sz="1800" dirty="0"/>
-              <a:t>Project management/user engagement</a:t>
-            </a:r>
-          </a:p>
-          <a:p>
-            <a:pPr marL="742950" lvl="1" indent="-285750">
-              <a:buFontTx/>
-              <a:buChar char="-"/>
-            </a:pPr>
-            <a:r>
-              <a:rPr lang="en-GB" sz="1400" dirty="0">
-                <a:solidFill>
-                  <a:schemeClr val="tx1"/>
-                </a:solidFill>
-              </a:rPr>
-              <a:t>Wireframing</a:t>
-            </a:r>
-          </a:p>
-          <a:p>
-            <a:pPr marL="742950" lvl="1" indent="-285750">
-              <a:buFontTx/>
-              <a:buChar char="-"/>
-            </a:pPr>
-            <a:r>
-              <a:rPr lang="en-GB" sz="1400" dirty="0">
-                <a:solidFill>
-                  <a:schemeClr val="tx1"/>
-                </a:solidFill>
-              </a:rPr>
-              <a:t>Identifying user priorities</a:t>
-            </a:r>
-          </a:p>
-          <a:p>
-            <a:pPr marL="742950" lvl="1" indent="-285750">
-              <a:buFontTx/>
-              <a:buChar char="-"/>
-            </a:pPr>
-            <a:r>
-              <a:rPr lang="en-GB" sz="1400" dirty="0">
-                <a:solidFill>
-                  <a:prstClr val="black"/>
-                </a:solidFill>
-                <a:highlight>
-                  <a:srgbClr val="FFFF00"/>
-                </a:highlight>
-              </a:rPr>
-              <a:t>Trello, sketch out the parts required, user testing, working in the open with users, iterative (or Agile) development, timeline management, identifying prototype scope </a:t>
-            </a:r>
-          </a:p>
-          <a:p>
-            <a:pPr marL="742950" lvl="1" indent="-285750">
-              <a:buFontTx/>
-              <a:buChar char="-"/>
-            </a:pPr>
-            <a:endParaRPr lang="en-GB" sz="1400" dirty="0">
-              <a:solidFill>
-                <a:schemeClr val="tx1"/>
-              </a:solidFill>
-            </a:endParaRPr>
-          </a:p>
-          <a:p>
-            <a:pPr marL="0" indent="0">
-              <a:buNone/>
-            </a:pPr>
-            <a:endParaRPr lang="en-US" sz="2000" dirty="0"/>
-          </a:p>
-        </p:txBody>
-      </p:sp>
+              <a:rPr lang="en-GB" sz="4400" dirty="0"/>
+              <a:t>Mentions by party</a:t>
+            </a:r>
+            <a:endParaRPr lang="en-US" sz="4400" dirty="0"/>
+          </a:p>
+        </p:txBody>
+      </p:sp>
+      <p:pic>
+        <p:nvPicPr>
+          <p:cNvPr id="4" name="Picture 3">
+            <a:extLst>
+              <a:ext uri="{FF2B5EF4-FFF2-40B4-BE49-F238E27FC236}">
+                <a16:creationId xmlns:a16="http://schemas.microsoft.com/office/drawing/2014/main" id="{22A2A15F-EFFA-4491-B508-E5717EE8E362}"/>
+              </a:ext>
+            </a:extLst>
+          </p:cNvPr>
+          <p:cNvPicPr>
+            <a:picLocks noChangeAspect="1"/>
+          </p:cNvPicPr>
+          <p:nvPr/>
+        </p:nvPicPr>
+        <p:blipFill>
+          <a:blip r:embed="rId2"/>
+          <a:stretch>
+            <a:fillRect/>
+          </a:stretch>
+        </p:blipFill>
+        <p:spPr>
+          <a:xfrm>
+            <a:off x="2956264" y="1143582"/>
+            <a:ext cx="6043873" cy="4703070"/>
+          </a:xfrm>
+          <a:prstGeom prst="rect">
+            <a:avLst/>
+          </a:prstGeom>
+        </p:spPr>
+      </p:pic>
+      <p:sp>
+        <p:nvSpPr>
+          <p:cNvPr id="7" name="Rectangle 6">
+            <a:extLst>
+              <a:ext uri="{FF2B5EF4-FFF2-40B4-BE49-F238E27FC236}">
+                <a16:creationId xmlns:a16="http://schemas.microsoft.com/office/drawing/2014/main" id="{251A14E0-3920-4C4B-AB6E-FF406AAA1004}"/>
+              </a:ext>
+            </a:extLst>
+          </p:cNvPr>
+          <p:cNvSpPr/>
+          <p:nvPr/>
+        </p:nvSpPr>
+        <p:spPr>
+          <a:xfrm>
+            <a:off x="2956264" y="1143582"/>
+            <a:ext cx="6043873" cy="4703070"/>
+          </a:xfrm>
+          <a:prstGeom prst="rect">
+            <a:avLst/>
+          </a:prstGeom>
+          <a:noFill/>
+          <a:ln w="28575"/>
+        </p:spPr>
+        <p:style>
+          <a:lnRef idx="2">
+            <a:schemeClr val="dk1">
+              <a:shade val="50000"/>
+            </a:schemeClr>
+          </a:lnRef>
+          <a:fillRef idx="1">
+            <a:schemeClr val="dk1"/>
+          </a:fillRef>
+          <a:effectRef idx="0">
+            <a:schemeClr val="dk1"/>
+          </a:effectRef>
+          <a:fontRef idx="minor">
+            <a:schemeClr val="lt1"/>
+          </a:fontRef>
+        </p:style>
+        <p:txBody>
+          <a:bodyPr rtlCol="0" anchor="ctr"/>
+          <a:lstStyle/>
+          <a:p>
+            <a:pPr algn="ctr"/>
+            <a:endParaRPr lang="en-GB"/>
+          </a:p>
+        </p:txBody>
+      </p:sp>
+      <p:sp>
+        <p:nvSpPr>
+          <p:cNvPr id="8" name="TextBox 7">
+            <a:extLst>
+              <a:ext uri="{FF2B5EF4-FFF2-40B4-BE49-F238E27FC236}">
+                <a16:creationId xmlns:a16="http://schemas.microsoft.com/office/drawing/2014/main" id="{8F6989B7-76EF-41FE-ABDA-D85FF0764EF2}"/>
+              </a:ext>
+            </a:extLst>
+          </p:cNvPr>
+          <p:cNvSpPr txBox="1"/>
+          <p:nvPr/>
+        </p:nvSpPr>
+        <p:spPr>
+          <a:xfrm>
+            <a:off x="278906" y="1315315"/>
+            <a:ext cx="2268986" cy="1323439"/>
+          </a:xfrm>
+          <a:prstGeom prst="rect">
+            <a:avLst/>
+          </a:prstGeom>
+          <a:noFill/>
+        </p:spPr>
+        <p:txBody>
+          <a:bodyPr wrap="square" rtlCol="0">
+            <a:spAutoFit/>
+          </a:bodyPr>
+          <a:lstStyle/>
+          <a:p>
+            <a:r>
+              <a:rPr lang="en-GB" sz="2000" dirty="0"/>
+              <a:t>Conservatives dominated debate in the 2015-2019 period…</a:t>
+            </a:r>
+          </a:p>
+        </p:txBody>
+      </p:sp>
+      <p:sp>
+        <p:nvSpPr>
+          <p:cNvPr id="9" name="TextBox 8">
+            <a:extLst>
+              <a:ext uri="{FF2B5EF4-FFF2-40B4-BE49-F238E27FC236}">
+                <a16:creationId xmlns:a16="http://schemas.microsoft.com/office/drawing/2014/main" id="{E0575D11-DE66-451A-AF50-20B882940EE1}"/>
+              </a:ext>
+            </a:extLst>
+          </p:cNvPr>
+          <p:cNvSpPr txBox="1"/>
+          <p:nvPr/>
+        </p:nvSpPr>
+        <p:spPr>
+          <a:xfrm>
+            <a:off x="9406688" y="1977034"/>
+            <a:ext cx="2268986" cy="3477875"/>
+          </a:xfrm>
+          <a:prstGeom prst="rect">
+            <a:avLst/>
+          </a:prstGeom>
+          <a:noFill/>
+        </p:spPr>
+        <p:txBody>
+          <a:bodyPr wrap="square" rtlCol="0">
+            <a:spAutoFit/>
+          </a:bodyPr>
+          <a:lstStyle/>
+          <a:p>
+            <a:r>
+              <a:rPr lang="en-GB" sz="2000" dirty="0"/>
+              <a:t>…but mentions of ONS were not distributed equally across the parties.</a:t>
+            </a:r>
+          </a:p>
+          <a:p>
+            <a:endParaRPr lang="en-GB" sz="2000" dirty="0"/>
+          </a:p>
+          <a:p>
+            <a:r>
+              <a:rPr lang="en-GB" sz="2000" dirty="0"/>
+              <a:t>A Labour MP was much more likely to mention us in their speech than an MP from any other party.</a:t>
+            </a:r>
+          </a:p>
+        </p:txBody>
+      </p:sp>
+      <p:cxnSp>
+        <p:nvCxnSpPr>
+          <p:cNvPr id="11" name="Connector: Curved 10">
+            <a:extLst>
+              <a:ext uri="{FF2B5EF4-FFF2-40B4-BE49-F238E27FC236}">
+                <a16:creationId xmlns:a16="http://schemas.microsoft.com/office/drawing/2014/main" id="{12DC07E7-DE6D-4A2A-BADC-172DD7E72CFD}"/>
+              </a:ext>
+            </a:extLst>
+          </p:cNvPr>
+          <p:cNvCxnSpPr>
+            <a:stCxn id="8" idx="2"/>
+          </p:cNvCxnSpPr>
+          <p:nvPr/>
+        </p:nvCxnSpPr>
+        <p:spPr>
+          <a:xfrm rot="16200000" flipH="1">
+            <a:off x="1777850" y="2274303"/>
+            <a:ext cx="1160192" cy="1889094"/>
+          </a:xfrm>
+          <a:prstGeom prst="curvedConnector2">
+            <a:avLst/>
+          </a:prstGeom>
+          <a:ln w="19050">
+            <a:tailEnd type="triangle"/>
+          </a:ln>
+        </p:spPr>
+        <p:style>
+          <a:lnRef idx="1">
+            <a:schemeClr val="dk1"/>
+          </a:lnRef>
+          <a:fillRef idx="0">
+            <a:schemeClr val="dk1"/>
+          </a:fillRef>
+          <a:effectRef idx="0">
+            <a:schemeClr val="dk1"/>
+          </a:effectRef>
+          <a:fontRef idx="minor">
+            <a:schemeClr val="tx1"/>
+          </a:fontRef>
+        </p:style>
+      </p:cxnSp>
+      <p:cxnSp>
+        <p:nvCxnSpPr>
+          <p:cNvPr id="22" name="Straight Arrow Connector 21">
+            <a:extLst>
+              <a:ext uri="{FF2B5EF4-FFF2-40B4-BE49-F238E27FC236}">
+                <a16:creationId xmlns:a16="http://schemas.microsoft.com/office/drawing/2014/main" id="{3EE20BFC-941B-4977-8B99-2E2CAB681C0E}"/>
+              </a:ext>
+            </a:extLst>
+          </p:cNvPr>
+          <p:cNvCxnSpPr>
+            <a:cxnSpLocks/>
+          </p:cNvCxnSpPr>
+          <p:nvPr/>
+        </p:nvCxnSpPr>
+        <p:spPr>
+          <a:xfrm flipH="1">
+            <a:off x="7386221" y="3932808"/>
+            <a:ext cx="1849516" cy="186431"/>
+          </a:xfrm>
+          <a:prstGeom prst="straightConnector1">
+            <a:avLst/>
+          </a:prstGeom>
+          <a:ln w="19050">
+            <a:tailEnd type="triangle"/>
+          </a:ln>
+        </p:spPr>
+        <p:style>
+          <a:lnRef idx="1">
+            <a:schemeClr val="dk1"/>
+          </a:lnRef>
+          <a:fillRef idx="0">
+            <a:schemeClr val="dk1"/>
+          </a:fillRef>
+          <a:effectRef idx="0">
+            <a:schemeClr val="dk1"/>
+          </a:effectRef>
+          <a:fontRef idx="minor">
+            <a:schemeClr val="tx1"/>
+          </a:fontRef>
+        </p:style>
+      </p:cxnSp>
     </p:spTree>
     <p:extLst>
       <p:ext uri="{BB962C8B-B14F-4D97-AF65-F5344CB8AC3E}">
-        <p14:creationId xmlns:p14="http://schemas.microsoft.com/office/powerpoint/2010/main" val="3623892067"/>
+        <p14:creationId xmlns:p14="http://schemas.microsoft.com/office/powerpoint/2010/main" val="4090033428"/>
       </p:ext>
     </p:extLst>
   </p:cSld>
@@ -10709,7 +9065,7 @@
         </p:nvSpPr>
         <p:spPr>
           <a:xfrm>
-            <a:off x="758301" y="234815"/>
+            <a:off x="838200" y="554411"/>
             <a:ext cx="10515600" cy="701731"/>
           </a:xfrm>
         </p:spPr>
@@ -10718,110 +9074,152 @@
           <a:lstStyle/>
           <a:p>
             <a:r>
-              <a:rPr lang="en-GB" sz="4400" dirty="0">
-                <a:highlight>
-                  <a:srgbClr val="FFFF00"/>
-                </a:highlight>
+              <a:rPr lang="en-GB" sz="4400" dirty="0"/>
+              <a:t>Dashboard</a:t>
+            </a:r>
+            <a:endParaRPr lang="en-US" sz="4400" dirty="0"/>
+          </a:p>
+        </p:txBody>
+      </p:sp>
+      <p:sp>
+        <p:nvSpPr>
+          <p:cNvPr id="6" name="Content Placeholder">
+            <a:extLst>
+              <a:ext uri="{FF2B5EF4-FFF2-40B4-BE49-F238E27FC236}">
+                <a16:creationId xmlns:a16="http://schemas.microsoft.com/office/drawing/2014/main" id="{4C842C63-75A3-F044-9F81-2C8C2B628C68}"/>
+              </a:ext>
+            </a:extLst>
+          </p:cNvPr>
+          <p:cNvSpPr>
+            <a:spLocks noGrp="1"/>
+          </p:cNvSpPr>
+          <p:nvPr>
+            <p:ph idx="1"/>
+          </p:nvPr>
+        </p:nvSpPr>
+        <p:spPr>
+          <a:xfrm>
+            <a:off x="838200" y="2115589"/>
+            <a:ext cx="3724373" cy="1855893"/>
+          </a:xfrm>
+        </p:spPr>
+        <p:txBody>
+          <a:bodyPr/>
+          <a:lstStyle/>
+          <a:p>
+            <a:r>
+              <a:rPr lang="en-GB" sz="2800" dirty="0">
+                <a:hlinkClick r:id="rId3"/>
               </a:rPr>
-              <a:t>What I gained – Contacts</a:t>
-            </a:r>
-            <a:endParaRPr lang="en-US" sz="4400" dirty="0">
-              <a:highlight>
-                <a:srgbClr val="FFFF00"/>
-              </a:highlight>
-            </a:endParaRPr>
-          </a:p>
-        </p:txBody>
-      </p:sp>
-      <p:sp>
-        <p:nvSpPr>
-          <p:cNvPr id="6" name="Content Placeholder">
-            <a:extLst>
-              <a:ext uri="{FF2B5EF4-FFF2-40B4-BE49-F238E27FC236}">
-                <a16:creationId xmlns:a16="http://schemas.microsoft.com/office/drawing/2014/main" id="{4C842C63-75A3-F044-9F81-2C8C2B628C68}"/>
-              </a:ext>
-            </a:extLst>
-          </p:cNvPr>
-          <p:cNvSpPr>
-            <a:spLocks noGrp="1"/>
-          </p:cNvSpPr>
-          <p:nvPr>
-            <p:ph idx="1"/>
-          </p:nvPr>
-        </p:nvSpPr>
-        <p:spPr>
-          <a:xfrm>
-            <a:off x="838200" y="1034251"/>
-            <a:ext cx="10515600" cy="1785104"/>
-          </a:xfrm>
-        </p:spPr>
-        <p:txBody>
-          <a:bodyPr/>
-          <a:lstStyle/>
-          <a:p>
-            <a:pPr marL="285750" indent="-285750">
-              <a:buFontTx/>
-              <a:buChar char="-"/>
-            </a:pPr>
-            <a:r>
-              <a:rPr lang="en-GB" sz="1800" dirty="0"/>
-              <a:t>Contacts</a:t>
-            </a:r>
-          </a:p>
-          <a:p>
-            <a:pPr marL="742950" lvl="1" indent="-285750">
-              <a:buFontTx/>
-              <a:buChar char="-"/>
-            </a:pPr>
-            <a:r>
-              <a:rPr lang="en-GB" sz="1400" dirty="0">
-                <a:solidFill>
-                  <a:schemeClr val="tx1"/>
-                </a:solidFill>
-              </a:rPr>
-              <a:t>ONS (e.g. Mitch in ESG, Michael Hodge in OSR)</a:t>
-            </a:r>
-          </a:p>
-          <a:p>
-            <a:pPr marL="742950" lvl="1" indent="-285750">
-              <a:buFontTx/>
-              <a:buChar char="-"/>
-            </a:pPr>
-            <a:r>
-              <a:rPr lang="en-GB" sz="1400" dirty="0">
-                <a:solidFill>
-                  <a:schemeClr val="tx1"/>
-                </a:solidFill>
-              </a:rPr>
-              <a:t>Cabinet Office</a:t>
-            </a:r>
-          </a:p>
-          <a:p>
-            <a:pPr marL="742950" lvl="1" indent="-285750">
-              <a:buFontTx/>
-              <a:buChar char="-"/>
-            </a:pPr>
-            <a:r>
-              <a:rPr lang="en-GB" sz="1400" dirty="0">
-                <a:solidFill>
-                  <a:schemeClr val="tx1"/>
-                </a:solidFill>
-              </a:rPr>
-              <a:t> x-gov data science slack</a:t>
-            </a:r>
-          </a:p>
-          <a:p>
-            <a:pPr marL="0" indent="0">
-              <a:buNone/>
-            </a:pPr>
-            <a:endParaRPr lang="en-US" sz="2000" dirty="0"/>
+              <a:t>Prototype dashboard</a:t>
+            </a:r>
+            <a:endParaRPr lang="en-GB" sz="2800" dirty="0"/>
+          </a:p>
+          <a:p>
+            <a:pPr lvl="1"/>
+            <a:r>
+              <a:rPr lang="en-GB" sz="2400" dirty="0"/>
+              <a:t>View by topic</a:t>
+            </a:r>
+          </a:p>
+          <a:p>
+            <a:pPr lvl="1"/>
+            <a:r>
+              <a:rPr lang="en-GB" sz="2400" dirty="0"/>
+              <a:t>View by MP</a:t>
+            </a:r>
+          </a:p>
+          <a:p>
+            <a:pPr lvl="1"/>
+            <a:r>
+              <a:rPr lang="en-GB" sz="2400" dirty="0"/>
+              <a:t>Long-term trend</a:t>
+            </a:r>
+          </a:p>
+        </p:txBody>
+      </p:sp>
+      <p:pic>
+        <p:nvPicPr>
+          <p:cNvPr id="2" name="Picture 1">
+            <a:extLst>
+              <a:ext uri="{FF2B5EF4-FFF2-40B4-BE49-F238E27FC236}">
+                <a16:creationId xmlns:a16="http://schemas.microsoft.com/office/drawing/2014/main" id="{E22B5C63-B2AD-4E80-9668-3170BD96D5AE}"/>
+              </a:ext>
+            </a:extLst>
+          </p:cNvPr>
+          <p:cNvPicPr>
+            <a:picLocks noChangeAspect="1"/>
+          </p:cNvPicPr>
+          <p:nvPr/>
+        </p:nvPicPr>
+        <p:blipFill>
+          <a:blip r:embed="rId4"/>
+          <a:stretch>
+            <a:fillRect/>
+          </a:stretch>
+        </p:blipFill>
+        <p:spPr>
+          <a:xfrm>
+            <a:off x="4940927" y="1256142"/>
+            <a:ext cx="7018699" cy="3899848"/>
+          </a:xfrm>
+          <a:prstGeom prst="rect">
+            <a:avLst/>
+          </a:prstGeom>
+        </p:spPr>
+      </p:pic>
+      <p:sp>
+        <p:nvSpPr>
+          <p:cNvPr id="7" name="Rectangle 6">
+            <a:extLst>
+              <a:ext uri="{FF2B5EF4-FFF2-40B4-BE49-F238E27FC236}">
+                <a16:creationId xmlns:a16="http://schemas.microsoft.com/office/drawing/2014/main" id="{83B28293-B53D-4E3A-9F52-07F15E385520}"/>
+              </a:ext>
+            </a:extLst>
+          </p:cNvPr>
+          <p:cNvSpPr/>
+          <p:nvPr/>
+        </p:nvSpPr>
+        <p:spPr>
+          <a:xfrm>
+            <a:off x="4940927" y="1256142"/>
+            <a:ext cx="7018699" cy="3899848"/>
+          </a:xfrm>
+          <a:prstGeom prst="rect">
+            <a:avLst/>
+          </a:prstGeom>
+          <a:noFill/>
+          <a:ln w="28575"/>
+        </p:spPr>
+        <p:style>
+          <a:lnRef idx="2">
+            <a:schemeClr val="dk1">
+              <a:shade val="50000"/>
+            </a:schemeClr>
+          </a:lnRef>
+          <a:fillRef idx="1">
+            <a:schemeClr val="dk1"/>
+          </a:fillRef>
+          <a:effectRef idx="0">
+            <a:schemeClr val="dk1"/>
+          </a:effectRef>
+          <a:fontRef idx="minor">
+            <a:schemeClr val="lt1"/>
+          </a:fontRef>
+        </p:style>
+        <p:txBody>
+          <a:bodyPr rtlCol="0" anchor="ctr"/>
+          <a:lstStyle/>
+          <a:p>
+            <a:pPr algn="ctr"/>
+            <a:endParaRPr lang="en-GB"/>
           </a:p>
         </p:txBody>
       </p:sp>
     </p:spTree>
     <p:extLst>
       <p:ext uri="{BB962C8B-B14F-4D97-AF65-F5344CB8AC3E}">
-        <p14:creationId xmlns:p14="http://schemas.microsoft.com/office/powerpoint/2010/main" val="1843428141"/>
+        <p14:creationId xmlns:p14="http://schemas.microsoft.com/office/powerpoint/2010/main" val="3251235026"/>
       </p:ext>
     </p:extLst>
   </p:cSld>
@@ -10866,7 +9264,7 @@
         </p:nvSpPr>
         <p:spPr>
           <a:xfrm>
-            <a:off x="838200" y="554411"/>
+            <a:off x="758301" y="234815"/>
             <a:ext cx="10515600" cy="701731"/>
           </a:xfrm>
         </p:spPr>
@@ -10875,18 +9273,10 @@
           <a:lstStyle/>
           <a:p>
             <a:r>
-              <a:rPr lang="en-GB" sz="4400" dirty="0">
-                <a:highlight>
-                  <a:srgbClr val="FFFF00"/>
-                </a:highlight>
-              </a:rPr>
-              <a:t>Next Steps</a:t>
-            </a:r>
-            <a:endParaRPr lang="en-US" sz="4400" dirty="0">
-              <a:highlight>
-                <a:srgbClr val="FFFF00"/>
-              </a:highlight>
-            </a:endParaRPr>
+              <a:rPr lang="en-GB" sz="4400" dirty="0"/>
+              <a:t>What I learned</a:t>
+            </a:r>
+            <a:endParaRPr lang="en-US" sz="4400" dirty="0"/>
           </a:p>
         </p:txBody>
       </p:sp>
@@ -10908,113 +9298,163 @@
         </p:nvSpPr>
         <p:spPr>
           <a:xfrm>
-            <a:off x="838200" y="1336092"/>
-            <a:ext cx="10515600" cy="5729902"/>
+            <a:off x="609600" y="1030907"/>
+            <a:ext cx="5141976" cy="5405582"/>
           </a:xfrm>
         </p:spPr>
         <p:txBody>
           <a:bodyPr/>
           <a:lstStyle/>
           <a:p>
+            <a:pPr marL="0" indent="0">
+              <a:buNone/>
+            </a:pPr>
             <a:r>
               <a:rPr lang="en-GB" sz="2400" dirty="0"/>
-              <a:t>Productionise dashboard – weekly updates, live data</a:t>
-            </a:r>
-          </a:p>
-          <a:p>
-            <a:r>
-              <a:rPr lang="en-GB" sz="2400" dirty="0"/>
-              <a:t>Include all data from UK Parliament, plus NI Executive, Scottish Parliament &amp; Welsh Senedd </a:t>
-            </a:r>
-          </a:p>
-          <a:p>
-            <a:r>
-              <a:rPr lang="en-GB" sz="2400" dirty="0"/>
-              <a:t>Automatic identification of topics with frequent/infrequent mentions</a:t>
-            </a:r>
-            <a:endParaRPr lang="en-GB" sz="2100" dirty="0">
-              <a:solidFill>
-                <a:prstClr val="black"/>
-              </a:solidFill>
-            </a:endParaRPr>
-          </a:p>
-          <a:p>
-            <a:pPr lvl="0">
-              <a:lnSpc>
-                <a:spcPct val="90000"/>
-              </a:lnSpc>
-              <a:spcAft>
-                <a:spcPts val="0"/>
-              </a:spcAft>
-            </a:pPr>
-            <a:r>
-              <a:rPr lang="en-GB" sz="2000" dirty="0">
-                <a:solidFill>
-                  <a:prstClr val="black"/>
-                </a:solidFill>
-              </a:rPr>
-              <a:t>Looking at govt policy papers (T&amp;F group)</a:t>
-            </a:r>
-          </a:p>
-          <a:p>
-            <a:pPr marL="285750" lvl="0" indent="-285750">
-              <a:lnSpc>
-                <a:spcPct val="90000"/>
-              </a:lnSpc>
-              <a:spcAft>
-                <a:spcPts val="0"/>
-              </a:spcAft>
+              <a:t>Data science</a:t>
+            </a:r>
+          </a:p>
+          <a:p>
+            <a:pPr marL="742950" lvl="1" indent="-285750">
               <a:buFontTx/>
               <a:buChar char="-"/>
             </a:pPr>
             <a:r>
-              <a:rPr lang="en-GB" sz="2000" dirty="0">
+              <a:rPr lang="en-GB" sz="1800" dirty="0">
                 <a:solidFill>
-                  <a:prstClr val="black"/>
+                  <a:schemeClr val="tx1"/>
                 </a:solidFill>
               </a:rPr>
-              <a:t>Next steps overall:</a:t>
+              <a:t>Coding, incl. experience with plenty of Python packages</a:t>
             </a:r>
           </a:p>
           <a:p>
             <a:pPr marL="742950" lvl="1" indent="-285750">
-              <a:spcAft>
-                <a:spcPts val="0"/>
-              </a:spcAft>
               <a:buFontTx/>
               <a:buChar char="-"/>
             </a:pPr>
             <a:r>
-              <a:rPr lang="en-GB" sz="1700" dirty="0">
+              <a:rPr lang="en-GB" sz="1800" dirty="0">
                 <a:solidFill>
-                  <a:prstClr val="black"/>
+                  <a:schemeClr val="tx1"/>
                 </a:solidFill>
               </a:rPr>
-              <a:t>What else we could do with DS skills – give examples</a:t>
+              <a:t>Git</a:t>
             </a:r>
           </a:p>
           <a:p>
             <a:pPr marL="742950" lvl="1" indent="-285750">
-              <a:spcAft>
-                <a:spcPts val="0"/>
-              </a:spcAft>
               <a:buFontTx/>
               <a:buChar char="-"/>
             </a:pPr>
             <a:r>
-              <a:rPr lang="en-GB" sz="1700" dirty="0">
+              <a:rPr lang="en-GB" sz="1800" dirty="0">
                 <a:solidFill>
-                  <a:prstClr val="black"/>
+                  <a:schemeClr val="tx1"/>
                 </a:solidFill>
               </a:rPr>
-              <a:t>X-data gov possibilities for my Hansard work </a:t>
+              <a:t>Documentation – reading &amp; writing</a:t>
+            </a:r>
+          </a:p>
+          <a:p>
+            <a:pPr marL="742950" lvl="1" indent="-285750">
+              <a:buFontTx/>
+              <a:buChar char="-"/>
+            </a:pPr>
+            <a:r>
+              <a:rPr lang="en-GB" sz="1800" dirty="0">
+                <a:solidFill>
+                  <a:schemeClr val="tx1"/>
+                </a:solidFill>
+              </a:rPr>
+              <a:t>Web scraping, automating file downloads &amp; dealing with ONS network</a:t>
+            </a:r>
+          </a:p>
+          <a:p>
+            <a:pPr marL="742950" lvl="1" indent="-285750">
+              <a:buFontTx/>
+              <a:buChar char="-"/>
+            </a:pPr>
+            <a:r>
+              <a:rPr lang="en-GB" sz="1800" dirty="0">
+                <a:solidFill>
+                  <a:schemeClr val="tx1"/>
+                </a:solidFill>
+              </a:rPr>
+              <a:t>NLP with </a:t>
+            </a:r>
+            <a:r>
+              <a:rPr lang="en-GB" sz="1800" dirty="0" err="1">
+                <a:solidFill>
+                  <a:schemeClr val="tx1"/>
+                </a:solidFill>
+              </a:rPr>
+              <a:t>spaCy</a:t>
+            </a:r>
+            <a:endParaRPr lang="en-GB" sz="1800" dirty="0">
+              <a:solidFill>
+                <a:schemeClr val="tx1"/>
+              </a:solidFill>
+            </a:endParaRPr>
+          </a:p>
+          <a:p>
+            <a:pPr marL="742950" lvl="1" indent="-285750">
+              <a:buFontTx/>
+              <a:buChar char="-"/>
+            </a:pPr>
+            <a:r>
+              <a:rPr lang="en-GB" sz="1800" dirty="0">
+                <a:solidFill>
+                  <a:schemeClr val="tx1"/>
+                </a:solidFill>
+              </a:rPr>
+              <a:t>Rules based NLP</a:t>
+            </a:r>
+          </a:p>
+          <a:p>
+            <a:pPr marL="742950" lvl="1" indent="-285750">
+              <a:buFontTx/>
+              <a:buChar char="-"/>
+            </a:pPr>
+            <a:r>
+              <a:rPr lang="en-GB" sz="1800" dirty="0">
+                <a:solidFill>
+                  <a:schemeClr val="tx1"/>
+                </a:solidFill>
+              </a:rPr>
+              <a:t>Machine Learning modelling </a:t>
+            </a:r>
+          </a:p>
+          <a:p>
+            <a:pPr marL="742950" lvl="1" indent="-285750">
+              <a:buFontTx/>
+              <a:buChar char="-"/>
+            </a:pPr>
+            <a:r>
+              <a:rPr lang="en-GB" sz="1800" dirty="0">
+                <a:solidFill>
+                  <a:schemeClr val="tx1"/>
+                </a:solidFill>
+              </a:rPr>
+              <a:t>Evaluating approaches </a:t>
             </a:r>
           </a:p>
           <a:p>
             <a:pPr marL="1200150" lvl="2" indent="-285750">
-              <a:spcAft>
-                <a:spcPts val="0"/>
-              </a:spcAft>
+              <a:buFontTx/>
+              <a:buChar char="-"/>
+            </a:pPr>
+            <a:r>
+              <a:rPr lang="en-GB" sz="1400" dirty="0">
+                <a:solidFill>
+                  <a:schemeClr val="tx1"/>
+                </a:solidFill>
+              </a:rPr>
+              <a:t>rules vs ML</a:t>
+            </a:r>
+          </a:p>
+          <a:p>
+            <a:pPr marL="1200150" lvl="2" indent="-285750">
               <a:buFontTx/>
               <a:buChar char="-"/>
             </a:pPr>
@@ -11024,90 +9464,109 @@
                   <a:prstClr val="black"/>
                 </a:solidFill>
               </a:rPr>
-              <a:t>Other departments may want to copy?</a:t>
-            </a:r>
-          </a:p>
-          <a:p>
-            <a:pPr marL="1200150" lvl="2" indent="-285750">
-              <a:spcAft>
-                <a:spcPts val="0"/>
-              </a:spcAft>
-              <a:buFontTx/>
-              <a:buChar char="-"/>
+              <a:t>Recall &amp; Precision (False positives, false negatives etc.)</a:t>
+            </a:r>
+          </a:p>
+          <a:p>
+            <a:pPr marL="914400" lvl="2" indent="0">
+              <a:buNone/>
             </a:pPr>
-            <a:r>
-              <a:rPr lang="en-GB" sz="1400" dirty="0">
-                <a:solidFill>
-                  <a:prstClr val="black"/>
-                </a:solidFill>
-              </a:rPr>
-              <a:t>Go to Hansard directly – something they could build in to their site?</a:t>
-            </a:r>
-          </a:p>
-          <a:p>
-            <a:pPr lvl="0">
-              <a:lnSpc>
-                <a:spcPct val="90000"/>
-              </a:lnSpc>
-              <a:spcAft>
-                <a:spcPts val="0"/>
-              </a:spcAft>
-            </a:pPr>
-            <a:r>
-              <a:rPr lang="en-GB" sz="2000" dirty="0">
-                <a:solidFill>
-                  <a:prstClr val="black"/>
-                </a:solidFill>
-              </a:rPr>
-              <a:t>Private sector - board reports/annual reports &gt; do ONS economic stats get mentioned?</a:t>
-            </a:r>
-          </a:p>
-          <a:p>
-            <a:pPr lvl="0">
-              <a:lnSpc>
-                <a:spcPct val="90000"/>
-              </a:lnSpc>
-              <a:spcAft>
-                <a:spcPts val="0"/>
-              </a:spcAft>
-            </a:pPr>
-            <a:r>
-              <a:rPr lang="en-GB" sz="2000" dirty="0">
-                <a:solidFill>
-                  <a:prstClr val="black"/>
-                </a:solidFill>
-              </a:rPr>
-              <a:t>OSR -&gt; using </a:t>
-            </a:r>
-            <a:r>
-              <a:rPr lang="en-GB" sz="2000" dirty="0" err="1">
-                <a:solidFill>
-                  <a:prstClr val="black"/>
-                </a:solidFill>
-              </a:rPr>
-              <a:t>hansard</a:t>
-            </a:r>
-            <a:r>
-              <a:rPr lang="en-GB" sz="2000" dirty="0">
-                <a:solidFill>
-                  <a:prstClr val="black"/>
-                </a:solidFill>
-              </a:rPr>
-              <a:t> data to help with evaluating how stats are used (Michael Hodge). Identifying use of stats in parliament.</a:t>
-            </a:r>
+            <a:endParaRPr lang="en-GB" sz="1000" dirty="0">
+              <a:solidFill>
+                <a:schemeClr val="tx1"/>
+              </a:solidFill>
+            </a:endParaRPr>
           </a:p>
           <a:p>
             <a:pPr marL="0" indent="0">
               <a:buNone/>
             </a:pPr>
-            <a:endParaRPr lang="en-US" dirty="0"/>
+            <a:endParaRPr lang="en-US" sz="2000" dirty="0"/>
+          </a:p>
+        </p:txBody>
+      </p:sp>
+      <p:pic>
+        <p:nvPicPr>
+          <p:cNvPr id="4" name="Picture 3">
+            <a:extLst>
+              <a:ext uri="{FF2B5EF4-FFF2-40B4-BE49-F238E27FC236}">
+                <a16:creationId xmlns:a16="http://schemas.microsoft.com/office/drawing/2014/main" id="{0E927BB0-A37E-4CFF-BA84-6146C984B5EE}"/>
+              </a:ext>
+            </a:extLst>
+          </p:cNvPr>
+          <p:cNvPicPr>
+            <a:picLocks noChangeAspect="1"/>
+          </p:cNvPicPr>
+          <p:nvPr/>
+        </p:nvPicPr>
+        <p:blipFill>
+          <a:blip r:embed="rId3"/>
+          <a:stretch>
+            <a:fillRect/>
+          </a:stretch>
+        </p:blipFill>
+        <p:spPr>
+          <a:xfrm>
+            <a:off x="6096000" y="1300048"/>
+            <a:ext cx="5607576" cy="3998406"/>
+          </a:xfrm>
+          <a:prstGeom prst="rect">
+            <a:avLst/>
+          </a:prstGeom>
+        </p:spPr>
+      </p:pic>
+      <p:sp>
+        <p:nvSpPr>
+          <p:cNvPr id="7" name="Rectangle 6">
+            <a:extLst>
+              <a:ext uri="{FF2B5EF4-FFF2-40B4-BE49-F238E27FC236}">
+                <a16:creationId xmlns:a16="http://schemas.microsoft.com/office/drawing/2014/main" id="{4EF4E644-C70D-413B-A021-20DFC19C8807}"/>
+              </a:ext>
+            </a:extLst>
+          </p:cNvPr>
+          <p:cNvSpPr/>
+          <p:nvPr/>
+        </p:nvSpPr>
+        <p:spPr>
+          <a:xfrm>
+            <a:off x="6096000" y="1300048"/>
+            <a:ext cx="5607576" cy="3998406"/>
+          </a:xfrm>
+          <a:prstGeom prst="rect">
+            <a:avLst/>
+          </a:prstGeom>
+          <a:noFill/>
+          <a:ln w="28575"/>
+        </p:spPr>
+        <p:style>
+          <a:lnRef idx="2">
+            <a:schemeClr val="dk1">
+              <a:shade val="50000"/>
+            </a:schemeClr>
+          </a:lnRef>
+          <a:fillRef idx="1">
+            <a:schemeClr val="dk1"/>
+          </a:fillRef>
+          <a:effectRef idx="0">
+            <a:schemeClr val="dk1"/>
+          </a:effectRef>
+          <a:fontRef idx="minor">
+            <a:schemeClr val="lt1"/>
+          </a:fontRef>
+        </p:style>
+        <p:txBody>
+          <a:bodyPr rtlCol="0" anchor="ctr"/>
+          <a:lstStyle/>
+          <a:p>
+            <a:pPr algn="ctr"/>
+            <a:endParaRPr lang="en-GB"/>
           </a:p>
         </p:txBody>
       </p:sp>
     </p:spTree>
     <p:extLst>
       <p:ext uri="{BB962C8B-B14F-4D97-AF65-F5344CB8AC3E}">
-        <p14:creationId xmlns:p14="http://schemas.microsoft.com/office/powerpoint/2010/main" val="2512118271"/>
+        <p14:creationId xmlns:p14="http://schemas.microsoft.com/office/powerpoint/2010/main" val="626448777"/>
       </p:ext>
     </p:extLst>
   </p:cSld>
@@ -11118,7 +9577,7 @@
 </file>
 
 <file path=ppt/theme/theme1.xml><?xml version="1.0" encoding="utf-8"?>
-<a:theme xmlns:a="http://schemas.openxmlformats.org/drawingml/2006/main" name="Office Theme">
+<a:theme xmlns:a="http://schemas.openxmlformats.org/drawingml/2006/main" name="1_Office Theme">
   <a:themeElements>
     <a:clrScheme name="Office">
       <a:dk1>
@@ -11413,301 +9872,6 @@
 </file>
 
 <file path=ppt/theme/theme2.xml><?xml version="1.0" encoding="utf-8"?>
-<a:theme xmlns:a="http://schemas.openxmlformats.org/drawingml/2006/main" name="1_Office Theme">
-  <a:themeElements>
-    <a:clrScheme name="Office">
-      <a:dk1>
-        <a:sysClr val="windowText" lastClr="000000"/>
-      </a:dk1>
-      <a:lt1>
-        <a:sysClr val="window" lastClr="FFFFFF"/>
-      </a:lt1>
-      <a:dk2>
-        <a:srgbClr val="44546A"/>
-      </a:dk2>
-      <a:lt2>
-        <a:srgbClr val="E7E6E6"/>
-      </a:lt2>
-      <a:accent1>
-        <a:srgbClr val="4472C4"/>
-      </a:accent1>
-      <a:accent2>
-        <a:srgbClr val="ED7D31"/>
-      </a:accent2>
-      <a:accent3>
-        <a:srgbClr val="A5A5A5"/>
-      </a:accent3>
-      <a:accent4>
-        <a:srgbClr val="FFC000"/>
-      </a:accent4>
-      <a:accent5>
-        <a:srgbClr val="5B9BD5"/>
-      </a:accent5>
-      <a:accent6>
-        <a:srgbClr val="70AD47"/>
-      </a:accent6>
-      <a:hlink>
-        <a:srgbClr val="0563C1"/>
-      </a:hlink>
-      <a:folHlink>
-        <a:srgbClr val="954F72"/>
-      </a:folHlink>
-    </a:clrScheme>
-    <a:fontScheme name="Office">
-      <a:majorFont>
-        <a:latin typeface="Calibri Light" panose="020F0302020204030204"/>
-        <a:ea typeface=""/>
-        <a:cs typeface=""/>
-        <a:font script="Jpan" typeface="游ゴシック Light"/>
-        <a:font script="Hang" typeface="맑은 고딕"/>
-        <a:font script="Hans" typeface="等线 Light"/>
-        <a:font script="Hant" typeface="新細明體"/>
-        <a:font script="Arab" typeface="Times New Roman"/>
-        <a:font script="Hebr" typeface="Times New Roman"/>
-        <a:font script="Thai" typeface="Angsana New"/>
-        <a:font script="Ethi" typeface="Nyala"/>
-        <a:font script="Beng" typeface="Vrinda"/>
-        <a:font script="Gujr" typeface="Shruti"/>
-        <a:font script="Khmr" typeface="MoolBoran"/>
-        <a:font script="Knda" typeface="Tunga"/>
-        <a:font script="Guru" typeface="Raavi"/>
-        <a:font script="Cans" typeface="Euphemia"/>
-        <a:font script="Cher" typeface="Plantagenet Cherokee"/>
-        <a:font script="Yiii" typeface="Microsoft Yi Baiti"/>
-        <a:font script="Tibt" typeface="Microsoft Himalaya"/>
-        <a:font script="Thaa" typeface="MV Boli"/>
-        <a:font script="Deva" typeface="Mangal"/>
-        <a:font script="Telu" typeface="Gautami"/>
-        <a:font script="Taml" typeface="Latha"/>
-        <a:font script="Syrc" typeface="Estrangelo Edessa"/>
-        <a:font script="Orya" typeface="Kalinga"/>
-        <a:font script="Mlym" typeface="Kartika"/>
-        <a:font script="Laoo" typeface="DokChampa"/>
-        <a:font script="Sinh" typeface="Iskoola Pota"/>
-        <a:font script="Mong" typeface="Mongolian Baiti"/>
-        <a:font script="Viet" typeface="Times New Roman"/>
-        <a:font script="Uigh" typeface="Microsoft Uighur"/>
-        <a:font script="Geor" typeface="Sylfaen"/>
-        <a:font script="Armn" typeface="Arial"/>
-        <a:font script="Bugi" typeface="Leelawadee UI"/>
-        <a:font script="Bopo" typeface="Microsoft JhengHei"/>
-        <a:font script="Java" typeface="Javanese Text"/>
-        <a:font script="Lisu" typeface="Segoe UI"/>
-        <a:font script="Mymr" typeface="Myanmar Text"/>
-        <a:font script="Nkoo" typeface="Ebrima"/>
-        <a:font script="Olck" typeface="Nirmala UI"/>
-        <a:font script="Osma" typeface="Ebrima"/>
-        <a:font script="Phag" typeface="Phagspa"/>
-        <a:font script="Syrn" typeface="Estrangelo Edessa"/>
-        <a:font script="Syrj" typeface="Estrangelo Edessa"/>
-        <a:font script="Syre" typeface="Estrangelo Edessa"/>
-        <a:font script="Sora" typeface="Nirmala UI"/>
-        <a:font script="Tale" typeface="Microsoft Tai Le"/>
-        <a:font script="Talu" typeface="Microsoft New Tai Lue"/>
-        <a:font script="Tfng" typeface="Ebrima"/>
-      </a:majorFont>
-      <a:minorFont>
-        <a:latin typeface="Calibri" panose="020F0502020204030204"/>
-        <a:ea typeface=""/>
-        <a:cs typeface=""/>
-        <a:font script="Jpan" typeface="游ゴシック"/>
-        <a:font script="Hang" typeface="맑은 고딕"/>
-        <a:font script="Hans" typeface="等线"/>
-        <a:font script="Hant" typeface="新細明體"/>
-        <a:font script="Arab" typeface="Arial"/>
-        <a:font script="Hebr" typeface="Arial"/>
-        <a:font script="Thai" typeface="Cordia New"/>
-        <a:font script="Ethi" typeface="Nyala"/>
-        <a:font script="Beng" typeface="Vrinda"/>
-        <a:font script="Gujr" typeface="Shruti"/>
-        <a:font script="Khmr" typeface="DaunPenh"/>
-        <a:font script="Knda" typeface="Tunga"/>
-        <a:font script="Guru" typeface="Raavi"/>
-        <a:font script="Cans" typeface="Euphemia"/>
-        <a:font script="Cher" typeface="Plantagenet Cherokee"/>
-        <a:font script="Yiii" typeface="Microsoft Yi Baiti"/>
-        <a:font script="Tibt" typeface="Microsoft Himalaya"/>
-        <a:font script="Thaa" typeface="MV Boli"/>
-        <a:font script="Deva" typeface="Mangal"/>
-        <a:font script="Telu" typeface="Gautami"/>
-        <a:font script="Taml" typeface="Latha"/>
-        <a:font script="Syrc" typeface="Estrangelo Edessa"/>
-        <a:font script="Orya" typeface="Kalinga"/>
-        <a:font script="Mlym" typeface="Kartika"/>
-        <a:font script="Laoo" typeface="DokChampa"/>
-        <a:font script="Sinh" typeface="Iskoola Pota"/>
-        <a:font script="Mong" typeface="Mongolian Baiti"/>
-        <a:font script="Viet" typeface="Arial"/>
-        <a:font script="Uigh" typeface="Microsoft Uighur"/>
-        <a:font script="Geor" typeface="Sylfaen"/>
-        <a:font script="Armn" typeface="Arial"/>
-        <a:font script="Bugi" typeface="Leelawadee UI"/>
-        <a:font script="Bopo" typeface="Microsoft JhengHei"/>
-        <a:font script="Java" typeface="Javanese Text"/>
-        <a:font script="Lisu" typeface="Segoe UI"/>
-        <a:font script="Mymr" typeface="Myanmar Text"/>
-        <a:font script="Nkoo" typeface="Ebrima"/>
-        <a:font script="Olck" typeface="Nirmala UI"/>
-        <a:font script="Osma" typeface="Ebrima"/>
-        <a:font script="Phag" typeface="Phagspa"/>
-        <a:font script="Syrn" typeface="Estrangelo Edessa"/>
-        <a:font script="Syrj" typeface="Estrangelo Edessa"/>
-        <a:font script="Syre" typeface="Estrangelo Edessa"/>
-        <a:font script="Sora" typeface="Nirmala UI"/>
-        <a:font script="Tale" typeface="Microsoft Tai Le"/>
-        <a:font script="Talu" typeface="Microsoft New Tai Lue"/>
-        <a:font script="Tfng" typeface="Ebrima"/>
-      </a:minorFont>
-    </a:fontScheme>
-    <a:fmtScheme name="Office">
-      <a:fillStyleLst>
-        <a:solidFill>
-          <a:schemeClr val="phClr"/>
-        </a:solidFill>
-        <a:gradFill rotWithShape="1">
-          <a:gsLst>
-            <a:gs pos="0">
-              <a:schemeClr val="phClr">
-                <a:lumMod val="110000"/>
-                <a:satMod val="105000"/>
-                <a:tint val="67000"/>
-              </a:schemeClr>
-            </a:gs>
-            <a:gs pos="50000">
-              <a:schemeClr val="phClr">
-                <a:lumMod val="105000"/>
-                <a:satMod val="103000"/>
-                <a:tint val="73000"/>
-              </a:schemeClr>
-            </a:gs>
-            <a:gs pos="100000">
-              <a:schemeClr val="phClr">
-                <a:lumMod val="105000"/>
-                <a:satMod val="109000"/>
-                <a:tint val="81000"/>
-              </a:schemeClr>
-            </a:gs>
-          </a:gsLst>
-          <a:lin ang="5400000" scaled="0"/>
-        </a:gradFill>
-        <a:gradFill rotWithShape="1">
-          <a:gsLst>
-            <a:gs pos="0">
-              <a:schemeClr val="phClr">
-                <a:satMod val="103000"/>
-                <a:lumMod val="102000"/>
-                <a:tint val="94000"/>
-              </a:schemeClr>
-            </a:gs>
-            <a:gs pos="50000">
-              <a:schemeClr val="phClr">
-                <a:satMod val="110000"/>
-                <a:lumMod val="100000"/>
-                <a:shade val="100000"/>
-              </a:schemeClr>
-            </a:gs>
-            <a:gs pos="100000">
-              <a:schemeClr val="phClr">
-                <a:lumMod val="99000"/>
-                <a:satMod val="120000"/>
-                <a:shade val="78000"/>
-              </a:schemeClr>
-            </a:gs>
-          </a:gsLst>
-          <a:lin ang="5400000" scaled="0"/>
-        </a:gradFill>
-      </a:fillStyleLst>
-      <a:lnStyleLst>
-        <a:ln w="6350" cap="flat" cmpd="sng" algn="ctr">
-          <a:solidFill>
-            <a:schemeClr val="phClr"/>
-          </a:solidFill>
-          <a:prstDash val="solid"/>
-          <a:miter lim="800000"/>
-        </a:ln>
-        <a:ln w="12700" cap="flat" cmpd="sng" algn="ctr">
-          <a:solidFill>
-            <a:schemeClr val="phClr"/>
-          </a:solidFill>
-          <a:prstDash val="solid"/>
-          <a:miter lim="800000"/>
-        </a:ln>
-        <a:ln w="19050" cap="flat" cmpd="sng" algn="ctr">
-          <a:solidFill>
-            <a:schemeClr val="phClr"/>
-          </a:solidFill>
-          <a:prstDash val="solid"/>
-          <a:miter lim="800000"/>
-        </a:ln>
-      </a:lnStyleLst>
-      <a:effectStyleLst>
-        <a:effectStyle>
-          <a:effectLst/>
-        </a:effectStyle>
-        <a:effectStyle>
-          <a:effectLst/>
-        </a:effectStyle>
-        <a:effectStyle>
-          <a:effectLst>
-            <a:outerShdw blurRad="57150" dist="19050" dir="5400000" algn="ctr" rotWithShape="0">
-              <a:srgbClr val="000000">
-                <a:alpha val="63000"/>
-              </a:srgbClr>
-            </a:outerShdw>
-          </a:effectLst>
-        </a:effectStyle>
-      </a:effectStyleLst>
-      <a:bgFillStyleLst>
-        <a:solidFill>
-          <a:schemeClr val="phClr"/>
-        </a:solidFill>
-        <a:solidFill>
-          <a:schemeClr val="phClr">
-            <a:tint val="95000"/>
-            <a:satMod val="170000"/>
-          </a:schemeClr>
-        </a:solidFill>
-        <a:gradFill rotWithShape="1">
-          <a:gsLst>
-            <a:gs pos="0">
-              <a:schemeClr val="phClr">
-                <a:tint val="93000"/>
-                <a:satMod val="150000"/>
-                <a:shade val="98000"/>
-                <a:lumMod val="102000"/>
-              </a:schemeClr>
-            </a:gs>
-            <a:gs pos="50000">
-              <a:schemeClr val="phClr">
-                <a:tint val="98000"/>
-                <a:satMod val="130000"/>
-                <a:shade val="90000"/>
-                <a:lumMod val="103000"/>
-              </a:schemeClr>
-            </a:gs>
-            <a:gs pos="100000">
-              <a:schemeClr val="phClr">
-                <a:shade val="63000"/>
-                <a:satMod val="120000"/>
-              </a:schemeClr>
-            </a:gs>
-          </a:gsLst>
-          <a:lin ang="5400000" scaled="0"/>
-        </a:gradFill>
-      </a:bgFillStyleLst>
-    </a:fmtScheme>
-  </a:themeElements>
-  <a:objectDefaults/>
-  <a:extraClrSchemeLst/>
-  <a:extLst>
-    <a:ext uri="{05A4C25C-085E-4340-85A3-A5531E510DB2}">
-      <thm15:themeFamily xmlns:thm15="http://schemas.microsoft.com/office/thememl/2012/main" name="Office Theme" id="{62F939B6-93AF-4DB8-9C6B-D6C7DFDC589F}" vid="{4A3C46E8-61CC-4603-A589-7422A47A8E4A}"/>
-    </a:ext>
-  </a:extLst>
-</a:theme>
-</file>
-
-<file path=ppt/theme/theme3.xml><?xml version="1.0" encoding="utf-8"?>
 <a:theme xmlns:a="http://schemas.openxmlformats.org/drawingml/2006/main" name="Office Theme">
   <a:themeElements>
     <a:clrScheme name="Office">

--- a/user-engagement/fpp-presentation.pptx
+++ b/user-engagement/fpp-presentation.pptx
@@ -209,7 +209,7 @@
           <a:p>
             <a:fld id="{DAB43238-E528-4A38-8877-220BCE7DA118}" type="datetimeFigureOut">
               <a:rPr lang="en-GB" smtClean="0"/>
-              <a:t>01/07/2021</a:t>
+              <a:t>05/07/2021</a:t>
             </a:fld>
             <a:endParaRPr lang="en-GB"/>
           </a:p>
@@ -521,6 +521,199 @@
           <a:bodyPr/>
           <a:lstStyle/>
           <a:p>
+            <a:pPr marL="171450" indent="-171450">
+              <a:buFontTx/>
+              <a:buChar char="-"/>
+            </a:pPr>
+            <a:r>
+              <a:rPr lang="en-GB" dirty="0"/>
+              <a:t>Intro </a:t>
+            </a:r>
+            <a:r>
+              <a:rPr lang="en-GB" dirty="0" err="1"/>
+              <a:t>james</a:t>
+            </a:r>
+            <a:endParaRPr lang="en-GB" dirty="0"/>
+          </a:p>
+          <a:p>
+            <a:pPr marL="171450" indent="-171450">
+              <a:buFontTx/>
+              <a:buChar char="-"/>
+            </a:pPr>
+            <a:r>
+              <a:rPr lang="en-GB" dirty="0"/>
+              <a:t>3 parts: what I have done, what I learned &amp; what’s next</a:t>
+            </a:r>
+          </a:p>
+        </p:txBody>
+      </p:sp>
+      <p:sp>
+        <p:nvSpPr>
+          <p:cNvPr id="4" name="Slide Number Placeholder 3"/>
+          <p:cNvSpPr>
+            <a:spLocks noGrp="1"/>
+          </p:cNvSpPr>
+          <p:nvPr>
+            <p:ph type="sldNum" sz="quarter" idx="5"/>
+          </p:nvPr>
+        </p:nvSpPr>
+        <p:spPr/>
+        <p:txBody>
+          <a:bodyPr/>
+          <a:lstStyle/>
+          <a:p>
+            <a:fld id="{86546826-96BA-4624-A10C-6B069BA71481}" type="slidenum">
+              <a:rPr lang="en-GB" smtClean="0"/>
+              <a:t>1</a:t>
+            </a:fld>
+            <a:endParaRPr lang="en-GB"/>
+          </a:p>
+        </p:txBody>
+      </p:sp>
+    </p:spTree>
+    <p:extLst>
+      <p:ext uri="{BB962C8B-B14F-4D97-AF65-F5344CB8AC3E}">
+        <p14:creationId xmlns:p14="http://schemas.microsoft.com/office/powerpoint/2010/main" val="920067441"/>
+      </p:ext>
+    </p:extLst>
+  </p:cSld>
+  <p:clrMapOvr>
+    <a:masterClrMapping/>
+  </p:clrMapOvr>
+</p:notes>
+</file>
+
+<file path=ppt/notesSlides/notesSlide10.xml><?xml version="1.0" encoding="utf-8"?>
+<p:notes xmlns:a="http://schemas.openxmlformats.org/drawingml/2006/main" xmlns:r="http://schemas.openxmlformats.org/officeDocument/2006/relationships" xmlns:p="http://schemas.openxmlformats.org/presentationml/2006/main">
+  <p:cSld>
+    <p:spTree>
+      <p:nvGrpSpPr>
+        <p:cNvPr id="1" name=""/>
+        <p:cNvGrpSpPr/>
+        <p:nvPr/>
+      </p:nvGrpSpPr>
+      <p:grpSpPr>
+        <a:xfrm>
+          <a:off x="0" y="0"/>
+          <a:ext cx="0" cy="0"/>
+          <a:chOff x="0" y="0"/>
+          <a:chExt cx="0" cy="0"/>
+        </a:xfrm>
+      </p:grpSpPr>
+      <p:sp>
+        <p:nvSpPr>
+          <p:cNvPr id="2" name="Slide Image Placeholder 1"/>
+          <p:cNvSpPr>
+            <a:spLocks noGrp="1" noRot="1" noChangeAspect="1"/>
+          </p:cNvSpPr>
+          <p:nvPr>
+            <p:ph type="sldImg"/>
+          </p:nvPr>
+        </p:nvSpPr>
+        <p:spPr/>
+      </p:sp>
+      <p:sp>
+        <p:nvSpPr>
+          <p:cNvPr id="3" name="Notes Placeholder 2"/>
+          <p:cNvSpPr>
+            <a:spLocks noGrp="1"/>
+          </p:cNvSpPr>
+          <p:nvPr>
+            <p:ph type="body" idx="1"/>
+          </p:nvPr>
+        </p:nvSpPr>
+        <p:spPr/>
+        <p:txBody>
+          <a:bodyPr/>
+          <a:lstStyle/>
+          <a:p>
+            <a:r>
+              <a:rPr lang="en-GB" dirty="0"/>
+              <a:t>Say thank you for listening here!</a:t>
+            </a:r>
+          </a:p>
+        </p:txBody>
+      </p:sp>
+      <p:sp>
+        <p:nvSpPr>
+          <p:cNvPr id="4" name="Slide Number Placeholder 3"/>
+          <p:cNvSpPr>
+            <a:spLocks noGrp="1"/>
+          </p:cNvSpPr>
+          <p:nvPr>
+            <p:ph type="sldNum" sz="quarter" idx="5"/>
+          </p:nvPr>
+        </p:nvSpPr>
+        <p:spPr/>
+        <p:txBody>
+          <a:bodyPr/>
+          <a:lstStyle/>
+          <a:p>
+            <a:fld id="{86546826-96BA-4624-A10C-6B069BA71481}" type="slidenum">
+              <a:rPr lang="en-GB" smtClean="0"/>
+              <a:t>13</a:t>
+            </a:fld>
+            <a:endParaRPr lang="en-GB"/>
+          </a:p>
+        </p:txBody>
+      </p:sp>
+    </p:spTree>
+    <p:extLst>
+      <p:ext uri="{BB962C8B-B14F-4D97-AF65-F5344CB8AC3E}">
+        <p14:creationId xmlns:p14="http://schemas.microsoft.com/office/powerpoint/2010/main" val="70535464"/>
+      </p:ext>
+    </p:extLst>
+  </p:cSld>
+  <p:clrMapOvr>
+    <a:masterClrMapping/>
+  </p:clrMapOvr>
+</p:notes>
+</file>
+
+<file path=ppt/notesSlides/notesSlide2.xml><?xml version="1.0" encoding="utf-8"?>
+<p:notes xmlns:a="http://schemas.openxmlformats.org/drawingml/2006/main" xmlns:r="http://schemas.openxmlformats.org/officeDocument/2006/relationships" xmlns:p="http://schemas.openxmlformats.org/presentationml/2006/main">
+  <p:cSld>
+    <p:spTree>
+      <p:nvGrpSpPr>
+        <p:cNvPr id="1" name=""/>
+        <p:cNvGrpSpPr/>
+        <p:nvPr/>
+      </p:nvGrpSpPr>
+      <p:grpSpPr>
+        <a:xfrm>
+          <a:off x="0" y="0"/>
+          <a:ext cx="0" cy="0"/>
+          <a:chOff x="0" y="0"/>
+          <a:chExt cx="0" cy="0"/>
+        </a:xfrm>
+      </p:grpSpPr>
+      <p:sp>
+        <p:nvSpPr>
+          <p:cNvPr id="2" name="Slide Image Placeholder 1"/>
+          <p:cNvSpPr>
+            <a:spLocks noGrp="1" noRot="1" noChangeAspect="1"/>
+          </p:cNvSpPr>
+          <p:nvPr>
+            <p:ph type="sldImg"/>
+          </p:nvPr>
+        </p:nvSpPr>
+        <p:spPr/>
+      </p:sp>
+      <p:sp>
+        <p:nvSpPr>
+          <p:cNvPr id="3" name="Notes Placeholder 2"/>
+          <p:cNvSpPr>
+            <a:spLocks noGrp="1"/>
+          </p:cNvSpPr>
+          <p:nvPr>
+            <p:ph type="body" idx="1"/>
+          </p:nvPr>
+        </p:nvSpPr>
+        <p:spPr/>
+        <p:txBody>
+          <a:bodyPr/>
+          <a:lstStyle/>
+          <a:p>
             <a:pPr marL="0" indent="0">
               <a:buFontTx/>
               <a:buNone/>
@@ -625,7 +818,7 @@
 </p:notes>
 </file>
 
-<file path=ppt/notesSlides/notesSlide2.xml><?xml version="1.0" encoding="utf-8"?>
+<file path=ppt/notesSlides/notesSlide3.xml><?xml version="1.0" encoding="utf-8"?>
 <p:notes xmlns:a="http://schemas.openxmlformats.org/drawingml/2006/main" xmlns:r="http://schemas.openxmlformats.org/officeDocument/2006/relationships" xmlns:p="http://schemas.openxmlformats.org/presentationml/2006/main">
   <p:cSld>
     <p:spTree>
@@ -675,7 +868,7 @@
             </a:pPr>
             <a:r>
               <a:rPr lang="en-GB" dirty="0"/>
-              <a:t>Need to mention switch to 2015-2019 dataset here!</a:t>
+              <a:t>Need to mention switch to 2015-2019 dataset here! [accessing data issue]</a:t>
             </a:r>
           </a:p>
         </p:txBody>
@@ -776,178 +969,6 @@
 </p:notes>
 </file>
 
-<file path=ppt/notesSlides/notesSlide3.xml><?xml version="1.0" encoding="utf-8"?>
-<p:notes xmlns:a="http://schemas.openxmlformats.org/drawingml/2006/main" xmlns:r="http://schemas.openxmlformats.org/officeDocument/2006/relationships" xmlns:p="http://schemas.openxmlformats.org/presentationml/2006/main">
-  <p:cSld>
-    <p:spTree>
-      <p:nvGrpSpPr>
-        <p:cNvPr id="1" name=""/>
-        <p:cNvGrpSpPr/>
-        <p:nvPr/>
-      </p:nvGrpSpPr>
-      <p:grpSpPr>
-        <a:xfrm>
-          <a:off x="0" y="0"/>
-          <a:ext cx="0" cy="0"/>
-          <a:chOff x="0" y="0"/>
-          <a:chExt cx="0" cy="0"/>
-        </a:xfrm>
-      </p:grpSpPr>
-      <p:sp>
-        <p:nvSpPr>
-          <p:cNvPr id="2" name="Slide Image Placeholder 1"/>
-          <p:cNvSpPr>
-            <a:spLocks noGrp="1" noRot="1" noChangeAspect="1"/>
-          </p:cNvSpPr>
-          <p:nvPr>
-            <p:ph type="sldImg"/>
-          </p:nvPr>
-        </p:nvSpPr>
-        <p:spPr/>
-      </p:sp>
-      <p:sp>
-        <p:nvSpPr>
-          <p:cNvPr id="3" name="Notes Placeholder 2"/>
-          <p:cNvSpPr>
-            <a:spLocks noGrp="1"/>
-          </p:cNvSpPr>
-          <p:nvPr>
-            <p:ph type="body" idx="1"/>
-          </p:nvPr>
-        </p:nvSpPr>
-        <p:spPr/>
-        <p:txBody>
-          <a:bodyPr/>
-          <a:lstStyle/>
-          <a:p>
-            <a:r>
-              <a:rPr lang="en-GB" sz="2800" dirty="0"/>
-              <a:t>Hansard data</a:t>
-            </a:r>
-          </a:p>
-          <a:p>
-            <a:pPr lvl="1"/>
-            <a:r>
-              <a:rPr lang="en-GB" sz="2400" dirty="0">
-                <a:hlinkClick r:id="rId3"/>
-              </a:rPr>
-              <a:t>https://parser.theyworkforyou.com/hansard.html</a:t>
-            </a:r>
-            <a:r>
-              <a:rPr lang="en-GB" sz="2400" dirty="0"/>
-              <a:t>  </a:t>
-            </a:r>
-          </a:p>
-          <a:p>
-            <a:r>
-              <a:rPr lang="en-GB" sz="2800" dirty="0"/>
-              <a:t>Processing</a:t>
-            </a:r>
-          </a:p>
-          <a:p>
-            <a:pPr lvl="1"/>
-            <a:r>
-              <a:rPr lang="en-GB" sz="2400" dirty="0">
-                <a:solidFill>
-                  <a:schemeClr val="tx1"/>
-                </a:solidFill>
-              </a:rPr>
-              <a:t>Data cleaning &amp; preparation in Python </a:t>
-            </a:r>
-          </a:p>
-          <a:p>
-            <a:r>
-              <a:rPr lang="en-GB" sz="2800" dirty="0"/>
-              <a:t>Modelling</a:t>
-            </a:r>
-          </a:p>
-          <a:p>
-            <a:pPr lvl="1"/>
-            <a:r>
-              <a:rPr lang="en-GB" sz="2400" dirty="0">
-                <a:solidFill>
-                  <a:schemeClr val="tx1"/>
-                </a:solidFill>
-              </a:rPr>
-              <a:t>ML/rules-based approach using </a:t>
-            </a:r>
-            <a:r>
-              <a:rPr lang="en-GB" sz="2400" dirty="0" err="1">
-                <a:hlinkClick r:id="rId4"/>
-              </a:rPr>
-              <a:t>spaCy</a:t>
-            </a:r>
-            <a:r>
-              <a:rPr lang="en-GB" sz="2400" dirty="0"/>
-              <a:t> </a:t>
-            </a:r>
-            <a:r>
-              <a:rPr lang="en-GB" sz="2400" dirty="0">
-                <a:solidFill>
-                  <a:schemeClr val="tx1"/>
-                </a:solidFill>
-              </a:rPr>
-              <a:t>to produce models to identify topic</a:t>
-            </a:r>
-          </a:p>
-          <a:p>
-            <a:r>
-              <a:rPr lang="en-GB" sz="2800" dirty="0"/>
-              <a:t>Dashboard</a:t>
-            </a:r>
-          </a:p>
-          <a:p>
-            <a:pPr lvl="1"/>
-            <a:r>
-              <a:rPr lang="en-GB" sz="2400" dirty="0">
-                <a:solidFill>
-                  <a:schemeClr val="tx1"/>
-                </a:solidFill>
-              </a:rPr>
-              <a:t>Provide data to users via interactive dashboard</a:t>
-            </a:r>
-          </a:p>
-          <a:p>
-            <a:endParaRPr lang="en-GB" dirty="0"/>
-          </a:p>
-        </p:txBody>
-      </p:sp>
-      <p:sp>
-        <p:nvSpPr>
-          <p:cNvPr id="4" name="Slide Number Placeholder 3"/>
-          <p:cNvSpPr>
-            <a:spLocks noGrp="1"/>
-          </p:cNvSpPr>
-          <p:nvPr>
-            <p:ph type="sldNum" sz="quarter" idx="5"/>
-          </p:nvPr>
-        </p:nvSpPr>
-        <p:spPr/>
-        <p:txBody>
-          <a:bodyPr/>
-          <a:lstStyle/>
-          <a:p>
-            <a:fld id="{86546826-96BA-4624-A10C-6B069BA71481}" type="slidenum">
-              <a:rPr lang="en-GB" smtClean="0"/>
-              <a:t>4</a:t>
-            </a:fld>
-            <a:endParaRPr lang="en-GB"/>
-          </a:p>
-        </p:txBody>
-      </p:sp>
-    </p:spTree>
-    <p:extLst>
-      <p:ext uri="{BB962C8B-B14F-4D97-AF65-F5344CB8AC3E}">
-        <p14:creationId xmlns:p14="http://schemas.microsoft.com/office/powerpoint/2010/main" val="2961157040"/>
-      </p:ext>
-    </p:extLst>
-  </p:cSld>
-  <p:clrMapOvr>
-    <a:masterClrMapping/>
-  </p:clrMapOvr>
-</p:notes>
-</file>
-
 <file path=ppt/notesSlides/notesSlide4.xml><?xml version="1.0" encoding="utf-8"?>
 <p:notes xmlns:a="http://schemas.openxmlformats.org/drawingml/2006/main" xmlns:r="http://schemas.openxmlformats.org/officeDocument/2006/relationships" xmlns:p="http://schemas.openxmlformats.org/presentationml/2006/main">
   <p:cSld>
@@ -992,6 +1013,94 @@
           <a:bodyPr/>
           <a:lstStyle/>
           <a:p>
+            <a:r>
+              <a:rPr lang="en-GB" sz="2800" dirty="0"/>
+              <a:t>Hansard data</a:t>
+            </a:r>
+          </a:p>
+          <a:p>
+            <a:pPr lvl="1"/>
+            <a:r>
+              <a:rPr lang="en-GB" sz="2400" dirty="0">
+                <a:hlinkClick r:id="rId3"/>
+              </a:rPr>
+              <a:t>https://parser.theyworkforyou.com/hansard.html</a:t>
+            </a:r>
+            <a:r>
+              <a:rPr lang="en-GB" sz="2400" dirty="0"/>
+              <a:t>  </a:t>
+            </a:r>
+          </a:p>
+          <a:p>
+            <a:r>
+              <a:rPr lang="en-GB" sz="2800" dirty="0"/>
+              <a:t>Processing</a:t>
+            </a:r>
+          </a:p>
+          <a:p>
+            <a:pPr lvl="1"/>
+            <a:r>
+              <a:rPr lang="en-GB" sz="2400" dirty="0">
+                <a:solidFill>
+                  <a:schemeClr val="tx1"/>
+                </a:solidFill>
+              </a:rPr>
+              <a:t>Data cleaning &amp; preparation in Python </a:t>
+            </a:r>
+          </a:p>
+          <a:p>
+            <a:r>
+              <a:rPr lang="en-GB" sz="2800" dirty="0"/>
+              <a:t>Modelling</a:t>
+            </a:r>
+          </a:p>
+          <a:p>
+            <a:pPr lvl="1"/>
+            <a:r>
+              <a:rPr lang="en-GB" sz="2400" dirty="0">
+                <a:solidFill>
+                  <a:schemeClr val="tx1"/>
+                </a:solidFill>
+              </a:rPr>
+              <a:t>ML/rules-based approach using </a:t>
+            </a:r>
+            <a:r>
+              <a:rPr lang="en-GB" sz="2400" dirty="0" err="1">
+                <a:hlinkClick r:id="rId4"/>
+              </a:rPr>
+              <a:t>spaCy</a:t>
+            </a:r>
+            <a:r>
+              <a:rPr lang="en-GB" sz="2400" dirty="0"/>
+              <a:t> </a:t>
+            </a:r>
+            <a:r>
+              <a:rPr lang="en-GB" sz="2400" dirty="0">
+                <a:solidFill>
+                  <a:schemeClr val="tx1"/>
+                </a:solidFill>
+              </a:rPr>
+              <a:t>to produce models to identify topic</a:t>
+            </a:r>
+          </a:p>
+          <a:p>
+            <a:r>
+              <a:rPr lang="en-GB" sz="2800" dirty="0"/>
+              <a:t>Dashboard</a:t>
+            </a:r>
+          </a:p>
+          <a:p>
+            <a:pPr lvl="1"/>
+            <a:r>
+              <a:rPr lang="en-GB" sz="2400" dirty="0">
+                <a:solidFill>
+                  <a:schemeClr val="tx1"/>
+                </a:solidFill>
+              </a:rPr>
+              <a:t>Provide data to users via interactive dashboard</a:t>
+            </a:r>
+          </a:p>
+          <a:p>
             <a:endParaRPr lang="en-GB" dirty="0"/>
           </a:p>
         </p:txBody>
@@ -1013,7 +1122,7 @@
           <a:p>
             <a:fld id="{86546826-96BA-4624-A10C-6B069BA71481}" type="slidenum">
               <a:rPr lang="en-GB" smtClean="0"/>
-              <a:t>5</a:t>
+              <a:t>4</a:t>
             </a:fld>
             <a:endParaRPr lang="en-GB"/>
           </a:p>
@@ -1022,7 +1131,7 @@
     </p:spTree>
     <p:extLst>
       <p:ext uri="{BB962C8B-B14F-4D97-AF65-F5344CB8AC3E}">
-        <p14:creationId xmlns:p14="http://schemas.microsoft.com/office/powerpoint/2010/main" val="3310426183"/>
+        <p14:creationId xmlns:p14="http://schemas.microsoft.com/office/powerpoint/2010/main" val="2961157040"/>
       </p:ext>
     </p:extLst>
   </p:cSld>
@@ -1097,7 +1206,7 @@
           <a:p>
             <a:fld id="{86546826-96BA-4624-A10C-6B069BA71481}" type="slidenum">
               <a:rPr lang="en-GB" smtClean="0"/>
-              <a:t>6</a:t>
+              <a:t>5</a:t>
             </a:fld>
             <a:endParaRPr lang="en-GB"/>
           </a:p>
@@ -1106,7 +1215,7 @@
     </p:spTree>
     <p:extLst>
       <p:ext uri="{BB962C8B-B14F-4D97-AF65-F5344CB8AC3E}">
-        <p14:creationId xmlns:p14="http://schemas.microsoft.com/office/powerpoint/2010/main" val="949675850"/>
+        <p14:creationId xmlns:p14="http://schemas.microsoft.com/office/powerpoint/2010/main" val="3310426183"/>
       </p:ext>
     </p:extLst>
   </p:cSld>
@@ -1162,37 +1271,7 @@
           <a:p>
             <a:r>
               <a:rPr lang="en-GB" dirty="0"/>
-              <a:t>Dec 2018 – green = ONS decision on student loan statistics</a:t>
-            </a:r>
-          </a:p>
-          <a:p>
-            <a:r>
-              <a:rPr lang="en-GB" dirty="0"/>
-              <a:t>Dark blue = census – first shows up in late 2018, gets more frequent as census approaches</a:t>
-            </a:r>
-          </a:p>
-          <a:p>
-            <a:endParaRPr lang="en-GB" dirty="0"/>
-          </a:p>
-          <a:p>
-            <a:r>
-              <a:rPr lang="en-GB" dirty="0"/>
-              <a:t>Light blue = crime</a:t>
-            </a:r>
-          </a:p>
-          <a:p>
-            <a:r>
-              <a:rPr lang="en-GB" dirty="0"/>
-              <a:t>Light orange = economy</a:t>
-            </a:r>
-          </a:p>
-          <a:p>
-            <a:endParaRPr lang="en-GB" dirty="0"/>
-          </a:p>
-          <a:p>
-            <a:r>
-              <a:rPr lang="en-GB" dirty="0"/>
-              <a:t>Both fairly frequent.</a:t>
+              <a:t>- Use of our stats -&gt; link to OSR connection that will cover later</a:t>
             </a:r>
           </a:p>
         </p:txBody>
@@ -1214,7 +1293,7 @@
           <a:p>
             <a:fld id="{86546826-96BA-4624-A10C-6B069BA71481}" type="slidenum">
               <a:rPr lang="en-GB" smtClean="0"/>
-              <a:t>8</a:t>
+              <a:t>6</a:t>
             </a:fld>
             <a:endParaRPr lang="en-GB"/>
           </a:p>
@@ -1223,7 +1302,7 @@
     </p:spTree>
     <p:extLst>
       <p:ext uri="{BB962C8B-B14F-4D97-AF65-F5344CB8AC3E}">
-        <p14:creationId xmlns:p14="http://schemas.microsoft.com/office/powerpoint/2010/main" val="3852155576"/>
+        <p14:creationId xmlns:p14="http://schemas.microsoft.com/office/powerpoint/2010/main" val="949675850"/>
       </p:ext>
     </p:extLst>
   </p:cSld>
@@ -1279,7 +1358,13 @@
           <a:p>
             <a:r>
               <a:rPr lang="en-GB" dirty="0"/>
-              <a:t>Data science</a:t>
+              <a:t>Dec 2018 – green = ONS decision on student loan statistics</a:t>
+            </a:r>
+          </a:p>
+          <a:p>
+            <a:r>
+              <a:rPr lang="en-GB" dirty="0"/>
+              <a:t>Dark blue = census – first shows up in late 2018, gets more frequent as census approaches</a:t>
             </a:r>
           </a:p>
           <a:p>
@@ -1288,7 +1373,22 @@
           <a:p>
             <a:r>
               <a:rPr lang="en-GB" dirty="0"/>
-              <a:t>Summarise during talk – learned A LOT. Some key highlights are… (pick out 3?) [prob: documentation / ML exposure / Git]</a:t>
+              <a:t>Light blue = crime</a:t>
+            </a:r>
+          </a:p>
+          <a:p>
+            <a:r>
+              <a:rPr lang="en-GB" dirty="0"/>
+              <a:t>Light orange = economy</a:t>
+            </a:r>
+          </a:p>
+          <a:p>
+            <a:endParaRPr lang="en-GB" dirty="0"/>
+          </a:p>
+          <a:p>
+            <a:r>
+              <a:rPr lang="en-GB" dirty="0"/>
+              <a:t>Both fairly frequent.</a:t>
             </a:r>
           </a:p>
         </p:txBody>
@@ -1310,7 +1410,7 @@
           <a:p>
             <a:fld id="{86546826-96BA-4624-A10C-6B069BA71481}" type="slidenum">
               <a:rPr lang="en-GB" smtClean="0"/>
-              <a:t>9</a:t>
+              <a:t>8</a:t>
             </a:fld>
             <a:endParaRPr lang="en-GB"/>
           </a:p>
@@ -1319,7 +1419,7 @@
     </p:spTree>
     <p:extLst>
       <p:ext uri="{BB962C8B-B14F-4D97-AF65-F5344CB8AC3E}">
-        <p14:creationId xmlns:p14="http://schemas.microsoft.com/office/powerpoint/2010/main" val="2160320761"/>
+        <p14:creationId xmlns:p14="http://schemas.microsoft.com/office/powerpoint/2010/main" val="3852155576"/>
       </p:ext>
     </p:extLst>
   </p:cSld>
@@ -1375,7 +1475,7 @@
           <a:p>
             <a:r>
               <a:rPr lang="en-GB" dirty="0"/>
-              <a:t>Project mgmt.</a:t>
+              <a:t>Data science</a:t>
             </a:r>
           </a:p>
           <a:p>
@@ -1384,50 +1484,7 @@
           <a:p>
             <a:r>
               <a:rPr lang="en-GB" dirty="0"/>
-              <a:t>Contacts:</a:t>
-            </a:r>
-          </a:p>
-          <a:p>
-            <a:endParaRPr lang="en-GB" dirty="0"/>
-          </a:p>
-          <a:p>
-            <a:pPr marL="171450" indent="-171450">
-              <a:buFontTx/>
-              <a:buChar char="-"/>
-            </a:pPr>
-            <a:r>
-              <a:rPr lang="en-GB" dirty="0"/>
-              <a:t>Key contacts in ONS/OSR (e.g. Mitch &amp; Michael)</a:t>
-            </a:r>
-          </a:p>
-          <a:p>
-            <a:pPr marL="171450" indent="-171450">
-              <a:buFontTx/>
-              <a:buChar char="-"/>
-            </a:pPr>
-            <a:r>
-              <a:rPr lang="en-GB" dirty="0"/>
-              <a:t>X-gov data science Slack</a:t>
-            </a:r>
-          </a:p>
-          <a:p>
-            <a:pPr marL="171450" indent="-171450">
-              <a:buFontTx/>
-              <a:buChar char="-"/>
-            </a:pPr>
-            <a:r>
-              <a:rPr lang="en-GB" dirty="0"/>
-              <a:t>DSA cohort</a:t>
-            </a:r>
-          </a:p>
-          <a:p>
-            <a:pPr marL="171450" indent="-171450">
-              <a:buFontTx/>
-              <a:buChar char="-"/>
-            </a:pPr>
-            <a:r>
-              <a:rPr lang="en-GB" dirty="0"/>
-              <a:t>Cabinet Office (James!)</a:t>
+              <a:t>Summarise during talk – learned A LOT. Some key highlights are… (pick out 3?) [prob: documentation / ML exposure &amp; evaluation / Git]</a:t>
             </a:r>
           </a:p>
         </p:txBody>
@@ -1449,7 +1506,7 @@
           <a:p>
             <a:fld id="{86546826-96BA-4624-A10C-6B069BA71481}" type="slidenum">
               <a:rPr lang="en-GB" smtClean="0"/>
-              <a:t>10</a:t>
+              <a:t>9</a:t>
             </a:fld>
             <a:endParaRPr lang="en-GB"/>
           </a:p>
@@ -1458,7 +1515,7 @@
     </p:spTree>
     <p:extLst>
       <p:ext uri="{BB962C8B-B14F-4D97-AF65-F5344CB8AC3E}">
-        <p14:creationId xmlns:p14="http://schemas.microsoft.com/office/powerpoint/2010/main" val="2805507030"/>
+        <p14:creationId xmlns:p14="http://schemas.microsoft.com/office/powerpoint/2010/main" val="2160320761"/>
       </p:ext>
     </p:extLst>
   </p:cSld>
@@ -1514,7 +1571,59 @@
           <a:p>
             <a:r>
               <a:rPr lang="en-GB" dirty="0"/>
-              <a:t>Say thank you for listening here!</a:t>
+              <a:t>Project mgmt.</a:t>
+            </a:r>
+          </a:p>
+          <a:p>
+            <a:endParaRPr lang="en-GB" dirty="0"/>
+          </a:p>
+          <a:p>
+            <a:r>
+              <a:rPr lang="en-GB" dirty="0"/>
+              <a:t>Contacts:</a:t>
+            </a:r>
+          </a:p>
+          <a:p>
+            <a:endParaRPr lang="en-GB" dirty="0"/>
+          </a:p>
+          <a:p>
+            <a:pPr marL="171450" indent="-171450">
+              <a:buFontTx/>
+              <a:buChar char="-"/>
+            </a:pPr>
+            <a:r>
+              <a:rPr lang="en-GB" dirty="0"/>
+              <a:t>Key contacts in ONS/OSR (e.g. Mitch &amp; Michael)</a:t>
+            </a:r>
+          </a:p>
+          <a:p>
+            <a:pPr marL="171450" indent="-171450">
+              <a:buFontTx/>
+              <a:buChar char="-"/>
+            </a:pPr>
+            <a:r>
+              <a:rPr lang="en-GB" dirty="0"/>
+              <a:t>X-gov data science Slack</a:t>
+            </a:r>
+          </a:p>
+          <a:p>
+            <a:pPr marL="171450" indent="-171450">
+              <a:buFontTx/>
+              <a:buChar char="-"/>
+            </a:pPr>
+            <a:r>
+              <a:rPr lang="en-GB" dirty="0"/>
+              <a:t>DSA cohort</a:t>
+            </a:r>
+          </a:p>
+          <a:p>
+            <a:pPr marL="171450" indent="-171450">
+              <a:buFontTx/>
+              <a:buChar char="-"/>
+            </a:pPr>
+            <a:r>
+              <a:rPr lang="en-GB" dirty="0"/>
+              <a:t>Cabinet Office (James!)</a:t>
             </a:r>
           </a:p>
         </p:txBody>
@@ -1536,7 +1645,7 @@
           <a:p>
             <a:fld id="{86546826-96BA-4624-A10C-6B069BA71481}" type="slidenum">
               <a:rPr lang="en-GB" smtClean="0"/>
-              <a:t>13</a:t>
+              <a:t>10</a:t>
             </a:fld>
             <a:endParaRPr lang="en-GB"/>
           </a:p>
@@ -1545,7 +1654,7 @@
     </p:spTree>
     <p:extLst>
       <p:ext uri="{BB962C8B-B14F-4D97-AF65-F5344CB8AC3E}">
-        <p14:creationId xmlns:p14="http://schemas.microsoft.com/office/powerpoint/2010/main" val="70535464"/>
+        <p14:creationId xmlns:p14="http://schemas.microsoft.com/office/powerpoint/2010/main" val="2805507030"/>
       </p:ext>
     </p:extLst>
   </p:cSld>
@@ -1704,7 +1813,7 @@
           <a:p>
             <a:fld id="{E4A62EDC-D5D1-49C5-B313-6E6F916DA0E0}" type="datetimeFigureOut">
               <a:rPr lang="en-GB" smtClean="0"/>
-              <a:t>01/07/2021</a:t>
+              <a:t>05/07/2021</a:t>
             </a:fld>
             <a:endParaRPr lang="en-GB"/>
           </a:p>
@@ -1904,7 +2013,7 @@
           <a:p>
             <a:fld id="{E4A62EDC-D5D1-49C5-B313-6E6F916DA0E0}" type="datetimeFigureOut">
               <a:rPr lang="en-GB" smtClean="0"/>
-              <a:t>01/07/2021</a:t>
+              <a:t>05/07/2021</a:t>
             </a:fld>
             <a:endParaRPr lang="en-GB"/>
           </a:p>
@@ -2114,7 +2223,7 @@
           <a:p>
             <a:fld id="{E4A62EDC-D5D1-49C5-B313-6E6F916DA0E0}" type="datetimeFigureOut">
               <a:rPr lang="en-GB" smtClean="0"/>
-              <a:t>01/07/2021</a:t>
+              <a:t>05/07/2021</a:t>
             </a:fld>
             <a:endParaRPr lang="en-GB"/>
           </a:p>
@@ -3020,7 +3129,7 @@
           <a:p>
             <a:fld id="{E4A62EDC-D5D1-49C5-B313-6E6F916DA0E0}" type="datetimeFigureOut">
               <a:rPr lang="en-GB" smtClean="0"/>
-              <a:t>01/07/2021</a:t>
+              <a:t>05/07/2021</a:t>
             </a:fld>
             <a:endParaRPr lang="en-GB"/>
           </a:p>
@@ -3296,7 +3405,7 @@
           <a:p>
             <a:fld id="{E4A62EDC-D5D1-49C5-B313-6E6F916DA0E0}" type="datetimeFigureOut">
               <a:rPr lang="en-GB" smtClean="0"/>
-              <a:t>01/07/2021</a:t>
+              <a:t>05/07/2021</a:t>
             </a:fld>
             <a:endParaRPr lang="en-GB"/>
           </a:p>
@@ -3564,7 +3673,7 @@
           <a:p>
             <a:fld id="{E4A62EDC-D5D1-49C5-B313-6E6F916DA0E0}" type="datetimeFigureOut">
               <a:rPr lang="en-GB" smtClean="0"/>
-              <a:t>01/07/2021</a:t>
+              <a:t>05/07/2021</a:t>
             </a:fld>
             <a:endParaRPr lang="en-GB"/>
           </a:p>
@@ -3979,7 +4088,7 @@
           <a:p>
             <a:fld id="{E4A62EDC-D5D1-49C5-B313-6E6F916DA0E0}" type="datetimeFigureOut">
               <a:rPr lang="en-GB" smtClean="0"/>
-              <a:t>01/07/2021</a:t>
+              <a:t>05/07/2021</a:t>
             </a:fld>
             <a:endParaRPr lang="en-GB"/>
           </a:p>
@@ -4121,7 +4230,7 @@
           <a:p>
             <a:fld id="{E4A62EDC-D5D1-49C5-B313-6E6F916DA0E0}" type="datetimeFigureOut">
               <a:rPr lang="en-GB" smtClean="0"/>
-              <a:t>01/07/2021</a:t>
+              <a:t>05/07/2021</a:t>
             </a:fld>
             <a:endParaRPr lang="en-GB"/>
           </a:p>
@@ -4234,7 +4343,7 @@
           <a:p>
             <a:fld id="{E4A62EDC-D5D1-49C5-B313-6E6F916DA0E0}" type="datetimeFigureOut">
               <a:rPr lang="en-GB" smtClean="0"/>
-              <a:t>01/07/2021</a:t>
+              <a:t>05/07/2021</a:t>
             </a:fld>
             <a:endParaRPr lang="en-GB"/>
           </a:p>
@@ -4547,7 +4656,7 @@
           <a:p>
             <a:fld id="{E4A62EDC-D5D1-49C5-B313-6E6F916DA0E0}" type="datetimeFigureOut">
               <a:rPr lang="en-GB" smtClean="0"/>
-              <a:t>01/07/2021</a:t>
+              <a:t>05/07/2021</a:t>
             </a:fld>
             <a:endParaRPr lang="en-GB"/>
           </a:p>
@@ -4836,7 +4945,7 @@
           <a:p>
             <a:fld id="{E4A62EDC-D5D1-49C5-B313-6E6F916DA0E0}" type="datetimeFigureOut">
               <a:rPr lang="en-GB" smtClean="0"/>
-              <a:t>01/07/2021</a:t>
+              <a:t>05/07/2021</a:t>
             </a:fld>
             <a:endParaRPr lang="en-GB"/>
           </a:p>
@@ -5079,7 +5188,7 @@
           <a:p>
             <a:fld id="{E4A62EDC-D5D1-49C5-B313-6E6F916DA0E0}" type="datetimeFigureOut">
               <a:rPr lang="en-GB" smtClean="0"/>
-              <a:t>01/07/2021</a:t>
+              <a:t>05/07/2021</a:t>
             </a:fld>
             <a:endParaRPr lang="en-GB"/>
           </a:p>
@@ -5613,7 +5722,7 @@
           <p:nvPr/>
         </p:nvPicPr>
         <p:blipFill rotWithShape="1">
-          <a:blip r:embed="rId2">
+          <a:blip r:embed="rId3">
             <a:alphaModFix amt="50000"/>
             <a:extLst>
               <a:ext uri="{28A0092B-C50C-407E-A947-70E740481C1C}">
